--- a/02_analysis/04_sv/03_figures/ig_2023_08_18_fig_sv.pptx
+++ b/02_analysis/04_sv/03_figures/ig_2023_08_18_fig_sv.pptx
@@ -117,7 +117,7 @@
 <file path=ppt/revisionInfo.xml><?xml version="1.0" encoding="utf-8"?>
 <p1510:revInfo xmlns:a="http://schemas.openxmlformats.org/drawingml/2006/main" xmlns:r="http://schemas.openxmlformats.org/officeDocument/2006/relationships" xmlns:p1510="http://schemas.microsoft.com/office/powerpoint/2015/10/main">
   <p1510:revLst>
-    <p1510:client id="{1720320C-2886-A44F-B1A5-AC29DAC23C38}" v="519" dt="2023-09-01T12:15:43.803"/>
+    <p1510:client id="{1720320C-2886-A44F-B1A5-AC29DAC23C38}" v="550" dt="2023-09-07T15:22:35.311"/>
   </p1510:revLst>
 </p1510:revInfo>
 </file>
@@ -127,18 +127,18 @@
   <pc:docChgLst>
     <pc:chgData name="Ann Igolkina" userId="4d1b5d7ddf2bbc78" providerId="LiveId" clId="{1720320C-2886-A44F-B1A5-AC29DAC23C38}"/>
     <pc:docChg chg="undo redo custSel addSld delSld modSld">
-      <pc:chgData name="Ann Igolkina" userId="4d1b5d7ddf2bbc78" providerId="LiveId" clId="{1720320C-2886-A44F-B1A5-AC29DAC23C38}" dt="2023-09-01T12:16:04.833" v="393" actId="1076"/>
+      <pc:chgData name="Ann Igolkina" userId="4d1b5d7ddf2bbc78" providerId="LiveId" clId="{1720320C-2886-A44F-B1A5-AC29DAC23C38}" dt="2023-09-07T15:22:45.414" v="604" actId="1076"/>
       <pc:docMkLst>
         <pc:docMk/>
       </pc:docMkLst>
       <pc:sldChg chg="addSp delSp modSp mod">
-        <pc:chgData name="Ann Igolkina" userId="4d1b5d7ddf2bbc78" providerId="LiveId" clId="{1720320C-2886-A44F-B1A5-AC29DAC23C38}" dt="2023-09-01T12:16:04.833" v="393" actId="1076"/>
+        <pc:chgData name="Ann Igolkina" userId="4d1b5d7ddf2bbc78" providerId="LiveId" clId="{1720320C-2886-A44F-B1A5-AC29DAC23C38}" dt="2023-09-07T15:22:45.414" v="604" actId="1076"/>
         <pc:sldMkLst>
           <pc:docMk/>
           <pc:sldMk cId="3114100624" sldId="256"/>
         </pc:sldMkLst>
         <pc:spChg chg="add mod topLvl">
-          <ac:chgData name="Ann Igolkina" userId="4d1b5d7ddf2bbc78" providerId="LiveId" clId="{1720320C-2886-A44F-B1A5-AC29DAC23C38}" dt="2023-09-01T12:08:48.057" v="367" actId="1076"/>
+          <ac:chgData name="Ann Igolkina" userId="4d1b5d7ddf2bbc78" providerId="LiveId" clId="{1720320C-2886-A44F-B1A5-AC29DAC23C38}" dt="2023-09-07T14:57:59.017" v="581" actId="1076"/>
           <ac:spMkLst>
             <pc:docMk/>
             <pc:sldMk cId="3114100624" sldId="256"/>
@@ -153,16 +153,16 @@
             <ac:spMk id="58" creationId="{793C26B4-04D3-8A35-DCB2-15C7079EACF3}"/>
           </ac:spMkLst>
         </pc:spChg>
-        <pc:spChg chg="add mod">
-          <ac:chgData name="Ann Igolkina" userId="4d1b5d7ddf2bbc78" providerId="LiveId" clId="{1720320C-2886-A44F-B1A5-AC29DAC23C38}" dt="2023-08-23T14:49:12.763" v="292" actId="20577"/>
+        <pc:spChg chg="add del mod">
+          <ac:chgData name="Ann Igolkina" userId="4d1b5d7ddf2bbc78" providerId="LiveId" clId="{1720320C-2886-A44F-B1A5-AC29DAC23C38}" dt="2023-09-07T13:39:41.103" v="463" actId="478"/>
           <ac:spMkLst>
             <pc:docMk/>
             <pc:sldMk cId="3114100624" sldId="256"/>
             <ac:spMk id="59" creationId="{F3D2A07B-4BD8-8B13-EA61-8D2D70ED882D}"/>
           </ac:spMkLst>
         </pc:spChg>
-        <pc:spChg chg="add mod">
-          <ac:chgData name="Ann Igolkina" userId="4d1b5d7ddf2bbc78" providerId="LiveId" clId="{1720320C-2886-A44F-B1A5-AC29DAC23C38}" dt="2023-08-23T14:50:52.104" v="298" actId="1076"/>
+        <pc:spChg chg="add mod topLvl">
+          <ac:chgData name="Ann Igolkina" userId="4d1b5d7ddf2bbc78" providerId="LiveId" clId="{1720320C-2886-A44F-B1A5-AC29DAC23C38}" dt="2023-09-07T14:59:45.036" v="598" actId="1076"/>
           <ac:spMkLst>
             <pc:docMk/>
             <pc:sldMk cId="3114100624" sldId="256"/>
@@ -178,19 +178,43 @@
           </ac:spMkLst>
         </pc:spChg>
         <pc:grpChg chg="add mod">
-          <ac:chgData name="Ann Igolkina" userId="4d1b5d7ddf2bbc78" providerId="LiveId" clId="{1720320C-2886-A44F-B1A5-AC29DAC23C38}" dt="2023-09-01T12:08:48.057" v="367" actId="1076"/>
+          <ac:chgData name="Ann Igolkina" userId="4d1b5d7ddf2bbc78" providerId="LiveId" clId="{1720320C-2886-A44F-B1A5-AC29DAC23C38}" dt="2023-09-07T14:57:59.017" v="581" actId="1076"/>
           <ac:grpSpMkLst>
             <pc:docMk/>
             <pc:sldMk cId="3114100624" sldId="256"/>
             <ac:grpSpMk id="2" creationId="{7B6259F8-C277-854A-5557-03DD35ACA465}"/>
           </ac:grpSpMkLst>
         </pc:grpChg>
-        <pc:grpChg chg="add mod">
-          <ac:chgData name="Ann Igolkina" userId="4d1b5d7ddf2bbc78" providerId="LiveId" clId="{1720320C-2886-A44F-B1A5-AC29DAC23C38}" dt="2023-09-01T12:15:43.802" v="388" actId="167"/>
+        <pc:grpChg chg="add del mod">
+          <ac:chgData name="Ann Igolkina" userId="4d1b5d7ddf2bbc78" providerId="LiveId" clId="{1720320C-2886-A44F-B1A5-AC29DAC23C38}" dt="2023-09-07T13:07:16.369" v="430" actId="165"/>
           <ac:grpSpMkLst>
             <pc:docMk/>
             <pc:sldMk cId="3114100624" sldId="256"/>
             <ac:grpSpMk id="5" creationId="{296C9A7A-0EBD-15BC-80CD-AD61C71FDD8B}"/>
+          </ac:grpSpMkLst>
+        </pc:grpChg>
+        <pc:grpChg chg="add mod">
+          <ac:chgData name="Ann Igolkina" userId="4d1b5d7ddf2bbc78" providerId="LiveId" clId="{1720320C-2886-A44F-B1A5-AC29DAC23C38}" dt="2023-09-07T13:16:52.556" v="456" actId="1076"/>
+          <ac:grpSpMkLst>
+            <pc:docMk/>
+            <pc:sldMk cId="3114100624" sldId="256"/>
+            <ac:grpSpMk id="18" creationId="{5475C27D-09E3-E9E0-EE36-38275E56FF6D}"/>
+          </ac:grpSpMkLst>
+        </pc:grpChg>
+        <pc:grpChg chg="add del mod">
+          <ac:chgData name="Ann Igolkina" userId="4d1b5d7ddf2bbc78" providerId="LiveId" clId="{1720320C-2886-A44F-B1A5-AC29DAC23C38}" dt="2023-09-07T14:59:26.489" v="594" actId="165"/>
+          <ac:grpSpMkLst>
+            <pc:docMk/>
+            <pc:sldMk cId="3114100624" sldId="256"/>
+            <ac:grpSpMk id="19" creationId="{50CA7B8A-CC6A-ADE8-F3DB-06C8071DC633}"/>
+          </ac:grpSpMkLst>
+        </pc:grpChg>
+        <pc:grpChg chg="add">
+          <ac:chgData name="Ann Igolkina" userId="4d1b5d7ddf2bbc78" providerId="LiveId" clId="{1720320C-2886-A44F-B1A5-AC29DAC23C38}" dt="2023-09-07T14:59:51.270" v="599" actId="164"/>
+          <ac:grpSpMkLst>
+            <pc:docMk/>
+            <pc:sldMk cId="3114100624" sldId="256"/>
+            <ac:grpSpMk id="40" creationId="{21BF0814-F9EF-52EA-9B93-F3D4C78C48E5}"/>
           </ac:grpSpMkLst>
         </pc:grpChg>
         <pc:grpChg chg="add del">
@@ -234,6 +258,14 @@
           </ac:picMkLst>
         </pc:picChg>
         <pc:picChg chg="add del mod">
+          <ac:chgData name="Ann Igolkina" userId="4d1b5d7ddf2bbc78" providerId="LiveId" clId="{1720320C-2886-A44F-B1A5-AC29DAC23C38}" dt="2023-09-07T12:03:57.437" v="397" actId="478"/>
+          <ac:picMkLst>
+            <pc:docMk/>
+            <pc:sldMk cId="3114100624" sldId="256"/>
+            <ac:picMk id="7" creationId="{D7EA39F5-5379-7FEB-7343-7554201FA007}"/>
+          </ac:picMkLst>
+        </pc:picChg>
+        <pc:picChg chg="add del mod">
           <ac:chgData name="Ann Igolkina" userId="4d1b5d7ddf2bbc78" providerId="LiveId" clId="{1720320C-2886-A44F-B1A5-AC29DAC23C38}" dt="2023-08-19T09:26:57.387" v="33" actId="478"/>
           <ac:picMkLst>
             <pc:docMk/>
@@ -242,6 +274,22 @@
           </ac:picMkLst>
         </pc:picChg>
         <pc:picChg chg="add del mod">
+          <ac:chgData name="Ann Igolkina" userId="4d1b5d7ddf2bbc78" providerId="LiveId" clId="{1720320C-2886-A44F-B1A5-AC29DAC23C38}" dt="2023-09-07T13:04:07.949" v="400" actId="478"/>
+          <ac:picMkLst>
+            <pc:docMk/>
+            <pc:sldMk cId="3114100624" sldId="256"/>
+            <ac:picMk id="9" creationId="{E3BAB3A2-2E7A-DC5A-BEE1-19DECF3917DD}"/>
+          </ac:picMkLst>
+        </pc:picChg>
+        <pc:picChg chg="add del mod">
+          <ac:chgData name="Ann Igolkina" userId="4d1b5d7ddf2bbc78" providerId="LiveId" clId="{1720320C-2886-A44F-B1A5-AC29DAC23C38}" dt="2023-09-07T13:05:26.283" v="408" actId="478"/>
+          <ac:picMkLst>
+            <pc:docMk/>
+            <pc:sldMk cId="3114100624" sldId="256"/>
+            <ac:picMk id="11" creationId="{204DF339-6D73-883C-75CB-2CD7551AF64D}"/>
+          </ac:picMkLst>
+        </pc:picChg>
+        <pc:picChg chg="add del mod">
           <ac:chgData name="Ann Igolkina" userId="4d1b5d7ddf2bbc78" providerId="LiveId" clId="{1720320C-2886-A44F-B1A5-AC29DAC23C38}" dt="2023-08-19T09:25:48.337" v="23" actId="478"/>
           <ac:picMkLst>
             <pc:docMk/>
@@ -249,8 +297,8 @@
             <ac:picMk id="11" creationId="{BEEE6415-1705-E131-7A6E-03E08C34DBCE}"/>
           </ac:picMkLst>
         </pc:picChg>
-        <pc:picChg chg="add mod topLvl">
-          <ac:chgData name="Ann Igolkina" userId="4d1b5d7ddf2bbc78" providerId="LiveId" clId="{1720320C-2886-A44F-B1A5-AC29DAC23C38}" dt="2023-09-01T10:57:08.606" v="351" actId="1076"/>
+        <pc:picChg chg="add mod topLvl modCrop">
+          <ac:chgData name="Ann Igolkina" userId="4d1b5d7ddf2bbc78" providerId="LiveId" clId="{1720320C-2886-A44F-B1A5-AC29DAC23C38}" dt="2023-09-07T14:55:37.425" v="559" actId="14100"/>
           <ac:picMkLst>
             <pc:docMk/>
             <pc:sldMk cId="3114100624" sldId="256"/>
@@ -258,6 +306,14 @@
           </ac:picMkLst>
         </pc:picChg>
         <pc:picChg chg="add del mod">
+          <ac:chgData name="Ann Igolkina" userId="4d1b5d7ddf2bbc78" providerId="LiveId" clId="{1720320C-2886-A44F-B1A5-AC29DAC23C38}" dt="2023-09-07T13:06:19.003" v="418" actId="478"/>
+          <ac:picMkLst>
+            <pc:docMk/>
+            <pc:sldMk cId="3114100624" sldId="256"/>
+            <ac:picMk id="14" creationId="{F696F502-27F1-9C4C-E718-F2D25829F94F}"/>
+          </ac:picMkLst>
+        </pc:picChg>
+        <pc:picChg chg="add del mod">
           <ac:chgData name="Ann Igolkina" userId="4d1b5d7ddf2bbc78" providerId="LiveId" clId="{1720320C-2886-A44F-B1A5-AC29DAC23C38}" dt="2023-08-19T09:59:55.944" v="88" actId="478"/>
           <ac:picMkLst>
             <pc:docMk/>
@@ -265,8 +321,16 @@
             <ac:picMk id="15" creationId="{70BE5EE4-25C2-0064-67FF-3646B671E0B8}"/>
           </ac:picMkLst>
         </pc:picChg>
+        <pc:picChg chg="add del mod">
+          <ac:chgData name="Ann Igolkina" userId="4d1b5d7ddf2bbc78" providerId="LiveId" clId="{1720320C-2886-A44F-B1A5-AC29DAC23C38}" dt="2023-09-07T14:00:56.041" v="468" actId="478"/>
+          <ac:picMkLst>
+            <pc:docMk/>
+            <pc:sldMk cId="3114100624" sldId="256"/>
+            <ac:picMk id="16" creationId="{EB221AAC-1252-A2AE-1818-A0E42FF335E3}"/>
+          </ac:picMkLst>
+        </pc:picChg>
         <pc:picChg chg="add mod topLvl">
-          <ac:chgData name="Ann Igolkina" userId="4d1b5d7ddf2bbc78" providerId="LiveId" clId="{1720320C-2886-A44F-B1A5-AC29DAC23C38}" dt="2023-09-01T10:57:12.106" v="354" actId="1076"/>
+          <ac:chgData name="Ann Igolkina" userId="4d1b5d7ddf2bbc78" providerId="LiveId" clId="{1720320C-2886-A44F-B1A5-AC29DAC23C38}" dt="2023-09-07T14:56:30.158" v="571" actId="14100"/>
           <ac:picMkLst>
             <pc:docMk/>
             <pc:sldMk cId="3114100624" sldId="256"/>
@@ -281,6 +345,14 @@
             <ac:picMk id="19" creationId="{4E86DDF2-420B-1063-92BB-12894F8DE7ED}"/>
           </ac:picMkLst>
         </pc:picChg>
+        <pc:picChg chg="add mod">
+          <ac:chgData name="Ann Igolkina" userId="4d1b5d7ddf2bbc78" providerId="LiveId" clId="{1720320C-2886-A44F-B1A5-AC29DAC23C38}" dt="2023-09-07T15:20:35.882" v="600" actId="208"/>
+          <ac:picMkLst>
+            <pc:docMk/>
+            <pc:sldMk cId="3114100624" sldId="256"/>
+            <ac:picMk id="21" creationId="{C88628C5-5985-DF7C-B7FF-12F452365007}"/>
+          </ac:picMkLst>
+        </pc:picChg>
         <pc:picChg chg="add del mod">
           <ac:chgData name="Ann Igolkina" userId="4d1b5d7ddf2bbc78" providerId="LiveId" clId="{1720320C-2886-A44F-B1A5-AC29DAC23C38}" dt="2023-08-19T09:33:38.119" v="56" actId="478"/>
           <ac:picMkLst>
@@ -290,6 +362,14 @@
           </ac:picMkLst>
         </pc:picChg>
         <pc:picChg chg="add del mod">
+          <ac:chgData name="Ann Igolkina" userId="4d1b5d7ddf2bbc78" providerId="LiveId" clId="{1720320C-2886-A44F-B1A5-AC29DAC23C38}" dt="2023-09-07T14:24:37.910" v="480" actId="478"/>
+          <ac:picMkLst>
+            <pc:docMk/>
+            <pc:sldMk cId="3114100624" sldId="256"/>
+            <ac:picMk id="23" creationId="{957810EB-8269-455F-B622-12D90D557146}"/>
+          </ac:picMkLst>
+        </pc:picChg>
+        <pc:picChg chg="add del mod">
           <ac:chgData name="Ann Igolkina" userId="4d1b5d7ddf2bbc78" providerId="LiveId" clId="{1720320C-2886-A44F-B1A5-AC29DAC23C38}" dt="2023-08-19T09:35:01.917" v="58" actId="478"/>
           <ac:picMkLst>
             <pc:docMk/>
@@ -298,7 +378,7 @@
           </ac:picMkLst>
         </pc:picChg>
         <pc:picChg chg="add mod topLvl">
-          <ac:chgData name="Ann Igolkina" userId="4d1b5d7ddf2bbc78" providerId="LiveId" clId="{1720320C-2886-A44F-B1A5-AC29DAC23C38}" dt="2023-09-01T12:15:53.015" v="390" actId="1076"/>
+          <ac:chgData name="Ann Igolkina" userId="4d1b5d7ddf2bbc78" providerId="LiveId" clId="{1720320C-2886-A44F-B1A5-AC29DAC23C38}" dt="2023-09-07T14:59:42.023" v="597" actId="1076"/>
           <ac:picMkLst>
             <pc:docMk/>
             <pc:sldMk cId="3114100624" sldId="256"/>
@@ -306,6 +386,14 @@
           </ac:picMkLst>
         </pc:picChg>
         <pc:picChg chg="add del mod">
+          <ac:chgData name="Ann Igolkina" userId="4d1b5d7ddf2bbc78" providerId="LiveId" clId="{1720320C-2886-A44F-B1A5-AC29DAC23C38}" dt="2023-09-07T14:28:08.311" v="485" actId="478"/>
+          <ac:picMkLst>
+            <pc:docMk/>
+            <pc:sldMk cId="3114100624" sldId="256"/>
+            <ac:picMk id="26" creationId="{7D12C695-A1AA-2451-14D3-F68202A9BDA4}"/>
+          </ac:picMkLst>
+        </pc:picChg>
+        <pc:picChg chg="add del mod">
           <ac:chgData name="Ann Igolkina" userId="4d1b5d7ddf2bbc78" providerId="LiveId" clId="{1720320C-2886-A44F-B1A5-AC29DAC23C38}" dt="2023-08-19T09:42:44.768" v="68" actId="478"/>
           <ac:picMkLst>
             <pc:docMk/>
@@ -314,6 +402,14 @@
           </ac:picMkLst>
         </pc:picChg>
         <pc:picChg chg="add del mod">
+          <ac:chgData name="Ann Igolkina" userId="4d1b5d7ddf2bbc78" providerId="LiveId" clId="{1720320C-2886-A44F-B1A5-AC29DAC23C38}" dt="2023-09-07T14:35:55.225" v="491" actId="478"/>
+          <ac:picMkLst>
+            <pc:docMk/>
+            <pc:sldMk cId="3114100624" sldId="256"/>
+            <ac:picMk id="28" creationId="{83799E3C-88D4-F43E-D5DD-090E3F1D2F7F}"/>
+          </ac:picMkLst>
+        </pc:picChg>
+        <pc:picChg chg="add del mod">
           <ac:chgData name="Ann Igolkina" userId="4d1b5d7ddf2bbc78" providerId="LiveId" clId="{1720320C-2886-A44F-B1A5-AC29DAC23C38}" dt="2023-08-19T09:46:54.811" v="72" actId="478"/>
           <ac:picMkLst>
             <pc:docMk/>
@@ -322,6 +418,14 @@
           </ac:picMkLst>
         </pc:picChg>
         <pc:picChg chg="add del mod">
+          <ac:chgData name="Ann Igolkina" userId="4d1b5d7ddf2bbc78" providerId="LiveId" clId="{1720320C-2886-A44F-B1A5-AC29DAC23C38}" dt="2023-09-07T14:42:04.707" v="545" actId="478"/>
+          <ac:picMkLst>
+            <pc:docMk/>
+            <pc:sldMk cId="3114100624" sldId="256"/>
+            <ac:picMk id="30" creationId="{7F81C09A-78FF-F094-ADBB-E3CE5E1B8974}"/>
+          </ac:picMkLst>
+        </pc:picChg>
+        <pc:picChg chg="add del mod">
           <ac:chgData name="Ann Igolkina" userId="4d1b5d7ddf2bbc78" providerId="LiveId" clId="{1720320C-2886-A44F-B1A5-AC29DAC23C38}" dt="2023-08-19T09:52:26.375" v="76" actId="478"/>
           <ac:picMkLst>
             <pc:docMk/>
@@ -329,20 +433,44 @@
             <ac:picMk id="31" creationId="{3C2272B6-BA99-3B0B-E5DB-0E8E49E9CC1D}"/>
           </ac:picMkLst>
         </pc:picChg>
+        <pc:picChg chg="add del mod modCrop">
+          <ac:chgData name="Ann Igolkina" userId="4d1b5d7ddf2bbc78" providerId="LiveId" clId="{1720320C-2886-A44F-B1A5-AC29DAC23C38}" dt="2023-09-07T14:39:12.278" v="539" actId="478"/>
+          <ac:picMkLst>
+            <pc:docMk/>
+            <pc:sldMk cId="3114100624" sldId="256"/>
+            <ac:picMk id="31" creationId="{A27A9CF7-7D3C-6BF0-7F97-EF6675E1288E}"/>
+          </ac:picMkLst>
+        </pc:picChg>
         <pc:picChg chg="add mod topLvl modCrop">
-          <ac:chgData name="Ann Igolkina" userId="4d1b5d7ddf2bbc78" providerId="LiveId" clId="{1720320C-2886-A44F-B1A5-AC29DAC23C38}" dt="2023-09-01T12:16:04.833" v="393" actId="1076"/>
+          <ac:chgData name="Ann Igolkina" userId="4d1b5d7ddf2bbc78" providerId="LiveId" clId="{1720320C-2886-A44F-B1A5-AC29DAC23C38}" dt="2023-09-07T14:56:42.177" v="574" actId="14100"/>
           <ac:picMkLst>
             <pc:docMk/>
             <pc:sldMk cId="3114100624" sldId="256"/>
             <ac:picMk id="33" creationId="{E20BF04C-F34A-09DF-7B13-D0FD8F05B989}"/>
           </ac:picMkLst>
         </pc:picChg>
+        <pc:picChg chg="add del mod">
+          <ac:chgData name="Ann Igolkina" userId="4d1b5d7ddf2bbc78" providerId="LiveId" clId="{1720320C-2886-A44F-B1A5-AC29DAC23C38}" dt="2023-09-07T14:50:46.167" v="551" actId="478"/>
+          <ac:picMkLst>
+            <pc:docMk/>
+            <pc:sldMk cId="3114100624" sldId="256"/>
+            <ac:picMk id="34" creationId="{32AAA593-BCE8-A65B-9F6E-CD217E57954F}"/>
+          </ac:picMkLst>
+        </pc:picChg>
         <pc:picChg chg="add mod topLvl">
-          <ac:chgData name="Ann Igolkina" userId="4d1b5d7ddf2bbc78" providerId="LiveId" clId="{1720320C-2886-A44F-B1A5-AC29DAC23C38}" dt="2023-08-21T14:14:29.746" v="215" actId="164"/>
+          <ac:chgData name="Ann Igolkina" userId="4d1b5d7ddf2bbc78" providerId="LiveId" clId="{1720320C-2886-A44F-B1A5-AC29DAC23C38}" dt="2023-09-07T13:06:39.062" v="421" actId="1076"/>
           <ac:picMkLst>
             <pc:docMk/>
             <pc:sldMk cId="3114100624" sldId="256"/>
             <ac:picMk id="35" creationId="{FC544217-6974-6BE3-4698-E0D6D89ADDC0}"/>
+          </ac:picMkLst>
+        </pc:picChg>
+        <pc:picChg chg="add del mod">
+          <ac:chgData name="Ann Igolkina" userId="4d1b5d7ddf2bbc78" providerId="LiveId" clId="{1720320C-2886-A44F-B1A5-AC29DAC23C38}" dt="2023-09-07T14:50:44.073" v="550" actId="478"/>
+          <ac:picMkLst>
+            <pc:docMk/>
+            <pc:sldMk cId="3114100624" sldId="256"/>
+            <ac:picMk id="37" creationId="{5159CFA8-D9DF-753F-CB63-5F5AB61BDE4E}"/>
           </ac:picMkLst>
         </pc:picChg>
         <pc:picChg chg="add del mod topLvl">
@@ -362,11 +490,27 @@
           </ac:picMkLst>
         </pc:picChg>
         <pc:picChg chg="add del mod">
+          <ac:chgData name="Ann Igolkina" userId="4d1b5d7ddf2bbc78" providerId="LiveId" clId="{1720320C-2886-A44F-B1A5-AC29DAC23C38}" dt="2023-09-07T15:22:38.794" v="603" actId="478"/>
+          <ac:picMkLst>
+            <pc:docMk/>
+            <pc:sldMk cId="3114100624" sldId="256"/>
+            <ac:picMk id="39" creationId="{C7094B0E-A6CA-50AD-6644-705D7C4793E6}"/>
+          </ac:picMkLst>
+        </pc:picChg>
+        <pc:picChg chg="add del mod">
           <ac:chgData name="Ann Igolkina" userId="4d1b5d7ddf2bbc78" providerId="LiveId" clId="{1720320C-2886-A44F-B1A5-AC29DAC23C38}" dt="2023-08-19T13:25:49.984" v="129" actId="478"/>
           <ac:picMkLst>
             <pc:docMk/>
             <pc:sldMk cId="3114100624" sldId="256"/>
             <ac:picMk id="41" creationId="{29C8AA24-25F4-E245-0769-74DEC0E089E4}"/>
+          </ac:picMkLst>
+        </pc:picChg>
+        <pc:picChg chg="add mod">
+          <ac:chgData name="Ann Igolkina" userId="4d1b5d7ddf2bbc78" providerId="LiveId" clId="{1720320C-2886-A44F-B1A5-AC29DAC23C38}" dt="2023-09-07T15:22:45.414" v="604" actId="1076"/>
+          <ac:picMkLst>
+            <pc:docMk/>
+            <pc:sldMk cId="3114100624" sldId="256"/>
+            <ac:picMk id="42" creationId="{3B30C19A-7D30-6764-FE57-C2307E4D15D2}"/>
           </ac:picMkLst>
         </pc:picChg>
         <pc:picChg chg="add del mod topLvl">
@@ -441,16 +585,16 @@
             <ac:picMk id="1127" creationId="{CB23DDB6-57F8-AB1E-5A73-42BB5B200DF2}"/>
           </ac:picMkLst>
         </pc:picChg>
-        <pc:picChg chg="mod topLvl">
-          <ac:chgData name="Ann Igolkina" userId="4d1b5d7ddf2bbc78" providerId="LiveId" clId="{1720320C-2886-A44F-B1A5-AC29DAC23C38}" dt="2023-08-21T14:14:29.746" v="215" actId="164"/>
+        <pc:picChg chg="del mod topLvl">
+          <ac:chgData name="Ann Igolkina" userId="4d1b5d7ddf2bbc78" providerId="LiveId" clId="{1720320C-2886-A44F-B1A5-AC29DAC23C38}" dt="2023-09-07T13:04:54.955" v="404" actId="478"/>
           <ac:picMkLst>
             <pc:docMk/>
             <pc:sldMk cId="3114100624" sldId="256"/>
             <ac:picMk id="1129" creationId="{77771267-9CEE-DA5B-A0EF-AB7E5D33D4B9}"/>
           </ac:picMkLst>
         </pc:picChg>
-        <pc:picChg chg="mod topLvl">
-          <ac:chgData name="Ann Igolkina" userId="4d1b5d7ddf2bbc78" providerId="LiveId" clId="{1720320C-2886-A44F-B1A5-AC29DAC23C38}" dt="2023-09-01T12:10:52.681" v="374" actId="14100"/>
+        <pc:picChg chg="del mod topLvl">
+          <ac:chgData name="Ann Igolkina" userId="4d1b5d7ddf2bbc78" providerId="LiveId" clId="{1720320C-2886-A44F-B1A5-AC29DAC23C38}" dt="2023-09-07T14:13:23.202" v="476" actId="478"/>
           <ac:picMkLst>
             <pc:docMk/>
             <pc:sldMk cId="3114100624" sldId="256"/>
@@ -458,7 +602,7 @@
           </ac:picMkLst>
         </pc:picChg>
         <pc:picChg chg="mod topLvl">
-          <ac:chgData name="Ann Igolkina" userId="4d1b5d7ddf2bbc78" providerId="LiveId" clId="{1720320C-2886-A44F-B1A5-AC29DAC23C38}" dt="2023-09-01T12:08:48.057" v="367" actId="1076"/>
+          <ac:chgData name="Ann Igolkina" userId="4d1b5d7ddf2bbc78" providerId="LiveId" clId="{1720320C-2886-A44F-B1A5-AC29DAC23C38}" dt="2023-09-07T14:58:02.659" v="582" actId="208"/>
           <ac:picMkLst>
             <pc:docMk/>
             <pc:sldMk cId="3114100624" sldId="256"/>
@@ -545,32 +689,32 @@
             <ac:inkMk id="63" creationId="{4EAC45FE-F604-128B-5312-402B3E64DA0F}"/>
           </ac:inkMkLst>
         </pc:inkChg>
-        <pc:inkChg chg="add mod">
-          <ac:chgData name="Ann Igolkina" userId="4d1b5d7ddf2bbc78" providerId="LiveId" clId="{1720320C-2886-A44F-B1A5-AC29DAC23C38}" dt="2023-09-01T12:15:53.015" v="390" actId="1076"/>
+        <pc:inkChg chg="add mod topLvl">
+          <ac:chgData name="Ann Igolkina" userId="4d1b5d7ddf2bbc78" providerId="LiveId" clId="{1720320C-2886-A44F-B1A5-AC29DAC23C38}" dt="2023-09-07T14:59:26.489" v="594" actId="165"/>
           <ac:inkMkLst>
             <pc:docMk/>
             <pc:sldMk cId="3114100624" sldId="256"/>
             <ac:inkMk id="1090" creationId="{21E21638-2C3C-466C-33C3-38BB219B148C}"/>
           </ac:inkMkLst>
         </pc:inkChg>
-        <pc:inkChg chg="add mod">
-          <ac:chgData name="Ann Igolkina" userId="4d1b5d7ddf2bbc78" providerId="LiveId" clId="{1720320C-2886-A44F-B1A5-AC29DAC23C38}" dt="2023-09-01T12:15:53.015" v="390" actId="1076"/>
+        <pc:inkChg chg="add mod topLvl">
+          <ac:chgData name="Ann Igolkina" userId="4d1b5d7ddf2bbc78" providerId="LiveId" clId="{1720320C-2886-A44F-B1A5-AC29DAC23C38}" dt="2023-09-07T14:59:26.489" v="594" actId="165"/>
           <ac:inkMkLst>
             <pc:docMk/>
             <pc:sldMk cId="3114100624" sldId="256"/>
             <ac:inkMk id="1091" creationId="{3F9E9506-5080-9CD1-06F0-13FAB7E4B270}"/>
           </ac:inkMkLst>
         </pc:inkChg>
-        <pc:cxnChg chg="add mod">
-          <ac:chgData name="Ann Igolkina" userId="4d1b5d7ddf2bbc78" providerId="LiveId" clId="{1720320C-2886-A44F-B1A5-AC29DAC23C38}" dt="2023-08-28T11:58:07.197" v="335" actId="1582"/>
+        <pc:cxnChg chg="add del mod">
+          <ac:chgData name="Ann Igolkina" userId="4d1b5d7ddf2bbc78" providerId="LiveId" clId="{1720320C-2886-A44F-B1A5-AC29DAC23C38}" dt="2023-09-07T13:05:47.894" v="412" actId="478"/>
           <ac:cxnSpMkLst>
             <pc:docMk/>
             <pc:sldMk cId="3114100624" sldId="256"/>
             <ac:cxnSpMk id="3" creationId="{F6229A59-8D5E-B2ED-E14A-91A617723B42}"/>
           </ac:cxnSpMkLst>
         </pc:cxnChg>
-        <pc:cxnChg chg="add mod">
-          <ac:chgData name="Ann Igolkina" userId="4d1b5d7ddf2bbc78" providerId="LiveId" clId="{1720320C-2886-A44F-B1A5-AC29DAC23C38}" dt="2023-08-28T11:58:23.584" v="345" actId="1038"/>
+        <pc:cxnChg chg="add del mod">
+          <ac:chgData name="Ann Igolkina" userId="4d1b5d7ddf2bbc78" providerId="LiveId" clId="{1720320C-2886-A44F-B1A5-AC29DAC23C38}" dt="2023-09-07T13:05:47.894" v="412" actId="478"/>
           <ac:cxnSpMkLst>
             <pc:docMk/>
             <pc:sldMk cId="3114100624" sldId="256"/>
@@ -827,7 +971,7 @@
       <inkml:brushProperty name="rasterOp" value="maskPen"/>
     </inkml:brush>
   </inkml:definitions>
-  <inkml:trace contextRef="#ctx0" brushRef="#br0">1 1,'62'0,"0"0,4 0,2 0,1 0,-1 0,-7 0,-4 0,26 0,-38 0,-22-1,-26 4,-25 13,-27 25,17-10,-2 4,-3 9,0 2,0 5,1 0,2 1,3-1,1-2,3-1,-22 30,18-24,16-22,19-16,23-9,31-1,29 6,13 10,-11 8,-23 3,-27 2,-20 13,-30 29,-6-22,-5 2,-6 9,-4 1,-3 2,0-1,8-8,4-3,-9 23,18-27,17-28,11-17,14-5,5-3,0 0,-7 5,-10 16,-5 22,-5 18,-2 8,0-13,-1-19,3-18,11-12,11-5,7 1,1 12,-8 16,-10 14,-6 7,-4-3,0-12,5-13,14-12,20-7,16-3,6 1,-11 4,-21 4,-42 25,9-22,-24 13</inkml:trace>
+  <inkml:trace contextRef="#ctx0" brushRef="#br0">1 1,'51'0,"0"0,3 0,2 0,1 0,-2 0,-5 0,-3 0,21 0,-31 0,-18-1,-21 4,-21 10,-22 22,13-9,0 4,-4 7,1 2,0 4,0 0,2 1,3 0,0-3,3 0,-18 25,15-20,12-19,17-14,18-7,26-1,23 5,12 9,-10 6,-19 3,-22 2,-16 11,-25 24,-5-19,-4 3,-5 7,-3 0,-3 3,0-2,7-6,3-2,-7 18,15-22,13-24,10-14,11-4,4-3,0 0,-5 4,-9 14,-4 18,-4 16,-2 6,1-10,-2-17,3-15,9-10,9-4,6 0,1 11,-7 13,-8 12,-5 6,-4-2,1-11,4-10,11-11,17-6,13-2,4 0,-8 4,-18 3,-34 22,8-19,-21 11</inkml:trace>
 </inkml:ink>
 </file>
 
@@ -855,7 +999,7 @@
       <inkml:brushProperty name="rasterOp" value="maskPen"/>
     </inkml:brush>
   </inkml:definitions>
-  <inkml:trace contextRef="#ctx0" brushRef="#br0">112 2,'59'0,"7"0,3 0,-15 0,-23-2,-33 7,-27 9,-21 17,-18 21,-3 11,10 4,19-8,21-13,13-15,18-7,21-7,22-1,17 2,0 2,-12 3,-18 2,-18 1,-14 1,-14 4,-12 2,-5-4,2-5,12-10,11-7,28-5,-6 2,15 3,-24 9,-9 11,-12 9,-10 7,-2-3,2-7,10-12,8-12,6-3,0 0,-2 11,-10 21,-16 24,-16 19,-9 5,6-17,14-24,17-23,12-14,12-7,-11 9,-10 10,-21 12,-5 1,8-7,15-13,17-9,14-7,9-2,-1 1,-10 1,-11 8,-10 12,-10 11,-4 4,1-1,4-14,8-8,26-5,-12-2,16 16,-30 39,-13-5,-6 5,-8 14,-4 2,-5 4,-2-2,4-12,2-5,-5 18,19-35,26-27,18-14,12-4,2-1,-11 4,-18 13,-22 22,-19 24,-9 12,2-7,13-22,19-21,21-17,28-15,18-7,3-2,-13 5,-24 12,-16 12,-11 8,-4 3,0-2,0-8,3-4</inkml:trace>
+  <inkml:trace contextRef="#ctx0" brushRef="#br0">92 2,'49'0,"5"0,2 0,-11 0,-20-2,-26 6,-23 8,-17 14,-15 18,-2 10,8 3,15-8,18-10,10-12,15-7,18-6,17 0,15 1,-1 2,-9 3,-15 1,-15 1,-11 1,-12 3,-10 2,-4-4,2-3,9-9,10-6,23-5,-6 3,13 2,-19 7,-8 10,-10 8,-9 5,0-2,1-6,8-10,6-11,6-2,-1 0,-1 10,-8 17,-13 20,-14 17,-7 4,5-15,12-20,13-19,10-12,10-6,-9 7,-8 9,-17 10,-4 1,6-6,12-11,15-7,10-7,9-1,-2 0,-8 2,-8 6,-9 11,-9 8,-2 4,0 0,4-13,6-6,22-5,-11-1,14 13,-25 33,-10-4,-6 5,-6 11,-3 2,-4 3,-2-2,3-9,2-5,-4 15,15-29,22-23,14-12,11-4,1 0,-9 3,-15 11,-18 19,-15 20,-8 11,1-7,12-18,15-18,17-15,24-12,14-6,2-2,-10 5,-20 9,-13 11,-9 7,-3 2,0-2,0-6,2-4</inkml:trace>
 </inkml:ink>
 </file>
 
@@ -1074,7 +1218,7 @@
           <a:p>
             <a:fld id="{54B5EF71-3848-8048-B7D2-636D112955BB}" type="datetimeFigureOut">
               <a:rPr lang="en-AT" smtClean="0"/>
-              <a:t>01.09.23</a:t>
+              <a:t>07.09.23</a:t>
             </a:fld>
             <a:endParaRPr lang="en-AT"/>
           </a:p>
@@ -1244,7 +1388,7 @@
           <a:p>
             <a:fld id="{54B5EF71-3848-8048-B7D2-636D112955BB}" type="datetimeFigureOut">
               <a:rPr lang="en-AT" smtClean="0"/>
-              <a:t>01.09.23</a:t>
+              <a:t>07.09.23</a:t>
             </a:fld>
             <a:endParaRPr lang="en-AT"/>
           </a:p>
@@ -1424,7 +1568,7 @@
           <a:p>
             <a:fld id="{54B5EF71-3848-8048-B7D2-636D112955BB}" type="datetimeFigureOut">
               <a:rPr lang="en-AT" smtClean="0"/>
-              <a:t>01.09.23</a:t>
+              <a:t>07.09.23</a:t>
             </a:fld>
             <a:endParaRPr lang="en-AT"/>
           </a:p>
@@ -1594,7 +1738,7 @@
           <a:p>
             <a:fld id="{54B5EF71-3848-8048-B7D2-636D112955BB}" type="datetimeFigureOut">
               <a:rPr lang="en-AT" smtClean="0"/>
-              <a:t>01.09.23</a:t>
+              <a:t>07.09.23</a:t>
             </a:fld>
             <a:endParaRPr lang="en-AT"/>
           </a:p>
@@ -1838,7 +1982,7 @@
           <a:p>
             <a:fld id="{54B5EF71-3848-8048-B7D2-636D112955BB}" type="datetimeFigureOut">
               <a:rPr lang="en-AT" smtClean="0"/>
-              <a:t>01.09.23</a:t>
+              <a:t>07.09.23</a:t>
             </a:fld>
             <a:endParaRPr lang="en-AT"/>
           </a:p>
@@ -2070,7 +2214,7 @@
           <a:p>
             <a:fld id="{54B5EF71-3848-8048-B7D2-636D112955BB}" type="datetimeFigureOut">
               <a:rPr lang="en-AT" smtClean="0"/>
-              <a:t>01.09.23</a:t>
+              <a:t>07.09.23</a:t>
             </a:fld>
             <a:endParaRPr lang="en-AT"/>
           </a:p>
@@ -2437,7 +2581,7 @@
           <a:p>
             <a:fld id="{54B5EF71-3848-8048-B7D2-636D112955BB}" type="datetimeFigureOut">
               <a:rPr lang="en-AT" smtClean="0"/>
-              <a:t>01.09.23</a:t>
+              <a:t>07.09.23</a:t>
             </a:fld>
             <a:endParaRPr lang="en-AT"/>
           </a:p>
@@ -2555,7 +2699,7 @@
           <a:p>
             <a:fld id="{54B5EF71-3848-8048-B7D2-636D112955BB}" type="datetimeFigureOut">
               <a:rPr lang="en-AT" smtClean="0"/>
-              <a:t>01.09.23</a:t>
+              <a:t>07.09.23</a:t>
             </a:fld>
             <a:endParaRPr lang="en-AT"/>
           </a:p>
@@ -2650,7 +2794,7 @@
           <a:p>
             <a:fld id="{54B5EF71-3848-8048-B7D2-636D112955BB}" type="datetimeFigureOut">
               <a:rPr lang="en-AT" smtClean="0"/>
-              <a:t>01.09.23</a:t>
+              <a:t>07.09.23</a:t>
             </a:fld>
             <a:endParaRPr lang="en-AT"/>
           </a:p>
@@ -2927,7 +3071,7 @@
           <a:p>
             <a:fld id="{54B5EF71-3848-8048-B7D2-636D112955BB}" type="datetimeFigureOut">
               <a:rPr lang="en-AT" smtClean="0"/>
-              <a:t>01.09.23</a:t>
+              <a:t>07.09.23</a:t>
             </a:fld>
             <a:endParaRPr lang="en-AT"/>
           </a:p>
@@ -3184,7 +3328,7 @@
           <a:p>
             <a:fld id="{54B5EF71-3848-8048-B7D2-636D112955BB}" type="datetimeFigureOut">
               <a:rPr lang="en-AT" smtClean="0"/>
-              <a:t>01.09.23</a:t>
+              <a:t>07.09.23</a:t>
             </a:fld>
             <a:endParaRPr lang="en-AT"/>
           </a:p>
@@ -3397,7 +3541,7 @@
           <a:p>
             <a:fld id="{54B5EF71-3848-8048-B7D2-636D112955BB}" type="datetimeFigureOut">
               <a:rPr lang="en-AT" smtClean="0"/>
-              <a:t>01.09.23</a:t>
+              <a:t>07.09.23</a:t>
             </a:fld>
             <a:endParaRPr lang="en-AT"/>
           </a:p>
@@ -3802,12 +3946,77 @@
           <a:chExt cx="0" cy="0"/>
         </a:xfrm>
       </p:grpSpPr>
+      <p:pic>
+        <p:nvPicPr>
+          <p:cNvPr id="17" name="Picture 16">
+            <a:extLst>
+              <a:ext uri="{FF2B5EF4-FFF2-40B4-BE49-F238E27FC236}">
+                <a16:creationId xmlns:a16="http://schemas.microsoft.com/office/drawing/2014/main" id="{703519A5-B8FC-10B6-29ED-A10C2A653AC2}"/>
+              </a:ext>
+            </a:extLst>
+          </p:cNvPr>
+          <p:cNvPicPr>
+            <a:picLocks noChangeAspect="1"/>
+          </p:cNvPicPr>
+          <p:nvPr/>
+        </p:nvPicPr>
+        <p:blipFill>
+          <a:blip r:embed="rId2"/>
+          <a:stretch>
+            <a:fillRect/>
+          </a:stretch>
+        </p:blipFill>
+        <p:spPr>
+          <a:xfrm>
+            <a:off x="6938017" y="3998646"/>
+            <a:ext cx="5931156" cy="2993825"/>
+          </a:xfrm>
+          <a:prstGeom prst="rect">
+            <a:avLst/>
+          </a:prstGeom>
+        </p:spPr>
+      </p:pic>
+      <p:sp>
+        <p:nvSpPr>
+          <p:cNvPr id="60" name="TextBox 59">
+            <a:extLst>
+              <a:ext uri="{FF2B5EF4-FFF2-40B4-BE49-F238E27FC236}">
+                <a16:creationId xmlns:a16="http://schemas.microsoft.com/office/drawing/2014/main" id="{DD6F6AEF-21D4-0F1A-4ADB-63F46D5A8C60}"/>
+              </a:ext>
+            </a:extLst>
+          </p:cNvPr>
+          <p:cNvSpPr txBox="1"/>
+          <p:nvPr/>
+        </p:nvSpPr>
+        <p:spPr>
+          <a:xfrm>
+            <a:off x="7383194" y="4453594"/>
+            <a:ext cx="497890" cy="312827"/>
+          </a:xfrm>
+          <a:prstGeom prst="rect">
+            <a:avLst/>
+          </a:prstGeom>
+          <a:noFill/>
+        </p:spPr>
+        <p:txBody>
+          <a:bodyPr wrap="none" rtlCol="0">
+            <a:spAutoFit/>
+          </a:bodyPr>
+          <a:lstStyle/>
+          <a:p>
+            <a:r>
+              <a:rPr lang="en-AT" dirty="0"/>
+              <a:t>1-15</a:t>
+            </a:r>
+          </a:p>
+        </p:txBody>
+      </p:sp>
       <p:grpSp>
         <p:nvGrpSpPr>
-          <p:cNvPr id="5" name="Group 4">
+          <p:cNvPr id="40" name="Group 39">
             <a:extLst>
               <a:ext uri="{FF2B5EF4-FFF2-40B4-BE49-F238E27FC236}">
-                <a16:creationId xmlns:a16="http://schemas.microsoft.com/office/drawing/2014/main" id="{296C9A7A-0EBD-15BC-80CD-AD61C71FDD8B}"/>
+                <a16:creationId xmlns:a16="http://schemas.microsoft.com/office/drawing/2014/main" id="{21BF0814-F9EF-52EA-9B93-F3D4C78C48E5}"/>
               </a:ext>
             </a:extLst>
           </p:cNvPr>
@@ -3816,42 +4025,12 @@
         </p:nvGrpSpPr>
         <p:grpSpPr>
           <a:xfrm>
-            <a:off x="6832767" y="5798657"/>
-            <a:ext cx="6400800" cy="3657600"/>
-            <a:chOff x="432064" y="9664545"/>
-            <a:chExt cx="6400800" cy="3657600"/>
+            <a:off x="10433317" y="4283689"/>
+            <a:ext cx="2252865" cy="1549005"/>
+            <a:chOff x="10433317" y="4283689"/>
+            <a:chExt cx="2252865" cy="1549005"/>
           </a:xfrm>
         </p:grpSpPr>
-        <p:pic>
-          <p:nvPicPr>
-            <p:cNvPr id="17" name="Picture 16">
-              <a:extLst>
-                <a:ext uri="{FF2B5EF4-FFF2-40B4-BE49-F238E27FC236}">
-                  <a16:creationId xmlns:a16="http://schemas.microsoft.com/office/drawing/2014/main" id="{703519A5-B8FC-10B6-29ED-A10C2A653AC2}"/>
-                </a:ext>
-              </a:extLst>
-            </p:cNvPr>
-            <p:cNvPicPr>
-              <a:picLocks noChangeAspect="1"/>
-            </p:cNvPicPr>
-            <p:nvPr/>
-          </p:nvPicPr>
-          <p:blipFill>
-            <a:blip r:embed="rId2"/>
-            <a:stretch>
-              <a:fillRect/>
-            </a:stretch>
-          </p:blipFill>
-          <p:spPr>
-            <a:xfrm>
-              <a:off x="432064" y="9664545"/>
-              <a:ext cx="6400800" cy="3657600"/>
-            </a:xfrm>
-            <a:prstGeom prst="rect">
-              <a:avLst/>
-            </a:prstGeom>
-          </p:spPr>
-        </p:pic>
         <p:pic>
           <p:nvPicPr>
             <p:cNvPr id="25" name="Picture 24">
@@ -3874,8 +4053,8 @@
           </p:blipFill>
           <p:spPr>
             <a:xfrm>
-              <a:off x="1946213" y="10236330"/>
-              <a:ext cx="2743200" cy="1828800"/>
+              <a:off x="10433317" y="4283689"/>
+              <a:ext cx="2252865" cy="1549005"/>
             </a:xfrm>
             <a:prstGeom prst="rect">
               <a:avLst/>
@@ -3887,41 +4066,6 @@
             </a:ln>
           </p:spPr>
         </p:pic>
-        <p:sp>
-          <p:nvSpPr>
-            <p:cNvPr id="60" name="TextBox 59">
-              <a:extLst>
-                <a:ext uri="{FF2B5EF4-FFF2-40B4-BE49-F238E27FC236}">
-                  <a16:creationId xmlns:a16="http://schemas.microsoft.com/office/drawing/2014/main" id="{DD6F6AEF-21D4-0F1A-4ADB-63F46D5A8C60}"/>
-                </a:ext>
-              </a:extLst>
-            </p:cNvPr>
-            <p:cNvSpPr txBox="1"/>
-            <p:nvPr/>
-          </p:nvSpPr>
-          <p:spPr>
-            <a:xfrm>
-              <a:off x="1841452" y="10630711"/>
-              <a:ext cx="606256" cy="369332"/>
-            </a:xfrm>
-            <a:prstGeom prst="rect">
-              <a:avLst/>
-            </a:prstGeom>
-            <a:noFill/>
-          </p:spPr>
-          <p:txBody>
-            <a:bodyPr wrap="none" rtlCol="0">
-              <a:spAutoFit/>
-            </a:bodyPr>
-            <a:lstStyle/>
-            <a:p>
-              <a:r>
-                <a:rPr lang="en-AT" dirty="0"/>
-                <a:t>1-15</a:t>
-              </a:r>
-            </a:p>
-          </p:txBody>
-        </p:sp>
         <mc:AlternateContent xmlns:mc="http://schemas.openxmlformats.org/markup-compatibility/2006">
           <mc:Choice xmlns:p14="http://schemas.microsoft.com/office/powerpoint/2010/main" Requires="p14">
             <p:contentPart p14:bwMode="auto" r:id="rId4">
@@ -3937,8 +4081,8 @@
                 <p14:nvPr/>
               </p14:nvContentPartPr>
               <p14:xfrm>
-                <a:off x="2552271" y="10578405"/>
-                <a:ext cx="245520" cy="838800"/>
+                <a:off x="10931045" y="4573429"/>
+                <a:ext cx="201634" cy="710469"/>
               </p14:xfrm>
             </p:contentPart>
           </mc:Choice>
@@ -3963,8 +4107,8 @@
               </p:blipFill>
               <p:spPr>
                 <a:xfrm>
-                  <a:off x="2516218" y="10506405"/>
-                  <a:ext cx="317265" cy="982440"/>
+                  <a:off x="10894975" y="4501446"/>
+                  <a:ext cx="273414" cy="854074"/>
                 </a:xfrm>
                 <a:prstGeom prst="rect">
                   <a:avLst/>
@@ -3988,8 +4132,8 @@
                 <p14:nvPr/>
               </p14:nvContentPartPr>
               <p14:xfrm>
-                <a:off x="4370631" y="10436925"/>
-                <a:ext cx="158400" cy="962640"/>
+                <a:off x="12424381" y="4453594"/>
+                <a:ext cx="130087" cy="815362"/>
               </p14:xfrm>
             </p:contentPart>
           </mc:Choice>
@@ -4014,8 +4158,8 @@
               </p:blipFill>
               <p:spPr>
                 <a:xfrm>
-                  <a:off x="4334631" y="10364952"/>
-                  <a:ext cx="230040" cy="1106226"/>
+                  <a:off x="12388445" y="4381629"/>
+                  <a:ext cx="201599" cy="958932"/>
                 </a:xfrm>
                 <a:prstGeom prst="rect">
                   <a:avLst/>
@@ -4025,109 +4169,6 @@
           </mc:Fallback>
         </mc:AlternateContent>
       </p:grpSp>
-      <p:pic>
-        <p:nvPicPr>
-          <p:cNvPr id="1129" name="Picture 19">
-            <a:extLst>
-              <a:ext uri="{FF2B5EF4-FFF2-40B4-BE49-F238E27FC236}">
-                <a16:creationId xmlns:a16="http://schemas.microsoft.com/office/drawing/2014/main" id="{77771267-9CEE-DA5B-A0EF-AB7E5D33D4B9}"/>
-              </a:ext>
-            </a:extLst>
-          </p:cNvPr>
-          <p:cNvPicPr>
-            <a:picLocks noChangeAspect="1" noChangeArrowheads="1"/>
-          </p:cNvPicPr>
-          <p:nvPr/>
-        </p:nvPicPr>
-        <p:blipFill>
-          <a:blip r:embed="rId8">
-            <a:extLst>
-              <a:ext uri="{BEBA8EAE-BF5A-486C-A8C5-ECC9F3942E4B}">
-                <a14:imgProps xmlns:a14="http://schemas.microsoft.com/office/drawing/2010/main">
-                  <a14:imgLayer r:embed="rId9">
-                    <a14:imgEffect>
-                      <a14:saturation sat="33000"/>
-                    </a14:imgEffect>
-                  </a14:imgLayer>
-                </a14:imgProps>
-              </a:ext>
-              <a:ext uri="{28A0092B-C50C-407E-A947-70E740481C1C}">
-                <a14:useLocalDpi xmlns:a14="http://schemas.microsoft.com/office/drawing/2010/main" val="0"/>
-              </a:ext>
-            </a:extLst>
-          </a:blip>
-          <a:srcRect/>
-          <a:stretch>
-            <a:fillRect/>
-          </a:stretch>
-        </p:blipFill>
-        <p:spPr bwMode="auto">
-          <a:xfrm>
-            <a:off x="407814" y="3944632"/>
-            <a:ext cx="6983638" cy="4654622"/>
-          </a:xfrm>
-          <a:prstGeom prst="rect">
-            <a:avLst/>
-          </a:prstGeom>
-          <a:noFill/>
-          <a:extLst>
-            <a:ext uri="{909E8E84-426E-40DD-AFC4-6F175D3DCCD1}">
-              <a14:hiddenFill xmlns:a14="http://schemas.microsoft.com/office/drawing/2010/main">
-                <a:solidFill>
-                  <a:srgbClr val="FFFFFF"/>
-                </a:solidFill>
-              </a14:hiddenFill>
-            </a:ext>
-          </a:extLst>
-        </p:spPr>
-      </p:pic>
-      <p:pic>
-        <p:nvPicPr>
-          <p:cNvPr id="1131" name="Picture 21">
-            <a:extLst>
-              <a:ext uri="{FF2B5EF4-FFF2-40B4-BE49-F238E27FC236}">
-                <a16:creationId xmlns:a16="http://schemas.microsoft.com/office/drawing/2014/main" id="{D851BC0A-DC47-C2B8-A3B6-361B0E4CAEED}"/>
-              </a:ext>
-            </a:extLst>
-          </p:cNvPr>
-          <p:cNvPicPr>
-            <a:picLocks noChangeAspect="1" noChangeArrowheads="1"/>
-          </p:cNvPicPr>
-          <p:nvPr/>
-        </p:nvPicPr>
-        <p:blipFill>
-          <a:blip r:embed="rId10">
-            <a:extLst>
-              <a:ext uri="{28A0092B-C50C-407E-A947-70E740481C1C}">
-                <a14:useLocalDpi xmlns:a14="http://schemas.microsoft.com/office/drawing/2010/main" val="0"/>
-              </a:ext>
-            </a:extLst>
-          </a:blip>
-          <a:srcRect/>
-          <a:stretch>
-            <a:fillRect/>
-          </a:stretch>
-        </p:blipFill>
-        <p:spPr bwMode="auto">
-          <a:xfrm>
-            <a:off x="867266" y="8199242"/>
-            <a:ext cx="4591072" cy="601349"/>
-          </a:xfrm>
-          <a:prstGeom prst="rect">
-            <a:avLst/>
-          </a:prstGeom>
-          <a:noFill/>
-          <a:extLst>
-            <a:ext uri="{909E8E84-426E-40DD-AFC4-6F175D3DCCD1}">
-              <a14:hiddenFill xmlns:a14="http://schemas.microsoft.com/office/drawing/2010/main">
-                <a:solidFill>
-                  <a:srgbClr val="FFFFFF"/>
-                </a:solidFill>
-              </a14:hiddenFill>
-            </a:ext>
-          </a:extLst>
-        </p:spPr>
-      </p:pic>
       <p:pic>
         <p:nvPicPr>
           <p:cNvPr id="1148" name="Picture 1147">
@@ -4143,7 +4184,7 @@
           <p:nvPr/>
         </p:nvPicPr>
         <p:blipFill>
-          <a:blip r:embed="rId11"/>
+          <a:blip r:embed="rId8"/>
           <a:stretch>
             <a:fillRect/>
           </a:stretch>
@@ -4172,46 +4213,15 @@
           </p:cNvPicPr>
           <p:nvPr/>
         </p:nvPicPr>
-        <p:blipFill>
-          <a:blip r:embed="rId12"/>
-          <a:stretch>
-            <a:fillRect/>
-          </a:stretch>
+        <p:blipFill rotWithShape="1">
+          <a:blip r:embed="rId9"/>
+          <a:srcRect b="25000"/>
+          <a:stretch/>
         </p:blipFill>
         <p:spPr>
           <a:xfrm>
-            <a:off x="8765881" y="312257"/>
-            <a:ext cx="4749800" cy="5486400"/>
-          </a:xfrm>
-          <a:prstGeom prst="rect">
-            <a:avLst/>
-          </a:prstGeom>
-        </p:spPr>
-      </p:pic>
-      <p:pic>
-        <p:nvPicPr>
-          <p:cNvPr id="35" name="Picture 34">
-            <a:extLst>
-              <a:ext uri="{FF2B5EF4-FFF2-40B4-BE49-F238E27FC236}">
-                <a16:creationId xmlns:a16="http://schemas.microsoft.com/office/drawing/2014/main" id="{FC544217-6974-6BE3-4698-E0D6D89ADDC0}"/>
-              </a:ext>
-            </a:extLst>
-          </p:cNvPr>
-          <p:cNvPicPr>
-            <a:picLocks noChangeAspect="1"/>
-          </p:cNvPicPr>
-          <p:nvPr/>
-        </p:nvPicPr>
-        <p:blipFill>
-          <a:blip r:embed="rId13"/>
-          <a:stretch>
-            <a:fillRect/>
-          </a:stretch>
-        </p:blipFill>
-        <p:spPr>
-          <a:xfrm>
-            <a:off x="3899633" y="515268"/>
-            <a:ext cx="4114800" cy="3657600"/>
+            <a:off x="8173395" y="278088"/>
+            <a:ext cx="4749800" cy="3720558"/>
           </a:xfrm>
           <a:prstGeom prst="rect">
             <a:avLst/>
@@ -4233,14 +4243,14 @@
           <p:nvPr/>
         </p:nvPicPr>
         <p:blipFill rotWithShape="1">
-          <a:blip r:embed="rId14"/>
+          <a:blip r:embed="rId10"/>
           <a:srcRect r="26539"/>
           <a:stretch/>
         </p:blipFill>
         <p:spPr>
           <a:xfrm>
-            <a:off x="11194679" y="6303589"/>
-            <a:ext cx="2029988" cy="2127920"/>
+            <a:off x="6938017" y="6992471"/>
+            <a:ext cx="3095926" cy="1951566"/>
           </a:xfrm>
           <a:prstGeom prst="rect">
             <a:avLst/>
@@ -4261,8 +4271,8 @@
         </p:nvGrpSpPr>
         <p:grpSpPr>
           <a:xfrm>
-            <a:off x="407814" y="14306194"/>
-            <a:ext cx="3830763" cy="3522300"/>
+            <a:off x="10033943" y="7035937"/>
+            <a:ext cx="2965578" cy="1908100"/>
             <a:chOff x="8079380" y="650568"/>
             <a:chExt cx="3830763" cy="3522300"/>
           </a:xfrm>
@@ -4282,7 +4292,7 @@
             <p:nvPr/>
           </p:nvPicPr>
           <p:blipFill>
-            <a:blip r:embed="rId15">
+            <a:blip r:embed="rId11">
               <a:extLst>
                 <a:ext uri="{28A0092B-C50C-407E-A947-70E740481C1C}">
                   <a14:useLocalDpi xmlns:a14="http://schemas.microsoft.com/office/drawing/2010/main" val="0"/>
@@ -4303,6 +4313,11 @@
               <a:avLst/>
             </a:prstGeom>
             <a:noFill/>
+            <a:ln>
+              <a:solidFill>
+                <a:schemeClr val="accent1"/>
+              </a:solidFill>
+            </a:ln>
             <a:extLst>
               <a:ext uri="{909E8E84-426E-40DD-AFC4-6F175D3DCCD1}">
                 <a14:hiddenFill xmlns:a14="http://schemas.microsoft.com/office/drawing/2010/main">
@@ -4394,98 +4409,12 @@
           </a:p>
         </p:txBody>
       </p:sp>
-      <p:sp>
-        <p:nvSpPr>
-          <p:cNvPr id="59" name="TextBox 58">
+      <p:grpSp>
+        <p:nvGrpSpPr>
+          <p:cNvPr id="18" name="Group 17">
             <a:extLst>
               <a:ext uri="{FF2B5EF4-FFF2-40B4-BE49-F238E27FC236}">
-                <a16:creationId xmlns:a16="http://schemas.microsoft.com/office/drawing/2014/main" id="{F3D2A07B-4BD8-8B13-EA61-8D2D70ED882D}"/>
-              </a:ext>
-            </a:extLst>
-          </p:cNvPr>
-          <p:cNvSpPr txBox="1"/>
-          <p:nvPr/>
-        </p:nvSpPr>
-        <p:spPr>
-          <a:xfrm>
-            <a:off x="2488019" y="5467554"/>
-            <a:ext cx="1447769" cy="369332"/>
-          </a:xfrm>
-          <a:prstGeom prst="rect">
-            <a:avLst/>
-          </a:prstGeom>
-          <a:noFill/>
-        </p:spPr>
-        <p:txBody>
-          <a:bodyPr wrap="none" rtlCol="0">
-            <a:spAutoFit/>
-          </a:bodyPr>
-          <a:lstStyle/>
-          <a:p>
-            <a:r>
-              <a:rPr lang="en-AT" dirty="0"/>
-              <a:t>split left-right</a:t>
-            </a:r>
-          </a:p>
-        </p:txBody>
-      </p:sp>
-      <mc:AlternateContent xmlns:mc="http://schemas.openxmlformats.org/markup-compatibility/2006" xmlns:p14="http://schemas.microsoft.com/office/powerpoint/2010/main">
-        <mc:Choice Requires="p14">
-          <p:contentPart p14:bwMode="auto" r:id="rId16">
-            <p14:nvContentPartPr>
-              <p14:cNvPr id="61" name="Ink 60">
-                <a:extLst>
-                  <a:ext uri="{FF2B5EF4-FFF2-40B4-BE49-F238E27FC236}">
-                    <a16:creationId xmlns:a16="http://schemas.microsoft.com/office/drawing/2014/main" id="{CB41F05A-A7F0-7118-6735-F424A6558072}"/>
-                  </a:ext>
-                </a:extLst>
-              </p14:cNvPr>
-              <p14:cNvContentPartPr/>
-              <p14:nvPr/>
-            </p14:nvContentPartPr>
-            <p14:xfrm>
-              <a:off x="7651574" y="1211174"/>
-              <a:ext cx="173160" cy="240840"/>
-            </p14:xfrm>
-          </p:contentPart>
-        </mc:Choice>
-        <mc:Fallback xmlns="">
-          <p:pic>
-            <p:nvPicPr>
-              <p:cNvPr id="61" name="Ink 60">
-                <a:extLst>
-                  <a:ext uri="{FF2B5EF4-FFF2-40B4-BE49-F238E27FC236}">
-                    <a16:creationId xmlns:a16="http://schemas.microsoft.com/office/drawing/2014/main" id="{CB41F05A-A7F0-7118-6735-F424A6558072}"/>
-                  </a:ext>
-                </a:extLst>
-              </p:cNvPr>
-              <p:cNvPicPr/>
-              <p:nvPr/>
-            </p:nvPicPr>
-            <p:blipFill>
-              <a:blip r:embed="rId17"/>
-              <a:stretch>
-                <a:fillRect/>
-              </a:stretch>
-            </p:blipFill>
-            <p:spPr>
-              <a:xfrm>
-                <a:off x="7633934" y="1193174"/>
-                <a:ext cx="208800" cy="276480"/>
-              </a:xfrm>
-              <a:prstGeom prst="rect">
-                <a:avLst/>
-              </a:prstGeom>
-            </p:spPr>
-          </p:pic>
-        </mc:Fallback>
-      </mc:AlternateContent>
-      <p:grpSp>
-        <p:nvGrpSpPr>
-          <p:cNvPr id="1088" name="Group 1087">
-            <a:extLst>
-              <a:ext uri="{FF2B5EF4-FFF2-40B4-BE49-F238E27FC236}">
-                <a16:creationId xmlns:a16="http://schemas.microsoft.com/office/drawing/2014/main" id="{1E9673F9-69F3-CB1B-E46C-54FB7A9FB24E}"/>
+                <a16:creationId xmlns:a16="http://schemas.microsoft.com/office/drawing/2014/main" id="{5475C27D-09E3-E9E0-EE36-38275E56FF6D}"/>
               </a:ext>
             </a:extLst>
           </p:cNvPr>
@@ -4494,20 +4423,50 @@
         </p:nvGrpSpPr>
         <p:grpSpPr>
           <a:xfrm>
-            <a:off x="7682894" y="1623014"/>
-            <a:ext cx="484200" cy="261000"/>
-            <a:chOff x="7682894" y="1623014"/>
-            <a:chExt cx="484200" cy="261000"/>
+            <a:off x="4058595" y="21085"/>
+            <a:ext cx="4267461" cy="4045277"/>
+            <a:chOff x="3899633" y="127591"/>
+            <a:chExt cx="4267461" cy="4045277"/>
           </a:xfrm>
         </p:grpSpPr>
-        <mc:AlternateContent xmlns:mc="http://schemas.openxmlformats.org/markup-compatibility/2006" xmlns:p14="http://schemas.microsoft.com/office/powerpoint/2010/main">
-          <mc:Choice Requires="p14">
-            <p:contentPart p14:bwMode="auto" r:id="rId18">
+        <p:pic>
+          <p:nvPicPr>
+            <p:cNvPr id="35" name="Picture 34">
+              <a:extLst>
+                <a:ext uri="{FF2B5EF4-FFF2-40B4-BE49-F238E27FC236}">
+                  <a16:creationId xmlns:a16="http://schemas.microsoft.com/office/drawing/2014/main" id="{FC544217-6974-6BE3-4698-E0D6D89ADDC0}"/>
+                </a:ext>
+              </a:extLst>
+            </p:cNvPr>
+            <p:cNvPicPr>
+              <a:picLocks noChangeAspect="1"/>
+            </p:cNvPicPr>
+            <p:nvPr/>
+          </p:nvPicPr>
+          <p:blipFill>
+            <a:blip r:embed="rId12"/>
+            <a:stretch>
+              <a:fillRect/>
+            </a:stretch>
+          </p:blipFill>
+          <p:spPr>
+            <a:xfrm>
+              <a:off x="3899633" y="515268"/>
+              <a:ext cx="4114800" cy="3657600"/>
+            </a:xfrm>
+            <a:prstGeom prst="rect">
+              <a:avLst/>
+            </a:prstGeom>
+          </p:spPr>
+        </p:pic>
+        <mc:AlternateContent xmlns:mc="http://schemas.openxmlformats.org/markup-compatibility/2006">
+          <mc:Choice xmlns:p14="http://schemas.microsoft.com/office/powerpoint/2010/main" Requires="p14">
+            <p:contentPart p14:bwMode="auto" r:id="rId13">
               <p14:nvContentPartPr>
-                <p14:cNvPr id="62" name="Ink 61">
+                <p14:cNvPr id="61" name="Ink 60">
                   <a:extLst>
                     <a:ext uri="{FF2B5EF4-FFF2-40B4-BE49-F238E27FC236}">
-                      <a16:creationId xmlns:a16="http://schemas.microsoft.com/office/drawing/2014/main" id="{D9574DD4-BFAE-7653-0470-A63BFCCDC316}"/>
+                      <a16:creationId xmlns:a16="http://schemas.microsoft.com/office/drawing/2014/main" id="{CB41F05A-A7F0-7118-6735-F424A6558072}"/>
                     </a:ext>
                   </a:extLst>
                 </p14:cNvPr>
@@ -4515,18 +4474,18 @@
                 <p14:nvPr/>
               </p14:nvContentPartPr>
               <p14:xfrm>
-                <a:off x="7682894" y="1629494"/>
-                <a:ext cx="138600" cy="232920"/>
+                <a:off x="7651574" y="1211174"/>
+                <a:ext cx="173160" cy="240840"/>
               </p14:xfrm>
             </p:contentPart>
           </mc:Choice>
-          <mc:Fallback xmlns="">
+          <mc:Fallback>
             <p:pic>
               <p:nvPicPr>
-                <p:cNvPr id="62" name="Ink 61">
+                <p:cNvPr id="61" name="Ink 60">
                   <a:extLst>
                     <a:ext uri="{FF2B5EF4-FFF2-40B4-BE49-F238E27FC236}">
-                      <a16:creationId xmlns:a16="http://schemas.microsoft.com/office/drawing/2014/main" id="{D9574DD4-BFAE-7653-0470-A63BFCCDC316}"/>
+                      <a16:creationId xmlns:a16="http://schemas.microsoft.com/office/drawing/2014/main" id="{CB41F05A-A7F0-7118-6735-F424A6558072}"/>
                     </a:ext>
                   </a:extLst>
                 </p:cNvPr>
@@ -4534,15 +4493,15 @@
                 <p:nvPr/>
               </p:nvPicPr>
               <p:blipFill>
-                <a:blip r:embed="rId19"/>
+                <a:blip r:embed="rId14"/>
                 <a:stretch>
                   <a:fillRect/>
                 </a:stretch>
               </p:blipFill>
               <p:spPr>
                 <a:xfrm>
-                  <a:off x="7664894" y="1611854"/>
-                  <a:ext cx="174240" cy="268560"/>
+                  <a:off x="7633574" y="1193201"/>
+                  <a:ext cx="208800" cy="276427"/>
                 </a:xfrm>
                 <a:prstGeom prst="rect">
                   <a:avLst/>
@@ -4551,175 +4510,230 @@
             </p:pic>
           </mc:Fallback>
         </mc:AlternateContent>
-        <mc:AlternateContent xmlns:mc="http://schemas.openxmlformats.org/markup-compatibility/2006" xmlns:p14="http://schemas.microsoft.com/office/powerpoint/2010/main">
-          <mc:Choice Requires="p14">
-            <p:contentPart p14:bwMode="auto" r:id="rId20">
-              <p14:nvContentPartPr>
-                <p14:cNvPr id="63" name="Ink 62">
-                  <a:extLst>
-                    <a:ext uri="{FF2B5EF4-FFF2-40B4-BE49-F238E27FC236}">
-                      <a16:creationId xmlns:a16="http://schemas.microsoft.com/office/drawing/2014/main" id="{4EAC45FE-F604-128B-5312-402B3E64DA0F}"/>
-                    </a:ext>
-                  </a:extLst>
-                </p14:cNvPr>
-                <p14:cNvContentPartPr/>
-                <p14:nvPr/>
-              </p14:nvContentPartPr>
-              <p14:xfrm>
-                <a:off x="7958294" y="1623014"/>
-                <a:ext cx="208800" cy="261000"/>
-              </p14:xfrm>
-            </p:contentPart>
-          </mc:Choice>
-          <mc:Fallback xmlns="">
-            <p:pic>
-              <p:nvPicPr>
-                <p:cNvPr id="63" name="Ink 62">
-                  <a:extLst>
-                    <a:ext uri="{FF2B5EF4-FFF2-40B4-BE49-F238E27FC236}">
-                      <a16:creationId xmlns:a16="http://schemas.microsoft.com/office/drawing/2014/main" id="{4EAC45FE-F604-128B-5312-402B3E64DA0F}"/>
-                    </a:ext>
-                  </a:extLst>
-                </p:cNvPr>
-                <p:cNvPicPr/>
-                <p:nvPr/>
-              </p:nvPicPr>
-              <p:blipFill>
-                <a:blip r:embed="rId21"/>
-                <a:stretch>
-                  <a:fillRect/>
-                </a:stretch>
-              </p:blipFill>
-              <p:spPr>
-                <a:xfrm>
-                  <a:off x="7940294" y="1605374"/>
-                  <a:ext cx="244440" cy="296640"/>
-                </a:xfrm>
-                <a:prstGeom prst="rect">
-                  <a:avLst/>
-                </a:prstGeom>
-              </p:spPr>
-            </p:pic>
-          </mc:Fallback>
-        </mc:AlternateContent>
+        <p:grpSp>
+          <p:nvGrpSpPr>
+            <p:cNvPr id="1088" name="Group 1087">
+              <a:extLst>
+                <a:ext uri="{FF2B5EF4-FFF2-40B4-BE49-F238E27FC236}">
+                  <a16:creationId xmlns:a16="http://schemas.microsoft.com/office/drawing/2014/main" id="{1E9673F9-69F3-CB1B-E46C-54FB7A9FB24E}"/>
+                </a:ext>
+              </a:extLst>
+            </p:cNvPr>
+            <p:cNvGrpSpPr/>
+            <p:nvPr/>
+          </p:nvGrpSpPr>
+          <p:grpSpPr>
+            <a:xfrm>
+              <a:off x="7682894" y="1623014"/>
+              <a:ext cx="484200" cy="261000"/>
+              <a:chOff x="7682894" y="1623014"/>
+              <a:chExt cx="484200" cy="261000"/>
+            </a:xfrm>
+          </p:grpSpPr>
+          <mc:AlternateContent xmlns:mc="http://schemas.openxmlformats.org/markup-compatibility/2006" xmlns:p14="http://schemas.microsoft.com/office/powerpoint/2010/main">
+            <mc:Choice Requires="p14">
+              <p:contentPart p14:bwMode="auto" r:id="rId15">
+                <p14:nvContentPartPr>
+                  <p14:cNvPr id="62" name="Ink 61">
+                    <a:extLst>
+                      <a:ext uri="{FF2B5EF4-FFF2-40B4-BE49-F238E27FC236}">
+                        <a16:creationId xmlns:a16="http://schemas.microsoft.com/office/drawing/2014/main" id="{D9574DD4-BFAE-7653-0470-A63BFCCDC316}"/>
+                      </a:ext>
+                    </a:extLst>
+                  </p14:cNvPr>
+                  <p14:cNvContentPartPr/>
+                  <p14:nvPr/>
+                </p14:nvContentPartPr>
+                <p14:xfrm>
+                  <a:off x="7682894" y="1629494"/>
+                  <a:ext cx="138600" cy="232920"/>
+                </p14:xfrm>
+              </p:contentPart>
+            </mc:Choice>
+            <mc:Fallback xmlns="">
+              <p:pic>
+                <p:nvPicPr>
+                  <p:cNvPr id="62" name="Ink 61">
+                    <a:extLst>
+                      <a:ext uri="{FF2B5EF4-FFF2-40B4-BE49-F238E27FC236}">
+                        <a16:creationId xmlns:a16="http://schemas.microsoft.com/office/drawing/2014/main" id="{D9574DD4-BFAE-7653-0470-A63BFCCDC316}"/>
+                      </a:ext>
+                    </a:extLst>
+                  </p:cNvPr>
+                  <p:cNvPicPr/>
+                  <p:nvPr/>
+                </p:nvPicPr>
+                <p:blipFill>
+                  <a:blip r:embed="rId19"/>
+                  <a:stretch>
+                    <a:fillRect/>
+                  </a:stretch>
+                </p:blipFill>
+                <p:spPr>
+                  <a:xfrm>
+                    <a:off x="7664894" y="1611854"/>
+                    <a:ext cx="174240" cy="268560"/>
+                  </a:xfrm>
+                  <a:prstGeom prst="rect">
+                    <a:avLst/>
+                  </a:prstGeom>
+                </p:spPr>
+              </p:pic>
+            </mc:Fallback>
+          </mc:AlternateContent>
+          <mc:AlternateContent xmlns:mc="http://schemas.openxmlformats.org/markup-compatibility/2006" xmlns:p14="http://schemas.microsoft.com/office/powerpoint/2010/main">
+            <mc:Choice Requires="p14">
+              <p:contentPart p14:bwMode="auto" r:id="rId20">
+                <p14:nvContentPartPr>
+                  <p14:cNvPr id="63" name="Ink 62">
+                    <a:extLst>
+                      <a:ext uri="{FF2B5EF4-FFF2-40B4-BE49-F238E27FC236}">
+                        <a16:creationId xmlns:a16="http://schemas.microsoft.com/office/drawing/2014/main" id="{4EAC45FE-F604-128B-5312-402B3E64DA0F}"/>
+                      </a:ext>
+                    </a:extLst>
+                  </p14:cNvPr>
+                  <p14:cNvContentPartPr/>
+                  <p14:nvPr/>
+                </p14:nvContentPartPr>
+                <p14:xfrm>
+                  <a:off x="7958294" y="1623014"/>
+                  <a:ext cx="208800" cy="261000"/>
+                </p14:xfrm>
+              </p:contentPart>
+            </mc:Choice>
+            <mc:Fallback xmlns="">
+              <p:pic>
+                <p:nvPicPr>
+                  <p:cNvPr id="63" name="Ink 62">
+                    <a:extLst>
+                      <a:ext uri="{FF2B5EF4-FFF2-40B4-BE49-F238E27FC236}">
+                        <a16:creationId xmlns:a16="http://schemas.microsoft.com/office/drawing/2014/main" id="{4EAC45FE-F604-128B-5312-402B3E64DA0F}"/>
+                      </a:ext>
+                    </a:extLst>
+                  </p:cNvPr>
+                  <p:cNvPicPr/>
+                  <p:nvPr/>
+                </p:nvPicPr>
+                <p:blipFill>
+                  <a:blip r:embed="rId21"/>
+                  <a:stretch>
+                    <a:fillRect/>
+                  </a:stretch>
+                </p:blipFill>
+                <p:spPr>
+                  <a:xfrm>
+                    <a:off x="7940294" y="1605374"/>
+                    <a:ext cx="244440" cy="296640"/>
+                  </a:xfrm>
+                  <a:prstGeom prst="rect">
+                    <a:avLst/>
+                  </a:prstGeom>
+                </p:spPr>
+              </p:pic>
+            </mc:Fallback>
+          </mc:AlternateContent>
+        </p:grpSp>
+        <p:sp>
+          <p:nvSpPr>
+            <p:cNvPr id="1089" name="TextBox 1088">
+              <a:extLst>
+                <a:ext uri="{FF2B5EF4-FFF2-40B4-BE49-F238E27FC236}">
+                  <a16:creationId xmlns:a16="http://schemas.microsoft.com/office/drawing/2014/main" id="{9BE30149-81E6-5396-1A77-BA7BD30AEE78}"/>
+                </a:ext>
+              </a:extLst>
+            </p:cNvPr>
+            <p:cNvSpPr txBox="1"/>
+            <p:nvPr/>
+          </p:nvSpPr>
+          <p:spPr>
+            <a:xfrm>
+              <a:off x="5624623" y="127591"/>
+              <a:ext cx="995978" cy="369332"/>
+            </a:xfrm>
+            <a:prstGeom prst="rect">
+              <a:avLst/>
+            </a:prstGeom>
+            <a:noFill/>
+          </p:spPr>
+          <p:txBody>
+            <a:bodyPr wrap="none" rtlCol="0">
+              <a:spAutoFit/>
+            </a:bodyPr>
+            <a:lstStyle/>
+            <a:p>
+              <a:r>
+                <a:rPr lang="en-AT" dirty="0"/>
+                <a:t>freq plot</a:t>
+              </a:r>
+            </a:p>
+          </p:txBody>
+        </p:sp>
       </p:grpSp>
-      <p:sp>
-        <p:nvSpPr>
-          <p:cNvPr id="1089" name="TextBox 1088">
+      <p:pic>
+        <p:nvPicPr>
+          <p:cNvPr id="21" name="Picture 20">
             <a:extLst>
               <a:ext uri="{FF2B5EF4-FFF2-40B4-BE49-F238E27FC236}">
-                <a16:creationId xmlns:a16="http://schemas.microsoft.com/office/drawing/2014/main" id="{9BE30149-81E6-5396-1A77-BA7BD30AEE78}"/>
+                <a16:creationId xmlns:a16="http://schemas.microsoft.com/office/drawing/2014/main" id="{C88628C5-5985-DF7C-B7FF-12F452365007}"/>
               </a:ext>
             </a:extLst>
           </p:cNvPr>
-          <p:cNvSpPr txBox="1"/>
+          <p:cNvPicPr>
+            <a:picLocks noChangeAspect="1"/>
+          </p:cNvPicPr>
           <p:nvPr/>
-        </p:nvSpPr>
+        </p:nvPicPr>
+        <p:blipFill>
+          <a:blip r:embed="rId22"/>
+          <a:stretch>
+            <a:fillRect/>
+          </a:stretch>
+        </p:blipFill>
         <p:spPr>
           <a:xfrm>
-            <a:off x="5624623" y="127591"/>
-            <a:ext cx="995978" cy="369332"/>
+            <a:off x="385420" y="3949113"/>
+            <a:ext cx="6400800" cy="4114800"/>
           </a:xfrm>
           <a:prstGeom prst="rect">
             <a:avLst/>
           </a:prstGeom>
-          <a:noFill/>
+          <a:ln>
+            <a:solidFill>
+              <a:srgbClr val="F5F1D4"/>
+            </a:solidFill>
+          </a:ln>
         </p:spPr>
-        <p:txBody>
-          <a:bodyPr wrap="none" rtlCol="0">
-            <a:spAutoFit/>
-          </a:bodyPr>
-          <a:lstStyle/>
-          <a:p>
-            <a:r>
-              <a:rPr lang="en-AT" dirty="0"/>
-              <a:t>freq plot</a:t>
-            </a:r>
-          </a:p>
-        </p:txBody>
-      </p:sp>
-      <p:cxnSp>
-        <p:nvCxnSpPr>
-          <p:cNvPr id="3" name="Straight Connector 2">
+      </p:pic>
+      <p:pic>
+        <p:nvPicPr>
+          <p:cNvPr id="42" name="Picture 41">
             <a:extLst>
               <a:ext uri="{FF2B5EF4-FFF2-40B4-BE49-F238E27FC236}">
-                <a16:creationId xmlns:a16="http://schemas.microsoft.com/office/drawing/2014/main" id="{F6229A59-8D5E-B2ED-E14A-91A617723B42}"/>
+                <a16:creationId xmlns:a16="http://schemas.microsoft.com/office/drawing/2014/main" id="{3B30C19A-7D30-6764-FE57-C2307E4D15D2}"/>
               </a:ext>
             </a:extLst>
           </p:cNvPr>
-          <p:cNvCxnSpPr/>
+          <p:cNvPicPr>
+            <a:picLocks noChangeAspect="1"/>
+          </p:cNvPicPr>
           <p:nvPr/>
-        </p:nvCxnSpPr>
+        </p:nvPicPr>
+        <p:blipFill>
+          <a:blip r:embed="rId23"/>
+          <a:stretch>
+            <a:fillRect/>
+          </a:stretch>
+        </p:blipFill>
         <p:spPr>
           <a:xfrm>
-            <a:off x="1282045" y="4355184"/>
-            <a:ext cx="0" cy="4487158"/>
+            <a:off x="385420" y="8063913"/>
+            <a:ext cx="6400800" cy="1092200"/>
           </a:xfrm>
-          <a:prstGeom prst="line">
+          <a:prstGeom prst="rect">
             <a:avLst/>
           </a:prstGeom>
-          <a:ln w="28575">
-            <a:solidFill>
-              <a:schemeClr val="tx1"/>
-            </a:solidFill>
-          </a:ln>
         </p:spPr>
-        <p:style>
-          <a:lnRef idx="1">
-            <a:schemeClr val="accent1"/>
-          </a:lnRef>
-          <a:fillRef idx="0">
-            <a:schemeClr val="accent1"/>
-          </a:fillRef>
-          <a:effectRef idx="0">
-            <a:schemeClr val="accent1"/>
-          </a:effectRef>
-          <a:fontRef idx="minor">
-            <a:schemeClr val="tx1"/>
-          </a:fontRef>
-        </p:style>
-      </p:cxnSp>
-      <p:cxnSp>
-        <p:nvCxnSpPr>
-          <p:cNvPr id="4" name="Straight Connector 3">
-            <a:extLst>
-              <a:ext uri="{FF2B5EF4-FFF2-40B4-BE49-F238E27FC236}">
-                <a16:creationId xmlns:a16="http://schemas.microsoft.com/office/drawing/2014/main" id="{E196B8DE-EE31-C827-D1BD-1147FD844ECD}"/>
-              </a:ext>
-            </a:extLst>
-          </p:cNvPr>
-          <p:cNvCxnSpPr/>
-          <p:nvPr/>
-        </p:nvCxnSpPr>
-        <p:spPr>
-          <a:xfrm>
-            <a:off x="5384277" y="4355184"/>
-            <a:ext cx="0" cy="4487158"/>
-          </a:xfrm>
-          <a:prstGeom prst="line">
-            <a:avLst/>
-          </a:prstGeom>
-          <a:ln w="28575">
-            <a:solidFill>
-              <a:schemeClr val="tx1"/>
-            </a:solidFill>
-          </a:ln>
-        </p:spPr>
-        <p:style>
-          <a:lnRef idx="1">
-            <a:schemeClr val="accent1"/>
-          </a:lnRef>
-          <a:fillRef idx="0">
-            <a:schemeClr val="accent1"/>
-          </a:fillRef>
-          <a:effectRef idx="0">
-            <a:schemeClr val="accent1"/>
-          </a:effectRef>
-          <a:fontRef idx="minor">
-            <a:schemeClr val="tx1"/>
-          </a:fontRef>
-        </p:style>
-      </p:cxnSp>
+      </p:pic>
     </p:spTree>
     <p:extLst>
       <p:ext uri="{BB962C8B-B14F-4D97-AF65-F5344CB8AC3E}">

--- a/02_analysis/04_sv/03_figures/ig_2023_08_18_fig_sv.pptx
+++ b/02_analysis/04_sv/03_figures/ig_2023_08_18_fig_sv.pptx
@@ -6,8 +6,9 @@
   </p:sldMasterIdLst>
   <p:sldIdLst>
     <p:sldId id="256" r:id="rId2"/>
-    <p:sldId id="258" r:id="rId3"/>
-    <p:sldId id="257" r:id="rId4"/>
+    <p:sldId id="259" r:id="rId3"/>
+    <p:sldId id="258" r:id="rId4"/>
+    <p:sldId id="257" r:id="rId5"/>
   </p:sldIdLst>
   <p:sldSz cx="18000663" cy="25199975"/>
   <p:notesSz cx="6858000" cy="9144000"/>
@@ -117,7 +118,7 @@
 <file path=ppt/revisionInfo.xml><?xml version="1.0" encoding="utf-8"?>
 <p1510:revInfo xmlns:a="http://schemas.openxmlformats.org/drawingml/2006/main" xmlns:r="http://schemas.openxmlformats.org/officeDocument/2006/relationships" xmlns:p1510="http://schemas.microsoft.com/office/powerpoint/2015/10/main">
   <p1510:revLst>
-    <p1510:client id="{1720320C-2886-A44F-B1A5-AC29DAC23C38}" v="550" dt="2023-09-07T15:22:35.311"/>
+    <p1510:client id="{1720320C-2886-A44F-B1A5-AC29DAC23C38}" v="699" dt="2023-09-08T14:44:59.460"/>
   </p1510:revLst>
 </p1510:revInfo>
 </file>
@@ -127,26 +128,98 @@
   <pc:docChgLst>
     <pc:chgData name="Ann Igolkina" userId="4d1b5d7ddf2bbc78" providerId="LiveId" clId="{1720320C-2886-A44F-B1A5-AC29DAC23C38}"/>
     <pc:docChg chg="undo redo custSel addSld delSld modSld">
-      <pc:chgData name="Ann Igolkina" userId="4d1b5d7ddf2bbc78" providerId="LiveId" clId="{1720320C-2886-A44F-B1A5-AC29DAC23C38}" dt="2023-09-07T15:22:45.414" v="604" actId="1076"/>
+      <pc:chgData name="Ann Igolkina" userId="4d1b5d7ddf2bbc78" providerId="LiveId" clId="{1720320C-2886-A44F-B1A5-AC29DAC23C38}" dt="2023-09-08T14:44:59.460" v="1076" actId="1076"/>
       <pc:docMkLst>
         <pc:docMk/>
       </pc:docMkLst>
       <pc:sldChg chg="addSp delSp modSp mod">
-        <pc:chgData name="Ann Igolkina" userId="4d1b5d7ddf2bbc78" providerId="LiveId" clId="{1720320C-2886-A44F-B1A5-AC29DAC23C38}" dt="2023-09-07T15:22:45.414" v="604" actId="1076"/>
+        <pc:chgData name="Ann Igolkina" userId="4d1b5d7ddf2bbc78" providerId="LiveId" clId="{1720320C-2886-A44F-B1A5-AC29DAC23C38}" dt="2023-09-08T14:44:59.460" v="1076" actId="1076"/>
         <pc:sldMkLst>
           <pc:docMk/>
           <pc:sldMk cId="3114100624" sldId="256"/>
         </pc:sldMkLst>
+        <pc:spChg chg="add del mod">
+          <ac:chgData name="Ann Igolkina" userId="4d1b5d7ddf2bbc78" providerId="LiveId" clId="{1720320C-2886-A44F-B1A5-AC29DAC23C38}" dt="2023-09-08T11:55:54.742" v="638" actId="767"/>
+          <ac:spMkLst>
+            <pc:docMk/>
+            <pc:sldMk cId="3114100624" sldId="256"/>
+            <ac:spMk id="24" creationId="{59CC5E04-1FCF-39AE-9FBF-88BAAD86EA05}"/>
+          </ac:spMkLst>
+        </pc:spChg>
+        <pc:spChg chg="add del mod">
+          <ac:chgData name="Ann Igolkina" userId="4d1b5d7ddf2bbc78" providerId="LiveId" clId="{1720320C-2886-A44F-B1A5-AC29DAC23C38}" dt="2023-09-08T14:39:58.628" v="1061" actId="21"/>
+          <ac:spMkLst>
+            <pc:docMk/>
+            <pc:sldMk cId="3114100624" sldId="256"/>
+            <ac:spMk id="26" creationId="{2200A045-1F30-8DB2-CE1B-A423C94E8D21}"/>
+          </ac:spMkLst>
+        </pc:spChg>
+        <pc:spChg chg="add del mod">
+          <ac:chgData name="Ann Igolkina" userId="4d1b5d7ddf2bbc78" providerId="LiveId" clId="{1720320C-2886-A44F-B1A5-AC29DAC23C38}" dt="2023-09-08T14:39:58.628" v="1061" actId="21"/>
+          <ac:spMkLst>
+            <pc:docMk/>
+            <pc:sldMk cId="3114100624" sldId="256"/>
+            <ac:spMk id="27" creationId="{0A44D513-4309-2805-75AF-52C61200E6F6}"/>
+          </ac:spMkLst>
+        </pc:spChg>
+        <pc:spChg chg="add del mod">
+          <ac:chgData name="Ann Igolkina" userId="4d1b5d7ddf2bbc78" providerId="LiveId" clId="{1720320C-2886-A44F-B1A5-AC29DAC23C38}" dt="2023-09-08T14:39:58.628" v="1061" actId="21"/>
+          <ac:spMkLst>
+            <pc:docMk/>
+            <pc:sldMk cId="3114100624" sldId="256"/>
+            <ac:spMk id="28" creationId="{A60FF7FD-D413-D031-B460-B46E8EF75B85}"/>
+          </ac:spMkLst>
+        </pc:spChg>
+        <pc:spChg chg="add del mod">
+          <ac:chgData name="Ann Igolkina" userId="4d1b5d7ddf2bbc78" providerId="LiveId" clId="{1720320C-2886-A44F-B1A5-AC29DAC23C38}" dt="2023-09-08T11:58:13.646" v="679"/>
+          <ac:spMkLst>
+            <pc:docMk/>
+            <pc:sldMk cId="3114100624" sldId="256"/>
+            <ac:spMk id="29" creationId="{930F3A30-19C1-AC2D-C368-4A615864B21B}"/>
+          </ac:spMkLst>
+        </pc:spChg>
+        <pc:spChg chg="add del mod">
+          <ac:chgData name="Ann Igolkina" userId="4d1b5d7ddf2bbc78" providerId="LiveId" clId="{1720320C-2886-A44F-B1A5-AC29DAC23C38}" dt="2023-09-08T14:39:58.628" v="1061" actId="21"/>
+          <ac:spMkLst>
+            <pc:docMk/>
+            <pc:sldMk cId="3114100624" sldId="256"/>
+            <ac:spMk id="38" creationId="{9C59D2D8-B62A-93CA-D01B-5F3B5B03B06E}"/>
+          </ac:spMkLst>
+        </pc:spChg>
+        <pc:spChg chg="add del mod">
+          <ac:chgData name="Ann Igolkina" userId="4d1b5d7ddf2bbc78" providerId="LiveId" clId="{1720320C-2886-A44F-B1A5-AC29DAC23C38}" dt="2023-09-08T14:39:58.628" v="1061" actId="21"/>
+          <ac:spMkLst>
+            <pc:docMk/>
+            <pc:sldMk cId="3114100624" sldId="256"/>
+            <ac:spMk id="47" creationId="{E76AC317-4F61-1317-161C-CB04694A858F}"/>
+          </ac:spMkLst>
+        </pc:spChg>
+        <pc:spChg chg="add del mod">
+          <ac:chgData name="Ann Igolkina" userId="4d1b5d7ddf2bbc78" providerId="LiveId" clId="{1720320C-2886-A44F-B1A5-AC29DAC23C38}" dt="2023-09-08T14:39:58.628" v="1061" actId="21"/>
+          <ac:spMkLst>
+            <pc:docMk/>
+            <pc:sldMk cId="3114100624" sldId="256"/>
+            <ac:spMk id="48" creationId="{D3D42B90-2D49-CF2D-28AD-199CF4AC92D4}"/>
+          </ac:spMkLst>
+        </pc:spChg>
+        <pc:spChg chg="add del mod">
+          <ac:chgData name="Ann Igolkina" userId="4d1b5d7ddf2bbc78" providerId="LiveId" clId="{1720320C-2886-A44F-B1A5-AC29DAC23C38}" dt="2023-09-08T14:39:58.628" v="1061" actId="21"/>
+          <ac:spMkLst>
+            <pc:docMk/>
+            <pc:sldMk cId="3114100624" sldId="256"/>
+            <ac:spMk id="52" creationId="{E5C2E64D-3BCB-6EBA-57C8-23895FAC3F7E}"/>
+          </ac:spMkLst>
+        </pc:spChg>
         <pc:spChg chg="add mod topLvl">
-          <ac:chgData name="Ann Igolkina" userId="4d1b5d7ddf2bbc78" providerId="LiveId" clId="{1720320C-2886-A44F-B1A5-AC29DAC23C38}" dt="2023-09-07T14:57:59.017" v="581" actId="1076"/>
+          <ac:chgData name="Ann Igolkina" userId="4d1b5d7ddf2bbc78" providerId="LiveId" clId="{1720320C-2886-A44F-B1A5-AC29DAC23C38}" dt="2023-09-08T14:44:59.460" v="1076" actId="1076"/>
           <ac:spMkLst>
             <pc:docMk/>
             <pc:sldMk cId="3114100624" sldId="256"/>
             <ac:spMk id="56" creationId="{16E15B9E-3CAD-B794-98DC-14748E548D82}"/>
           </ac:spMkLst>
         </pc:spChg>
-        <pc:spChg chg="add mod">
-          <ac:chgData name="Ann Igolkina" userId="4d1b5d7ddf2bbc78" providerId="LiveId" clId="{1720320C-2886-A44F-B1A5-AC29DAC23C38}" dt="2023-09-01T10:58:14.944" v="363" actId="1076"/>
+        <pc:spChg chg="add del mod">
+          <ac:chgData name="Ann Igolkina" userId="4d1b5d7ddf2bbc78" providerId="LiveId" clId="{1720320C-2886-A44F-B1A5-AC29DAC23C38}" dt="2023-09-08T12:19:22.956" v="764" actId="478"/>
           <ac:spMkLst>
             <pc:docMk/>
             <pc:sldMk cId="3114100624" sldId="256"/>
@@ -161,24 +234,48 @@
             <ac:spMk id="59" creationId="{F3D2A07B-4BD8-8B13-EA61-8D2D70ED882D}"/>
           </ac:spMkLst>
         </pc:spChg>
-        <pc:spChg chg="add mod topLvl">
-          <ac:chgData name="Ann Igolkina" userId="4d1b5d7ddf2bbc78" providerId="LiveId" clId="{1720320C-2886-A44F-B1A5-AC29DAC23C38}" dt="2023-09-07T14:59:45.036" v="598" actId="1076"/>
+        <pc:spChg chg="add del mod topLvl">
+          <ac:chgData name="Ann Igolkina" userId="4d1b5d7ddf2bbc78" providerId="LiveId" clId="{1720320C-2886-A44F-B1A5-AC29DAC23C38}" dt="2023-09-08T13:40:36.650" v="840" actId="478"/>
           <ac:spMkLst>
             <pc:docMk/>
             <pc:sldMk cId="3114100624" sldId="256"/>
             <ac:spMk id="60" creationId="{DD6F6AEF-21D4-0F1A-4ADB-63F46D5A8C60}"/>
           </ac:spMkLst>
         </pc:spChg>
-        <pc:spChg chg="add mod">
-          <ac:chgData name="Ann Igolkina" userId="4d1b5d7ddf2bbc78" providerId="LiveId" clId="{1720320C-2886-A44F-B1A5-AC29DAC23C38}" dt="2023-08-23T14:57:12.299" v="314" actId="20577"/>
+        <pc:spChg chg="add del mod topLvl">
+          <ac:chgData name="Ann Igolkina" userId="4d1b5d7ddf2bbc78" providerId="LiveId" clId="{1720320C-2886-A44F-B1A5-AC29DAC23C38}" dt="2023-09-08T12:25:08.894" v="797" actId="478"/>
           <ac:spMkLst>
             <pc:docMk/>
             <pc:sldMk cId="3114100624" sldId="256"/>
             <ac:spMk id="1089" creationId="{9BE30149-81E6-5396-1A77-BA7BD30AEE78}"/>
           </ac:spMkLst>
         </pc:spChg>
+        <pc:spChg chg="add del mod">
+          <ac:chgData name="Ann Igolkina" userId="4d1b5d7ddf2bbc78" providerId="LiveId" clId="{1720320C-2886-A44F-B1A5-AC29DAC23C38}" dt="2023-09-08T14:39:58.628" v="1061" actId="21"/>
+          <ac:spMkLst>
+            <pc:docMk/>
+            <pc:sldMk cId="3114100624" sldId="256"/>
+            <ac:spMk id="1117" creationId="{C8040DA9-5822-A1A2-31FC-309EA1987A28}"/>
+          </ac:spMkLst>
+        </pc:spChg>
+        <pc:spChg chg="add del mod">
+          <ac:chgData name="Ann Igolkina" userId="4d1b5d7ddf2bbc78" providerId="LiveId" clId="{1720320C-2886-A44F-B1A5-AC29DAC23C38}" dt="2023-09-08T14:39:58.628" v="1061" actId="21"/>
+          <ac:spMkLst>
+            <pc:docMk/>
+            <pc:sldMk cId="3114100624" sldId="256"/>
+            <ac:spMk id="1118" creationId="{F8FC8895-B736-D134-4E6D-309C8FC76FDD}"/>
+          </ac:spMkLst>
+        </pc:spChg>
+        <pc:spChg chg="add del mod">
+          <ac:chgData name="Ann Igolkina" userId="4d1b5d7ddf2bbc78" providerId="LiveId" clId="{1720320C-2886-A44F-B1A5-AC29DAC23C38}" dt="2023-09-08T14:39:58.628" v="1061" actId="21"/>
+          <ac:spMkLst>
+            <pc:docMk/>
+            <pc:sldMk cId="3114100624" sldId="256"/>
+            <ac:spMk id="1134" creationId="{D3404243-5BAD-7DE2-7828-6DC79FF58BBD}"/>
+          </ac:spMkLst>
+        </pc:spChg>
         <pc:grpChg chg="add mod">
-          <ac:chgData name="Ann Igolkina" userId="4d1b5d7ddf2bbc78" providerId="LiveId" clId="{1720320C-2886-A44F-B1A5-AC29DAC23C38}" dt="2023-09-07T14:57:59.017" v="581" actId="1076"/>
+          <ac:chgData name="Ann Igolkina" userId="4d1b5d7ddf2bbc78" providerId="LiveId" clId="{1720320C-2886-A44F-B1A5-AC29DAC23C38}" dt="2023-09-08T14:44:59.460" v="1076" actId="1076"/>
           <ac:grpSpMkLst>
             <pc:docMk/>
             <pc:sldMk cId="3114100624" sldId="256"/>
@@ -193,8 +290,24 @@
             <ac:grpSpMk id="5" creationId="{296C9A7A-0EBD-15BC-80CD-AD61C71FDD8B}"/>
           </ac:grpSpMkLst>
         </pc:grpChg>
-        <pc:grpChg chg="add mod">
-          <ac:chgData name="Ann Igolkina" userId="4d1b5d7ddf2bbc78" providerId="LiveId" clId="{1720320C-2886-A44F-B1A5-AC29DAC23C38}" dt="2023-09-07T13:16:52.556" v="456" actId="1076"/>
+        <pc:grpChg chg="add del mod">
+          <ac:chgData name="Ann Igolkina" userId="4d1b5d7ddf2bbc78" providerId="LiveId" clId="{1720320C-2886-A44F-B1A5-AC29DAC23C38}" dt="2023-09-08T11:59:20.674" v="706"/>
+          <ac:grpSpMkLst>
+            <pc:docMk/>
+            <pc:sldMk cId="3114100624" sldId="256"/>
+            <ac:grpSpMk id="11" creationId="{CB2D44A9-8E67-E688-9267-492F95BCBB4E}"/>
+          </ac:grpSpMkLst>
+        </pc:grpChg>
+        <pc:grpChg chg="del mod">
+          <ac:chgData name="Ann Igolkina" userId="4d1b5d7ddf2bbc78" providerId="LiveId" clId="{1720320C-2886-A44F-B1A5-AC29DAC23C38}" dt="2023-09-08T11:59:20.674" v="706"/>
+          <ac:grpSpMkLst>
+            <pc:docMk/>
+            <pc:sldMk cId="3114100624" sldId="256"/>
+            <ac:grpSpMk id="15" creationId="{F3B58CD2-3BBC-15B4-BC17-BCD995BC9597}"/>
+          </ac:grpSpMkLst>
+        </pc:grpChg>
+        <pc:grpChg chg="add del mod">
+          <ac:chgData name="Ann Igolkina" userId="4d1b5d7ddf2bbc78" providerId="LiveId" clId="{1720320C-2886-A44F-B1A5-AC29DAC23C38}" dt="2023-09-08T12:23:57.312" v="783" actId="165"/>
           <ac:grpSpMkLst>
             <pc:docMk/>
             <pc:sldMk cId="3114100624" sldId="256"/>
@@ -209,12 +322,68 @@
             <ac:grpSpMk id="19" creationId="{50CA7B8A-CC6A-ADE8-F3DB-06C8071DC633}"/>
           </ac:grpSpMkLst>
         </pc:grpChg>
-        <pc:grpChg chg="add">
-          <ac:chgData name="Ann Igolkina" userId="4d1b5d7ddf2bbc78" providerId="LiveId" clId="{1720320C-2886-A44F-B1A5-AC29DAC23C38}" dt="2023-09-07T14:59:51.270" v="599" actId="164"/>
+        <pc:grpChg chg="del mod">
+          <ac:chgData name="Ann Igolkina" userId="4d1b5d7ddf2bbc78" providerId="LiveId" clId="{1720320C-2886-A44F-B1A5-AC29DAC23C38}" dt="2023-09-08T11:55:44.747" v="633" actId="478"/>
           <ac:grpSpMkLst>
             <pc:docMk/>
             <pc:sldMk cId="3114100624" sldId="256"/>
+            <ac:grpSpMk id="23" creationId="{2BB41F25-DB3A-4D78-3E1F-1ABD0E0A07A0}"/>
+          </ac:grpSpMkLst>
+        </pc:grpChg>
+        <pc:grpChg chg="add del mod">
+          <ac:chgData name="Ann Igolkina" userId="4d1b5d7ddf2bbc78" providerId="LiveId" clId="{1720320C-2886-A44F-B1A5-AC29DAC23C38}" dt="2023-09-08T14:39:58.628" v="1061" actId="21"/>
+          <ac:grpSpMkLst>
+            <pc:docMk/>
+            <pc:sldMk cId="3114100624" sldId="256"/>
+            <ac:grpSpMk id="30" creationId="{582E7661-0756-10C0-670B-2BA53C97059E}"/>
+          </ac:grpSpMkLst>
+        </pc:grpChg>
+        <pc:grpChg chg="add del mod">
+          <ac:chgData name="Ann Igolkina" userId="4d1b5d7ddf2bbc78" providerId="LiveId" clId="{1720320C-2886-A44F-B1A5-AC29DAC23C38}" dt="2023-09-08T14:39:58.628" v="1061" actId="21"/>
+          <ac:grpSpMkLst>
+            <pc:docMk/>
+            <pc:sldMk cId="3114100624" sldId="256"/>
+            <ac:grpSpMk id="34" creationId="{11CEA208-2664-EE06-FD0B-2A60AC059806}"/>
+          </ac:grpSpMkLst>
+        </pc:grpChg>
+        <pc:grpChg chg="add del mod">
+          <ac:chgData name="Ann Igolkina" userId="4d1b5d7ddf2bbc78" providerId="LiveId" clId="{1720320C-2886-A44F-B1A5-AC29DAC23C38}" dt="2023-09-08T14:39:58.628" v="1061" actId="21"/>
+          <ac:grpSpMkLst>
+            <pc:docMk/>
+            <pc:sldMk cId="3114100624" sldId="256"/>
+            <ac:grpSpMk id="39" creationId="{C1B6A175-2874-13AD-5EAC-0FC802FDED2F}"/>
+          </ac:grpSpMkLst>
+        </pc:grpChg>
+        <pc:grpChg chg="add del mod">
+          <ac:chgData name="Ann Igolkina" userId="4d1b5d7ddf2bbc78" providerId="LiveId" clId="{1720320C-2886-A44F-B1A5-AC29DAC23C38}" dt="2023-09-08T12:40:46.300" v="828" actId="478"/>
+          <ac:grpSpMkLst>
+            <pc:docMk/>
+            <pc:sldMk cId="3114100624" sldId="256"/>
             <ac:grpSpMk id="40" creationId="{21BF0814-F9EF-52EA-9B93-F3D4C78C48E5}"/>
+          </ac:grpSpMkLst>
+        </pc:grpChg>
+        <pc:grpChg chg="add del mod">
+          <ac:chgData name="Ann Igolkina" userId="4d1b5d7ddf2bbc78" providerId="LiveId" clId="{1720320C-2886-A44F-B1A5-AC29DAC23C38}" dt="2023-09-08T14:39:58.628" v="1061" actId="21"/>
+          <ac:grpSpMkLst>
+            <pc:docMk/>
+            <pc:sldMk cId="3114100624" sldId="256"/>
+            <ac:grpSpMk id="44" creationId="{EAE64D10-D636-B08A-8293-DCB265F14A09}"/>
+          </ac:grpSpMkLst>
+        </pc:grpChg>
+        <pc:grpChg chg="add del mod">
+          <ac:chgData name="Ann Igolkina" userId="4d1b5d7ddf2bbc78" providerId="LiveId" clId="{1720320C-2886-A44F-B1A5-AC29DAC23C38}" dt="2023-09-08T14:39:58.628" v="1061" actId="21"/>
+          <ac:grpSpMkLst>
+            <pc:docMk/>
+            <pc:sldMk cId="3114100624" sldId="256"/>
+            <ac:grpSpMk id="49" creationId="{5EDC0100-6BF2-B93A-73C3-B53D86E935DF}"/>
+          </ac:grpSpMkLst>
+        </pc:grpChg>
+        <pc:grpChg chg="del mod">
+          <ac:chgData name="Ann Igolkina" userId="4d1b5d7ddf2bbc78" providerId="LiveId" clId="{1720320C-2886-A44F-B1A5-AC29DAC23C38}" dt="2023-09-08T14:39:58.628" v="1061" actId="21"/>
+          <ac:grpSpMkLst>
+            <pc:docMk/>
+            <pc:sldMk cId="3114100624" sldId="256"/>
+            <ac:grpSpMk id="57" creationId="{A79CD15B-9266-CFE9-6680-31753F90F833}"/>
           </ac:grpSpMkLst>
         </pc:grpChg>
         <pc:grpChg chg="add del">
@@ -225,12 +394,116 @@
             <ac:grpSpMk id="57" creationId="{AF9782C2-C11A-CEC3-478C-39E0D122B5E6}"/>
           </ac:grpSpMkLst>
         </pc:grpChg>
-        <pc:grpChg chg="mod">
-          <ac:chgData name="Ann Igolkina" userId="4d1b5d7ddf2bbc78" providerId="LiveId" clId="{1720320C-2886-A44F-B1A5-AC29DAC23C38}" dt="2023-08-23T14:56:46.708" v="302"/>
+        <pc:grpChg chg="del mod topLvl">
+          <ac:chgData name="Ann Igolkina" userId="4d1b5d7ddf2bbc78" providerId="LiveId" clId="{1720320C-2886-A44F-B1A5-AC29DAC23C38}" dt="2023-09-08T12:25:08.894" v="797" actId="478"/>
           <ac:grpSpMkLst>
             <pc:docMk/>
             <pc:sldMk cId="3114100624" sldId="256"/>
             <ac:grpSpMk id="1088" creationId="{1E9673F9-69F3-CB1B-E46C-54FB7A9FB24E}"/>
+          </ac:grpSpMkLst>
+        </pc:grpChg>
+        <pc:grpChg chg="del mod">
+          <ac:chgData name="Ann Igolkina" userId="4d1b5d7ddf2bbc78" providerId="LiveId" clId="{1720320C-2886-A44F-B1A5-AC29DAC23C38}" dt="2023-09-08T11:59:07.294" v="699"/>
+          <ac:grpSpMkLst>
+            <pc:docMk/>
+            <pc:sldMk cId="3114100624" sldId="256"/>
+            <ac:grpSpMk id="1093" creationId="{D3CB7466-EB4A-C4B8-8D9C-4102BECD51BE}"/>
+          </ac:grpSpMkLst>
+        </pc:grpChg>
+        <pc:grpChg chg="del mod">
+          <ac:chgData name="Ann Igolkina" userId="4d1b5d7ddf2bbc78" providerId="LiveId" clId="{1720320C-2886-A44F-B1A5-AC29DAC23C38}" dt="2023-09-08T11:59:08.116" v="701"/>
+          <ac:grpSpMkLst>
+            <pc:docMk/>
+            <pc:sldMk cId="3114100624" sldId="256"/>
+            <ac:grpSpMk id="1095" creationId="{8DF0A4CE-78A9-3995-DE82-9A9A08C43854}"/>
+          </ac:grpSpMkLst>
+        </pc:grpChg>
+        <pc:grpChg chg="del mod">
+          <ac:chgData name="Ann Igolkina" userId="4d1b5d7ddf2bbc78" providerId="LiveId" clId="{1720320C-2886-A44F-B1A5-AC29DAC23C38}" dt="2023-09-08T14:39:58.628" v="1061" actId="21"/>
+          <ac:grpSpMkLst>
+            <pc:docMk/>
+            <pc:sldMk cId="3114100624" sldId="256"/>
+            <ac:grpSpMk id="1097" creationId="{AD05B194-C085-2821-1E53-A7E3BEFE7FD0}"/>
+          </ac:grpSpMkLst>
+        </pc:grpChg>
+        <pc:grpChg chg="del mod">
+          <ac:chgData name="Ann Igolkina" userId="4d1b5d7ddf2bbc78" providerId="LiveId" clId="{1720320C-2886-A44F-B1A5-AC29DAC23C38}" dt="2023-09-08T11:59:24.512" v="708"/>
+          <ac:grpSpMkLst>
+            <pc:docMk/>
+            <pc:sldMk cId="3114100624" sldId="256"/>
+            <ac:grpSpMk id="1102" creationId="{03E09447-DE3E-5C57-3492-0521596AA6CC}"/>
+          </ac:grpSpMkLst>
+        </pc:grpChg>
+        <pc:grpChg chg="del mod">
+          <ac:chgData name="Ann Igolkina" userId="4d1b5d7ddf2bbc78" providerId="LiveId" clId="{1720320C-2886-A44F-B1A5-AC29DAC23C38}" dt="2023-09-08T11:59:25.872" v="710"/>
+          <ac:grpSpMkLst>
+            <pc:docMk/>
+            <pc:sldMk cId="3114100624" sldId="256"/>
+            <ac:grpSpMk id="1104" creationId="{7931D8A8-E0E0-A532-D70E-E389C0389817}"/>
+          </ac:grpSpMkLst>
+        </pc:grpChg>
+        <pc:grpChg chg="del mod">
+          <ac:chgData name="Ann Igolkina" userId="4d1b5d7ddf2bbc78" providerId="LiveId" clId="{1720320C-2886-A44F-B1A5-AC29DAC23C38}" dt="2023-09-08T14:39:58.628" v="1061" actId="21"/>
+          <ac:grpSpMkLst>
+            <pc:docMk/>
+            <pc:sldMk cId="3114100624" sldId="256"/>
+            <ac:grpSpMk id="1106" creationId="{BA9757E1-125C-EA2C-53AB-2B9A71206DAE}"/>
+          </ac:grpSpMkLst>
+        </pc:grpChg>
+        <pc:grpChg chg="del mod">
+          <ac:chgData name="Ann Igolkina" userId="4d1b5d7ddf2bbc78" providerId="LiveId" clId="{1720320C-2886-A44F-B1A5-AC29DAC23C38}" dt="2023-09-08T14:39:58.628" v="1061" actId="21"/>
+          <ac:grpSpMkLst>
+            <pc:docMk/>
+            <pc:sldMk cId="3114100624" sldId="256"/>
+            <ac:grpSpMk id="1109" creationId="{A1AB1C39-EFEC-9E41-87F4-CCB381E2339F}"/>
+          </ac:grpSpMkLst>
+        </pc:grpChg>
+        <pc:grpChg chg="del mod">
+          <ac:chgData name="Ann Igolkina" userId="4d1b5d7ddf2bbc78" providerId="LiveId" clId="{1720320C-2886-A44F-B1A5-AC29DAC23C38}" dt="2023-09-08T14:39:58.628" v="1061" actId="21"/>
+          <ac:grpSpMkLst>
+            <pc:docMk/>
+            <pc:sldMk cId="3114100624" sldId="256"/>
+            <ac:grpSpMk id="1112" creationId="{535E7F53-279C-EEAC-4CC3-C1D35C4F3F3B}"/>
+          </ac:grpSpMkLst>
+        </pc:grpChg>
+        <pc:grpChg chg="del mod">
+          <ac:chgData name="Ann Igolkina" userId="4d1b5d7ddf2bbc78" providerId="LiveId" clId="{1720320C-2886-A44F-B1A5-AC29DAC23C38}" dt="2023-09-08T14:39:58.628" v="1061" actId="21"/>
+          <ac:grpSpMkLst>
+            <pc:docMk/>
+            <pc:sldMk cId="3114100624" sldId="256"/>
+            <ac:grpSpMk id="1114" creationId="{CBCC97A6-50C7-A68B-500B-B3EE62004DEC}"/>
+          </ac:grpSpMkLst>
+        </pc:grpChg>
+        <pc:grpChg chg="del mod">
+          <ac:chgData name="Ann Igolkina" userId="4d1b5d7ddf2bbc78" providerId="LiveId" clId="{1720320C-2886-A44F-B1A5-AC29DAC23C38}" dt="2023-09-08T12:00:33.913" v="735"/>
+          <ac:grpSpMkLst>
+            <pc:docMk/>
+            <pc:sldMk cId="3114100624" sldId="256"/>
+            <ac:grpSpMk id="1122" creationId="{43983AC5-8848-22EC-59BA-ECF7C56B78A0}"/>
+          </ac:grpSpMkLst>
+        </pc:grpChg>
+        <pc:grpChg chg="del mod">
+          <ac:chgData name="Ann Igolkina" userId="4d1b5d7ddf2bbc78" providerId="LiveId" clId="{1720320C-2886-A44F-B1A5-AC29DAC23C38}" dt="2023-09-08T12:00:35.477" v="737"/>
+          <ac:grpSpMkLst>
+            <pc:docMk/>
+            <pc:sldMk cId="3114100624" sldId="256"/>
+            <ac:grpSpMk id="1124" creationId="{51E3A690-B403-A756-D434-AE0AF925D331}"/>
+          </ac:grpSpMkLst>
+        </pc:grpChg>
+        <pc:grpChg chg="del mod">
+          <ac:chgData name="Ann Igolkina" userId="4d1b5d7ddf2bbc78" providerId="LiveId" clId="{1720320C-2886-A44F-B1A5-AC29DAC23C38}" dt="2023-09-08T14:39:58.628" v="1061" actId="21"/>
+          <ac:grpSpMkLst>
+            <pc:docMk/>
+            <pc:sldMk cId="3114100624" sldId="256"/>
+            <ac:grpSpMk id="1126" creationId="{4D2576E4-A775-8793-13C9-A2FFED90E730}"/>
+          </ac:grpSpMkLst>
+        </pc:grpChg>
+        <pc:grpChg chg="add del mod">
+          <ac:chgData name="Ann Igolkina" userId="4d1b5d7ddf2bbc78" providerId="LiveId" clId="{1720320C-2886-A44F-B1A5-AC29DAC23C38}" dt="2023-09-08T12:26:49.014" v="807" actId="165"/>
+          <ac:grpSpMkLst>
+            <pc:docMk/>
+            <pc:sldMk cId="3114100624" sldId="256"/>
+            <ac:grpSpMk id="1139" creationId="{CF752B1F-5637-4F1E-4F37-93287ADE4475}"/>
           </ac:grpSpMkLst>
         </pc:grpChg>
         <pc:picChg chg="add del mod">
@@ -250,6 +523,14 @@
           </ac:picMkLst>
         </pc:picChg>
         <pc:picChg chg="add del mod">
+          <ac:chgData name="Ann Igolkina" userId="4d1b5d7ddf2bbc78" providerId="LiveId" clId="{1720320C-2886-A44F-B1A5-AC29DAC23C38}" dt="2023-09-08T14:39:58.628" v="1061" actId="21"/>
+          <ac:picMkLst>
+            <pc:docMk/>
+            <pc:sldMk cId="3114100624" sldId="256"/>
+            <ac:picMk id="7" creationId="{15F059D6-227E-3998-3467-28212AADF7CA}"/>
+          </ac:picMkLst>
+        </pc:picChg>
+        <pc:picChg chg="add del mod">
           <ac:chgData name="Ann Igolkina" userId="4d1b5d7ddf2bbc78" providerId="LiveId" clId="{1720320C-2886-A44F-B1A5-AC29DAC23C38}" dt="2023-08-19T09:18:51.567" v="17" actId="478"/>
           <ac:picMkLst>
             <pc:docMk/>
@@ -297,8 +578,8 @@
             <ac:picMk id="11" creationId="{BEEE6415-1705-E131-7A6E-03E08C34DBCE}"/>
           </ac:picMkLst>
         </pc:picChg>
-        <pc:picChg chg="add mod topLvl modCrop">
-          <ac:chgData name="Ann Igolkina" userId="4d1b5d7ddf2bbc78" providerId="LiveId" clId="{1720320C-2886-A44F-B1A5-AC29DAC23C38}" dt="2023-09-07T14:55:37.425" v="559" actId="14100"/>
+        <pc:picChg chg="add del mod topLvl modCrop">
+          <ac:chgData name="Ann Igolkina" userId="4d1b5d7ddf2bbc78" providerId="LiveId" clId="{1720320C-2886-A44F-B1A5-AC29DAC23C38}" dt="2023-09-08T12:19:12.082" v="762" actId="478"/>
           <ac:picMkLst>
             <pc:docMk/>
             <pc:sldMk cId="3114100624" sldId="256"/>
@@ -329,8 +610,8 @@
             <ac:picMk id="16" creationId="{EB221AAC-1252-A2AE-1818-A0E42FF335E3}"/>
           </ac:picMkLst>
         </pc:picChg>
-        <pc:picChg chg="add mod topLvl">
-          <ac:chgData name="Ann Igolkina" userId="4d1b5d7ddf2bbc78" providerId="LiveId" clId="{1720320C-2886-A44F-B1A5-AC29DAC23C38}" dt="2023-09-07T14:56:30.158" v="571" actId="14100"/>
+        <pc:picChg chg="add del mod topLvl">
+          <ac:chgData name="Ann Igolkina" userId="4d1b5d7ddf2bbc78" providerId="LiveId" clId="{1720320C-2886-A44F-B1A5-AC29DAC23C38}" dt="2023-09-08T13:40:20.688" v="832" actId="478"/>
           <ac:picMkLst>
             <pc:docMk/>
             <pc:sldMk cId="3114100624" sldId="256"/>
@@ -345,8 +626,8 @@
             <ac:picMk id="19" creationId="{4E86DDF2-420B-1063-92BB-12894F8DE7ED}"/>
           </ac:picMkLst>
         </pc:picChg>
-        <pc:picChg chg="add mod">
-          <ac:chgData name="Ann Igolkina" userId="4d1b5d7ddf2bbc78" providerId="LiveId" clId="{1720320C-2886-A44F-B1A5-AC29DAC23C38}" dt="2023-09-07T15:20:35.882" v="600" actId="208"/>
+        <pc:picChg chg="add mod topLvl">
+          <ac:chgData name="Ann Igolkina" userId="4d1b5d7ddf2bbc78" providerId="LiveId" clId="{1720320C-2886-A44F-B1A5-AC29DAC23C38}" dt="2023-09-08T14:26:54.457" v="957" actId="1076"/>
           <ac:picMkLst>
             <pc:docMk/>
             <pc:sldMk cId="3114100624" sldId="256"/>
@@ -378,7 +659,7 @@
           </ac:picMkLst>
         </pc:picChg>
         <pc:picChg chg="add mod topLvl">
-          <ac:chgData name="Ann Igolkina" userId="4d1b5d7ddf2bbc78" providerId="LiveId" clId="{1720320C-2886-A44F-B1A5-AC29DAC23C38}" dt="2023-09-07T14:59:42.023" v="597" actId="1076"/>
+          <ac:chgData name="Ann Igolkina" userId="4d1b5d7ddf2bbc78" providerId="LiveId" clId="{1720320C-2886-A44F-B1A5-AC29DAC23C38}" dt="2023-09-08T12:24:07.803" v="785" actId="1076"/>
           <ac:picMkLst>
             <pc:docMk/>
             <pc:sldMk cId="3114100624" sldId="256"/>
@@ -441,8 +722,8 @@
             <ac:picMk id="31" creationId="{A27A9CF7-7D3C-6BF0-7F97-EF6675E1288E}"/>
           </ac:picMkLst>
         </pc:picChg>
-        <pc:picChg chg="add mod topLvl modCrop">
-          <ac:chgData name="Ann Igolkina" userId="4d1b5d7ddf2bbc78" providerId="LiveId" clId="{1720320C-2886-A44F-B1A5-AC29DAC23C38}" dt="2023-09-07T14:56:42.177" v="574" actId="14100"/>
+        <pc:picChg chg="add del mod topLvl modCrop">
+          <ac:chgData name="Ann Igolkina" userId="4d1b5d7ddf2bbc78" providerId="LiveId" clId="{1720320C-2886-A44F-B1A5-AC29DAC23C38}" dt="2023-09-08T14:21:37.935" v="931" actId="478"/>
           <ac:picMkLst>
             <pc:docMk/>
             <pc:sldMk cId="3114100624" sldId="256"/>
@@ -458,7 +739,7 @@
           </ac:picMkLst>
         </pc:picChg>
         <pc:picChg chg="add mod topLvl">
-          <ac:chgData name="Ann Igolkina" userId="4d1b5d7ddf2bbc78" providerId="LiveId" clId="{1720320C-2886-A44F-B1A5-AC29DAC23C38}" dt="2023-09-07T13:06:39.062" v="421" actId="1076"/>
+          <ac:chgData name="Ann Igolkina" userId="4d1b5d7ddf2bbc78" providerId="LiveId" clId="{1720320C-2886-A44F-B1A5-AC29DAC23C38}" dt="2023-09-08T14:26:54.457" v="957" actId="1076"/>
           <ac:picMkLst>
             <pc:docMk/>
             <pc:sldMk cId="3114100624" sldId="256"/>
@@ -505,8 +786,8 @@
             <ac:picMk id="41" creationId="{29C8AA24-25F4-E245-0769-74DEC0E089E4}"/>
           </ac:picMkLst>
         </pc:picChg>
-        <pc:picChg chg="add mod">
-          <ac:chgData name="Ann Igolkina" userId="4d1b5d7ddf2bbc78" providerId="LiveId" clId="{1720320C-2886-A44F-B1A5-AC29DAC23C38}" dt="2023-09-07T15:22:45.414" v="604" actId="1076"/>
+        <pc:picChg chg="add mod topLvl">
+          <ac:chgData name="Ann Igolkina" userId="4d1b5d7ddf2bbc78" providerId="LiveId" clId="{1720320C-2886-A44F-B1A5-AC29DAC23C38}" dt="2023-09-08T14:26:54.457" v="957" actId="1076"/>
           <ac:picMkLst>
             <pc:docMk/>
             <pc:sldMk cId="3114100624" sldId="256"/>
@@ -569,6 +850,22 @@
             <ac:picMk id="55" creationId="{2C0646AF-D77B-9DA1-3FE6-163D22C6BAA0}"/>
           </ac:picMkLst>
         </pc:picChg>
+        <pc:picChg chg="add del mod">
+          <ac:chgData name="Ann Igolkina" userId="4d1b5d7ddf2bbc78" providerId="LiveId" clId="{1720320C-2886-A44F-B1A5-AC29DAC23C38}" dt="2023-09-08T14:33:18.234" v="997" actId="478"/>
+          <ac:picMkLst>
+            <pc:docMk/>
+            <pc:sldMk cId="3114100624" sldId="256"/>
+            <ac:picMk id="1026" creationId="{44E15E24-0A57-D096-8401-7D9EB9FAEF9C}"/>
+          </ac:picMkLst>
+        </pc:picChg>
+        <pc:picChg chg="add mod">
+          <ac:chgData name="Ann Igolkina" userId="4d1b5d7ddf2bbc78" providerId="LiveId" clId="{1720320C-2886-A44F-B1A5-AC29DAC23C38}" dt="2023-09-08T14:44:59.460" v="1076" actId="1076"/>
+          <ac:picMkLst>
+            <pc:docMk/>
+            <pc:sldMk cId="3114100624" sldId="256"/>
+            <ac:picMk id="1028" creationId="{573C9B83-E464-7E62-8D63-C0F6BF774B85}"/>
+          </ac:picMkLst>
+        </pc:picChg>
         <pc:picChg chg="del">
           <ac:chgData name="Ann Igolkina" userId="4d1b5d7ddf2bbc78" providerId="LiveId" clId="{1720320C-2886-A44F-B1A5-AC29DAC23C38}" dt="2023-08-19T09:28:04.676" v="43" actId="478"/>
           <ac:picMkLst>
@@ -593,6 +890,14 @@
             <ac:picMk id="1129" creationId="{77771267-9CEE-DA5B-A0EF-AB7E5D33D4B9}"/>
           </ac:picMkLst>
         </pc:picChg>
+        <pc:picChg chg="add del mod">
+          <ac:chgData name="Ann Igolkina" userId="4d1b5d7ddf2bbc78" providerId="LiveId" clId="{1720320C-2886-A44F-B1A5-AC29DAC23C38}" dt="2023-09-08T12:01:47.862" v="742" actId="478"/>
+          <ac:picMkLst>
+            <pc:docMk/>
+            <pc:sldMk cId="3114100624" sldId="256"/>
+            <ac:picMk id="1130" creationId="{500A86AE-537A-D9E8-0C6F-D2CBE98CA7D1}"/>
+          </ac:picMkLst>
+        </pc:picChg>
         <pc:picChg chg="del mod topLvl">
           <ac:chgData name="Ann Igolkina" userId="4d1b5d7ddf2bbc78" providerId="LiveId" clId="{1720320C-2886-A44F-B1A5-AC29DAC23C38}" dt="2023-09-07T14:13:23.202" v="476" actId="478"/>
           <ac:picMkLst>
@@ -601,8 +906,16 @@
             <ac:picMk id="1131" creationId="{D851BC0A-DC47-C2B8-A3B6-361B0E4CAEED}"/>
           </ac:picMkLst>
         </pc:picChg>
+        <pc:picChg chg="add del mod">
+          <ac:chgData name="Ann Igolkina" userId="4d1b5d7ddf2bbc78" providerId="LiveId" clId="{1720320C-2886-A44F-B1A5-AC29DAC23C38}" dt="2023-09-08T12:02:05.922" v="746" actId="478"/>
+          <ac:picMkLst>
+            <pc:docMk/>
+            <pc:sldMk cId="3114100624" sldId="256"/>
+            <ac:picMk id="1132" creationId="{68AF3C89-6392-ED6D-12E6-73168A2C056D}"/>
+          </ac:picMkLst>
+        </pc:picChg>
         <pc:picChg chg="mod topLvl">
-          <ac:chgData name="Ann Igolkina" userId="4d1b5d7ddf2bbc78" providerId="LiveId" clId="{1720320C-2886-A44F-B1A5-AC29DAC23C38}" dt="2023-09-07T14:58:02.659" v="582" actId="208"/>
+          <ac:chgData name="Ann Igolkina" userId="4d1b5d7ddf2bbc78" providerId="LiveId" clId="{1720320C-2886-A44F-B1A5-AC29DAC23C38}" dt="2023-09-08T14:44:59.460" v="1076" actId="1076"/>
           <ac:picMkLst>
             <pc:docMk/>
             <pc:sldMk cId="3114100624" sldId="256"/>
@@ -617,12 +930,28 @@
             <ac:picMk id="1136" creationId="{77DF7F62-58E8-FD38-D133-13E4957AD1C6}"/>
           </ac:picMkLst>
         </pc:picChg>
+        <pc:picChg chg="add del mod">
+          <ac:chgData name="Ann Igolkina" userId="4d1b5d7ddf2bbc78" providerId="LiveId" clId="{1720320C-2886-A44F-B1A5-AC29DAC23C38}" dt="2023-09-08T12:22:43.415" v="775" actId="478"/>
+          <ac:picMkLst>
+            <pc:docMk/>
+            <pc:sldMk cId="3114100624" sldId="256"/>
+            <ac:picMk id="1136" creationId="{93C90B23-772A-7310-C415-588C92AFCBAD}"/>
+          </ac:picMkLst>
+        </pc:picChg>
         <pc:picChg chg="del mod">
           <ac:chgData name="Ann Igolkina" userId="4d1b5d7ddf2bbc78" providerId="LiveId" clId="{1720320C-2886-A44F-B1A5-AC29DAC23C38}" dt="2023-08-19T10:01:25.522" v="96" actId="21"/>
           <ac:picMkLst>
             <pc:docMk/>
             <pc:sldMk cId="3114100624" sldId="256"/>
             <ac:picMk id="1137" creationId="{61CA7E5B-053E-F221-9EFC-BAC8B705876C}"/>
+          </ac:picMkLst>
+        </pc:picChg>
+        <pc:picChg chg="add del mod">
+          <ac:chgData name="Ann Igolkina" userId="4d1b5d7ddf2bbc78" providerId="LiveId" clId="{1720320C-2886-A44F-B1A5-AC29DAC23C38}" dt="2023-09-08T14:31:31.554" v="990" actId="478"/>
+          <ac:picMkLst>
+            <pc:docMk/>
+            <pc:sldMk cId="3114100624" sldId="256"/>
+            <ac:picMk id="1138" creationId="{53139A77-5F37-48C8-35D0-492BABD387E2}"/>
           </ac:picMkLst>
         </pc:picChg>
         <pc:picChg chg="add del mod">
@@ -641,12 +970,92 @@
             <ac:picMk id="1139" creationId="{251D6E18-E8CF-D0CA-0D59-A3E76D1459BE}"/>
           </ac:picMkLst>
         </pc:picChg>
+        <pc:picChg chg="add del mod">
+          <ac:chgData name="Ann Igolkina" userId="4d1b5d7ddf2bbc78" providerId="LiveId" clId="{1720320C-2886-A44F-B1A5-AC29DAC23C38}" dt="2023-09-08T12:39:36.294" v="814" actId="478"/>
+          <ac:picMkLst>
+            <pc:docMk/>
+            <pc:sldMk cId="3114100624" sldId="256"/>
+            <ac:picMk id="1141" creationId="{AF5603C7-7962-3D6A-EBE5-EA237B4740DE}"/>
+          </ac:picMkLst>
+        </pc:picChg>
+        <pc:picChg chg="add del mod">
+          <ac:chgData name="Ann Igolkina" userId="4d1b5d7ddf2bbc78" providerId="LiveId" clId="{1720320C-2886-A44F-B1A5-AC29DAC23C38}" dt="2023-09-08T12:39:51.539" v="817" actId="478"/>
+          <ac:picMkLst>
+            <pc:docMk/>
+            <pc:sldMk cId="3114100624" sldId="256"/>
+            <ac:picMk id="1143" creationId="{0E998D49-DB4D-3400-E3B8-9E9C7D74D1E0}"/>
+          </ac:picMkLst>
+        </pc:picChg>
+        <pc:picChg chg="add del mod">
+          <ac:chgData name="Ann Igolkina" userId="4d1b5d7ddf2bbc78" providerId="LiveId" clId="{1720320C-2886-A44F-B1A5-AC29DAC23C38}" dt="2023-09-08T12:40:40.322" v="825" actId="478"/>
+          <ac:picMkLst>
+            <pc:docMk/>
+            <pc:sldMk cId="3114100624" sldId="256"/>
+            <ac:picMk id="1145" creationId="{9BE050C3-B3C4-B193-7B99-28842B3E9E2A}"/>
+          </ac:picMkLst>
+        </pc:picChg>
+        <pc:picChg chg="add del mod">
+          <ac:chgData name="Ann Igolkina" userId="4d1b5d7ddf2bbc78" providerId="LiveId" clId="{1720320C-2886-A44F-B1A5-AC29DAC23C38}" dt="2023-09-08T12:40:40.322" v="825" actId="478"/>
+          <ac:picMkLst>
+            <pc:docMk/>
+            <pc:sldMk cId="3114100624" sldId="256"/>
+            <ac:picMk id="1147" creationId="{A37D8029-11F0-77B2-870E-F60388DE0DB8}"/>
+          </ac:picMkLst>
+        </pc:picChg>
         <pc:picChg chg="mod topLvl">
-          <ac:chgData name="Ann Igolkina" userId="4d1b5d7ddf2bbc78" providerId="LiveId" clId="{1720320C-2886-A44F-B1A5-AC29DAC23C38}" dt="2023-08-21T14:14:29.746" v="215" actId="164"/>
+          <ac:chgData name="Ann Igolkina" userId="4d1b5d7ddf2bbc78" providerId="LiveId" clId="{1720320C-2886-A44F-B1A5-AC29DAC23C38}" dt="2023-09-08T14:27:17.842" v="984" actId="1037"/>
           <ac:picMkLst>
             <pc:docMk/>
             <pc:sldMk cId="3114100624" sldId="256"/>
             <ac:picMk id="1148" creationId="{C302DC2A-72FC-B856-6192-B3E580164D9D}"/>
+          </ac:picMkLst>
+        </pc:picChg>
+        <pc:picChg chg="add del mod">
+          <ac:chgData name="Ann Igolkina" userId="4d1b5d7ddf2bbc78" providerId="LiveId" clId="{1720320C-2886-A44F-B1A5-AC29DAC23C38}" dt="2023-09-08T14:25:00.456" v="947" actId="478"/>
+          <ac:picMkLst>
+            <pc:docMk/>
+            <pc:sldMk cId="3114100624" sldId="256"/>
+            <ac:picMk id="1150" creationId="{78CC2AF1-26F2-0590-9826-91A142D2E5B4}"/>
+          </ac:picMkLst>
+        </pc:picChg>
+        <pc:picChg chg="add del mod">
+          <ac:chgData name="Ann Igolkina" userId="4d1b5d7ddf2bbc78" providerId="LiveId" clId="{1720320C-2886-A44F-B1A5-AC29DAC23C38}" dt="2023-09-08T13:41:58.707" v="854" actId="478"/>
+          <ac:picMkLst>
+            <pc:docMk/>
+            <pc:sldMk cId="3114100624" sldId="256"/>
+            <ac:picMk id="1152" creationId="{07D034B2-D664-C0DA-836C-949F95641F6F}"/>
+          </ac:picMkLst>
+        </pc:picChg>
+        <pc:picChg chg="add del mod">
+          <ac:chgData name="Ann Igolkina" userId="4d1b5d7ddf2bbc78" providerId="LiveId" clId="{1720320C-2886-A44F-B1A5-AC29DAC23C38}" dt="2023-09-08T14:05:19.599" v="921" actId="478"/>
+          <ac:picMkLst>
+            <pc:docMk/>
+            <pc:sldMk cId="3114100624" sldId="256"/>
+            <ac:picMk id="1154" creationId="{C9094B03-E031-AD7D-036F-D97C6D2A699A}"/>
+          </ac:picMkLst>
+        </pc:picChg>
+        <pc:picChg chg="add del mod">
+          <ac:chgData name="Ann Igolkina" userId="4d1b5d7ddf2bbc78" providerId="LiveId" clId="{1720320C-2886-A44F-B1A5-AC29DAC23C38}" dt="2023-09-08T13:49:51.713" v="864" actId="478"/>
+          <ac:picMkLst>
+            <pc:docMk/>
+            <pc:sldMk cId="3114100624" sldId="256"/>
+            <ac:picMk id="1156" creationId="{9C0A6DC6-D83A-D097-2721-47ED74FD7B1C}"/>
+          </ac:picMkLst>
+        </pc:picChg>
+        <pc:picChg chg="add del mod">
+          <ac:chgData name="Ann Igolkina" userId="4d1b5d7ddf2bbc78" providerId="LiveId" clId="{1720320C-2886-A44F-B1A5-AC29DAC23C38}" dt="2023-09-08T13:51:44.128" v="871" actId="478"/>
+          <ac:picMkLst>
+            <pc:docMk/>
+            <pc:sldMk cId="3114100624" sldId="256"/>
+            <ac:picMk id="1158" creationId="{99799751-AA44-9AD0-17FA-C51BAFB8276B}"/>
+          </ac:picMkLst>
+        </pc:picChg>
+        <pc:picChg chg="add del mod">
+          <ac:chgData name="Ann Igolkina" userId="4d1b5d7ddf2bbc78" providerId="LiveId" clId="{1720320C-2886-A44F-B1A5-AC29DAC23C38}" dt="2023-09-08T13:52:23.913" v="876" actId="478"/>
+          <ac:picMkLst>
+            <pc:docMk/>
+            <pc:sldMk cId="3114100624" sldId="256"/>
+            <ac:picMk id="1160" creationId="{937CEFAD-D7AF-C00D-49BD-51655884FD30}"/>
           </ac:picMkLst>
         </pc:picChg>
         <pc:picChg chg="del">
@@ -657,6 +1066,30 @@
             <ac:picMk id="1160" creationId="{F2BEA503-DAB2-661F-09FB-2F2B5AD06378}"/>
           </ac:picMkLst>
         </pc:picChg>
+        <pc:picChg chg="add del mod">
+          <ac:chgData name="Ann Igolkina" userId="4d1b5d7ddf2bbc78" providerId="LiveId" clId="{1720320C-2886-A44F-B1A5-AC29DAC23C38}" dt="2023-09-08T13:54:02.726" v="887" actId="478"/>
+          <ac:picMkLst>
+            <pc:docMk/>
+            <pc:sldMk cId="3114100624" sldId="256"/>
+            <ac:picMk id="1162" creationId="{58719352-B481-9DBE-ABC8-45E21C2E9588}"/>
+          </ac:picMkLst>
+        </pc:picChg>
+        <pc:picChg chg="add del mod">
+          <ac:chgData name="Ann Igolkina" userId="4d1b5d7ddf2bbc78" providerId="LiveId" clId="{1720320C-2886-A44F-B1A5-AC29DAC23C38}" dt="2023-09-08T13:54:00.911" v="886" actId="478"/>
+          <ac:picMkLst>
+            <pc:docMk/>
+            <pc:sldMk cId="3114100624" sldId="256"/>
+            <ac:picMk id="1164" creationId="{58743A5B-EDE7-494A-D202-96AD1644E879}"/>
+          </ac:picMkLst>
+        </pc:picChg>
+        <pc:picChg chg="add del mod">
+          <ac:chgData name="Ann Igolkina" userId="4d1b5d7ddf2bbc78" providerId="LiveId" clId="{1720320C-2886-A44F-B1A5-AC29DAC23C38}" dt="2023-09-08T13:54:49.193" v="891" actId="478"/>
+          <ac:picMkLst>
+            <pc:docMk/>
+            <pc:sldMk cId="3114100624" sldId="256"/>
+            <ac:picMk id="1166" creationId="{70B81579-28BE-2D3E-416E-F9A632FC34BD}"/>
+          </ac:picMkLst>
+        </pc:picChg>
         <pc:picChg chg="del">
           <ac:chgData name="Ann Igolkina" userId="4d1b5d7ddf2bbc78" providerId="LiveId" clId="{1720320C-2886-A44F-B1A5-AC29DAC23C38}" dt="2023-08-19T08:50:22.539" v="1" actId="478"/>
           <ac:picMkLst>
@@ -665,8 +1098,304 @@
             <ac:picMk id="1166" creationId="{F5C4F13A-3EDA-8CBB-F9B8-20B77657B35F}"/>
           </ac:picMkLst>
         </pc:picChg>
-        <pc:inkChg chg="add">
-          <ac:chgData name="Ann Igolkina" userId="4d1b5d7ddf2bbc78" providerId="LiveId" clId="{1720320C-2886-A44F-B1A5-AC29DAC23C38}" dt="2023-08-23T14:56:42.405" v="299" actId="9405"/>
+        <pc:picChg chg="add del mod">
+          <ac:chgData name="Ann Igolkina" userId="4d1b5d7ddf2bbc78" providerId="LiveId" clId="{1720320C-2886-A44F-B1A5-AC29DAC23C38}" dt="2023-09-08T13:55:26.778" v="900" actId="478"/>
+          <ac:picMkLst>
+            <pc:docMk/>
+            <pc:sldMk cId="3114100624" sldId="256"/>
+            <ac:picMk id="1168" creationId="{B3F0F689-4A9D-6EAF-A585-D604D0F2BC0D}"/>
+          </ac:picMkLst>
+        </pc:picChg>
+        <pc:picChg chg="add del mod">
+          <ac:chgData name="Ann Igolkina" userId="4d1b5d7ddf2bbc78" providerId="LiveId" clId="{1720320C-2886-A44F-B1A5-AC29DAC23C38}" dt="2023-09-08T13:55:11.982" v="896" actId="478"/>
+          <ac:picMkLst>
+            <pc:docMk/>
+            <pc:sldMk cId="3114100624" sldId="256"/>
+            <ac:picMk id="1170" creationId="{8A27BC3C-2E85-AD90-B3A2-270F54283B61}"/>
+          </ac:picMkLst>
+        </pc:picChg>
+        <pc:picChg chg="add del mod">
+          <ac:chgData name="Ann Igolkina" userId="4d1b5d7ddf2bbc78" providerId="LiveId" clId="{1720320C-2886-A44F-B1A5-AC29DAC23C38}" dt="2023-09-08T14:31:13.577" v="987" actId="478"/>
+          <ac:picMkLst>
+            <pc:docMk/>
+            <pc:sldMk cId="3114100624" sldId="256"/>
+            <ac:picMk id="1172" creationId="{B9631D0E-06AC-29B7-67E1-410371185BCA}"/>
+          </ac:picMkLst>
+        </pc:picChg>
+        <pc:picChg chg="add del mod">
+          <ac:chgData name="Ann Igolkina" userId="4d1b5d7ddf2bbc78" providerId="LiveId" clId="{1720320C-2886-A44F-B1A5-AC29DAC23C38}" dt="2023-09-08T13:55:55.660" v="906" actId="478"/>
+          <ac:picMkLst>
+            <pc:docMk/>
+            <pc:sldMk cId="3114100624" sldId="256"/>
+            <ac:picMk id="1174" creationId="{3F28B66A-6506-4790-97A1-4C02CC0F7ABF}"/>
+          </ac:picMkLst>
+        </pc:picChg>
+        <pc:picChg chg="add del mod">
+          <ac:chgData name="Ann Igolkina" userId="4d1b5d7ddf2bbc78" providerId="LiveId" clId="{1720320C-2886-A44F-B1A5-AC29DAC23C38}" dt="2023-09-08T13:57:04.987" v="911" actId="478"/>
+          <ac:picMkLst>
+            <pc:docMk/>
+            <pc:sldMk cId="3114100624" sldId="256"/>
+            <ac:picMk id="1176" creationId="{E0C3329F-3953-A551-FB14-81F46C280CDF}"/>
+          </ac:picMkLst>
+        </pc:picChg>
+        <pc:picChg chg="add del mod">
+          <ac:chgData name="Ann Igolkina" userId="4d1b5d7ddf2bbc78" providerId="LiveId" clId="{1720320C-2886-A44F-B1A5-AC29DAC23C38}" dt="2023-09-08T14:05:07.374" v="918" actId="478"/>
+          <ac:picMkLst>
+            <pc:docMk/>
+            <pc:sldMk cId="3114100624" sldId="256"/>
+            <ac:picMk id="1178" creationId="{6BD2809A-4DD4-0387-826D-6EFB35A81EAA}"/>
+          </ac:picMkLst>
+        </pc:picChg>
+        <pc:picChg chg="add del mod">
+          <ac:chgData name="Ann Igolkina" userId="4d1b5d7ddf2bbc78" providerId="LiveId" clId="{1720320C-2886-A44F-B1A5-AC29DAC23C38}" dt="2023-09-08T14:11:54.188" v="927" actId="478"/>
+          <ac:picMkLst>
+            <pc:docMk/>
+            <pc:sldMk cId="3114100624" sldId="256"/>
+            <ac:picMk id="1180" creationId="{124D9A1A-21F6-95CA-728F-3F59E1DE71A1}"/>
+          </ac:picMkLst>
+        </pc:picChg>
+        <pc:picChg chg="add mod">
+          <ac:chgData name="Ann Igolkina" userId="4d1b5d7ddf2bbc78" providerId="LiveId" clId="{1720320C-2886-A44F-B1A5-AC29DAC23C38}" dt="2023-09-08T14:44:31.825" v="1072" actId="1076"/>
+          <ac:picMkLst>
+            <pc:docMk/>
+            <pc:sldMk cId="3114100624" sldId="256"/>
+            <ac:picMk id="1182" creationId="{3CB93B5B-8969-3036-1445-883F85F66B96}"/>
+          </ac:picMkLst>
+        </pc:picChg>
+        <pc:picChg chg="add del mod">
+          <ac:chgData name="Ann Igolkina" userId="4d1b5d7ddf2bbc78" providerId="LiveId" clId="{1720320C-2886-A44F-B1A5-AC29DAC23C38}" dt="2023-09-08T14:23:17.136" v="939" actId="478"/>
+          <ac:picMkLst>
+            <pc:docMk/>
+            <pc:sldMk cId="3114100624" sldId="256"/>
+            <ac:picMk id="1184" creationId="{FD67C8D7-6020-2855-F953-5C96ED46FE79}"/>
+          </ac:picMkLst>
+        </pc:picChg>
+        <pc:picChg chg="add del mod">
+          <ac:chgData name="Ann Igolkina" userId="4d1b5d7ddf2bbc78" providerId="LiveId" clId="{1720320C-2886-A44F-B1A5-AC29DAC23C38}" dt="2023-09-08T14:39:30.508" v="1060" actId="478"/>
+          <ac:picMkLst>
+            <pc:docMk/>
+            <pc:sldMk cId="3114100624" sldId="256"/>
+            <ac:picMk id="1186" creationId="{970C5229-E0EB-A387-F2C8-C7E06B4D18FF}"/>
+          </ac:picMkLst>
+        </pc:picChg>
+        <pc:picChg chg="add mod">
+          <ac:chgData name="Ann Igolkina" userId="4d1b5d7ddf2bbc78" providerId="LiveId" clId="{1720320C-2886-A44F-B1A5-AC29DAC23C38}" dt="2023-09-08T14:26:54.457" v="957" actId="1076"/>
+          <ac:picMkLst>
+            <pc:docMk/>
+            <pc:sldMk cId="3114100624" sldId="256"/>
+            <ac:picMk id="1188" creationId="{A952F842-587F-A503-3640-9D7B90FB0C51}"/>
+          </ac:picMkLst>
+        </pc:picChg>
+        <pc:picChg chg="add mod">
+          <ac:chgData name="Ann Igolkina" userId="4d1b5d7ddf2bbc78" providerId="LiveId" clId="{1720320C-2886-A44F-B1A5-AC29DAC23C38}" dt="2023-09-08T14:31:27.840" v="989" actId="167"/>
+          <ac:picMkLst>
+            <pc:docMk/>
+            <pc:sldMk cId="3114100624" sldId="256"/>
+            <ac:picMk id="1190" creationId="{56F3B984-FF4B-64DE-95A6-A651563B72D1}"/>
+          </ac:picMkLst>
+        </pc:picChg>
+        <pc:picChg chg="add del mod">
+          <ac:chgData name="Ann Igolkina" userId="4d1b5d7ddf2bbc78" providerId="LiveId" clId="{1720320C-2886-A44F-B1A5-AC29DAC23C38}" dt="2023-09-08T14:32:22.407" v="992" actId="478"/>
+          <ac:picMkLst>
+            <pc:docMk/>
+            <pc:sldMk cId="3114100624" sldId="256"/>
+            <ac:picMk id="1192" creationId="{65A9E94E-2B41-EDD6-8BD0-95FEED051DFA}"/>
+          </ac:picMkLst>
+        </pc:picChg>
+        <pc:picChg chg="add mod">
+          <ac:chgData name="Ann Igolkina" userId="4d1b5d7ddf2bbc78" providerId="LiveId" clId="{1720320C-2886-A44F-B1A5-AC29DAC23C38}" dt="2023-09-08T14:39:26.817" v="1059" actId="167"/>
+          <ac:picMkLst>
+            <pc:docMk/>
+            <pc:sldMk cId="3114100624" sldId="256"/>
+            <ac:picMk id="1194" creationId="{6F692ABD-1334-5D46-DCBC-DFA6307E29F7}"/>
+          </ac:picMkLst>
+        </pc:picChg>
+        <pc:inkChg chg="add mod">
+          <ac:chgData name="Ann Igolkina" userId="4d1b5d7ddf2bbc78" providerId="LiveId" clId="{1720320C-2886-A44F-B1A5-AC29DAC23C38}" dt="2023-09-08T11:59:33.489" v="718"/>
+          <ac:inkMkLst>
+            <pc:docMk/>
+            <pc:sldMk cId="3114100624" sldId="256"/>
+            <ac:inkMk id="8" creationId="{168DEAA3-F402-A1D0-1FE1-032AFA9847F9}"/>
+          </ac:inkMkLst>
+        </pc:inkChg>
+        <pc:inkChg chg="add mod">
+          <ac:chgData name="Ann Igolkina" userId="4d1b5d7ddf2bbc78" providerId="LiveId" clId="{1720320C-2886-A44F-B1A5-AC29DAC23C38}" dt="2023-09-08T11:59:33.489" v="718"/>
+          <ac:inkMkLst>
+            <pc:docMk/>
+            <pc:sldMk cId="3114100624" sldId="256"/>
+            <ac:inkMk id="9" creationId="{2EC8B628-71C1-F974-5A42-2A0A6A69E973}"/>
+          </ac:inkMkLst>
+        </pc:inkChg>
+        <pc:inkChg chg="add del mod">
+          <ac:chgData name="Ann Igolkina" userId="4d1b5d7ddf2bbc78" providerId="LiveId" clId="{1720320C-2886-A44F-B1A5-AC29DAC23C38}" dt="2023-09-08T11:56:00.184" v="640" actId="478"/>
+          <ac:inkMkLst>
+            <pc:docMk/>
+            <pc:sldMk cId="3114100624" sldId="256"/>
+            <ac:inkMk id="10" creationId="{E84C1406-7408-0F47-D2FF-044CD543E3C6}"/>
+          </ac:inkMkLst>
+        </pc:inkChg>
+        <pc:inkChg chg="add mod">
+          <ac:chgData name="Ann Igolkina" userId="4d1b5d7ddf2bbc78" providerId="LiveId" clId="{1720320C-2886-A44F-B1A5-AC29DAC23C38}" dt="2023-09-08T11:59:33.489" v="718"/>
+          <ac:inkMkLst>
+            <pc:docMk/>
+            <pc:sldMk cId="3114100624" sldId="256"/>
+            <ac:inkMk id="12" creationId="{E2F7741C-16F5-CDE6-AC40-057657532B95}"/>
+          </ac:inkMkLst>
+        </pc:inkChg>
+        <pc:inkChg chg="add mod">
+          <ac:chgData name="Ann Igolkina" userId="4d1b5d7ddf2bbc78" providerId="LiveId" clId="{1720320C-2886-A44F-B1A5-AC29DAC23C38}" dt="2023-09-08T11:59:33.489" v="718"/>
+          <ac:inkMkLst>
+            <pc:docMk/>
+            <pc:sldMk cId="3114100624" sldId="256"/>
+            <ac:inkMk id="14" creationId="{B6D7E41E-A844-2AE4-8610-DC83F9DD7799}"/>
+          </ac:inkMkLst>
+        </pc:inkChg>
+        <pc:inkChg chg="add mod">
+          <ac:chgData name="Ann Igolkina" userId="4d1b5d7ddf2bbc78" providerId="LiveId" clId="{1720320C-2886-A44F-B1A5-AC29DAC23C38}" dt="2023-09-08T11:55:40.447" v="632"/>
+          <ac:inkMkLst>
+            <pc:docMk/>
+            <pc:sldMk cId="3114100624" sldId="256"/>
+            <ac:inkMk id="16" creationId="{60B7D087-8037-8CBA-A658-C7481B314B30}"/>
+          </ac:inkMkLst>
+        </pc:inkChg>
+        <pc:inkChg chg="add mod">
+          <ac:chgData name="Ann Igolkina" userId="4d1b5d7ddf2bbc78" providerId="LiveId" clId="{1720320C-2886-A44F-B1A5-AC29DAC23C38}" dt="2023-09-08T11:55:40.447" v="632"/>
+          <ac:inkMkLst>
+            <pc:docMk/>
+            <pc:sldMk cId="3114100624" sldId="256"/>
+            <ac:inkMk id="19" creationId="{1DB36571-D4F3-7854-9906-6A61F2796B31}"/>
+          </ac:inkMkLst>
+        </pc:inkChg>
+        <pc:inkChg chg="add mod">
+          <ac:chgData name="Ann Igolkina" userId="4d1b5d7ddf2bbc78" providerId="LiveId" clId="{1720320C-2886-A44F-B1A5-AC29DAC23C38}" dt="2023-09-08T11:55:40.447" v="632"/>
+          <ac:inkMkLst>
+            <pc:docMk/>
+            <pc:sldMk cId="3114100624" sldId="256"/>
+            <ac:inkMk id="20" creationId="{375D9799-DEC6-67E8-3DB8-B90B7D8BEDCE}"/>
+          </ac:inkMkLst>
+        </pc:inkChg>
+        <pc:inkChg chg="add mod">
+          <ac:chgData name="Ann Igolkina" userId="4d1b5d7ddf2bbc78" providerId="LiveId" clId="{1720320C-2886-A44F-B1A5-AC29DAC23C38}" dt="2023-09-08T11:55:40.447" v="632"/>
+          <ac:inkMkLst>
+            <pc:docMk/>
+            <pc:sldMk cId="3114100624" sldId="256"/>
+            <ac:inkMk id="22" creationId="{0B8C4900-4DF4-B636-3E10-D7B809B74995}"/>
+          </ac:inkMkLst>
+        </pc:inkChg>
+        <pc:inkChg chg="mod">
+          <ac:chgData name="Ann Igolkina" userId="4d1b5d7ddf2bbc78" providerId="LiveId" clId="{1720320C-2886-A44F-B1A5-AC29DAC23C38}" dt="2023-09-08T11:56:52.550" v="657"/>
+          <ac:inkMkLst>
+            <pc:docMk/>
+            <pc:sldMk cId="3114100624" sldId="256"/>
+            <ac:inkMk id="31" creationId="{351E313D-962A-6069-3BEA-B0E057E2639A}"/>
+          </ac:inkMkLst>
+        </pc:inkChg>
+        <pc:inkChg chg="mod">
+          <ac:chgData name="Ann Igolkina" userId="4d1b5d7ddf2bbc78" providerId="LiveId" clId="{1720320C-2886-A44F-B1A5-AC29DAC23C38}" dt="2023-09-08T11:56:52.550" v="657"/>
+          <ac:inkMkLst>
+            <pc:docMk/>
+            <pc:sldMk cId="3114100624" sldId="256"/>
+            <ac:inkMk id="32" creationId="{31A38EF0-789B-2D39-6973-53B407BCB5A1}"/>
+          </ac:inkMkLst>
+        </pc:inkChg>
+        <pc:inkChg chg="mod">
+          <ac:chgData name="Ann Igolkina" userId="4d1b5d7ddf2bbc78" providerId="LiveId" clId="{1720320C-2886-A44F-B1A5-AC29DAC23C38}" dt="2023-09-08T11:57:22.215" v="660"/>
+          <ac:inkMkLst>
+            <pc:docMk/>
+            <pc:sldMk cId="3114100624" sldId="256"/>
+            <ac:inkMk id="36" creationId="{8D84B5F2-5D55-B060-5FEF-C6C84CD11B6E}"/>
+          </ac:inkMkLst>
+        </pc:inkChg>
+        <pc:inkChg chg="mod">
+          <ac:chgData name="Ann Igolkina" userId="4d1b5d7ddf2bbc78" providerId="LiveId" clId="{1720320C-2886-A44F-B1A5-AC29DAC23C38}" dt="2023-09-08T11:57:22.215" v="660"/>
+          <ac:inkMkLst>
+            <pc:docMk/>
+            <pc:sldMk cId="3114100624" sldId="256"/>
+            <ac:inkMk id="37" creationId="{9352F3AB-BFCD-747C-C258-8BB08D1CBB12}"/>
+          </ac:inkMkLst>
+        </pc:inkChg>
+        <pc:inkChg chg="mod">
+          <ac:chgData name="Ann Igolkina" userId="4d1b5d7ddf2bbc78" providerId="LiveId" clId="{1720320C-2886-A44F-B1A5-AC29DAC23C38}" dt="2023-09-08T11:57:50.959" v="669"/>
+          <ac:inkMkLst>
+            <pc:docMk/>
+            <pc:sldMk cId="3114100624" sldId="256"/>
+            <ac:inkMk id="41" creationId="{3CD6B848-EDE7-41A5-B656-511BB8E0208B}"/>
+          </ac:inkMkLst>
+        </pc:inkChg>
+        <pc:inkChg chg="mod">
+          <ac:chgData name="Ann Igolkina" userId="4d1b5d7ddf2bbc78" providerId="LiveId" clId="{1720320C-2886-A44F-B1A5-AC29DAC23C38}" dt="2023-09-08T11:57:50.959" v="669"/>
+          <ac:inkMkLst>
+            <pc:docMk/>
+            <pc:sldMk cId="3114100624" sldId="256"/>
+            <ac:inkMk id="43" creationId="{B2D3E4C5-1485-35E6-2FB4-073C502D6E34}"/>
+          </ac:inkMkLst>
+        </pc:inkChg>
+        <pc:inkChg chg="mod">
+          <ac:chgData name="Ann Igolkina" userId="4d1b5d7ddf2bbc78" providerId="LiveId" clId="{1720320C-2886-A44F-B1A5-AC29DAC23C38}" dt="2023-09-08T11:58:02.836" v="672"/>
+          <ac:inkMkLst>
+            <pc:docMk/>
+            <pc:sldMk cId="3114100624" sldId="256"/>
+            <ac:inkMk id="45" creationId="{33B8D9BF-41B3-1687-DF96-58033998A7E5}"/>
+          </ac:inkMkLst>
+        </pc:inkChg>
+        <pc:inkChg chg="mod">
+          <ac:chgData name="Ann Igolkina" userId="4d1b5d7ddf2bbc78" providerId="LiveId" clId="{1720320C-2886-A44F-B1A5-AC29DAC23C38}" dt="2023-09-08T11:58:02.836" v="672"/>
+          <ac:inkMkLst>
+            <pc:docMk/>
+            <pc:sldMk cId="3114100624" sldId="256"/>
+            <ac:inkMk id="46" creationId="{AE4EA144-FDF8-5DA1-BD59-B5FF232111CA}"/>
+          </ac:inkMkLst>
+        </pc:inkChg>
+        <pc:inkChg chg="mod">
+          <ac:chgData name="Ann Igolkina" userId="4d1b5d7ddf2bbc78" providerId="LiveId" clId="{1720320C-2886-A44F-B1A5-AC29DAC23C38}" dt="2023-09-08T11:58:23.471" v="684"/>
+          <ac:inkMkLst>
+            <pc:docMk/>
+            <pc:sldMk cId="3114100624" sldId="256"/>
+            <ac:inkMk id="50" creationId="{55A1C0B2-554E-DF82-B3E8-D3311BFED4BC}"/>
+          </ac:inkMkLst>
+        </pc:inkChg>
+        <pc:inkChg chg="mod">
+          <ac:chgData name="Ann Igolkina" userId="4d1b5d7ddf2bbc78" providerId="LiveId" clId="{1720320C-2886-A44F-B1A5-AC29DAC23C38}" dt="2023-09-08T11:58:23.471" v="684"/>
+          <ac:inkMkLst>
+            <pc:docMk/>
+            <pc:sldMk cId="3114100624" sldId="256"/>
+            <ac:inkMk id="51" creationId="{E5291DD3-8885-7440-97EF-EA91F3A41827}"/>
+          </ac:inkMkLst>
+        </pc:inkChg>
+        <pc:inkChg chg="add del">
+          <ac:chgData name="Ann Igolkina" userId="4d1b5d7ddf2bbc78" providerId="LiveId" clId="{1720320C-2886-A44F-B1A5-AC29DAC23C38}" dt="2023-09-08T14:39:58.628" v="1061" actId="21"/>
+          <ac:inkMkLst>
+            <pc:docMk/>
+            <pc:sldMk cId="3114100624" sldId="256"/>
+            <ac:inkMk id="53" creationId="{34AF9681-59D3-2B05-C93B-D2273C54089E}"/>
+          </ac:inkMkLst>
+        </pc:inkChg>
+        <pc:inkChg chg="add mod">
+          <ac:chgData name="Ann Igolkina" userId="4d1b5d7ddf2bbc78" providerId="LiveId" clId="{1720320C-2886-A44F-B1A5-AC29DAC23C38}" dt="2023-09-08T11:58:59.977" v="694"/>
+          <ac:inkMkLst>
+            <pc:docMk/>
+            <pc:sldMk cId="3114100624" sldId="256"/>
+            <ac:inkMk id="54" creationId="{D1C27C7E-DF81-F172-8C54-117DE1B5F6AD}"/>
+          </ac:inkMkLst>
+        </pc:inkChg>
+        <pc:inkChg chg="add mod">
+          <ac:chgData name="Ann Igolkina" userId="4d1b5d7ddf2bbc78" providerId="LiveId" clId="{1720320C-2886-A44F-B1A5-AC29DAC23C38}" dt="2023-09-08T11:58:59.977" v="694"/>
+          <ac:inkMkLst>
+            <pc:docMk/>
+            <pc:sldMk cId="3114100624" sldId="256"/>
+            <ac:inkMk id="55" creationId="{A6FEF052-4D96-50FF-ADC7-F15E95539CE5}"/>
+          </ac:inkMkLst>
+        </pc:inkChg>
+        <pc:inkChg chg="add mod">
+          <ac:chgData name="Ann Igolkina" userId="4d1b5d7ddf2bbc78" providerId="LiveId" clId="{1720320C-2886-A44F-B1A5-AC29DAC23C38}" dt="2023-09-08T11:59:08.116" v="701"/>
+          <ac:inkMkLst>
+            <pc:docMk/>
+            <pc:sldMk cId="3114100624" sldId="256"/>
+            <ac:inkMk id="59" creationId="{9852D997-072F-2DAE-FB5D-9461ED31B505}"/>
+          </ac:inkMkLst>
+        </pc:inkChg>
+        <pc:inkChg chg="add del topLvl">
+          <ac:chgData name="Ann Igolkina" userId="4d1b5d7ddf2bbc78" providerId="LiveId" clId="{1720320C-2886-A44F-B1A5-AC29DAC23C38}" dt="2023-09-08T12:25:08.894" v="797" actId="478"/>
           <ac:inkMkLst>
             <pc:docMk/>
             <pc:sldMk cId="3114100624" sldId="256"/>
@@ -690,7 +1419,7 @@
           </ac:inkMkLst>
         </pc:inkChg>
         <pc:inkChg chg="add mod topLvl">
-          <ac:chgData name="Ann Igolkina" userId="4d1b5d7ddf2bbc78" providerId="LiveId" clId="{1720320C-2886-A44F-B1A5-AC29DAC23C38}" dt="2023-09-07T14:59:26.489" v="594" actId="165"/>
+          <ac:chgData name="Ann Igolkina" userId="4d1b5d7ddf2bbc78" providerId="LiveId" clId="{1720320C-2886-A44F-B1A5-AC29DAC23C38}" dt="2023-09-08T12:24:07.803" v="785" actId="1076"/>
           <ac:inkMkLst>
             <pc:docMk/>
             <pc:sldMk cId="3114100624" sldId="256"/>
@@ -698,11 +1427,195 @@
           </ac:inkMkLst>
         </pc:inkChg>
         <pc:inkChg chg="add mod topLvl">
-          <ac:chgData name="Ann Igolkina" userId="4d1b5d7ddf2bbc78" providerId="LiveId" clId="{1720320C-2886-A44F-B1A5-AC29DAC23C38}" dt="2023-09-07T14:59:26.489" v="594" actId="165"/>
+          <ac:chgData name="Ann Igolkina" userId="4d1b5d7ddf2bbc78" providerId="LiveId" clId="{1720320C-2886-A44F-B1A5-AC29DAC23C38}" dt="2023-09-08T12:24:07.803" v="785" actId="1076"/>
           <ac:inkMkLst>
             <pc:docMk/>
             <pc:sldMk cId="3114100624" sldId="256"/>
             <ac:inkMk id="1091" creationId="{3F9E9506-5080-9CD1-06F0-13FAB7E4B270}"/>
+          </ac:inkMkLst>
+        </pc:inkChg>
+        <pc:inkChg chg="add mod">
+          <ac:chgData name="Ann Igolkina" userId="4d1b5d7ddf2bbc78" providerId="LiveId" clId="{1720320C-2886-A44F-B1A5-AC29DAC23C38}" dt="2023-09-08T11:59:08.116" v="701"/>
+          <ac:inkMkLst>
+            <pc:docMk/>
+            <pc:sldMk cId="3114100624" sldId="256"/>
+            <ac:inkMk id="1092" creationId="{474F3CFB-AA36-8B3A-5739-A79DDB6B2F81}"/>
+          </ac:inkMkLst>
+        </pc:inkChg>
+        <pc:inkChg chg="add mod">
+          <ac:chgData name="Ann Igolkina" userId="4d1b5d7ddf2bbc78" providerId="LiveId" clId="{1720320C-2886-A44F-B1A5-AC29DAC23C38}" dt="2023-09-08T11:59:08.116" v="701"/>
+          <ac:inkMkLst>
+            <pc:docMk/>
+            <pc:sldMk cId="3114100624" sldId="256"/>
+            <ac:inkMk id="1094" creationId="{592E7F5A-110B-0279-9375-89D0F5539A0C}"/>
+          </ac:inkMkLst>
+        </pc:inkChg>
+        <pc:inkChg chg="add mod">
+          <ac:chgData name="Ann Igolkina" userId="4d1b5d7ddf2bbc78" providerId="LiveId" clId="{1720320C-2886-A44F-B1A5-AC29DAC23C38}" dt="2023-09-08T11:59:08.116" v="701"/>
+          <ac:inkMkLst>
+            <pc:docMk/>
+            <pc:sldMk cId="3114100624" sldId="256"/>
+            <ac:inkMk id="1096" creationId="{F7C3CC90-0900-02E3-824A-1DD21FE96536}"/>
+          </ac:inkMkLst>
+        </pc:inkChg>
+        <pc:inkChg chg="add mod">
+          <ac:chgData name="Ann Igolkina" userId="4d1b5d7ddf2bbc78" providerId="LiveId" clId="{1720320C-2886-A44F-B1A5-AC29DAC23C38}" dt="2023-09-08T11:59:25.872" v="710"/>
+          <ac:inkMkLst>
+            <pc:docMk/>
+            <pc:sldMk cId="3114100624" sldId="256"/>
+            <ac:inkMk id="1098" creationId="{0E612258-A4D7-615E-7FE3-A0501F665F41}"/>
+          </ac:inkMkLst>
+        </pc:inkChg>
+        <pc:inkChg chg="add mod">
+          <ac:chgData name="Ann Igolkina" userId="4d1b5d7ddf2bbc78" providerId="LiveId" clId="{1720320C-2886-A44F-B1A5-AC29DAC23C38}" dt="2023-09-08T11:59:25.872" v="710"/>
+          <ac:inkMkLst>
+            <pc:docMk/>
+            <pc:sldMk cId="3114100624" sldId="256"/>
+            <ac:inkMk id="1099" creationId="{40B1AABE-D1C6-F454-8A02-458D307F3B64}"/>
+          </ac:inkMkLst>
+        </pc:inkChg>
+        <pc:inkChg chg="add del mod">
+          <ac:chgData name="Ann Igolkina" userId="4d1b5d7ddf2bbc78" providerId="LiveId" clId="{1720320C-2886-A44F-B1A5-AC29DAC23C38}" dt="2023-09-08T14:39:58.628" v="1061" actId="21"/>
+          <ac:inkMkLst>
+            <pc:docMk/>
+            <pc:sldMk cId="3114100624" sldId="256"/>
+            <ac:inkMk id="1100" creationId="{E9F9227D-3955-60CB-3F48-49F1000AAC01}"/>
+          </ac:inkMkLst>
+        </pc:inkChg>
+        <pc:inkChg chg="add del mod">
+          <ac:chgData name="Ann Igolkina" userId="4d1b5d7ddf2bbc78" providerId="LiveId" clId="{1720320C-2886-A44F-B1A5-AC29DAC23C38}" dt="2023-09-08T14:39:58.628" v="1061" actId="21"/>
+          <ac:inkMkLst>
+            <pc:docMk/>
+            <pc:sldMk cId="3114100624" sldId="256"/>
+            <ac:inkMk id="1101" creationId="{A52E3447-F4B9-94FA-3D82-1BE0E6DAFF03}"/>
+          </ac:inkMkLst>
+        </pc:inkChg>
+        <pc:inkChg chg="add mod">
+          <ac:chgData name="Ann Igolkina" userId="4d1b5d7ddf2bbc78" providerId="LiveId" clId="{1720320C-2886-A44F-B1A5-AC29DAC23C38}" dt="2023-09-08T11:59:25.872" v="710"/>
+          <ac:inkMkLst>
+            <pc:docMk/>
+            <pc:sldMk cId="3114100624" sldId="256"/>
+            <ac:inkMk id="1103" creationId="{93C03DB1-95A2-165D-63D0-28145C557C85}"/>
+          </ac:inkMkLst>
+        </pc:inkChg>
+        <pc:inkChg chg="add mod">
+          <ac:chgData name="Ann Igolkina" userId="4d1b5d7ddf2bbc78" providerId="LiveId" clId="{1720320C-2886-A44F-B1A5-AC29DAC23C38}" dt="2023-09-08T11:59:25.872" v="710"/>
+          <ac:inkMkLst>
+            <pc:docMk/>
+            <pc:sldMk cId="3114100624" sldId="256"/>
+            <ac:inkMk id="1105" creationId="{8D92329D-30E6-8703-6A52-D883E9D63EA0}"/>
+          </ac:inkMkLst>
+        </pc:inkChg>
+        <pc:inkChg chg="add mod">
+          <ac:chgData name="Ann Igolkina" userId="4d1b5d7ddf2bbc78" providerId="LiveId" clId="{1720320C-2886-A44F-B1A5-AC29DAC23C38}" dt="2023-09-08T11:59:28.647" v="713"/>
+          <ac:inkMkLst>
+            <pc:docMk/>
+            <pc:sldMk cId="3114100624" sldId="256"/>
+            <ac:inkMk id="1107" creationId="{77143D1B-C4A0-4C32-6110-E51CF1127305}"/>
+          </ac:inkMkLst>
+        </pc:inkChg>
+        <pc:inkChg chg="add mod">
+          <ac:chgData name="Ann Igolkina" userId="4d1b5d7ddf2bbc78" providerId="LiveId" clId="{1720320C-2886-A44F-B1A5-AC29DAC23C38}" dt="2023-09-08T11:59:28.647" v="713"/>
+          <ac:inkMkLst>
+            <pc:docMk/>
+            <pc:sldMk cId="3114100624" sldId="256"/>
+            <ac:inkMk id="1108" creationId="{6E81201A-9069-3C85-4C02-D6F5F17E0895}"/>
+          </ac:inkMkLst>
+        </pc:inkChg>
+        <pc:inkChg chg="add mod">
+          <ac:chgData name="Ann Igolkina" userId="4d1b5d7ddf2bbc78" providerId="LiveId" clId="{1720320C-2886-A44F-B1A5-AC29DAC23C38}" dt="2023-09-08T11:59:31.692" v="716"/>
+          <ac:inkMkLst>
+            <pc:docMk/>
+            <pc:sldMk cId="3114100624" sldId="256"/>
+            <ac:inkMk id="1110" creationId="{F7B45DCF-863C-319C-0648-1D2B3CE5346B}"/>
+          </ac:inkMkLst>
+        </pc:inkChg>
+        <pc:inkChg chg="add mod">
+          <ac:chgData name="Ann Igolkina" userId="4d1b5d7ddf2bbc78" providerId="LiveId" clId="{1720320C-2886-A44F-B1A5-AC29DAC23C38}" dt="2023-09-08T11:59:31.692" v="716"/>
+          <ac:inkMkLst>
+            <pc:docMk/>
+            <pc:sldMk cId="3114100624" sldId="256"/>
+            <ac:inkMk id="1111" creationId="{C18B521F-3EC5-E45F-CC53-A62C9F6F20C0}"/>
+          </ac:inkMkLst>
+        </pc:inkChg>
+        <pc:inkChg chg="add mod">
+          <ac:chgData name="Ann Igolkina" userId="4d1b5d7ddf2bbc78" providerId="LiveId" clId="{1720320C-2886-A44F-B1A5-AC29DAC23C38}" dt="2023-09-08T11:59:33.489" v="718"/>
+          <ac:inkMkLst>
+            <pc:docMk/>
+            <pc:sldMk cId="3114100624" sldId="256"/>
+            <ac:inkMk id="1113" creationId="{0B2739D1-1A6C-4914-1939-1DA810532206}"/>
+          </ac:inkMkLst>
+        </pc:inkChg>
+        <pc:inkChg chg="add del">
+          <ac:chgData name="Ann Igolkina" userId="4d1b5d7ddf2bbc78" providerId="LiveId" clId="{1720320C-2886-A44F-B1A5-AC29DAC23C38}" dt="2023-09-08T14:39:58.628" v="1061" actId="21"/>
+          <ac:inkMkLst>
+            <pc:docMk/>
+            <pc:sldMk cId="3114100624" sldId="256"/>
+            <ac:inkMk id="1115" creationId="{E20FAF6C-FDAC-0CC8-D875-EFE93EFDBC99}"/>
+          </ac:inkMkLst>
+        </pc:inkChg>
+        <pc:inkChg chg="add del">
+          <ac:chgData name="Ann Igolkina" userId="4d1b5d7ddf2bbc78" providerId="LiveId" clId="{1720320C-2886-A44F-B1A5-AC29DAC23C38}" dt="2023-09-08T14:39:58.628" v="1061" actId="21"/>
+          <ac:inkMkLst>
+            <pc:docMk/>
+            <pc:sldMk cId="3114100624" sldId="256"/>
+            <ac:inkMk id="1116" creationId="{540B1728-12B4-515E-6DC8-95473D26023E}"/>
+          </ac:inkMkLst>
+        </pc:inkChg>
+        <pc:inkChg chg="add del">
+          <ac:chgData name="Ann Igolkina" userId="4d1b5d7ddf2bbc78" providerId="LiveId" clId="{1720320C-2886-A44F-B1A5-AC29DAC23C38}" dt="2023-09-08T14:39:58.628" v="1061" actId="21"/>
+          <ac:inkMkLst>
+            <pc:docMk/>
+            <pc:sldMk cId="3114100624" sldId="256"/>
+            <ac:inkMk id="1119" creationId="{8C416582-0FA8-EB52-15D0-30A574A45C01}"/>
+          </ac:inkMkLst>
+        </pc:inkChg>
+        <pc:inkChg chg="add mod">
+          <ac:chgData name="Ann Igolkina" userId="4d1b5d7ddf2bbc78" providerId="LiveId" clId="{1720320C-2886-A44F-B1A5-AC29DAC23C38}" dt="2023-09-08T12:00:35.477" v="737"/>
+          <ac:inkMkLst>
+            <pc:docMk/>
+            <pc:sldMk cId="3114100624" sldId="256"/>
+            <ac:inkMk id="1120" creationId="{F6151AB4-87C8-99C6-AE76-23E211FFB6BD}"/>
+          </ac:inkMkLst>
+        </pc:inkChg>
+        <pc:inkChg chg="add mod">
+          <ac:chgData name="Ann Igolkina" userId="4d1b5d7ddf2bbc78" providerId="LiveId" clId="{1720320C-2886-A44F-B1A5-AC29DAC23C38}" dt="2023-09-08T12:00:35.477" v="737"/>
+          <ac:inkMkLst>
+            <pc:docMk/>
+            <pc:sldMk cId="3114100624" sldId="256"/>
+            <ac:inkMk id="1121" creationId="{54A0FE26-C5F1-1996-EB35-5780D90DDB08}"/>
+          </ac:inkMkLst>
+        </pc:inkChg>
+        <pc:inkChg chg="add mod">
+          <ac:chgData name="Ann Igolkina" userId="4d1b5d7ddf2bbc78" providerId="LiveId" clId="{1720320C-2886-A44F-B1A5-AC29DAC23C38}" dt="2023-09-08T12:00:35.477" v="737"/>
+          <ac:inkMkLst>
+            <pc:docMk/>
+            <pc:sldMk cId="3114100624" sldId="256"/>
+            <ac:inkMk id="1123" creationId="{0DD6F4CE-AE4D-8867-DBB3-AE0591464F6E}"/>
+          </ac:inkMkLst>
+        </pc:inkChg>
+        <pc:inkChg chg="add mod">
+          <ac:chgData name="Ann Igolkina" userId="4d1b5d7ddf2bbc78" providerId="LiveId" clId="{1720320C-2886-A44F-B1A5-AC29DAC23C38}" dt="2023-09-08T12:00:35.477" v="737"/>
+          <ac:inkMkLst>
+            <pc:docMk/>
+            <pc:sldMk cId="3114100624" sldId="256"/>
+            <ac:inkMk id="1125" creationId="{A54DB059-3B21-60F9-FB80-7E469A2C1324}"/>
+          </ac:inkMkLst>
+        </pc:inkChg>
+        <pc:inkChg chg="add del">
+          <ac:chgData name="Ann Igolkina" userId="4d1b5d7ddf2bbc78" providerId="LiveId" clId="{1720320C-2886-A44F-B1A5-AC29DAC23C38}" dt="2023-09-08T14:39:58.628" v="1061" actId="21"/>
+          <ac:inkMkLst>
+            <pc:docMk/>
+            <pc:sldMk cId="3114100624" sldId="256"/>
+            <ac:inkMk id="1127" creationId="{D00E6D7E-A537-19D7-2E1B-A52C11206623}"/>
+          </ac:inkMkLst>
+        </pc:inkChg>
+        <pc:inkChg chg="add del">
+          <ac:chgData name="Ann Igolkina" userId="4d1b5d7ddf2bbc78" providerId="LiveId" clId="{1720320C-2886-A44F-B1A5-AC29DAC23C38}" dt="2023-09-08T14:39:58.628" v="1061" actId="21"/>
+          <ac:inkMkLst>
+            <pc:docMk/>
+            <pc:sldMk cId="3114100624" sldId="256"/>
+            <ac:inkMk id="1128" creationId="{552865E0-A876-044E-6BC5-86EDE122F477}"/>
           </ac:inkMkLst>
         </pc:inkChg>
         <pc:cxnChg chg="add del mod">
@@ -713,6 +1626,14 @@
             <ac:cxnSpMk id="3" creationId="{F6229A59-8D5E-B2ED-E14A-91A617723B42}"/>
           </ac:cxnSpMkLst>
         </pc:cxnChg>
+        <pc:cxnChg chg="add del">
+          <ac:chgData name="Ann Igolkina" userId="4d1b5d7ddf2bbc78" providerId="LiveId" clId="{1720320C-2886-A44F-B1A5-AC29DAC23C38}" dt="2023-09-08T11:54:26.672" v="617" actId="11529"/>
+          <ac:cxnSpMkLst>
+            <pc:docMk/>
+            <pc:sldMk cId="3114100624" sldId="256"/>
+            <ac:cxnSpMk id="4" creationId="{2A3C6008-1763-CA35-8F8C-FF2655FEF906}"/>
+          </ac:cxnSpMkLst>
+        </pc:cxnChg>
         <pc:cxnChg chg="add del mod">
           <ac:chgData name="Ann Igolkina" userId="4d1b5d7ddf2bbc78" providerId="LiveId" clId="{1720320C-2886-A44F-B1A5-AC29DAC23C38}" dt="2023-09-07T13:05:47.894" v="412" actId="478"/>
           <ac:cxnSpMkLst>
@@ -721,6 +1642,541 @@
             <ac:cxnSpMk id="4" creationId="{E196B8DE-EE31-C827-D1BD-1147FD844ECD}"/>
           </ac:cxnSpMkLst>
         </pc:cxnChg>
+        <pc:cxnChg chg="add del mod">
+          <ac:chgData name="Ann Igolkina" userId="4d1b5d7ddf2bbc78" providerId="LiveId" clId="{1720320C-2886-A44F-B1A5-AC29DAC23C38}" dt="2023-09-08T11:54:26.286" v="616"/>
+          <ac:cxnSpMkLst>
+            <pc:docMk/>
+            <pc:sldMk cId="3114100624" sldId="256"/>
+            <ac:cxnSpMk id="5" creationId="{2CEDEB8F-0BA6-5FE3-2F9A-D189E330EFB2}"/>
+          </ac:cxnSpMkLst>
+        </pc:cxnChg>
+        <pc:cxnChg chg="add mod">
+          <ac:chgData name="Ann Igolkina" userId="4d1b5d7ddf2bbc78" providerId="LiveId" clId="{1720320C-2886-A44F-B1A5-AC29DAC23C38}" dt="2023-09-08T14:41:15.604" v="1070" actId="208"/>
+          <ac:cxnSpMkLst>
+            <pc:docMk/>
+            <pc:sldMk cId="3114100624" sldId="256"/>
+            <ac:cxnSpMk id="1196" creationId="{CF07D4C4-D49D-9C5C-D351-7BAE910612E6}"/>
+          </ac:cxnSpMkLst>
+        </pc:cxnChg>
+      </pc:sldChg>
+      <pc:sldChg chg="addSp delSp modSp mod">
+        <pc:chgData name="Ann Igolkina" userId="4d1b5d7ddf2bbc78" providerId="LiveId" clId="{1720320C-2886-A44F-B1A5-AC29DAC23C38}" dt="2023-09-08T14:40:10.406" v="1065" actId="21"/>
+        <pc:sldMkLst>
+          <pc:docMk/>
+          <pc:sldMk cId="3308727029" sldId="257"/>
+        </pc:sldMkLst>
+        <pc:spChg chg="add del mod">
+          <ac:chgData name="Ann Igolkina" userId="4d1b5d7ddf2bbc78" providerId="LiveId" clId="{1720320C-2886-A44F-B1A5-AC29DAC23C38}" dt="2023-09-08T14:40:10.406" v="1065" actId="21"/>
+          <ac:spMkLst>
+            <pc:docMk/>
+            <pc:sldMk cId="3308727029" sldId="257"/>
+            <ac:spMk id="57" creationId="{4378F85D-D444-D18F-AA94-5520B0695F70}"/>
+          </ac:spMkLst>
+        </pc:spChg>
+        <pc:spChg chg="add del mod">
+          <ac:chgData name="Ann Igolkina" userId="4d1b5d7ddf2bbc78" providerId="LiveId" clId="{1720320C-2886-A44F-B1A5-AC29DAC23C38}" dt="2023-09-08T14:40:10.406" v="1065" actId="21"/>
+          <ac:spMkLst>
+            <pc:docMk/>
+            <pc:sldMk cId="3308727029" sldId="257"/>
+            <ac:spMk id="58" creationId="{FBFA2B27-ADFD-D3E8-3688-F783FEC977F2}"/>
+          </ac:spMkLst>
+        </pc:spChg>
+        <pc:spChg chg="add del mod">
+          <ac:chgData name="Ann Igolkina" userId="4d1b5d7ddf2bbc78" providerId="LiveId" clId="{1720320C-2886-A44F-B1A5-AC29DAC23C38}" dt="2023-09-08T14:40:10.406" v="1065" actId="21"/>
+          <ac:spMkLst>
+            <pc:docMk/>
+            <pc:sldMk cId="3308727029" sldId="257"/>
+            <ac:spMk id="59" creationId="{72868AFB-44D8-D26C-52D9-3519CAE65554}"/>
+          </ac:spMkLst>
+        </pc:spChg>
+        <pc:spChg chg="add del mod">
+          <ac:chgData name="Ann Igolkina" userId="4d1b5d7ddf2bbc78" providerId="LiveId" clId="{1720320C-2886-A44F-B1A5-AC29DAC23C38}" dt="2023-09-08T14:40:10.406" v="1065" actId="21"/>
+          <ac:spMkLst>
+            <pc:docMk/>
+            <pc:sldMk cId="3308727029" sldId="257"/>
+            <ac:spMk id="66" creationId="{F5F0F761-548C-4ADC-AF5D-4861896DE284}"/>
+          </ac:spMkLst>
+        </pc:spChg>
+        <pc:spChg chg="add del mod">
+          <ac:chgData name="Ann Igolkina" userId="4d1b5d7ddf2bbc78" providerId="LiveId" clId="{1720320C-2886-A44F-B1A5-AC29DAC23C38}" dt="2023-09-08T14:40:10.406" v="1065" actId="21"/>
+          <ac:spMkLst>
+            <pc:docMk/>
+            <pc:sldMk cId="3308727029" sldId="257"/>
+            <ac:spMk id="73" creationId="{78E68B52-8DF9-7A87-27AA-7D49F6DE1703}"/>
+          </ac:spMkLst>
+        </pc:spChg>
+        <pc:spChg chg="add del mod">
+          <ac:chgData name="Ann Igolkina" userId="4d1b5d7ddf2bbc78" providerId="LiveId" clId="{1720320C-2886-A44F-B1A5-AC29DAC23C38}" dt="2023-09-08T14:40:10.406" v="1065" actId="21"/>
+          <ac:spMkLst>
+            <pc:docMk/>
+            <pc:sldMk cId="3308727029" sldId="257"/>
+            <ac:spMk id="74" creationId="{B826C3DE-FD7D-EF30-0FCD-D19753D206E9}"/>
+          </ac:spMkLst>
+        </pc:spChg>
+        <pc:spChg chg="add del mod">
+          <ac:chgData name="Ann Igolkina" userId="4d1b5d7ddf2bbc78" providerId="LiveId" clId="{1720320C-2886-A44F-B1A5-AC29DAC23C38}" dt="2023-09-08T14:40:10.406" v="1065" actId="21"/>
+          <ac:spMkLst>
+            <pc:docMk/>
+            <pc:sldMk cId="3308727029" sldId="257"/>
+            <ac:spMk id="78" creationId="{803E70F7-BB91-B949-D5F3-62381BD05898}"/>
+          </ac:spMkLst>
+        </pc:spChg>
+        <pc:spChg chg="add del mod">
+          <ac:chgData name="Ann Igolkina" userId="4d1b5d7ddf2bbc78" providerId="LiveId" clId="{1720320C-2886-A44F-B1A5-AC29DAC23C38}" dt="2023-09-08T14:40:10.406" v="1065" actId="21"/>
+          <ac:spMkLst>
+            <pc:docMk/>
+            <pc:sldMk cId="3308727029" sldId="257"/>
+            <ac:spMk id="109" creationId="{18C124D9-18B6-8860-090F-87321F0C2EB9}"/>
+          </ac:spMkLst>
+        </pc:spChg>
+        <pc:spChg chg="add del mod">
+          <ac:chgData name="Ann Igolkina" userId="4d1b5d7ddf2bbc78" providerId="LiveId" clId="{1720320C-2886-A44F-B1A5-AC29DAC23C38}" dt="2023-09-08T14:40:10.406" v="1065" actId="21"/>
+          <ac:spMkLst>
+            <pc:docMk/>
+            <pc:sldMk cId="3308727029" sldId="257"/>
+            <ac:spMk id="110" creationId="{06D7E5A4-BF19-EB2A-C48B-947C016416D9}"/>
+          </ac:spMkLst>
+        </pc:spChg>
+        <pc:spChg chg="add del mod">
+          <ac:chgData name="Ann Igolkina" userId="4d1b5d7ddf2bbc78" providerId="LiveId" clId="{1720320C-2886-A44F-B1A5-AC29DAC23C38}" dt="2023-09-08T14:40:10.406" v="1065" actId="21"/>
+          <ac:spMkLst>
+            <pc:docMk/>
+            <pc:sldMk cId="3308727029" sldId="257"/>
+            <ac:spMk id="119" creationId="{B131E362-464D-6972-5DF9-B2978D0481FE}"/>
+          </ac:spMkLst>
+        </pc:spChg>
+        <pc:grpChg chg="add del mod">
+          <ac:chgData name="Ann Igolkina" userId="4d1b5d7ddf2bbc78" providerId="LiveId" clId="{1720320C-2886-A44F-B1A5-AC29DAC23C38}" dt="2023-09-08T14:40:10.406" v="1065" actId="21"/>
+          <ac:grpSpMkLst>
+            <pc:docMk/>
+            <pc:sldMk cId="3308727029" sldId="257"/>
+            <ac:grpSpMk id="60" creationId="{CB7D3965-BAD8-F570-ED88-A4C0004FD075}"/>
+          </ac:grpSpMkLst>
+        </pc:grpChg>
+        <pc:grpChg chg="add del mod">
+          <ac:chgData name="Ann Igolkina" userId="4d1b5d7ddf2bbc78" providerId="LiveId" clId="{1720320C-2886-A44F-B1A5-AC29DAC23C38}" dt="2023-09-08T14:40:10.406" v="1065" actId="21"/>
+          <ac:grpSpMkLst>
+            <pc:docMk/>
+            <pc:sldMk cId="3308727029" sldId="257"/>
+            <ac:grpSpMk id="63" creationId="{2618BAEF-8528-5B0A-A5AE-A27F7E9333BB}"/>
+          </ac:grpSpMkLst>
+        </pc:grpChg>
+        <pc:grpChg chg="add del mod">
+          <ac:chgData name="Ann Igolkina" userId="4d1b5d7ddf2bbc78" providerId="LiveId" clId="{1720320C-2886-A44F-B1A5-AC29DAC23C38}" dt="2023-09-08T14:40:10.406" v="1065" actId="21"/>
+          <ac:grpSpMkLst>
+            <pc:docMk/>
+            <pc:sldMk cId="3308727029" sldId="257"/>
+            <ac:grpSpMk id="67" creationId="{AA6E4240-5B07-0C99-75FE-656C883756C2}"/>
+          </ac:grpSpMkLst>
+        </pc:grpChg>
+        <pc:grpChg chg="add del mod">
+          <ac:chgData name="Ann Igolkina" userId="4d1b5d7ddf2bbc78" providerId="LiveId" clId="{1720320C-2886-A44F-B1A5-AC29DAC23C38}" dt="2023-09-08T14:40:10.406" v="1065" actId="21"/>
+          <ac:grpSpMkLst>
+            <pc:docMk/>
+            <pc:sldMk cId="3308727029" sldId="257"/>
+            <ac:grpSpMk id="70" creationId="{FA0755B0-8C85-F935-87EA-F55FB4B7F3A7}"/>
+          </ac:grpSpMkLst>
+        </pc:grpChg>
+        <pc:grpChg chg="add del mod">
+          <ac:chgData name="Ann Igolkina" userId="4d1b5d7ddf2bbc78" providerId="LiveId" clId="{1720320C-2886-A44F-B1A5-AC29DAC23C38}" dt="2023-09-08T14:40:10.406" v="1065" actId="21"/>
+          <ac:grpSpMkLst>
+            <pc:docMk/>
+            <pc:sldMk cId="3308727029" sldId="257"/>
+            <ac:grpSpMk id="75" creationId="{BA533ADF-EBC8-9545-3EC0-8C4CA2DE805B}"/>
+          </ac:grpSpMkLst>
+        </pc:grpChg>
+        <pc:grpChg chg="add del mod">
+          <ac:chgData name="Ann Igolkina" userId="4d1b5d7ddf2bbc78" providerId="LiveId" clId="{1720320C-2886-A44F-B1A5-AC29DAC23C38}" dt="2023-09-08T14:40:10.406" v="1065" actId="21"/>
+          <ac:grpSpMkLst>
+            <pc:docMk/>
+            <pc:sldMk cId="3308727029" sldId="257"/>
+            <ac:grpSpMk id="80" creationId="{80E69EE7-E22C-0FB7-2C32-27348BD2F057}"/>
+          </ac:grpSpMkLst>
+        </pc:grpChg>
+        <pc:grpChg chg="add del mod">
+          <ac:chgData name="Ann Igolkina" userId="4d1b5d7ddf2bbc78" providerId="LiveId" clId="{1720320C-2886-A44F-B1A5-AC29DAC23C38}" dt="2023-09-08T14:40:10.406" v="1065" actId="21"/>
+          <ac:grpSpMkLst>
+            <pc:docMk/>
+            <pc:sldMk cId="3308727029" sldId="257"/>
+            <ac:grpSpMk id="83" creationId="{7603D2CF-CB45-A1F9-0D6B-DE51445D10BE}"/>
+          </ac:grpSpMkLst>
+        </pc:grpChg>
+        <pc:grpChg chg="add del mod">
+          <ac:chgData name="Ann Igolkina" userId="4d1b5d7ddf2bbc78" providerId="LiveId" clId="{1720320C-2886-A44F-B1A5-AC29DAC23C38}" dt="2023-09-08T14:40:10.406" v="1065" actId="21"/>
+          <ac:grpSpMkLst>
+            <pc:docMk/>
+            <pc:sldMk cId="3308727029" sldId="257"/>
+            <ac:grpSpMk id="90" creationId="{833BD4F6-AEDC-AD03-4E2C-A94D9298DDEA}"/>
+          </ac:grpSpMkLst>
+        </pc:grpChg>
+        <pc:grpChg chg="add del mod">
+          <ac:chgData name="Ann Igolkina" userId="4d1b5d7ddf2bbc78" providerId="LiveId" clId="{1720320C-2886-A44F-B1A5-AC29DAC23C38}" dt="2023-09-08T14:40:10.406" v="1065" actId="21"/>
+          <ac:grpSpMkLst>
+            <pc:docMk/>
+            <pc:sldMk cId="3308727029" sldId="257"/>
+            <ac:grpSpMk id="95" creationId="{2AF3653C-61C1-E48D-DF32-9E17FD236DFF}"/>
+          </ac:grpSpMkLst>
+        </pc:grpChg>
+        <pc:grpChg chg="add del mod">
+          <ac:chgData name="Ann Igolkina" userId="4d1b5d7ddf2bbc78" providerId="LiveId" clId="{1720320C-2886-A44F-B1A5-AC29DAC23C38}" dt="2023-09-08T14:40:10.406" v="1065" actId="21"/>
+          <ac:grpSpMkLst>
+            <pc:docMk/>
+            <pc:sldMk cId="3308727029" sldId="257"/>
+            <ac:grpSpMk id="98" creationId="{CDD016BA-1ABC-C067-DFE9-CA9B2F7D4FF1}"/>
+          </ac:grpSpMkLst>
+        </pc:grpChg>
+        <pc:grpChg chg="add del mod">
+          <ac:chgData name="Ann Igolkina" userId="4d1b5d7ddf2bbc78" providerId="LiveId" clId="{1720320C-2886-A44F-B1A5-AC29DAC23C38}" dt="2023-09-08T14:40:10.406" v="1065" actId="21"/>
+          <ac:grpSpMkLst>
+            <pc:docMk/>
+            <pc:sldMk cId="3308727029" sldId="257"/>
+            <ac:grpSpMk id="101" creationId="{157076FA-C4F6-3FCB-C48B-A6E7F44DC8CE}"/>
+          </ac:grpSpMkLst>
+        </pc:grpChg>
+        <pc:grpChg chg="add del mod">
+          <ac:chgData name="Ann Igolkina" userId="4d1b5d7ddf2bbc78" providerId="LiveId" clId="{1720320C-2886-A44F-B1A5-AC29DAC23C38}" dt="2023-09-08T14:40:10.406" v="1065" actId="21"/>
+          <ac:grpSpMkLst>
+            <pc:docMk/>
+            <pc:sldMk cId="3308727029" sldId="257"/>
+            <ac:grpSpMk id="112" creationId="{E7DA0D23-9888-6D27-3F17-3CB773735CE4}"/>
+          </ac:grpSpMkLst>
+        </pc:grpChg>
+        <pc:picChg chg="add del mod">
+          <ac:chgData name="Ann Igolkina" userId="4d1b5d7ddf2bbc78" providerId="LiveId" clId="{1720320C-2886-A44F-B1A5-AC29DAC23C38}" dt="2023-09-08T14:40:10.406" v="1065" actId="21"/>
+          <ac:picMkLst>
+            <pc:docMk/>
+            <pc:sldMk cId="3308727029" sldId="257"/>
+            <ac:picMk id="56" creationId="{C241130C-ECFF-F367-B21A-AF0E322DF1C8}"/>
+          </ac:picMkLst>
+        </pc:picChg>
+        <pc:inkChg chg="mod">
+          <ac:chgData name="Ann Igolkina" userId="4d1b5d7ddf2bbc78" providerId="LiveId" clId="{1720320C-2886-A44F-B1A5-AC29DAC23C38}" dt="2023-09-08T14:40:01.070" v="1062"/>
+          <ac:inkMkLst>
+            <pc:docMk/>
+            <pc:sldMk cId="3308727029" sldId="257"/>
+            <ac:inkMk id="61" creationId="{4BF3CCBA-D578-4952-BAE9-115A07C20F4F}"/>
+          </ac:inkMkLst>
+        </pc:inkChg>
+        <pc:inkChg chg="mod">
+          <ac:chgData name="Ann Igolkina" userId="4d1b5d7ddf2bbc78" providerId="LiveId" clId="{1720320C-2886-A44F-B1A5-AC29DAC23C38}" dt="2023-09-08T14:40:01.070" v="1062"/>
+          <ac:inkMkLst>
+            <pc:docMk/>
+            <pc:sldMk cId="3308727029" sldId="257"/>
+            <ac:inkMk id="62" creationId="{0911FA2C-C514-193F-AC35-FC985A4D8655}"/>
+          </ac:inkMkLst>
+        </pc:inkChg>
+        <pc:inkChg chg="mod">
+          <ac:chgData name="Ann Igolkina" userId="4d1b5d7ddf2bbc78" providerId="LiveId" clId="{1720320C-2886-A44F-B1A5-AC29DAC23C38}" dt="2023-09-08T14:40:01.070" v="1062"/>
+          <ac:inkMkLst>
+            <pc:docMk/>
+            <pc:sldMk cId="3308727029" sldId="257"/>
+            <ac:inkMk id="64" creationId="{A330F6AD-2AAD-558B-247F-9E83C7E6DA9B}"/>
+          </ac:inkMkLst>
+        </pc:inkChg>
+        <pc:inkChg chg="mod">
+          <ac:chgData name="Ann Igolkina" userId="4d1b5d7ddf2bbc78" providerId="LiveId" clId="{1720320C-2886-A44F-B1A5-AC29DAC23C38}" dt="2023-09-08T14:40:01.070" v="1062"/>
+          <ac:inkMkLst>
+            <pc:docMk/>
+            <pc:sldMk cId="3308727029" sldId="257"/>
+            <ac:inkMk id="65" creationId="{1A25355B-B4FE-30F3-0000-8B2AC901B930}"/>
+          </ac:inkMkLst>
+        </pc:inkChg>
+        <pc:inkChg chg="mod">
+          <ac:chgData name="Ann Igolkina" userId="4d1b5d7ddf2bbc78" providerId="LiveId" clId="{1720320C-2886-A44F-B1A5-AC29DAC23C38}" dt="2023-09-08T14:40:01.070" v="1062"/>
+          <ac:inkMkLst>
+            <pc:docMk/>
+            <pc:sldMk cId="3308727029" sldId="257"/>
+            <ac:inkMk id="68" creationId="{28D543CC-E414-9541-C4DC-119E3F4EFBD2}"/>
+          </ac:inkMkLst>
+        </pc:inkChg>
+        <pc:inkChg chg="mod">
+          <ac:chgData name="Ann Igolkina" userId="4d1b5d7ddf2bbc78" providerId="LiveId" clId="{1720320C-2886-A44F-B1A5-AC29DAC23C38}" dt="2023-09-08T14:40:01.070" v="1062"/>
+          <ac:inkMkLst>
+            <pc:docMk/>
+            <pc:sldMk cId="3308727029" sldId="257"/>
+            <ac:inkMk id="69" creationId="{C0FDD067-BA84-4589-9EC9-8A897C2FF114}"/>
+          </ac:inkMkLst>
+        </pc:inkChg>
+        <pc:inkChg chg="mod">
+          <ac:chgData name="Ann Igolkina" userId="4d1b5d7ddf2bbc78" providerId="LiveId" clId="{1720320C-2886-A44F-B1A5-AC29DAC23C38}" dt="2023-09-08T14:40:01.070" v="1062"/>
+          <ac:inkMkLst>
+            <pc:docMk/>
+            <pc:sldMk cId="3308727029" sldId="257"/>
+            <ac:inkMk id="71" creationId="{CD7E2A23-172F-D09C-5447-CD0650C5076F}"/>
+          </ac:inkMkLst>
+        </pc:inkChg>
+        <pc:inkChg chg="mod">
+          <ac:chgData name="Ann Igolkina" userId="4d1b5d7ddf2bbc78" providerId="LiveId" clId="{1720320C-2886-A44F-B1A5-AC29DAC23C38}" dt="2023-09-08T14:40:01.070" v="1062"/>
+          <ac:inkMkLst>
+            <pc:docMk/>
+            <pc:sldMk cId="3308727029" sldId="257"/>
+            <ac:inkMk id="72" creationId="{67AD1F01-C095-5F3B-32E8-6AD9EE373109}"/>
+          </ac:inkMkLst>
+        </pc:inkChg>
+        <pc:inkChg chg="mod">
+          <ac:chgData name="Ann Igolkina" userId="4d1b5d7ddf2bbc78" providerId="LiveId" clId="{1720320C-2886-A44F-B1A5-AC29DAC23C38}" dt="2023-09-08T14:40:01.070" v="1062"/>
+          <ac:inkMkLst>
+            <pc:docMk/>
+            <pc:sldMk cId="3308727029" sldId="257"/>
+            <ac:inkMk id="76" creationId="{718533C6-9039-FCAD-5315-B2D223B7F00D}"/>
+          </ac:inkMkLst>
+        </pc:inkChg>
+        <pc:inkChg chg="mod">
+          <ac:chgData name="Ann Igolkina" userId="4d1b5d7ddf2bbc78" providerId="LiveId" clId="{1720320C-2886-A44F-B1A5-AC29DAC23C38}" dt="2023-09-08T14:40:01.070" v="1062"/>
+          <ac:inkMkLst>
+            <pc:docMk/>
+            <pc:sldMk cId="3308727029" sldId="257"/>
+            <ac:inkMk id="77" creationId="{E94BE61E-9106-1AFC-DA67-54C3D95D6874}"/>
+          </ac:inkMkLst>
+        </pc:inkChg>
+        <pc:inkChg chg="add del mod">
+          <ac:chgData name="Ann Igolkina" userId="4d1b5d7ddf2bbc78" providerId="LiveId" clId="{1720320C-2886-A44F-B1A5-AC29DAC23C38}" dt="2023-09-08T14:40:10.406" v="1065" actId="21"/>
+          <ac:inkMkLst>
+            <pc:docMk/>
+            <pc:sldMk cId="3308727029" sldId="257"/>
+            <ac:inkMk id="79" creationId="{A5516AD0-E92A-2E27-6722-B89C14C5251D}"/>
+          </ac:inkMkLst>
+        </pc:inkChg>
+        <pc:inkChg chg="mod">
+          <ac:chgData name="Ann Igolkina" userId="4d1b5d7ddf2bbc78" providerId="LiveId" clId="{1720320C-2886-A44F-B1A5-AC29DAC23C38}" dt="2023-09-08T14:40:01.070" v="1062"/>
+          <ac:inkMkLst>
+            <pc:docMk/>
+            <pc:sldMk cId="3308727029" sldId="257"/>
+            <ac:inkMk id="81" creationId="{DA4CC4CC-7753-D880-14FB-712CDBF813EE}"/>
+          </ac:inkMkLst>
+        </pc:inkChg>
+        <pc:inkChg chg="mod">
+          <ac:chgData name="Ann Igolkina" userId="4d1b5d7ddf2bbc78" providerId="LiveId" clId="{1720320C-2886-A44F-B1A5-AC29DAC23C38}" dt="2023-09-08T14:40:01.070" v="1062"/>
+          <ac:inkMkLst>
+            <pc:docMk/>
+            <pc:sldMk cId="3308727029" sldId="257"/>
+            <ac:inkMk id="82" creationId="{34081F03-15B2-2618-FCF0-6B85901C3395}"/>
+          </ac:inkMkLst>
+        </pc:inkChg>
+        <pc:inkChg chg="mod">
+          <ac:chgData name="Ann Igolkina" userId="4d1b5d7ddf2bbc78" providerId="LiveId" clId="{1720320C-2886-A44F-B1A5-AC29DAC23C38}" dt="2023-09-08T14:40:01.070" v="1062"/>
+          <ac:inkMkLst>
+            <pc:docMk/>
+            <pc:sldMk cId="3308727029" sldId="257"/>
+            <ac:inkMk id="84" creationId="{A07DC9E0-24B4-4EDE-36A3-8688A539B50E}"/>
+          </ac:inkMkLst>
+        </pc:inkChg>
+        <pc:inkChg chg="mod">
+          <ac:chgData name="Ann Igolkina" userId="4d1b5d7ddf2bbc78" providerId="LiveId" clId="{1720320C-2886-A44F-B1A5-AC29DAC23C38}" dt="2023-09-08T14:40:01.070" v="1062"/>
+          <ac:inkMkLst>
+            <pc:docMk/>
+            <pc:sldMk cId="3308727029" sldId="257"/>
+            <ac:inkMk id="85" creationId="{3E023E95-440B-F6BA-64E7-FCA60243D750}"/>
+          </ac:inkMkLst>
+        </pc:inkChg>
+        <pc:inkChg chg="mod">
+          <ac:chgData name="Ann Igolkina" userId="4d1b5d7ddf2bbc78" providerId="LiveId" clId="{1720320C-2886-A44F-B1A5-AC29DAC23C38}" dt="2023-09-08T14:40:01.070" v="1062"/>
+          <ac:inkMkLst>
+            <pc:docMk/>
+            <pc:sldMk cId="3308727029" sldId="257"/>
+            <ac:inkMk id="86" creationId="{5BE19CA7-D96D-27A1-C5A1-F037F888BD44}"/>
+          </ac:inkMkLst>
+        </pc:inkChg>
+        <pc:inkChg chg="mod">
+          <ac:chgData name="Ann Igolkina" userId="4d1b5d7ddf2bbc78" providerId="LiveId" clId="{1720320C-2886-A44F-B1A5-AC29DAC23C38}" dt="2023-09-08T14:40:01.070" v="1062"/>
+          <ac:inkMkLst>
+            <pc:docMk/>
+            <pc:sldMk cId="3308727029" sldId="257"/>
+            <ac:inkMk id="87" creationId="{FD565722-516C-40C2-4729-43F394485844}"/>
+          </ac:inkMkLst>
+        </pc:inkChg>
+        <pc:inkChg chg="add del mod">
+          <ac:chgData name="Ann Igolkina" userId="4d1b5d7ddf2bbc78" providerId="LiveId" clId="{1720320C-2886-A44F-B1A5-AC29DAC23C38}" dt="2023-09-08T14:40:10.406" v="1065" actId="21"/>
+          <ac:inkMkLst>
+            <pc:docMk/>
+            <pc:sldMk cId="3308727029" sldId="257"/>
+            <ac:inkMk id="88" creationId="{59772C3F-784D-4037-27A3-30500AF841BD}"/>
+          </ac:inkMkLst>
+        </pc:inkChg>
+        <pc:inkChg chg="add del mod">
+          <ac:chgData name="Ann Igolkina" userId="4d1b5d7ddf2bbc78" providerId="LiveId" clId="{1720320C-2886-A44F-B1A5-AC29DAC23C38}" dt="2023-09-08T14:40:10.406" v="1065" actId="21"/>
+          <ac:inkMkLst>
+            <pc:docMk/>
+            <pc:sldMk cId="3308727029" sldId="257"/>
+            <ac:inkMk id="89" creationId="{259C3511-723B-5590-BFF2-FAB4FB9F0F80}"/>
+          </ac:inkMkLst>
+        </pc:inkChg>
+        <pc:inkChg chg="mod">
+          <ac:chgData name="Ann Igolkina" userId="4d1b5d7ddf2bbc78" providerId="LiveId" clId="{1720320C-2886-A44F-B1A5-AC29DAC23C38}" dt="2023-09-08T14:40:01.070" v="1062"/>
+          <ac:inkMkLst>
+            <pc:docMk/>
+            <pc:sldMk cId="3308727029" sldId="257"/>
+            <ac:inkMk id="91" creationId="{95E2E31E-2943-5E8B-5D2D-4F6A8736424F}"/>
+          </ac:inkMkLst>
+        </pc:inkChg>
+        <pc:inkChg chg="mod">
+          <ac:chgData name="Ann Igolkina" userId="4d1b5d7ddf2bbc78" providerId="LiveId" clId="{1720320C-2886-A44F-B1A5-AC29DAC23C38}" dt="2023-09-08T14:40:01.070" v="1062"/>
+          <ac:inkMkLst>
+            <pc:docMk/>
+            <pc:sldMk cId="3308727029" sldId="257"/>
+            <ac:inkMk id="92" creationId="{D9338965-DC18-30D8-BFEF-4C010DFE9942}"/>
+          </ac:inkMkLst>
+        </pc:inkChg>
+        <pc:inkChg chg="mod">
+          <ac:chgData name="Ann Igolkina" userId="4d1b5d7ddf2bbc78" providerId="LiveId" clId="{1720320C-2886-A44F-B1A5-AC29DAC23C38}" dt="2023-09-08T14:40:01.070" v="1062"/>
+          <ac:inkMkLst>
+            <pc:docMk/>
+            <pc:sldMk cId="3308727029" sldId="257"/>
+            <ac:inkMk id="93" creationId="{446C9E2E-90E4-21D4-2B9F-5BD2FC259A43}"/>
+          </ac:inkMkLst>
+        </pc:inkChg>
+        <pc:inkChg chg="mod">
+          <ac:chgData name="Ann Igolkina" userId="4d1b5d7ddf2bbc78" providerId="LiveId" clId="{1720320C-2886-A44F-B1A5-AC29DAC23C38}" dt="2023-09-08T14:40:01.070" v="1062"/>
+          <ac:inkMkLst>
+            <pc:docMk/>
+            <pc:sldMk cId="3308727029" sldId="257"/>
+            <ac:inkMk id="94" creationId="{012FCEA0-A9C8-281C-60C4-8FBB0CDB6664}"/>
+          </ac:inkMkLst>
+        </pc:inkChg>
+        <pc:inkChg chg="mod">
+          <ac:chgData name="Ann Igolkina" userId="4d1b5d7ddf2bbc78" providerId="LiveId" clId="{1720320C-2886-A44F-B1A5-AC29DAC23C38}" dt="2023-09-08T14:40:01.070" v="1062"/>
+          <ac:inkMkLst>
+            <pc:docMk/>
+            <pc:sldMk cId="3308727029" sldId="257"/>
+            <ac:inkMk id="96" creationId="{83952BB6-0392-AF2D-CEA7-24FDBFB70AF0}"/>
+          </ac:inkMkLst>
+        </pc:inkChg>
+        <pc:inkChg chg="mod">
+          <ac:chgData name="Ann Igolkina" userId="4d1b5d7ddf2bbc78" providerId="LiveId" clId="{1720320C-2886-A44F-B1A5-AC29DAC23C38}" dt="2023-09-08T14:40:01.070" v="1062"/>
+          <ac:inkMkLst>
+            <pc:docMk/>
+            <pc:sldMk cId="3308727029" sldId="257"/>
+            <ac:inkMk id="97" creationId="{B2B89C6E-EBC2-24F6-3061-84EEB80C1B16}"/>
+          </ac:inkMkLst>
+        </pc:inkChg>
+        <pc:inkChg chg="mod">
+          <ac:chgData name="Ann Igolkina" userId="4d1b5d7ddf2bbc78" providerId="LiveId" clId="{1720320C-2886-A44F-B1A5-AC29DAC23C38}" dt="2023-09-08T14:40:01.070" v="1062"/>
+          <ac:inkMkLst>
+            <pc:docMk/>
+            <pc:sldMk cId="3308727029" sldId="257"/>
+            <ac:inkMk id="99" creationId="{612AD7F8-B027-A661-3C66-CAAFA28F5D47}"/>
+          </ac:inkMkLst>
+        </pc:inkChg>
+        <pc:inkChg chg="mod">
+          <ac:chgData name="Ann Igolkina" userId="4d1b5d7ddf2bbc78" providerId="LiveId" clId="{1720320C-2886-A44F-B1A5-AC29DAC23C38}" dt="2023-09-08T14:40:01.070" v="1062"/>
+          <ac:inkMkLst>
+            <pc:docMk/>
+            <pc:sldMk cId="3308727029" sldId="257"/>
+            <ac:inkMk id="100" creationId="{7FB0255D-D558-6A60-E8DD-8AD296855295}"/>
+          </ac:inkMkLst>
+        </pc:inkChg>
+        <pc:inkChg chg="mod">
+          <ac:chgData name="Ann Igolkina" userId="4d1b5d7ddf2bbc78" providerId="LiveId" clId="{1720320C-2886-A44F-B1A5-AC29DAC23C38}" dt="2023-09-08T14:40:01.070" v="1062"/>
+          <ac:inkMkLst>
+            <pc:docMk/>
+            <pc:sldMk cId="3308727029" sldId="257"/>
+            <ac:inkMk id="102" creationId="{F818F8E9-9E46-634A-2F95-1CB38B4E350C}"/>
+          </ac:inkMkLst>
+        </pc:inkChg>
+        <pc:inkChg chg="mod">
+          <ac:chgData name="Ann Igolkina" userId="4d1b5d7ddf2bbc78" providerId="LiveId" clId="{1720320C-2886-A44F-B1A5-AC29DAC23C38}" dt="2023-09-08T14:40:01.070" v="1062"/>
+          <ac:inkMkLst>
+            <pc:docMk/>
+            <pc:sldMk cId="3308727029" sldId="257"/>
+            <ac:inkMk id="103" creationId="{01589EBC-7430-3D6D-2096-5AE0D593638B}"/>
+          </ac:inkMkLst>
+        </pc:inkChg>
+        <pc:inkChg chg="mod">
+          <ac:chgData name="Ann Igolkina" userId="4d1b5d7ddf2bbc78" providerId="LiveId" clId="{1720320C-2886-A44F-B1A5-AC29DAC23C38}" dt="2023-09-08T14:40:01.070" v="1062"/>
+          <ac:inkMkLst>
+            <pc:docMk/>
+            <pc:sldMk cId="3308727029" sldId="257"/>
+            <ac:inkMk id="104" creationId="{DE18BA25-EF29-3EED-C84F-CE18A78F9130}"/>
+          </ac:inkMkLst>
+        </pc:inkChg>
+        <pc:inkChg chg="mod">
+          <ac:chgData name="Ann Igolkina" userId="4d1b5d7ddf2bbc78" providerId="LiveId" clId="{1720320C-2886-A44F-B1A5-AC29DAC23C38}" dt="2023-09-08T14:40:01.070" v="1062"/>
+          <ac:inkMkLst>
+            <pc:docMk/>
+            <pc:sldMk cId="3308727029" sldId="257"/>
+            <ac:inkMk id="105" creationId="{56445209-6596-337E-1927-02F25BFFF6D3}"/>
+          </ac:inkMkLst>
+        </pc:inkChg>
+        <pc:inkChg chg="mod">
+          <ac:chgData name="Ann Igolkina" userId="4d1b5d7ddf2bbc78" providerId="LiveId" clId="{1720320C-2886-A44F-B1A5-AC29DAC23C38}" dt="2023-09-08T14:40:01.070" v="1062"/>
+          <ac:inkMkLst>
+            <pc:docMk/>
+            <pc:sldMk cId="3308727029" sldId="257"/>
+            <ac:inkMk id="106" creationId="{1D2C8870-86C8-148D-4D55-1BFEFDC515A5}"/>
+          </ac:inkMkLst>
+        </pc:inkChg>
+        <pc:inkChg chg="add del mod">
+          <ac:chgData name="Ann Igolkina" userId="4d1b5d7ddf2bbc78" providerId="LiveId" clId="{1720320C-2886-A44F-B1A5-AC29DAC23C38}" dt="2023-09-08T14:40:10.406" v="1065" actId="21"/>
+          <ac:inkMkLst>
+            <pc:docMk/>
+            <pc:sldMk cId="3308727029" sldId="257"/>
+            <ac:inkMk id="107" creationId="{3696AEE9-2C2A-733B-4DB2-CEAD43388EDE}"/>
+          </ac:inkMkLst>
+        </pc:inkChg>
+        <pc:inkChg chg="add del mod">
+          <ac:chgData name="Ann Igolkina" userId="4d1b5d7ddf2bbc78" providerId="LiveId" clId="{1720320C-2886-A44F-B1A5-AC29DAC23C38}" dt="2023-09-08T14:40:10.406" v="1065" actId="21"/>
+          <ac:inkMkLst>
+            <pc:docMk/>
+            <pc:sldMk cId="3308727029" sldId="257"/>
+            <ac:inkMk id="108" creationId="{E1EAC1B6-B95F-1DBC-E51A-6975B3F090D1}"/>
+          </ac:inkMkLst>
+        </pc:inkChg>
+        <pc:inkChg chg="add del mod">
+          <ac:chgData name="Ann Igolkina" userId="4d1b5d7ddf2bbc78" providerId="LiveId" clId="{1720320C-2886-A44F-B1A5-AC29DAC23C38}" dt="2023-09-08T14:40:10.406" v="1065" actId="21"/>
+          <ac:inkMkLst>
+            <pc:docMk/>
+            <pc:sldMk cId="3308727029" sldId="257"/>
+            <ac:inkMk id="111" creationId="{EE948243-31FF-65B6-1BC4-98FF86E581F4}"/>
+          </ac:inkMkLst>
+        </pc:inkChg>
+        <pc:inkChg chg="mod">
+          <ac:chgData name="Ann Igolkina" userId="4d1b5d7ddf2bbc78" providerId="LiveId" clId="{1720320C-2886-A44F-B1A5-AC29DAC23C38}" dt="2023-09-08T14:40:01.070" v="1062"/>
+          <ac:inkMkLst>
+            <pc:docMk/>
+            <pc:sldMk cId="3308727029" sldId="257"/>
+            <ac:inkMk id="113" creationId="{BF516E65-91EA-46D7-64A3-58951A418BE6}"/>
+          </ac:inkMkLst>
+        </pc:inkChg>
+        <pc:inkChg chg="mod">
+          <ac:chgData name="Ann Igolkina" userId="4d1b5d7ddf2bbc78" providerId="LiveId" clId="{1720320C-2886-A44F-B1A5-AC29DAC23C38}" dt="2023-09-08T14:40:01.070" v="1062"/>
+          <ac:inkMkLst>
+            <pc:docMk/>
+            <pc:sldMk cId="3308727029" sldId="257"/>
+            <ac:inkMk id="114" creationId="{6243F762-9D6B-7C91-B656-7AF1C3A1073B}"/>
+          </ac:inkMkLst>
+        </pc:inkChg>
+        <pc:inkChg chg="mod">
+          <ac:chgData name="Ann Igolkina" userId="4d1b5d7ddf2bbc78" providerId="LiveId" clId="{1720320C-2886-A44F-B1A5-AC29DAC23C38}" dt="2023-09-08T14:40:01.070" v="1062"/>
+          <ac:inkMkLst>
+            <pc:docMk/>
+            <pc:sldMk cId="3308727029" sldId="257"/>
+            <ac:inkMk id="115" creationId="{5586DDF2-74D3-F75C-CD98-FACB9332A870}"/>
+          </ac:inkMkLst>
+        </pc:inkChg>
+        <pc:inkChg chg="mod">
+          <ac:chgData name="Ann Igolkina" userId="4d1b5d7ddf2bbc78" providerId="LiveId" clId="{1720320C-2886-A44F-B1A5-AC29DAC23C38}" dt="2023-09-08T14:40:01.070" v="1062"/>
+          <ac:inkMkLst>
+            <pc:docMk/>
+            <pc:sldMk cId="3308727029" sldId="257"/>
+            <ac:inkMk id="116" creationId="{FF14BE28-3A39-9331-BB4F-FCAFE01E2F03}"/>
+          </ac:inkMkLst>
+        </pc:inkChg>
+        <pc:inkChg chg="add del mod">
+          <ac:chgData name="Ann Igolkina" userId="4d1b5d7ddf2bbc78" providerId="LiveId" clId="{1720320C-2886-A44F-B1A5-AC29DAC23C38}" dt="2023-09-08T14:40:10.406" v="1065" actId="21"/>
+          <ac:inkMkLst>
+            <pc:docMk/>
+            <pc:sldMk cId="3308727029" sldId="257"/>
+            <ac:inkMk id="117" creationId="{ED92BCC0-E6AA-21ED-467D-220AE5ACFBDA}"/>
+          </ac:inkMkLst>
+        </pc:inkChg>
+        <pc:inkChg chg="add del mod">
+          <ac:chgData name="Ann Igolkina" userId="4d1b5d7ddf2bbc78" providerId="LiveId" clId="{1720320C-2886-A44F-B1A5-AC29DAC23C38}" dt="2023-09-08T14:40:10.406" v="1065" actId="21"/>
+          <ac:inkMkLst>
+            <pc:docMk/>
+            <pc:sldMk cId="3308727029" sldId="257"/>
+            <ac:inkMk id="118" creationId="{750959C6-29ED-7D25-45D0-E7024B30CD1B}"/>
+          </ac:inkMkLst>
+        </pc:inkChg>
       </pc:sldChg>
       <pc:sldChg chg="new del">
         <pc:chgData name="Ann Igolkina" userId="4d1b5d7ddf2bbc78" providerId="LiveId" clId="{1720320C-2886-A44F-B1A5-AC29DAC23C38}" dt="2023-08-19T09:26:09.267" v="25" actId="680"/>
@@ -942,6 +2398,525 @@
           <pc:sldMk cId="2867051352" sldId="258"/>
         </pc:sldMkLst>
       </pc:sldChg>
+      <pc:sldChg chg="addSp modSp new mod">
+        <pc:chgData name="Ann Igolkina" userId="4d1b5d7ddf2bbc78" providerId="LiveId" clId="{1720320C-2886-A44F-B1A5-AC29DAC23C38}" dt="2023-09-08T14:40:25.256" v="1068" actId="1076"/>
+        <pc:sldMkLst>
+          <pc:docMk/>
+          <pc:sldMk cId="421433875" sldId="259"/>
+        </pc:sldMkLst>
+        <pc:spChg chg="add mod">
+          <ac:chgData name="Ann Igolkina" userId="4d1b5d7ddf2bbc78" providerId="LiveId" clId="{1720320C-2886-A44F-B1A5-AC29DAC23C38}" dt="2023-09-08T14:40:25.256" v="1068" actId="1076"/>
+          <ac:spMkLst>
+            <pc:docMk/>
+            <pc:sldMk cId="421433875" sldId="259"/>
+            <ac:spMk id="3" creationId="{B89202F1-9685-F787-11A7-A54BD75DDD3C}"/>
+          </ac:spMkLst>
+        </pc:spChg>
+        <pc:spChg chg="add mod">
+          <ac:chgData name="Ann Igolkina" userId="4d1b5d7ddf2bbc78" providerId="LiveId" clId="{1720320C-2886-A44F-B1A5-AC29DAC23C38}" dt="2023-09-08T14:40:25.256" v="1068" actId="1076"/>
+          <ac:spMkLst>
+            <pc:docMk/>
+            <pc:sldMk cId="421433875" sldId="259"/>
+            <ac:spMk id="4" creationId="{76E8369D-9083-7AF0-334D-ABF88AE2C4C2}"/>
+          </ac:spMkLst>
+        </pc:spChg>
+        <pc:spChg chg="add mod">
+          <ac:chgData name="Ann Igolkina" userId="4d1b5d7ddf2bbc78" providerId="LiveId" clId="{1720320C-2886-A44F-B1A5-AC29DAC23C38}" dt="2023-09-08T14:40:25.256" v="1068" actId="1076"/>
+          <ac:spMkLst>
+            <pc:docMk/>
+            <pc:sldMk cId="421433875" sldId="259"/>
+            <ac:spMk id="5" creationId="{511306D2-E204-9A82-DDC8-84AEB527F691}"/>
+          </ac:spMkLst>
+        </pc:spChg>
+        <pc:spChg chg="add mod">
+          <ac:chgData name="Ann Igolkina" userId="4d1b5d7ddf2bbc78" providerId="LiveId" clId="{1720320C-2886-A44F-B1A5-AC29DAC23C38}" dt="2023-09-08T14:40:25.256" v="1068" actId="1076"/>
+          <ac:spMkLst>
+            <pc:docMk/>
+            <pc:sldMk cId="421433875" sldId="259"/>
+            <ac:spMk id="12" creationId="{EBF8E19D-4B10-D81E-33BA-41262A1DF111}"/>
+          </ac:spMkLst>
+        </pc:spChg>
+        <pc:spChg chg="add mod">
+          <ac:chgData name="Ann Igolkina" userId="4d1b5d7ddf2bbc78" providerId="LiveId" clId="{1720320C-2886-A44F-B1A5-AC29DAC23C38}" dt="2023-09-08T14:40:25.256" v="1068" actId="1076"/>
+          <ac:spMkLst>
+            <pc:docMk/>
+            <pc:sldMk cId="421433875" sldId="259"/>
+            <ac:spMk id="19" creationId="{80B378A3-4D00-62CD-22F8-126D04E70BD5}"/>
+          </ac:spMkLst>
+        </pc:spChg>
+        <pc:spChg chg="add mod">
+          <ac:chgData name="Ann Igolkina" userId="4d1b5d7ddf2bbc78" providerId="LiveId" clId="{1720320C-2886-A44F-B1A5-AC29DAC23C38}" dt="2023-09-08T14:40:25.256" v="1068" actId="1076"/>
+          <ac:spMkLst>
+            <pc:docMk/>
+            <pc:sldMk cId="421433875" sldId="259"/>
+            <ac:spMk id="20" creationId="{170875D2-9CE2-27F9-19D5-DAAC58AD322F}"/>
+          </ac:spMkLst>
+        </pc:spChg>
+        <pc:spChg chg="add mod">
+          <ac:chgData name="Ann Igolkina" userId="4d1b5d7ddf2bbc78" providerId="LiveId" clId="{1720320C-2886-A44F-B1A5-AC29DAC23C38}" dt="2023-09-08T14:40:25.256" v="1068" actId="1076"/>
+          <ac:spMkLst>
+            <pc:docMk/>
+            <pc:sldMk cId="421433875" sldId="259"/>
+            <ac:spMk id="24" creationId="{864762A9-47D7-8FEE-2108-3A546C0CF5AD}"/>
+          </ac:spMkLst>
+        </pc:spChg>
+        <pc:spChg chg="add mod">
+          <ac:chgData name="Ann Igolkina" userId="4d1b5d7ddf2bbc78" providerId="LiveId" clId="{1720320C-2886-A44F-B1A5-AC29DAC23C38}" dt="2023-09-08T14:40:25.256" v="1068" actId="1076"/>
+          <ac:spMkLst>
+            <pc:docMk/>
+            <pc:sldMk cId="421433875" sldId="259"/>
+            <ac:spMk id="55" creationId="{646520EF-B232-60EB-DDE6-E91B066481E7}"/>
+          </ac:spMkLst>
+        </pc:spChg>
+        <pc:spChg chg="add mod">
+          <ac:chgData name="Ann Igolkina" userId="4d1b5d7ddf2bbc78" providerId="LiveId" clId="{1720320C-2886-A44F-B1A5-AC29DAC23C38}" dt="2023-09-08T14:40:25.256" v="1068" actId="1076"/>
+          <ac:spMkLst>
+            <pc:docMk/>
+            <pc:sldMk cId="421433875" sldId="259"/>
+            <ac:spMk id="56" creationId="{9CA2D1FA-1B7B-541B-C03B-C154CC5690C3}"/>
+          </ac:spMkLst>
+        </pc:spChg>
+        <pc:spChg chg="add mod">
+          <ac:chgData name="Ann Igolkina" userId="4d1b5d7ddf2bbc78" providerId="LiveId" clId="{1720320C-2886-A44F-B1A5-AC29DAC23C38}" dt="2023-09-08T14:40:25.256" v="1068" actId="1076"/>
+          <ac:spMkLst>
+            <pc:docMk/>
+            <pc:sldMk cId="421433875" sldId="259"/>
+            <ac:spMk id="65" creationId="{2A386DC7-3B78-AC3A-88D5-7E341AAB4770}"/>
+          </ac:spMkLst>
+        </pc:spChg>
+        <pc:grpChg chg="add mod">
+          <ac:chgData name="Ann Igolkina" userId="4d1b5d7ddf2bbc78" providerId="LiveId" clId="{1720320C-2886-A44F-B1A5-AC29DAC23C38}" dt="2023-09-08T14:40:25.256" v="1068" actId="1076"/>
+          <ac:grpSpMkLst>
+            <pc:docMk/>
+            <pc:sldMk cId="421433875" sldId="259"/>
+            <ac:grpSpMk id="6" creationId="{1CB9B63D-D8E1-60A9-3CA6-7A45EAA41D61}"/>
+          </ac:grpSpMkLst>
+        </pc:grpChg>
+        <pc:grpChg chg="add mod">
+          <ac:chgData name="Ann Igolkina" userId="4d1b5d7ddf2bbc78" providerId="LiveId" clId="{1720320C-2886-A44F-B1A5-AC29DAC23C38}" dt="2023-09-08T14:40:25.256" v="1068" actId="1076"/>
+          <ac:grpSpMkLst>
+            <pc:docMk/>
+            <pc:sldMk cId="421433875" sldId="259"/>
+            <ac:grpSpMk id="9" creationId="{5A099CB2-15BC-1E0B-3472-310FB5412E1C}"/>
+          </ac:grpSpMkLst>
+        </pc:grpChg>
+        <pc:grpChg chg="add mod">
+          <ac:chgData name="Ann Igolkina" userId="4d1b5d7ddf2bbc78" providerId="LiveId" clId="{1720320C-2886-A44F-B1A5-AC29DAC23C38}" dt="2023-09-08T14:40:25.256" v="1068" actId="1076"/>
+          <ac:grpSpMkLst>
+            <pc:docMk/>
+            <pc:sldMk cId="421433875" sldId="259"/>
+            <ac:grpSpMk id="13" creationId="{B59F89A6-721E-60B0-A694-AC5AAB624FC2}"/>
+          </ac:grpSpMkLst>
+        </pc:grpChg>
+        <pc:grpChg chg="add mod">
+          <ac:chgData name="Ann Igolkina" userId="4d1b5d7ddf2bbc78" providerId="LiveId" clId="{1720320C-2886-A44F-B1A5-AC29DAC23C38}" dt="2023-09-08T14:40:25.256" v="1068" actId="1076"/>
+          <ac:grpSpMkLst>
+            <pc:docMk/>
+            <pc:sldMk cId="421433875" sldId="259"/>
+            <ac:grpSpMk id="16" creationId="{0CC2BD02-74C9-E27D-8319-C240DA321C05}"/>
+          </ac:grpSpMkLst>
+        </pc:grpChg>
+        <pc:grpChg chg="add mod">
+          <ac:chgData name="Ann Igolkina" userId="4d1b5d7ddf2bbc78" providerId="LiveId" clId="{1720320C-2886-A44F-B1A5-AC29DAC23C38}" dt="2023-09-08T14:40:25.256" v="1068" actId="1076"/>
+          <ac:grpSpMkLst>
+            <pc:docMk/>
+            <pc:sldMk cId="421433875" sldId="259"/>
+            <ac:grpSpMk id="21" creationId="{72C3AF1B-1D8B-C6C7-DC7C-7FC24DC349F0}"/>
+          </ac:grpSpMkLst>
+        </pc:grpChg>
+        <pc:grpChg chg="add mod">
+          <ac:chgData name="Ann Igolkina" userId="4d1b5d7ddf2bbc78" providerId="LiveId" clId="{1720320C-2886-A44F-B1A5-AC29DAC23C38}" dt="2023-09-08T14:40:25.256" v="1068" actId="1076"/>
+          <ac:grpSpMkLst>
+            <pc:docMk/>
+            <pc:sldMk cId="421433875" sldId="259"/>
+            <ac:grpSpMk id="26" creationId="{C383DCCD-695E-DF61-9B04-35D75A90951F}"/>
+          </ac:grpSpMkLst>
+        </pc:grpChg>
+        <pc:grpChg chg="add mod">
+          <ac:chgData name="Ann Igolkina" userId="4d1b5d7ddf2bbc78" providerId="LiveId" clId="{1720320C-2886-A44F-B1A5-AC29DAC23C38}" dt="2023-09-08T14:40:25.256" v="1068" actId="1076"/>
+          <ac:grpSpMkLst>
+            <pc:docMk/>
+            <pc:sldMk cId="421433875" sldId="259"/>
+            <ac:grpSpMk id="29" creationId="{89A8B871-D1D9-16C6-3C51-FA3889B8CF49}"/>
+          </ac:grpSpMkLst>
+        </pc:grpChg>
+        <pc:grpChg chg="add mod">
+          <ac:chgData name="Ann Igolkina" userId="4d1b5d7ddf2bbc78" providerId="LiveId" clId="{1720320C-2886-A44F-B1A5-AC29DAC23C38}" dt="2023-09-08T14:40:25.256" v="1068" actId="1076"/>
+          <ac:grpSpMkLst>
+            <pc:docMk/>
+            <pc:sldMk cId="421433875" sldId="259"/>
+            <ac:grpSpMk id="36" creationId="{0D20AB09-BB12-C4B8-FF39-5A5A1F638E4F}"/>
+          </ac:grpSpMkLst>
+        </pc:grpChg>
+        <pc:grpChg chg="add mod">
+          <ac:chgData name="Ann Igolkina" userId="4d1b5d7ddf2bbc78" providerId="LiveId" clId="{1720320C-2886-A44F-B1A5-AC29DAC23C38}" dt="2023-09-08T14:40:25.256" v="1068" actId="1076"/>
+          <ac:grpSpMkLst>
+            <pc:docMk/>
+            <pc:sldMk cId="421433875" sldId="259"/>
+            <ac:grpSpMk id="41" creationId="{F988A52A-6E50-769E-7EFB-38571232B0AD}"/>
+          </ac:grpSpMkLst>
+        </pc:grpChg>
+        <pc:grpChg chg="add mod">
+          <ac:chgData name="Ann Igolkina" userId="4d1b5d7ddf2bbc78" providerId="LiveId" clId="{1720320C-2886-A44F-B1A5-AC29DAC23C38}" dt="2023-09-08T14:40:25.256" v="1068" actId="1076"/>
+          <ac:grpSpMkLst>
+            <pc:docMk/>
+            <pc:sldMk cId="421433875" sldId="259"/>
+            <ac:grpSpMk id="44" creationId="{5065333A-E77D-A629-D9B5-7FA7C0FF654F}"/>
+          </ac:grpSpMkLst>
+        </pc:grpChg>
+        <pc:grpChg chg="add mod">
+          <ac:chgData name="Ann Igolkina" userId="4d1b5d7ddf2bbc78" providerId="LiveId" clId="{1720320C-2886-A44F-B1A5-AC29DAC23C38}" dt="2023-09-08T14:40:25.256" v="1068" actId="1076"/>
+          <ac:grpSpMkLst>
+            <pc:docMk/>
+            <pc:sldMk cId="421433875" sldId="259"/>
+            <ac:grpSpMk id="47" creationId="{60524480-C33F-CF77-D0E7-B194829C697F}"/>
+          </ac:grpSpMkLst>
+        </pc:grpChg>
+        <pc:grpChg chg="add mod">
+          <ac:chgData name="Ann Igolkina" userId="4d1b5d7ddf2bbc78" providerId="LiveId" clId="{1720320C-2886-A44F-B1A5-AC29DAC23C38}" dt="2023-09-08T14:40:25.256" v="1068" actId="1076"/>
+          <ac:grpSpMkLst>
+            <pc:docMk/>
+            <pc:sldMk cId="421433875" sldId="259"/>
+            <ac:grpSpMk id="58" creationId="{90A57061-1296-6527-ED6B-7D937FD99D43}"/>
+          </ac:grpSpMkLst>
+        </pc:grpChg>
+        <pc:picChg chg="add mod">
+          <ac:chgData name="Ann Igolkina" userId="4d1b5d7ddf2bbc78" providerId="LiveId" clId="{1720320C-2886-A44F-B1A5-AC29DAC23C38}" dt="2023-09-08T14:40:25.256" v="1068" actId="1076"/>
+          <ac:picMkLst>
+            <pc:docMk/>
+            <pc:sldMk cId="421433875" sldId="259"/>
+            <ac:picMk id="2" creationId="{9E2D9E9E-6C60-220F-1EBB-A75FFEBD2336}"/>
+          </ac:picMkLst>
+        </pc:picChg>
+        <pc:inkChg chg="mod">
+          <ac:chgData name="Ann Igolkina" userId="4d1b5d7ddf2bbc78" providerId="LiveId" clId="{1720320C-2886-A44F-B1A5-AC29DAC23C38}" dt="2023-09-08T14:40:20.368" v="1067"/>
+          <ac:inkMkLst>
+            <pc:docMk/>
+            <pc:sldMk cId="421433875" sldId="259"/>
+            <ac:inkMk id="7" creationId="{5EF2BF8E-43D7-77EA-8F6D-19470646BC94}"/>
+          </ac:inkMkLst>
+        </pc:inkChg>
+        <pc:inkChg chg="mod">
+          <ac:chgData name="Ann Igolkina" userId="4d1b5d7ddf2bbc78" providerId="LiveId" clId="{1720320C-2886-A44F-B1A5-AC29DAC23C38}" dt="2023-09-08T14:40:20.368" v="1067"/>
+          <ac:inkMkLst>
+            <pc:docMk/>
+            <pc:sldMk cId="421433875" sldId="259"/>
+            <ac:inkMk id="8" creationId="{97553115-DF0A-BA0B-EB58-CECF1B266E29}"/>
+          </ac:inkMkLst>
+        </pc:inkChg>
+        <pc:inkChg chg="mod">
+          <ac:chgData name="Ann Igolkina" userId="4d1b5d7ddf2bbc78" providerId="LiveId" clId="{1720320C-2886-A44F-B1A5-AC29DAC23C38}" dt="2023-09-08T14:40:20.368" v="1067"/>
+          <ac:inkMkLst>
+            <pc:docMk/>
+            <pc:sldMk cId="421433875" sldId="259"/>
+            <ac:inkMk id="10" creationId="{C4371047-C327-E875-4940-EFD57ED526D7}"/>
+          </ac:inkMkLst>
+        </pc:inkChg>
+        <pc:inkChg chg="mod">
+          <ac:chgData name="Ann Igolkina" userId="4d1b5d7ddf2bbc78" providerId="LiveId" clId="{1720320C-2886-A44F-B1A5-AC29DAC23C38}" dt="2023-09-08T14:40:20.368" v="1067"/>
+          <ac:inkMkLst>
+            <pc:docMk/>
+            <pc:sldMk cId="421433875" sldId="259"/>
+            <ac:inkMk id="11" creationId="{F39796F4-13C8-022F-8F26-64D482EB1A29}"/>
+          </ac:inkMkLst>
+        </pc:inkChg>
+        <pc:inkChg chg="mod">
+          <ac:chgData name="Ann Igolkina" userId="4d1b5d7ddf2bbc78" providerId="LiveId" clId="{1720320C-2886-A44F-B1A5-AC29DAC23C38}" dt="2023-09-08T14:40:20.368" v="1067"/>
+          <ac:inkMkLst>
+            <pc:docMk/>
+            <pc:sldMk cId="421433875" sldId="259"/>
+            <ac:inkMk id="14" creationId="{79E0E906-84AF-668A-A162-ADCF86BF1C97}"/>
+          </ac:inkMkLst>
+        </pc:inkChg>
+        <pc:inkChg chg="mod">
+          <ac:chgData name="Ann Igolkina" userId="4d1b5d7ddf2bbc78" providerId="LiveId" clId="{1720320C-2886-A44F-B1A5-AC29DAC23C38}" dt="2023-09-08T14:40:20.368" v="1067"/>
+          <ac:inkMkLst>
+            <pc:docMk/>
+            <pc:sldMk cId="421433875" sldId="259"/>
+            <ac:inkMk id="15" creationId="{C5CA3031-EA0A-C030-27E2-EC0424C88DFE}"/>
+          </ac:inkMkLst>
+        </pc:inkChg>
+        <pc:inkChg chg="mod">
+          <ac:chgData name="Ann Igolkina" userId="4d1b5d7ddf2bbc78" providerId="LiveId" clId="{1720320C-2886-A44F-B1A5-AC29DAC23C38}" dt="2023-09-08T14:40:20.368" v="1067"/>
+          <ac:inkMkLst>
+            <pc:docMk/>
+            <pc:sldMk cId="421433875" sldId="259"/>
+            <ac:inkMk id="17" creationId="{969E7B0E-0403-27EB-47E9-44E5D0A6B410}"/>
+          </ac:inkMkLst>
+        </pc:inkChg>
+        <pc:inkChg chg="mod">
+          <ac:chgData name="Ann Igolkina" userId="4d1b5d7ddf2bbc78" providerId="LiveId" clId="{1720320C-2886-A44F-B1A5-AC29DAC23C38}" dt="2023-09-08T14:40:20.368" v="1067"/>
+          <ac:inkMkLst>
+            <pc:docMk/>
+            <pc:sldMk cId="421433875" sldId="259"/>
+            <ac:inkMk id="18" creationId="{A592BD51-468D-0D27-2F2A-EBD330C464AD}"/>
+          </ac:inkMkLst>
+        </pc:inkChg>
+        <pc:inkChg chg="mod">
+          <ac:chgData name="Ann Igolkina" userId="4d1b5d7ddf2bbc78" providerId="LiveId" clId="{1720320C-2886-A44F-B1A5-AC29DAC23C38}" dt="2023-09-08T14:40:20.368" v="1067"/>
+          <ac:inkMkLst>
+            <pc:docMk/>
+            <pc:sldMk cId="421433875" sldId="259"/>
+            <ac:inkMk id="22" creationId="{A93287DA-CA1C-45CE-4912-D52639E5B614}"/>
+          </ac:inkMkLst>
+        </pc:inkChg>
+        <pc:inkChg chg="mod">
+          <ac:chgData name="Ann Igolkina" userId="4d1b5d7ddf2bbc78" providerId="LiveId" clId="{1720320C-2886-A44F-B1A5-AC29DAC23C38}" dt="2023-09-08T14:40:20.368" v="1067"/>
+          <ac:inkMkLst>
+            <pc:docMk/>
+            <pc:sldMk cId="421433875" sldId="259"/>
+            <ac:inkMk id="23" creationId="{772E7F34-563B-511A-8196-1E7E53907D91}"/>
+          </ac:inkMkLst>
+        </pc:inkChg>
+        <pc:inkChg chg="add mod">
+          <ac:chgData name="Ann Igolkina" userId="4d1b5d7ddf2bbc78" providerId="LiveId" clId="{1720320C-2886-A44F-B1A5-AC29DAC23C38}" dt="2023-09-08T14:40:25.256" v="1068" actId="1076"/>
+          <ac:inkMkLst>
+            <pc:docMk/>
+            <pc:sldMk cId="421433875" sldId="259"/>
+            <ac:inkMk id="25" creationId="{30BCEDBA-294F-B294-E0C8-F89D30BFAF55}"/>
+          </ac:inkMkLst>
+        </pc:inkChg>
+        <pc:inkChg chg="mod">
+          <ac:chgData name="Ann Igolkina" userId="4d1b5d7ddf2bbc78" providerId="LiveId" clId="{1720320C-2886-A44F-B1A5-AC29DAC23C38}" dt="2023-09-08T14:40:20.368" v="1067"/>
+          <ac:inkMkLst>
+            <pc:docMk/>
+            <pc:sldMk cId="421433875" sldId="259"/>
+            <ac:inkMk id="27" creationId="{26A1A8C5-226C-9D7C-6E0B-1C7260C935C5}"/>
+          </ac:inkMkLst>
+        </pc:inkChg>
+        <pc:inkChg chg="mod">
+          <ac:chgData name="Ann Igolkina" userId="4d1b5d7ddf2bbc78" providerId="LiveId" clId="{1720320C-2886-A44F-B1A5-AC29DAC23C38}" dt="2023-09-08T14:40:20.368" v="1067"/>
+          <ac:inkMkLst>
+            <pc:docMk/>
+            <pc:sldMk cId="421433875" sldId="259"/>
+            <ac:inkMk id="28" creationId="{1EF21F06-7CD2-03E4-7F94-E0C7ABA1B5E9}"/>
+          </ac:inkMkLst>
+        </pc:inkChg>
+        <pc:inkChg chg="mod">
+          <ac:chgData name="Ann Igolkina" userId="4d1b5d7ddf2bbc78" providerId="LiveId" clId="{1720320C-2886-A44F-B1A5-AC29DAC23C38}" dt="2023-09-08T14:40:20.368" v="1067"/>
+          <ac:inkMkLst>
+            <pc:docMk/>
+            <pc:sldMk cId="421433875" sldId="259"/>
+            <ac:inkMk id="30" creationId="{AEE0EF8C-8502-34BD-60FD-BB3194C3BF11}"/>
+          </ac:inkMkLst>
+        </pc:inkChg>
+        <pc:inkChg chg="mod">
+          <ac:chgData name="Ann Igolkina" userId="4d1b5d7ddf2bbc78" providerId="LiveId" clId="{1720320C-2886-A44F-B1A5-AC29DAC23C38}" dt="2023-09-08T14:40:20.368" v="1067"/>
+          <ac:inkMkLst>
+            <pc:docMk/>
+            <pc:sldMk cId="421433875" sldId="259"/>
+            <ac:inkMk id="31" creationId="{8B73EB3A-3FB4-1BCB-D3BF-4819ACBCBCE9}"/>
+          </ac:inkMkLst>
+        </pc:inkChg>
+        <pc:inkChg chg="mod">
+          <ac:chgData name="Ann Igolkina" userId="4d1b5d7ddf2bbc78" providerId="LiveId" clId="{1720320C-2886-A44F-B1A5-AC29DAC23C38}" dt="2023-09-08T14:40:20.368" v="1067"/>
+          <ac:inkMkLst>
+            <pc:docMk/>
+            <pc:sldMk cId="421433875" sldId="259"/>
+            <ac:inkMk id="32" creationId="{8EB0DA2C-F2F6-B524-14A9-6BB6DE5C6D6E}"/>
+          </ac:inkMkLst>
+        </pc:inkChg>
+        <pc:inkChg chg="mod">
+          <ac:chgData name="Ann Igolkina" userId="4d1b5d7ddf2bbc78" providerId="LiveId" clId="{1720320C-2886-A44F-B1A5-AC29DAC23C38}" dt="2023-09-08T14:40:20.368" v="1067"/>
+          <ac:inkMkLst>
+            <pc:docMk/>
+            <pc:sldMk cId="421433875" sldId="259"/>
+            <ac:inkMk id="33" creationId="{57BA4CA9-F952-E1DD-0C8F-85DCC0854817}"/>
+          </ac:inkMkLst>
+        </pc:inkChg>
+        <pc:inkChg chg="add mod">
+          <ac:chgData name="Ann Igolkina" userId="4d1b5d7ddf2bbc78" providerId="LiveId" clId="{1720320C-2886-A44F-B1A5-AC29DAC23C38}" dt="2023-09-08T14:40:25.256" v="1068" actId="1076"/>
+          <ac:inkMkLst>
+            <pc:docMk/>
+            <pc:sldMk cId="421433875" sldId="259"/>
+            <ac:inkMk id="34" creationId="{6D9B0D43-4E0B-6E6E-C569-2DE59AEFA94F}"/>
+          </ac:inkMkLst>
+        </pc:inkChg>
+        <pc:inkChg chg="add mod">
+          <ac:chgData name="Ann Igolkina" userId="4d1b5d7ddf2bbc78" providerId="LiveId" clId="{1720320C-2886-A44F-B1A5-AC29DAC23C38}" dt="2023-09-08T14:40:25.256" v="1068" actId="1076"/>
+          <ac:inkMkLst>
+            <pc:docMk/>
+            <pc:sldMk cId="421433875" sldId="259"/>
+            <ac:inkMk id="35" creationId="{39B3ACAE-0D45-2BF1-E5D6-9BB3048A7353}"/>
+          </ac:inkMkLst>
+        </pc:inkChg>
+        <pc:inkChg chg="mod">
+          <ac:chgData name="Ann Igolkina" userId="4d1b5d7ddf2bbc78" providerId="LiveId" clId="{1720320C-2886-A44F-B1A5-AC29DAC23C38}" dt="2023-09-08T14:40:20.368" v="1067"/>
+          <ac:inkMkLst>
+            <pc:docMk/>
+            <pc:sldMk cId="421433875" sldId="259"/>
+            <ac:inkMk id="37" creationId="{D62E3FF9-13C1-ADC8-36E5-5043BB1BD4AE}"/>
+          </ac:inkMkLst>
+        </pc:inkChg>
+        <pc:inkChg chg="mod">
+          <ac:chgData name="Ann Igolkina" userId="4d1b5d7ddf2bbc78" providerId="LiveId" clId="{1720320C-2886-A44F-B1A5-AC29DAC23C38}" dt="2023-09-08T14:40:20.368" v="1067"/>
+          <ac:inkMkLst>
+            <pc:docMk/>
+            <pc:sldMk cId="421433875" sldId="259"/>
+            <ac:inkMk id="38" creationId="{ECD42684-E233-8024-B055-843482B35147}"/>
+          </ac:inkMkLst>
+        </pc:inkChg>
+        <pc:inkChg chg="mod">
+          <ac:chgData name="Ann Igolkina" userId="4d1b5d7ddf2bbc78" providerId="LiveId" clId="{1720320C-2886-A44F-B1A5-AC29DAC23C38}" dt="2023-09-08T14:40:20.368" v="1067"/>
+          <ac:inkMkLst>
+            <pc:docMk/>
+            <pc:sldMk cId="421433875" sldId="259"/>
+            <ac:inkMk id="39" creationId="{08C95B23-5627-13DF-A5C0-E187100C1D3C}"/>
+          </ac:inkMkLst>
+        </pc:inkChg>
+        <pc:inkChg chg="mod">
+          <ac:chgData name="Ann Igolkina" userId="4d1b5d7ddf2bbc78" providerId="LiveId" clId="{1720320C-2886-A44F-B1A5-AC29DAC23C38}" dt="2023-09-08T14:40:20.368" v="1067"/>
+          <ac:inkMkLst>
+            <pc:docMk/>
+            <pc:sldMk cId="421433875" sldId="259"/>
+            <ac:inkMk id="40" creationId="{B83DCD36-B5A5-E504-3508-F90C9FBD32D4}"/>
+          </ac:inkMkLst>
+        </pc:inkChg>
+        <pc:inkChg chg="mod">
+          <ac:chgData name="Ann Igolkina" userId="4d1b5d7ddf2bbc78" providerId="LiveId" clId="{1720320C-2886-A44F-B1A5-AC29DAC23C38}" dt="2023-09-08T14:40:20.368" v="1067"/>
+          <ac:inkMkLst>
+            <pc:docMk/>
+            <pc:sldMk cId="421433875" sldId="259"/>
+            <ac:inkMk id="42" creationId="{5D7F7899-8B48-4E33-B16F-AE714A21C7C3}"/>
+          </ac:inkMkLst>
+        </pc:inkChg>
+        <pc:inkChg chg="mod">
+          <ac:chgData name="Ann Igolkina" userId="4d1b5d7ddf2bbc78" providerId="LiveId" clId="{1720320C-2886-A44F-B1A5-AC29DAC23C38}" dt="2023-09-08T14:40:20.368" v="1067"/>
+          <ac:inkMkLst>
+            <pc:docMk/>
+            <pc:sldMk cId="421433875" sldId="259"/>
+            <ac:inkMk id="43" creationId="{0282DC51-DCC1-F9D8-75B6-1790FB613A8E}"/>
+          </ac:inkMkLst>
+        </pc:inkChg>
+        <pc:inkChg chg="mod">
+          <ac:chgData name="Ann Igolkina" userId="4d1b5d7ddf2bbc78" providerId="LiveId" clId="{1720320C-2886-A44F-B1A5-AC29DAC23C38}" dt="2023-09-08T14:40:20.368" v="1067"/>
+          <ac:inkMkLst>
+            <pc:docMk/>
+            <pc:sldMk cId="421433875" sldId="259"/>
+            <ac:inkMk id="45" creationId="{0648EE44-BA74-BA5D-15F4-46C67B1C5C9F}"/>
+          </ac:inkMkLst>
+        </pc:inkChg>
+        <pc:inkChg chg="mod">
+          <ac:chgData name="Ann Igolkina" userId="4d1b5d7ddf2bbc78" providerId="LiveId" clId="{1720320C-2886-A44F-B1A5-AC29DAC23C38}" dt="2023-09-08T14:40:20.368" v="1067"/>
+          <ac:inkMkLst>
+            <pc:docMk/>
+            <pc:sldMk cId="421433875" sldId="259"/>
+            <ac:inkMk id="46" creationId="{FEE62D09-B0D2-5105-97C9-70767F0E5ED4}"/>
+          </ac:inkMkLst>
+        </pc:inkChg>
+        <pc:inkChg chg="mod">
+          <ac:chgData name="Ann Igolkina" userId="4d1b5d7ddf2bbc78" providerId="LiveId" clId="{1720320C-2886-A44F-B1A5-AC29DAC23C38}" dt="2023-09-08T14:40:20.368" v="1067"/>
+          <ac:inkMkLst>
+            <pc:docMk/>
+            <pc:sldMk cId="421433875" sldId="259"/>
+            <ac:inkMk id="48" creationId="{CE76D521-90BA-0393-F34F-CA193ED76AD8}"/>
+          </ac:inkMkLst>
+        </pc:inkChg>
+        <pc:inkChg chg="mod">
+          <ac:chgData name="Ann Igolkina" userId="4d1b5d7ddf2bbc78" providerId="LiveId" clId="{1720320C-2886-A44F-B1A5-AC29DAC23C38}" dt="2023-09-08T14:40:20.368" v="1067"/>
+          <ac:inkMkLst>
+            <pc:docMk/>
+            <pc:sldMk cId="421433875" sldId="259"/>
+            <ac:inkMk id="49" creationId="{2FE01C77-4444-B977-FD8C-FA75FCF880C1}"/>
+          </ac:inkMkLst>
+        </pc:inkChg>
+        <pc:inkChg chg="mod">
+          <ac:chgData name="Ann Igolkina" userId="4d1b5d7ddf2bbc78" providerId="LiveId" clId="{1720320C-2886-A44F-B1A5-AC29DAC23C38}" dt="2023-09-08T14:40:20.368" v="1067"/>
+          <ac:inkMkLst>
+            <pc:docMk/>
+            <pc:sldMk cId="421433875" sldId="259"/>
+            <ac:inkMk id="50" creationId="{8873C4E2-C62E-2AA8-758B-D3FD4202EE51}"/>
+          </ac:inkMkLst>
+        </pc:inkChg>
+        <pc:inkChg chg="mod">
+          <ac:chgData name="Ann Igolkina" userId="4d1b5d7ddf2bbc78" providerId="LiveId" clId="{1720320C-2886-A44F-B1A5-AC29DAC23C38}" dt="2023-09-08T14:40:20.368" v="1067"/>
+          <ac:inkMkLst>
+            <pc:docMk/>
+            <pc:sldMk cId="421433875" sldId="259"/>
+            <ac:inkMk id="51" creationId="{C5B547A1-5BF7-FCCA-0AA0-4AFA372BABFE}"/>
+          </ac:inkMkLst>
+        </pc:inkChg>
+        <pc:inkChg chg="mod">
+          <ac:chgData name="Ann Igolkina" userId="4d1b5d7ddf2bbc78" providerId="LiveId" clId="{1720320C-2886-A44F-B1A5-AC29DAC23C38}" dt="2023-09-08T14:40:20.368" v="1067"/>
+          <ac:inkMkLst>
+            <pc:docMk/>
+            <pc:sldMk cId="421433875" sldId="259"/>
+            <ac:inkMk id="52" creationId="{401E00D1-7182-BEAC-1E1D-A7E1925AF7DA}"/>
+          </ac:inkMkLst>
+        </pc:inkChg>
+        <pc:inkChg chg="add mod">
+          <ac:chgData name="Ann Igolkina" userId="4d1b5d7ddf2bbc78" providerId="LiveId" clId="{1720320C-2886-A44F-B1A5-AC29DAC23C38}" dt="2023-09-08T14:40:25.256" v="1068" actId="1076"/>
+          <ac:inkMkLst>
+            <pc:docMk/>
+            <pc:sldMk cId="421433875" sldId="259"/>
+            <ac:inkMk id="53" creationId="{03D02C4F-6D2E-F0CF-89C1-D246C9694C4D}"/>
+          </ac:inkMkLst>
+        </pc:inkChg>
+        <pc:inkChg chg="add mod">
+          <ac:chgData name="Ann Igolkina" userId="4d1b5d7ddf2bbc78" providerId="LiveId" clId="{1720320C-2886-A44F-B1A5-AC29DAC23C38}" dt="2023-09-08T14:40:25.256" v="1068" actId="1076"/>
+          <ac:inkMkLst>
+            <pc:docMk/>
+            <pc:sldMk cId="421433875" sldId="259"/>
+            <ac:inkMk id="54" creationId="{00E45CDE-2FC4-8737-D9AD-D41EBDAAF8EA}"/>
+          </ac:inkMkLst>
+        </pc:inkChg>
+        <pc:inkChg chg="add mod">
+          <ac:chgData name="Ann Igolkina" userId="4d1b5d7ddf2bbc78" providerId="LiveId" clId="{1720320C-2886-A44F-B1A5-AC29DAC23C38}" dt="2023-09-08T14:40:25.256" v="1068" actId="1076"/>
+          <ac:inkMkLst>
+            <pc:docMk/>
+            <pc:sldMk cId="421433875" sldId="259"/>
+            <ac:inkMk id="57" creationId="{611EAF2D-8BEF-1C76-606C-DE082D61B8EC}"/>
+          </ac:inkMkLst>
+        </pc:inkChg>
+        <pc:inkChg chg="mod">
+          <ac:chgData name="Ann Igolkina" userId="4d1b5d7ddf2bbc78" providerId="LiveId" clId="{1720320C-2886-A44F-B1A5-AC29DAC23C38}" dt="2023-09-08T14:40:20.368" v="1067"/>
+          <ac:inkMkLst>
+            <pc:docMk/>
+            <pc:sldMk cId="421433875" sldId="259"/>
+            <ac:inkMk id="59" creationId="{7B07595A-5FFE-FBCF-893C-78AFA846D098}"/>
+          </ac:inkMkLst>
+        </pc:inkChg>
+        <pc:inkChg chg="mod">
+          <ac:chgData name="Ann Igolkina" userId="4d1b5d7ddf2bbc78" providerId="LiveId" clId="{1720320C-2886-A44F-B1A5-AC29DAC23C38}" dt="2023-09-08T14:40:20.368" v="1067"/>
+          <ac:inkMkLst>
+            <pc:docMk/>
+            <pc:sldMk cId="421433875" sldId="259"/>
+            <ac:inkMk id="60" creationId="{9B28836E-9175-8352-41C1-D6A3715741D5}"/>
+          </ac:inkMkLst>
+        </pc:inkChg>
+        <pc:inkChg chg="mod">
+          <ac:chgData name="Ann Igolkina" userId="4d1b5d7ddf2bbc78" providerId="LiveId" clId="{1720320C-2886-A44F-B1A5-AC29DAC23C38}" dt="2023-09-08T14:40:20.368" v="1067"/>
+          <ac:inkMkLst>
+            <pc:docMk/>
+            <pc:sldMk cId="421433875" sldId="259"/>
+            <ac:inkMk id="61" creationId="{F38409B0-63E9-0F7B-F140-AF0D2A35BBDB}"/>
+          </ac:inkMkLst>
+        </pc:inkChg>
+        <pc:inkChg chg="mod">
+          <ac:chgData name="Ann Igolkina" userId="4d1b5d7ddf2bbc78" providerId="LiveId" clId="{1720320C-2886-A44F-B1A5-AC29DAC23C38}" dt="2023-09-08T14:40:20.368" v="1067"/>
+          <ac:inkMkLst>
+            <pc:docMk/>
+            <pc:sldMk cId="421433875" sldId="259"/>
+            <ac:inkMk id="62" creationId="{2C6AA646-C2EB-921B-F39B-ED491F42FD30}"/>
+          </ac:inkMkLst>
+        </pc:inkChg>
+        <pc:inkChg chg="add mod">
+          <ac:chgData name="Ann Igolkina" userId="4d1b5d7ddf2bbc78" providerId="LiveId" clId="{1720320C-2886-A44F-B1A5-AC29DAC23C38}" dt="2023-09-08T14:40:25.256" v="1068" actId="1076"/>
+          <ac:inkMkLst>
+            <pc:docMk/>
+            <pc:sldMk cId="421433875" sldId="259"/>
+            <ac:inkMk id="63" creationId="{80CF8D0E-E724-21E7-24BB-2D6EBA0071C3}"/>
+          </ac:inkMkLst>
+        </pc:inkChg>
+        <pc:inkChg chg="add mod">
+          <ac:chgData name="Ann Igolkina" userId="4d1b5d7ddf2bbc78" providerId="LiveId" clId="{1720320C-2886-A44F-B1A5-AC29DAC23C38}" dt="2023-09-08T14:40:25.256" v="1068" actId="1076"/>
+          <ac:inkMkLst>
+            <pc:docMk/>
+            <pc:sldMk cId="421433875" sldId="259"/>
+            <ac:inkMk id="64" creationId="{83338712-2B2E-8CAB-F276-3460147E28E1}"/>
+          </ac:inkMkLst>
+        </pc:inkChg>
+      </pc:sldChg>
     </pc:docChg>
   </pc:docChgLst>
 </pc:chgInfo>
@@ -955,23 +2930,303 @@
         <inkml:traceFormat>
           <inkml:channel name="X" type="integer" min="-2.14748E9" max="2.14748E9" units="cm"/>
           <inkml:channel name="Y" type="integer" min="-2.14748E9" max="2.14748E9" units="cm"/>
+          <inkml:channel name="F" type="integer" max="32767" units="dev"/>
         </inkml:traceFormat>
         <inkml:channelProperties>
           <inkml:channelProperty channel="X" name="resolution" value="1000" units="1/cm"/>
           <inkml:channelProperty channel="Y" name="resolution" value="1000" units="1/cm"/>
+          <inkml:channelProperty channel="F" name="resolution" value="0" units="1/dev"/>
         </inkml:channelProperties>
       </inkml:inkSource>
-      <inkml:timestamp xml:id="ts0" timeString="2023-08-23T15:02:22.605"/>
+      <inkml:timestamp xml:id="ts0" timeString="2023-09-08T14:40:20.357"/>
     </inkml:context>
     <inkml:brush xml:id="br0">
-      <inkml:brushProperty name="width" value="0.2" units="cm"/>
-      <inkml:brushProperty name="height" value="0.4" units="cm"/>
-      <inkml:brushProperty name="color" value="#FFACD5"/>
-      <inkml:brushProperty name="tip" value="rectangle"/>
-      <inkml:brushProperty name="rasterOp" value="maskPen"/>
+      <inkml:brushProperty name="width" value="0.1" units="cm"/>
+      <inkml:brushProperty name="height" value="0.1" units="cm"/>
+      <inkml:brushProperty name="color" value="#008C3A"/>
     </inkml:brush>
   </inkml:definitions>
-  <inkml:trace contextRef="#ctx0" brushRef="#br0">1 1,'51'0,"0"0,3 0,2 0,1 0,-2 0,-5 0,-3 0,21 0,-31 0,-18-1,-21 4,-21 10,-22 22,13-9,0 4,-4 7,1 2,0 4,0 0,2 1,3 0,0-3,3 0,-18 25,15-20,12-19,17-14,18-7,26-1,23 5,12 9,-10 6,-19 3,-22 2,-16 11,-25 24,-5-19,-4 3,-5 7,-3 0,-3 3,0-2,7-6,3-2,-7 18,15-22,13-24,10-14,11-4,4-3,0 0,-5 4,-9 14,-4 18,-4 16,-2 6,1-10,-2-17,3-15,9-10,9-4,6 0,1 11,-7 13,-8 12,-5 6,-4-2,1-11,4-10,11-11,17-6,13-2,4 0,-8 4,-18 3,-34 22,8-19,-21 11</inkml:trace>
+  <inkml:trace contextRef="#ctx0" brushRef="#br0">699 0 24575,'-42'0'0,"-6"0"0,-8 0 0,8 0 0,9 0 0,10 0 0,7 0 0,1 0 0,6 0 0,-2 0 0,-5 0 0,-14 0 0,-20 0 0,-12 0 0,1 0 0,13 1 0,21 1 0,16 0 0,10-1 0,5 0 0</inkml:trace>
+</inkml:ink>
+</file>
+
+<file path=ppt/ink/ink10.xml><?xml version="1.0" encoding="utf-8"?>
+<inkml:ink xmlns:inkml="http://www.w3.org/2003/InkML">
+  <inkml:definitions>
+    <inkml:context xml:id="ctx0">
+      <inkml:inkSource xml:id="inkSrc0">
+        <inkml:traceFormat>
+          <inkml:channel name="X" type="integer" min="-2.14748E9" max="2.14748E9" units="cm"/>
+          <inkml:channel name="Y" type="integer" min="-2.14748E9" max="2.14748E9" units="cm"/>
+          <inkml:channel name="F" type="integer" max="32767" units="dev"/>
+        </inkml:traceFormat>
+        <inkml:channelProperties>
+          <inkml:channelProperty channel="X" name="resolution" value="1000" units="1/cm"/>
+          <inkml:channelProperty channel="Y" name="resolution" value="1000" units="1/cm"/>
+          <inkml:channelProperty channel="F" name="resolution" value="0" units="1/dev"/>
+        </inkml:channelProperties>
+      </inkml:inkSource>
+      <inkml:timestamp xml:id="ts0" timeString="2023-09-08T14:40:20.366"/>
+    </inkml:context>
+    <inkml:brush xml:id="br0">
+      <inkml:brushProperty name="width" value="0.1" units="cm"/>
+      <inkml:brushProperty name="height" value="0.1" units="cm"/>
+      <inkml:brushProperty name="color" value="#008C3A"/>
+    </inkml:brush>
+  </inkml:definitions>
+  <inkml:trace contextRef="#ctx0" brushRef="#br0">218 1 24575,'0'32'0,"0"34"0,0-17 0,0 4 0,0 3 0,0 2 0,0 8 0,0 4 0,0 5 0,0 3 0,0 10 0,0 3-354,0-21 1,0 3-1,0 0 354,0 2 0,0 2 0,0-1 0,0 2 0,0 1 0,0 0 0,0 5 0,0 1 0,0-1 0,0-2 0,0 0 0,0-1 0,0-2 0,0-1 0,0-2 0,0-4 0,0 0 0,0-3 0,0-4 0,0-1 0,0 0 2,0 0 0,1-1 0,-2-1-2,0 31 0,-1-2 0,0-1 0,-1-1 0,1-3 0,0-2 0,-1-3 0,2-1 0,0-4 0,2-2 0,-1-2 0,0-1 0,0-3 0,0-2 0,0-2 0,0 0 395,0-3 0,0 0-395,0 1 0,0-1 132,0 3 1,0 1-133,0 2 0,0 0 0,0 1 0,0-2 0,0-2 0,0-1 0,0-4 0,0-1 0,0-1 0,0-1 0,0 0 0,0-1 0,0-2 0,0-1 0,0-3 0,0-1 0,0 39 0,0-5 0,0 3 0,0 5 0,0 2 0,0-2 0,0-15 0,0-20 0,0-17 0,0-16 0,-3-8 0,-4-7 0,-4-5 0,-3-2 0,1 0 0,1 0 0,1 0 0,2 0 0,-2 0 0,0 0 0,-3 0 0,0 0 0,2 0 0,1 0 0,2 0 0,-2 0 0,1 0 0,1-1 0,3-3 0,3-4 0,2-1 0,2 0 0,3 3 0,6 2 0,9 2 0,8 0 0,5-4 0,-1-2 0,-4-4 0,1 1 0,5 3 0,9 3 0,14 4 0,13 1 0,10 0 0,8 0 0,-3 0 0,-10 3 0,-16 3 0,-20 0 0,-19 0 0,-14-4 0,-6-2 0,-1 0 0</inkml:trace>
+</inkml:ink>
+</file>
+
+<file path=ppt/ink/ink11.xml><?xml version="1.0" encoding="utf-8"?>
+<inkml:ink xmlns:inkml="http://www.w3.org/2003/InkML">
+  <inkml:definitions>
+    <inkml:context xml:id="ctx0">
+      <inkml:inkSource xml:id="inkSrc0">
+        <inkml:traceFormat>
+          <inkml:channel name="X" type="integer" min="-2.14748E9" max="2.14748E9" units="cm"/>
+          <inkml:channel name="Y" type="integer" min="-2.14748E9" max="2.14748E9" units="cm"/>
+          <inkml:channel name="F" type="integer" max="32767" units="dev"/>
+        </inkml:traceFormat>
+        <inkml:channelProperties>
+          <inkml:channelProperty channel="X" name="resolution" value="1000" units="1/cm"/>
+          <inkml:channelProperty channel="Y" name="resolution" value="1000" units="1/cm"/>
+          <inkml:channelProperty channel="F" name="resolution" value="0" units="1/dev"/>
+        </inkml:channelProperties>
+      </inkml:inkSource>
+      <inkml:timestamp xml:id="ts0" timeString="2023-09-08T14:40:20.367"/>
+    </inkml:context>
+    <inkml:brush xml:id="br0">
+      <inkml:brushProperty name="width" value="0.1" units="cm"/>
+      <inkml:brushProperty name="height" value="0.1" units="cm"/>
+      <inkml:brushProperty name="color" value="#008C3A"/>
+    </inkml:brush>
+  </inkml:definitions>
+  <inkml:trace contextRef="#ctx0" brushRef="#br0">1 1 24575,'0'57'0,"0"20"0,0 20 0,0-6 0,0-35 0,0-26 0,0-20 0,0-13 0,0-7 0,0-6 0,0-1 0,0-3 0,0 2 0,0 0 0,1 0 0,2 1 0,1 3 0,2 5 0,1 4 0,1 4 0,3 0 0,3 1 0,8 0 0,22 0 0,31 0 0,-20 0 0,5 0 0,16 0 0,6 0 0,12 0 0,6 0-313,-26 0 1,3 0 0,1 0 312,6 1 0,3 1 0,1 0 0,6 1 0,1 2 0,3-1-439,-21 0 0,3 0 0,0 0 0,1 0 439,5 0 0,2 0 0,0-1 0,1 1 0,5-2 0,2 0 0,-1 0 0,1 0-521,3-1 1,0-1 0,0 0 0,1 0 520,-17 0 0,0 0 0,0 0 0,1 0 0,0 0 0,-1 0 0,0 0 0,1 0 0,-1 0 0,-1 0 0,18 0 0,0 0 0,-2 0 0,0 0-296,-5 1 0,-1 0 0,-2 1 0,-2 0 296,-8 1 0,-2 0 0,-2 0 0,-1 1 0,18 2 0,-2 1 0,-1 1 13,-4 0 1,-1 1 0,0 0-14,-3 1 0,0 0 0,0 0 0,-1-1 0,0 1 0,0 0 0,0 0 0,0 0 0,0 0 0,0 0 0,-1 0 0,2-1 0,0 0 0,0 0 0,1 0 0,1-1 0,-1 1 0,2-1 0,2-1 0,0 0 0,1-1 0,1 0 0,0-1 0,0-1 0,1 0 0,1-1 0,-1 0 0,0 0 0,0-1 0,-1 0 0,-2 1 0,0-1 0,-1 1 0,-1 0 0,0 0 0,-1 0 0,-2 0 0,0-1 0,-1 1 0,-3 1 0,0 0 0,-1-1 0,-5 1 0,0-1 0,-2 0 420,-1 0 1,-2 1 0,0-1-421,30 2 0,-3 0 0,-8-3 0,-2 0 1048,-6 0 0,-3-1-1048,-9-1 0,-2 0 731,-7 0 0,-1 0-731,-3 0 0,0 0 435,-2-2 1,-1-1-436,46-3 226,-5-2-226,-5-1 0,1 0 0,1-3 0,-1 2 0,-10 2 0,-20 2 0,-19 1 0,-15 2 0,-8-1 0,-4-6 0,-2-17 0,0-23 0,1-19 0,0-10 0,-3 7 0,0 17 0,-3 20 0,-4 19 0,-4 9 0,-8 12 0,-5 8 0,-5 20 0,-2 24 0,-1 23 0,12-30 0,1 1 0,1-1 0,0 0 0,-7 41 0,5-20 0,5-21 0,3-16 0,3-15 0,1-8 0,-1-5 0,2-5 0,-2-1 0</inkml:trace>
+</inkml:ink>
+</file>
+
+<file path=ppt/ink/ink12.xml><?xml version="1.0" encoding="utf-8"?>
+<inkml:ink xmlns:inkml="http://www.w3.org/2003/InkML">
+  <inkml:definitions>
+    <inkml:context xml:id="ctx0">
+      <inkml:inkSource xml:id="inkSrc0">
+        <inkml:traceFormat>
+          <inkml:channel name="X" type="integer" min="-2.14748E9" max="2.14748E9" units="cm"/>
+          <inkml:channel name="Y" type="integer" min="-2.14748E9" max="2.14748E9" units="cm"/>
+          <inkml:channel name="F" type="integer" max="32767" units="dev"/>
+        </inkml:traceFormat>
+        <inkml:channelProperties>
+          <inkml:channelProperty channel="X" name="resolution" value="1000" units="1/cm"/>
+          <inkml:channelProperty channel="Y" name="resolution" value="1000" units="1/cm"/>
+          <inkml:channelProperty channel="F" name="resolution" value="0" units="1/dev"/>
+        </inkml:channelProperties>
+      </inkml:inkSource>
+      <inkml:timestamp xml:id="ts0" timeString="2023-09-08T14:40:20.368"/>
+    </inkml:context>
+    <inkml:brush xml:id="br0">
+      <inkml:brushProperty name="width" value="0.1" units="cm"/>
+      <inkml:brushProperty name="height" value="0.1" units="cm"/>
+      <inkml:brushProperty name="color" value="#008C3A"/>
+    </inkml:brush>
+  </inkml:definitions>
+  <inkml:trace contextRef="#ctx0" brushRef="#br0">0 2 24575,'34'0'0,"23"0"0,26 0 0,0 0 0,-12 0 0,-18 0 0,-19 0 0,-9-2 0,-16 4 0,-13 20 0,-6 25 0,-8 38 0,5-28 0,-1 4 0,-2 4 0,-1 2 0,0 4 0,0-1 0,1-3 0,0-2 0,1-2 0,2-3 0,2-5 0,1-2 0,-6 37 0,7-23 0,6-25 0,2-16 0,1-12 0,0-8 0,-7-15 0,-2-6 0,0 0 0,2 3 0</inkml:trace>
+</inkml:ink>
+</file>
+
+<file path=ppt/ink/ink13.xml><?xml version="1.0" encoding="utf-8"?>
+<inkml:ink xmlns:inkml="http://www.w3.org/2003/InkML">
+  <inkml:definitions>
+    <inkml:context xml:id="ctx0">
+      <inkml:inkSource xml:id="inkSrc0">
+        <inkml:traceFormat>
+          <inkml:channel name="X" type="integer" min="-2.14748E9" max="2.14748E9" units="cm"/>
+          <inkml:channel name="Y" type="integer" min="-2.14748E9" max="2.14748E9" units="cm"/>
+          <inkml:channel name="F" type="integer" max="32767" units="dev"/>
+        </inkml:traceFormat>
+        <inkml:channelProperties>
+          <inkml:channelProperty channel="X" name="resolution" value="1000" units="1/cm"/>
+          <inkml:channelProperty channel="Y" name="resolution" value="1000" units="1/cm"/>
+          <inkml:channelProperty channel="F" name="resolution" value="0" units="1/dev"/>
+        </inkml:channelProperties>
+      </inkml:inkSource>
+      <inkml:timestamp xml:id="ts0" timeString="2023-09-08T14:40:20.369"/>
+    </inkml:context>
+    <inkml:brush xml:id="br0">
+      <inkml:brushProperty name="width" value="0.1" units="cm"/>
+      <inkml:brushProperty name="height" value="0.1" units="cm"/>
+      <inkml:brushProperty name="color" value="#008C3A"/>
+    </inkml:brush>
+  </inkml:definitions>
+  <inkml:trace contextRef="#ctx0" brushRef="#br0">0 0 24575,'40'0'0,"25"0"0,-15 0 0,4 0 0,4 0 0,0 0 0,-4 0 0,-2 0 0,45 0 0,-23 0 0,-13 0 0,-23 0 0,-24 0 0</inkml:trace>
+</inkml:ink>
+</file>
+
+<file path=ppt/ink/ink14.xml><?xml version="1.0" encoding="utf-8"?>
+<inkml:ink xmlns:inkml="http://www.w3.org/2003/InkML">
+  <inkml:definitions>
+    <inkml:context xml:id="ctx0">
+      <inkml:inkSource xml:id="inkSrc0">
+        <inkml:traceFormat>
+          <inkml:channel name="X" type="integer" min="-2.14748E9" max="2.14748E9" units="cm"/>
+          <inkml:channel name="Y" type="integer" min="-2.14748E9" max="2.14748E9" units="cm"/>
+          <inkml:channel name="F" type="integer" max="32767" units="dev"/>
+        </inkml:traceFormat>
+        <inkml:channelProperties>
+          <inkml:channelProperty channel="X" name="resolution" value="1000" units="1/cm"/>
+          <inkml:channelProperty channel="Y" name="resolution" value="1000" units="1/cm"/>
+          <inkml:channelProperty channel="F" name="resolution" value="0" units="1/dev"/>
+        </inkml:channelProperties>
+      </inkml:inkSource>
+      <inkml:timestamp xml:id="ts0" timeString="2023-09-08T14:40:20.370"/>
+    </inkml:context>
+    <inkml:brush xml:id="br0">
+      <inkml:brushProperty name="width" value="0.1" units="cm"/>
+      <inkml:brushProperty name="height" value="0.1" units="cm"/>
+      <inkml:brushProperty name="color" value="#008C3A"/>
+    </inkml:brush>
+  </inkml:definitions>
+  <inkml:trace contextRef="#ctx0" brushRef="#br0">18 0 24575,'0'35'0,"0"21"0,0 17 0,0 1 0,0-6 0,0-8 0,0-2 0,0 1 0,0-12 0,0-11 0,0-12 0,0-7 0,0-6 0,-2-9 0,-4-10 0,3 3 0,-4-6 0</inkml:trace>
+</inkml:ink>
+</file>
+
+<file path=ppt/ink/ink15.xml><?xml version="1.0" encoding="utf-8"?>
+<inkml:ink xmlns:inkml="http://www.w3.org/2003/InkML">
+  <inkml:definitions>
+    <inkml:context xml:id="ctx0">
+      <inkml:inkSource xml:id="inkSrc0">
+        <inkml:traceFormat>
+          <inkml:channel name="X" type="integer" min="-2.14748E9" max="2.14748E9" units="cm"/>
+          <inkml:channel name="Y" type="integer" min="-2.14748E9" max="2.14748E9" units="cm"/>
+          <inkml:channel name="F" type="integer" max="32767" units="dev"/>
+        </inkml:traceFormat>
+        <inkml:channelProperties>
+          <inkml:channelProperty channel="X" name="resolution" value="1000" units="1/cm"/>
+          <inkml:channelProperty channel="Y" name="resolution" value="1000" units="1/cm"/>
+          <inkml:channelProperty channel="F" name="resolution" value="0" units="1/dev"/>
+        </inkml:channelProperties>
+      </inkml:inkSource>
+      <inkml:timestamp xml:id="ts0" timeString="2023-09-08T14:40:20.371"/>
+    </inkml:context>
+    <inkml:brush xml:id="br0">
+      <inkml:brushProperty name="width" value="0.1" units="cm"/>
+      <inkml:brushProperty name="height" value="0.1" units="cm"/>
+      <inkml:brushProperty name="color" value="#008C3A"/>
+    </inkml:brush>
+  </inkml:definitions>
+  <inkml:trace contextRef="#ctx0" brushRef="#br0">0 142 24575,'69'0'0,"-1"0"0,0 0 0,13 0 0,6 0 0,6 0 0,4 0 0,-15 0 0,5 0 0,2 0 0,3 0 0,0 0 0,0 0-1224,3 0 1,2 0 0,1 0-1,0 0 1,1 0 0,0 0 1223,-9 0 0,0 0 0,1 0 0,1 0 0,-1 0 0,1 0 0,0 0-358,0 0 0,0 0 1,1 0-1,-1 0 0,1 0 1,0 0-1,0 0 358,3 0 0,-1 0 0,1 0 0,1 0 0,-1 0 0,1 0 0,1 0 0,-8 0 0,1 0 0,0 0 0,1 0 0,-1 0 0,0 0 0,-1 0 0,-2 0 0,3 0 0,-1 0 0,-1 0 0,-1 0 0,-1 0 0,-1 0 0,0 0 18,6 0 1,-1 0-1,-1 0 1,-1 0 0,-1 0-1,-2 0-18,8 0 0,-3 0 0,-1 0 0,-2 0 0,-1 0-233,11 0 0,-2 0 1,-3 0-1,0 0 233,-5 0 0,-1 0 0,-1 0 0,-3 0 623,17 0 1,-3 0-1,-3 0-623,-7 0 0,-3 1 0,-1 1 0,-7 0 0,-1 1 0,-2 0 1807,24 3 1,-2 1-1808,-9 0 0,-3-1 1268,-6-1 1,-2-1-1269,-7-2 0,-1-1 845,1-1 1,0 0-846,-4 0 0,-1 0 475,-2 0 1,0 0-476,0 0 0,-2-1 0,-6 0 0,-2 0 0,49-2 0,-8-1 0,-6 0 0,-5 1 0,-6 1 0,-10 0 0,-8 0 0,-1 0 0,7 0 0,10 2 0,6 0 0,-1 2 0,-12 2 0,-15 1 0,-14-1 0,-13-3 0,-6-1 0,-4 0 0,-2 0 0,3 0 0,9 0 0,15 0 0,13 0 0,10 0 0,0 0 0,-11 0 0,-12 0 0,-15 0 0,-13-3 0,-5-11 0,-4-17 0,-2-7 0,-2-1 0,0 8 0,1 16 0,-1 6 0,2 34 0,0 7 0,2 23 0,0-11 0,2-8 0,1-11 0,0-6 0,0-3 0,0-3 0,-1-2 0,-1-3 0,-2-3 0,0-3 0,0 0 0,0-2 0</inkml:trace>
+</inkml:ink>
+</file>
+
+<file path=ppt/ink/ink16.xml><?xml version="1.0" encoding="utf-8"?>
+<inkml:ink xmlns:inkml="http://www.w3.org/2003/InkML">
+  <inkml:definitions>
+    <inkml:context xml:id="ctx0">
+      <inkml:inkSource xml:id="inkSrc0">
+        <inkml:traceFormat>
+          <inkml:channel name="X" type="integer" min="-2.14748E9" max="2.14748E9" units="cm"/>
+          <inkml:channel name="Y" type="integer" min="-2.14748E9" max="2.14748E9" units="cm"/>
+          <inkml:channel name="F" type="integer" max="32767" units="dev"/>
+        </inkml:traceFormat>
+        <inkml:channelProperties>
+          <inkml:channelProperty channel="X" name="resolution" value="1000" units="1/cm"/>
+          <inkml:channelProperty channel="Y" name="resolution" value="1000" units="1/cm"/>
+          <inkml:channelProperty channel="F" name="resolution" value="0" units="1/dev"/>
+        </inkml:channelProperties>
+      </inkml:inkSource>
+      <inkml:timestamp xml:id="ts0" timeString="2023-09-08T14:40:20.372"/>
+    </inkml:context>
+    <inkml:brush xml:id="br0">
+      <inkml:brushProperty name="width" value="0.1" units="cm"/>
+      <inkml:brushProperty name="height" value="0.1" units="cm"/>
+      <inkml:brushProperty name="color" value="#008C3A"/>
+    </inkml:brush>
+  </inkml:definitions>
+  <inkml:trace contextRef="#ctx0" brushRef="#br0">70 134 24575,'0'30'0,"0"4"0,0-1 0,0-7 0,0-12 0,0-11 0,-3-25 0,-2 0 0,-5-18 0,-3 6 0,-1 2 0,2 2 0,6 7 0,1 3 0,3 4 0,2 2 0,0 2 0,1 6 0,2 4 0,4 1 0,3 1 0,4 0 0,6 0 0,7 0 0,12 0 0,17 0 0,19 1 0,18 1 0,-42 1 0,1 0 0,0 1 0,-2 1 0,38 6 0,-22 3 0,-23 0 0,-18 0 0,-13-2 0,-7-1 0,-9-1 0,-6 2 0,-5 7 0,-3 7 0,0 11 0,-2 26 0,-2 25 0,11-35 0,0 1 0,0 6 0,1 0 0,3-3 0,1-1 0,-1 41 0,5-19 0,2-30 0,0-20 0,-1-15 0,-8-21 0,6 7 0,-6-14 0</inkml:trace>
+</inkml:ink>
+</file>
+
+<file path=ppt/ink/ink17.xml><?xml version="1.0" encoding="utf-8"?>
+<inkml:ink xmlns:inkml="http://www.w3.org/2003/InkML">
+  <inkml:definitions>
+    <inkml:context xml:id="ctx0">
+      <inkml:inkSource xml:id="inkSrc0">
+        <inkml:traceFormat>
+          <inkml:channel name="X" type="integer" min="-2.14748E9" max="2.14748E9" units="cm"/>
+          <inkml:channel name="Y" type="integer" min="-2.14748E9" max="2.14748E9" units="cm"/>
+          <inkml:channel name="F" type="integer" max="32767" units="dev"/>
+        </inkml:traceFormat>
+        <inkml:channelProperties>
+          <inkml:channelProperty channel="X" name="resolution" value="1000" units="1/cm"/>
+          <inkml:channelProperty channel="Y" name="resolution" value="1000" units="1/cm"/>
+          <inkml:channelProperty channel="F" name="resolution" value="0" units="1/dev"/>
+        </inkml:channelProperties>
+      </inkml:inkSource>
+      <inkml:timestamp xml:id="ts0" timeString="2023-09-08T14:40:20.373"/>
+    </inkml:context>
+    <inkml:brush xml:id="br0">
+      <inkml:brushProperty name="width" value="0.1" units="cm"/>
+      <inkml:brushProperty name="height" value="0.1" units="cm"/>
+      <inkml:brushProperty name="color" value="#008C3A"/>
+    </inkml:brush>
+  </inkml:definitions>
+  <inkml:trace contextRef="#ctx0" brushRef="#br0">0 0 24575,'41'0'0,"24"0"0,35 0 0,-43 0 0,1 0 0,-3 0 0,-2 0 0,37 0 0,-28 0 0,-26 0 0,-21 0 0,-11 0 0</inkml:trace>
+</inkml:ink>
+</file>
+
+<file path=ppt/ink/ink18.xml><?xml version="1.0" encoding="utf-8"?>
+<inkml:ink xmlns:inkml="http://www.w3.org/2003/InkML">
+  <inkml:definitions>
+    <inkml:context xml:id="ctx0">
+      <inkml:inkSource xml:id="inkSrc0">
+        <inkml:traceFormat>
+          <inkml:channel name="X" type="integer" min="-2.14748E9" max="2.14748E9" units="cm"/>
+          <inkml:channel name="Y" type="integer" min="-2.14748E9" max="2.14748E9" units="cm"/>
+          <inkml:channel name="F" type="integer" max="32767" units="dev"/>
+        </inkml:traceFormat>
+        <inkml:channelProperties>
+          <inkml:channelProperty channel="X" name="resolution" value="1000" units="1/cm"/>
+          <inkml:channelProperty channel="Y" name="resolution" value="1000" units="1/cm"/>
+          <inkml:channelProperty channel="F" name="resolution" value="0" units="1/dev"/>
+        </inkml:channelProperties>
+      </inkml:inkSource>
+      <inkml:timestamp xml:id="ts0" timeString="2023-09-08T14:40:20.374"/>
+    </inkml:context>
+    <inkml:brush xml:id="br0">
+      <inkml:brushProperty name="width" value="0.1" units="cm"/>
+      <inkml:brushProperty name="height" value="0.1" units="cm"/>
+      <inkml:brushProperty name="color" value="#008C3A"/>
+    </inkml:brush>
+  </inkml:definitions>
+  <inkml:trace contextRef="#ctx0" brushRef="#br0">5923 56 24575,'-48'0'0,"-38"0"0,22 0 0,-6 0 0,-20 0 0,-6 0-482,24 0 0,-2 0 0,-1 0 482,-4 0 0,0 0 0,-1 0 0,0 0 0,1 0 0,0 0 0,1 0 0,0 0 0,2 0 0,2 0 0,2 0 0,0 0 0,3 0 0,1 0 0,1 0 131,-31 0 0,1 0-131,3 0 0,-1 0 0,-2 0 0,-1 0 0,28-2 0,-1 0 0,0 0-118,-5-1 0,-1 0 0,-1 0 118,-1 0 0,-1-1 0,1 1 0,2-1 0,0 1 0,2 0 0,3 2 0,2 0 0,2 0 0,-16 0 0,3 1 0,9 0 0,1 0 353,4 0 1,1 0-354,3 0 0,1 0 79,-5 0 1,1 0-80,8 0 0,2 0 672,-38 0-672,8 0 0,6 0 0,3-2 0,4-1 0,8 1 0,7 0 0,10 2 0,6 0 0,4 0 0,7 0 0,1 0 0,2 0 0,0 0 0,1 0 0,4 0 0,6 0 0,3 0 0,1 0 0,-3 0 0,-5 1 0,-8 3 0,-6 3 0,-3 3 0,0 0 0,1-2 0,-1-4 0,0-3 0,-3-1 0,1 0 0,1 0 0,2 0 0,3 0 0,3 0 0,4-1 0,6-3 0,3 0 0,5-1 0,4 1 0,4 3 0,0 0 0,2 0 0,-2-1 0,-2 0 0,-4 1 0,-5-1 0,-2-2 0,-3-2 0,2 1 0,5-1 0,7 4 0,4 1 0</inkml:trace>
+</inkml:ink>
+</file>
+
+<file path=ppt/ink/ink19.xml><?xml version="1.0" encoding="utf-8"?>
+<inkml:ink xmlns:inkml="http://www.w3.org/2003/InkML">
+  <inkml:definitions>
+    <inkml:context xml:id="ctx0">
+      <inkml:inkSource xml:id="inkSrc0">
+        <inkml:traceFormat>
+          <inkml:channel name="X" type="integer" min="-2.14748E9" max="2.14748E9" units="cm"/>
+          <inkml:channel name="Y" type="integer" min="-2.14748E9" max="2.14748E9" units="cm"/>
+          <inkml:channel name="F" type="integer" max="32767" units="dev"/>
+        </inkml:traceFormat>
+        <inkml:channelProperties>
+          <inkml:channelProperty channel="X" name="resolution" value="1000" units="1/cm"/>
+          <inkml:channelProperty channel="Y" name="resolution" value="1000" units="1/cm"/>
+          <inkml:channelProperty channel="F" name="resolution" value="0" units="1/dev"/>
+        </inkml:channelProperties>
+      </inkml:inkSource>
+      <inkml:timestamp xml:id="ts0" timeString="2023-09-08T14:40:20.375"/>
+    </inkml:context>
+    <inkml:brush xml:id="br0">
+      <inkml:brushProperty name="width" value="0.1" units="cm"/>
+      <inkml:brushProperty name="height" value="0.1" units="cm"/>
+      <inkml:brushProperty name="color" value="#008C3A"/>
+    </inkml:brush>
+  </inkml:definitions>
+  <inkml:trace contextRef="#ctx0" brushRef="#br0">0 1 24575,'0'51'0,"0"7"0,0 8 0,0-7 0,0-16 0,0-11 0,0-12 0,0-4 0,0 0 0,0 1 0,0 5 0,0 1 0,2-1 0,1-3 0,2-6 0,3-5 0,-1-8 0,2-6 0,3-6 0,6-5 0,8-2 0,10-1 0,6 1 0,-2 5 0,-8 4 0,-9 4 0,-9 3 0,-5-2 0,-4-2 0,-3-6 0,-2-3 0,0-5 0,0 1 0,0 4 0,-1 3 0,-1 3 0,-3 4 0,0 2 0,-1 3 0,-1 1 0,1 0 0,0 0 0,2 1 0,1 3 0,2 5 0,1 6 0,0 7 0,0 6 0,0 10 0,2 8 0,5 8 0,4 5 0,4 3 0,3-6 0,-2-9 0,-2-13 0,-3-11 0,-3-6 0,-4-6 0,1-1 0,-1-2 0,-1 0 0,2 0 0,-1-2 0,-2-3 0,-10-29 0,6 19 0,-8-20 0</inkml:trace>
 </inkml:ink>
 </file>
 
@@ -983,23 +3238,303 @@
         <inkml:traceFormat>
           <inkml:channel name="X" type="integer" min="-2.14748E9" max="2.14748E9" units="cm"/>
           <inkml:channel name="Y" type="integer" min="-2.14748E9" max="2.14748E9" units="cm"/>
+          <inkml:channel name="F" type="integer" max="32767" units="dev"/>
         </inkml:traceFormat>
         <inkml:channelProperties>
           <inkml:channelProperty channel="X" name="resolution" value="1000" units="1/cm"/>
           <inkml:channelProperty channel="Y" name="resolution" value="1000" units="1/cm"/>
+          <inkml:channelProperty channel="F" name="resolution" value="0" units="1/dev"/>
         </inkml:channelProperties>
       </inkml:inkSource>
-      <inkml:timestamp xml:id="ts0" timeString="2023-08-23T15:02:25.752"/>
+      <inkml:timestamp xml:id="ts0" timeString="2023-09-08T14:40:20.358"/>
     </inkml:context>
     <inkml:brush xml:id="br0">
-      <inkml:brushProperty name="width" value="0.2" units="cm"/>
-      <inkml:brushProperty name="height" value="0.4" units="cm"/>
-      <inkml:brushProperty name="color" value="#FFACD5"/>
-      <inkml:brushProperty name="tip" value="rectangle"/>
-      <inkml:brushProperty name="rasterOp" value="maskPen"/>
+      <inkml:brushProperty name="width" value="0.1" units="cm"/>
+      <inkml:brushProperty name="height" value="0.1" units="cm"/>
+      <inkml:brushProperty name="color" value="#008C3A"/>
     </inkml:brush>
   </inkml:definitions>
-  <inkml:trace contextRef="#ctx0" brushRef="#br0">92 2,'49'0,"5"0,2 0,-11 0,-20-2,-26 6,-23 8,-17 14,-15 18,-2 10,8 3,15-8,18-10,10-12,15-7,18-6,17 0,15 1,-1 2,-9 3,-15 1,-15 1,-11 1,-12 3,-10 2,-4-4,2-3,9-9,10-6,23-5,-6 3,13 2,-19 7,-8 10,-10 8,-9 5,0-2,1-6,8-10,6-11,6-2,-1 0,-1 10,-8 17,-13 20,-14 17,-7 4,5-15,12-20,13-19,10-12,10-6,-9 7,-8 9,-17 10,-4 1,6-6,12-11,15-7,10-7,9-1,-2 0,-8 2,-8 6,-9 11,-9 8,-2 4,0 0,4-13,6-6,22-5,-11-1,14 13,-25 33,-10-4,-6 5,-6 11,-3 2,-4 3,-2-2,3-9,2-5,-4 15,15-29,22-23,14-12,11-4,1 0,-9 3,-15 11,-18 19,-15 20,-8 11,1-7,12-18,15-18,17-15,24-12,14-6,2-2,-10 5,-20 9,-13 11,-9 7,-3 2,0-2,0-6,2-4</inkml:trace>
+  <inkml:trace contextRef="#ctx0" brushRef="#br0">291 0 24575,'0'14'0,"0"-2"0,0 1 0,0-1 0,0 1 0,0 1-768,0 3 1,0 0-1,0 0 768,0 2 0,0-1 0,0 1 0,0-4 0,0 0 0,0-1 0,0 1 0,0 0 0,0 0 0,0 0 0,0 0 0,0-1 0,0 1 0,0 0 0,0 0 0,0 3 0,0 0 0,0 0 0,0-1 0,0 0 0,0-1 7,0-1 0,0 0 0,0 0-7,0-1 0,0 0 0,0 0 0,0-1 0,0 1 0,0-1 0,0 0 0,0 0 0,0 0 0,0 5 0,0 0 272,-2-1 1,0-2-273,0-1 0,0 0 0,0-3 0,0-1 0,-1 8 1152,-1 1-1152,2-10 0,-1 1 292,-1 1 1,-1 0-293,0 0 0,-1 0 0,2 1 0,0-1 0,0 1 0,0 0 0,0-1 0,0 1 0,2-1 0,0 1 0,0-2 0,0 1 0,1-1 0,1 0 0,0 7 0,0-2 0,0-2 0,0 0 0,0-1 0,0-1 0,0-1 0,0-3 0,0 0 0,0-1 0,0 2 0,0 1 0,0 0 0,0-1 0,0-2 0,0-2 0,0 0 0,0-1 0,-2-1 0,-2-1 0,-7 0 0,-6-1 0,-8 0 0,-3-1 0,0 0 0,2-1 0,8-1 0,4 1 0,4-1 0,3 2 0,0 1 0,1-1 0,-1 1 0,4 0 0,15 0 0,17 1 0,11 0 0,11 0 0,0 1 0,-6-2 0,1 0 0,-8 0 0,-2 0 0,2 0 0,4 0 0,1 0 0,-1 1 0,-4-1 0,-8 1 0,-22-1 0,-42 0 0,15-1 0,-23 0 0</inkml:trace>
+</inkml:ink>
+</file>
+
+<file path=ppt/ink/ink20.xml><?xml version="1.0" encoding="utf-8"?>
+<inkml:ink xmlns:inkml="http://www.w3.org/2003/InkML">
+  <inkml:definitions>
+    <inkml:context xml:id="ctx0">
+      <inkml:inkSource xml:id="inkSrc0">
+        <inkml:traceFormat>
+          <inkml:channel name="X" type="integer" min="-2.14748E9" max="2.14748E9" units="cm"/>
+          <inkml:channel name="Y" type="integer" min="-2.14748E9" max="2.14748E9" units="cm"/>
+          <inkml:channel name="F" type="integer" max="32767" units="dev"/>
+        </inkml:traceFormat>
+        <inkml:channelProperties>
+          <inkml:channelProperty channel="X" name="resolution" value="1000" units="1/cm"/>
+          <inkml:channelProperty channel="Y" name="resolution" value="1000" units="1/cm"/>
+          <inkml:channelProperty channel="F" name="resolution" value="0" units="1/dev"/>
+        </inkml:channelProperties>
+      </inkml:inkSource>
+      <inkml:timestamp xml:id="ts0" timeString="2023-09-08T14:40:20.376"/>
+    </inkml:context>
+    <inkml:brush xml:id="br0">
+      <inkml:brushProperty name="width" value="0.1" units="cm"/>
+      <inkml:brushProperty name="height" value="0.1" units="cm"/>
+      <inkml:brushProperty name="color" value="#008C3A"/>
+    </inkml:brush>
+  </inkml:definitions>
+  <inkml:trace contextRef="#ctx0" brushRef="#br0">1 0 24575,'58'0'0,"-9"0"0,7 0 0,35 0 0,8 0-427,-30 0 1,2 0-1,2 0 427,6 0 0,2 0 0,2 0 0,5 0 0,2 0 0,1 0-474,1 0 0,0 0 0,3 0 474,-15 0 0,1 0 0,1 0 0,-1 0 0,0 0 0,-1 0 0,0 0 0,0 0 0,-2 0 0,-1 0 0,0 0 0,0 0 0,21 0 0,0 0 0,-1 0-65,-5 0 1,0 0 0,-2 0 64,-5 0 0,-1 0 0,-2 0 0,-6 0 0,-1 0 0,-1 0-50,-4 0 1,-2 0-1,-1 0 50,26 0 0,-2 0 286,-5 0 0,-3 0-286,-8 0 0,0 0 690,0 0 0,0 0-690,0 0 0,-1 0 459,0 0 1,1 0-460,3 0 0,-1 0 86,-5 0 1,-1 0-87,-1 0 0,-1 0 0,-4 0 0,-2 0 0,-6 0 0,-2 0 0,42 0 0,-13 0 0,-10 0 0,2 0 0,0 2 0,1 1 0,-4 1 0,-7 2 0,-9-1 0,-6 1 0,-1 0 0,1-1 0,-2 1 0,-7-1 0,-11-2 0,-9 1 0,-5-2 0,-3-1 0,0-1 0,-1 0 0,-1 0 0,-5 0 0,-3 0 0</inkml:trace>
+</inkml:ink>
+</file>
+
+<file path=ppt/ink/ink21.xml><?xml version="1.0" encoding="utf-8"?>
+<inkml:ink xmlns:inkml="http://www.w3.org/2003/InkML">
+  <inkml:definitions>
+    <inkml:context xml:id="ctx0">
+      <inkml:inkSource xml:id="inkSrc0">
+        <inkml:traceFormat>
+          <inkml:channel name="X" type="integer" min="-2.14748E9" max="2.14748E9" units="cm"/>
+          <inkml:channel name="Y" type="integer" min="-2.14748E9" max="2.14748E9" units="cm"/>
+          <inkml:channel name="F" type="integer" max="32767" units="dev"/>
+        </inkml:traceFormat>
+        <inkml:channelProperties>
+          <inkml:channelProperty channel="X" name="resolution" value="1000" units="1/cm"/>
+          <inkml:channelProperty channel="Y" name="resolution" value="1000" units="1/cm"/>
+          <inkml:channelProperty channel="F" name="resolution" value="0" units="1/dev"/>
+        </inkml:channelProperties>
+      </inkml:inkSource>
+      <inkml:timestamp xml:id="ts0" timeString="2023-09-08T14:40:20.377"/>
+    </inkml:context>
+    <inkml:brush xml:id="br0">
+      <inkml:brushProperty name="width" value="0.1" units="cm"/>
+      <inkml:brushProperty name="height" value="0.1" units="cm"/>
+      <inkml:brushProperty name="color" value="#008C3A"/>
+    </inkml:brush>
+  </inkml:definitions>
+  <inkml:trace contextRef="#ctx0" brushRef="#br0">1 1 24575,'0'69'0,"0"2"0,0 5 0,0-14 0,0-23 0,0-15 0,1-16 0,12-4 0,20-4 0,21 5 0,14 3 0,-2 2 0,-12-1 0,-15-6 0,-13-3 0,-10 0 0,-6 0 0,-2 0 0,-4-4 0,-2-4 0,-1-3 0,-1-5 0,0-1 0,-2-1 0,-3 1 0,-3 4 0,0 5 0,1 2 0,0 3 0,1 1 0,0 0 0,0 0 0,0 1 0,0-1 0,0 1 0,0 0 0,1-1 0,1 2 0,2 6 0,2 12 0,1 9 0,4 10 0,5 2 0,4 5 0,6 7 0,4 9 0,5 4 0,0-3 0,-6-12 0,-4-15 0,-6-14 0,-4-8 0,-4-4 0,-2-2 0,1-1 0,2 2 0,0-2 0,-2-1 0,-2-1 0</inkml:trace>
+</inkml:ink>
+</file>
+
+<file path=ppt/ink/ink22.xml><?xml version="1.0" encoding="utf-8"?>
+<inkml:ink xmlns:inkml="http://www.w3.org/2003/InkML">
+  <inkml:definitions>
+    <inkml:context xml:id="ctx0">
+      <inkml:inkSource xml:id="inkSrc0">
+        <inkml:traceFormat>
+          <inkml:channel name="X" type="integer" min="-2.14748E9" max="2.14748E9" units="cm"/>
+          <inkml:channel name="Y" type="integer" min="-2.14748E9" max="2.14748E9" units="cm"/>
+          <inkml:channel name="F" type="integer" max="32767" units="dev"/>
+        </inkml:traceFormat>
+        <inkml:channelProperties>
+          <inkml:channelProperty channel="X" name="resolution" value="1000" units="1/cm"/>
+          <inkml:channelProperty channel="Y" name="resolution" value="1000" units="1/cm"/>
+          <inkml:channelProperty channel="F" name="resolution" value="0" units="1/dev"/>
+        </inkml:channelProperties>
+      </inkml:inkSource>
+      <inkml:timestamp xml:id="ts0" timeString="2023-09-08T14:40:20.378"/>
+    </inkml:context>
+    <inkml:brush xml:id="br0">
+      <inkml:brushProperty name="width" value="0.1" units="cm"/>
+      <inkml:brushProperty name="height" value="0.1" units="cm"/>
+      <inkml:brushProperty name="color" value="#008C3A"/>
+    </inkml:brush>
+  </inkml:definitions>
+  <inkml:trace contextRef="#ctx0" brushRef="#br0">0 410 24575,'42'0'0,"9"0"0,11 0 0,3 0 0,7 0 0,2 0-580,6 0 1,2 0 0,2 0 579,10 0 0,1 0 0,2 0-390,-22 0 0,1 0 0,0 0 0,1 0 390,1 0 0,1 0 0,0 0 0,2 0 0,7 0 0,3 0 0,1 0 0,-3 0 0,-4 0 0,0 0 0,-2 0 0,-1 0 0,18 0 0,-2 0 0,-1 0-17,-8 0 1,-2 0 0,-1 0 16,-1 0 0,-2 0 0,2-1 0,2 0 0,0 0 0,1-1 0,3-1 0,1 0 0,0-1 0,2-1 0,1 0 0,-1-1 0,0 0 0,0-1 0,-2 1 0,-2 0 0,-1 1 0,-2 0 0,-3 1 0,-2 0 0,0 2 0,-5-1 0,-1 2 0,-1 0-80,-4 1 0,-1 0 1,-1 0 79,30 0 0,-2 0 0,-3 0 0,-2 0 0,-1 0 0,-1 0 0,-3 0 0,0 0 0,-1 0 0,1 0 0,-2 0 0,-1 0 382,-4 0 1,-1 0-383,-5 0 0,-1 0 806,-6 0 0,-1 0-806,-7 0 0,-1 0 461,-4 0 0,-1 0-461,43 0 287,-6 0-287,-4 0 0,-3 0 0,-6 0 0,-8 0 0,-10 0 0,-12 0 0,-12 0 0,-8 0 0,-9 0 0,-2 0 0,-1 0 0,-1 0 0,-3 0 0,0 0 0,-1 0 0,2 0 0,9 3 0,9 4 0,7 1 0,1 2 0,-5-5 0,-8-1 0,-6-2 0,-4-2 0,-5 1 0,-4 1 0,-4-2 0,-2-5 0,0-9 0,0-4 0,0-8 0,0-7 0,0-9 0,0-10 0,-1 4 0,-1 5 0,-1 13 0,2 8 0,1 7 0,-1 6 0,-1 2 0,0 2 0,1 3 0,1 14 0,0 1 0,0 12 0,0 1 0,0 0 0,0 5 0,0-1 0,0-1 0,0-2 0,0 1 0,0 4 0,0 1 0,0 3 0,0-5 0,0-3 0,0-6 0,0-5 0,0-2 0,0-1 0,0 0 0,0-1 0,0-2 0,0-2 0,0-3 0,-8-29 0,6 19 0,-6-21 0</inkml:trace>
+</inkml:ink>
+</file>
+
+<file path=ppt/ink/ink23.xml><?xml version="1.0" encoding="utf-8"?>
+<inkml:ink xmlns:inkml="http://www.w3.org/2003/InkML">
+  <inkml:definitions>
+    <inkml:context xml:id="ctx0">
+      <inkml:inkSource xml:id="inkSrc0">
+        <inkml:traceFormat>
+          <inkml:channel name="X" type="integer" min="-2.14748E9" max="2.14748E9" units="cm"/>
+          <inkml:channel name="Y" type="integer" min="-2.14748E9" max="2.14748E9" units="cm"/>
+          <inkml:channel name="F" type="integer" max="32767" units="dev"/>
+        </inkml:traceFormat>
+        <inkml:channelProperties>
+          <inkml:channelProperty channel="X" name="resolution" value="1000" units="1/cm"/>
+          <inkml:channelProperty channel="Y" name="resolution" value="1000" units="1/cm"/>
+          <inkml:channelProperty channel="F" name="resolution" value="0" units="1/dev"/>
+        </inkml:channelProperties>
+      </inkml:inkSource>
+      <inkml:timestamp xml:id="ts0" timeString="2023-09-08T14:40:20.379"/>
+    </inkml:context>
+    <inkml:brush xml:id="br0">
+      <inkml:brushProperty name="width" value="0.1" units="cm"/>
+      <inkml:brushProperty name="height" value="0.1" units="cm"/>
+      <inkml:brushProperty name="color" value="#008C3A"/>
+    </inkml:brush>
+  </inkml:definitions>
+  <inkml:trace contextRef="#ctx0" brushRef="#br0">0 1 24575,'0'33'0,"0"2"0,0 7 0,0-4 0,0-1 0,0 2 0,0-2 0,0 1 0,2-4 0,1-7 0,1-5 0,1-7 0,-2-6 0,-2-4 0,0-4 0</inkml:trace>
+</inkml:ink>
+</file>
+
+<file path=ppt/ink/ink24.xml><?xml version="1.0" encoding="utf-8"?>
+<inkml:ink xmlns:inkml="http://www.w3.org/2003/InkML">
+  <inkml:definitions>
+    <inkml:context xml:id="ctx0">
+      <inkml:inkSource xml:id="inkSrc0">
+        <inkml:traceFormat>
+          <inkml:channel name="X" type="integer" min="-2.14748E9" max="2.14748E9" units="cm"/>
+          <inkml:channel name="Y" type="integer" min="-2.14748E9" max="2.14748E9" units="cm"/>
+          <inkml:channel name="F" type="integer" max="32767" units="dev"/>
+        </inkml:traceFormat>
+        <inkml:channelProperties>
+          <inkml:channelProperty channel="X" name="resolution" value="1000" units="1/cm"/>
+          <inkml:channelProperty channel="Y" name="resolution" value="1000" units="1/cm"/>
+          <inkml:channelProperty channel="F" name="resolution" value="0" units="1/dev"/>
+        </inkml:channelProperties>
+      </inkml:inkSource>
+      <inkml:timestamp xml:id="ts0" timeString="2023-09-08T14:40:20.380"/>
+    </inkml:context>
+    <inkml:brush xml:id="br0">
+      <inkml:brushProperty name="width" value="0.1" units="cm"/>
+      <inkml:brushProperty name="height" value="0.1" units="cm"/>
+      <inkml:brushProperty name="color" value="#008C3A"/>
+    </inkml:brush>
+  </inkml:definitions>
+  <inkml:trace contextRef="#ctx0" brushRef="#br0">0 1 24575,'0'43'0,"0"-8"0,0 0 0,0-8 0,0-8 0,0-2 0,0-7 0,0-4 0,0-2 0,1-1 0,4-1 0,3-2 0,5 0 0,5 0 0,0-1 0,2-3 0,-2-3 0,-2-2 0,0 0 0,-2 1 0,-1 1 0,1 1 0,2 0 0,2 1 0,2 2 0,0 1 0,-2 1 0,-2 1 0,-1 0 0,5 1 0,1 3 0,5 6 0,0 8 0,-1 6 0,-1 5 0,-5 0 0,-2-1 0,-3 1 0,-5-2 0,-3-1 0,-4-2 0,-2-2 0,-2-2 0,-4-2 0,-3-3 0,-4-1 0,-1 0 0,0-1 0,-3-4 0,-4-2 0,-4-5 0,-1-1 0,-1-1 0,1 0 0,-4 0 0,-5 0 0,-8 0 0,-1 0 0,5 0 0,10 0 0,11 0 0,7-1 0,7-2 0,2-2 0,2-2 0,0-6 0,0 7 0,0-4 0</inkml:trace>
+</inkml:ink>
+</file>
+
+<file path=ppt/ink/ink25.xml><?xml version="1.0" encoding="utf-8"?>
+<inkml:ink xmlns:inkml="http://www.w3.org/2003/InkML">
+  <inkml:definitions>
+    <inkml:context xml:id="ctx0">
+      <inkml:inkSource xml:id="inkSrc0">
+        <inkml:traceFormat>
+          <inkml:channel name="X" type="integer" min="-2.14748E9" max="2.14748E9" units="cm"/>
+          <inkml:channel name="Y" type="integer" min="-2.14748E9" max="2.14748E9" units="cm"/>
+          <inkml:channel name="F" type="integer" max="32767" units="dev"/>
+        </inkml:traceFormat>
+        <inkml:channelProperties>
+          <inkml:channelProperty channel="X" name="resolution" value="1000" units="1/cm"/>
+          <inkml:channelProperty channel="Y" name="resolution" value="1000" units="1/cm"/>
+          <inkml:channelProperty channel="F" name="resolution" value="0" units="1/dev"/>
+        </inkml:channelProperties>
+      </inkml:inkSource>
+      <inkml:timestamp xml:id="ts0" timeString="2023-09-08T14:40:20.381"/>
+    </inkml:context>
+    <inkml:brush xml:id="br0">
+      <inkml:brushProperty name="width" value="0.1" units="cm"/>
+      <inkml:brushProperty name="height" value="0.1" units="cm"/>
+      <inkml:brushProperty name="color" value="#008C3A"/>
+    </inkml:brush>
+  </inkml:definitions>
+  <inkml:trace contextRef="#ctx0" brushRef="#br0">0 1 24575,'25'3'0,"23"0"0,23-3 0,1 0 0,-4 0 0,-12 0 0,-11 0 0,-8 0 0,-17 0 0,-12 0 0,-6 0 0,-1 0 0</inkml:trace>
+</inkml:ink>
+</file>
+
+<file path=ppt/ink/ink26.xml><?xml version="1.0" encoding="utf-8"?>
+<inkml:ink xmlns:inkml="http://www.w3.org/2003/InkML">
+  <inkml:definitions>
+    <inkml:context xml:id="ctx0">
+      <inkml:inkSource xml:id="inkSrc0">
+        <inkml:traceFormat>
+          <inkml:channel name="X" type="integer" min="-2.14748E9" max="2.14748E9" units="cm"/>
+          <inkml:channel name="Y" type="integer" min="-2.14748E9" max="2.14748E9" units="cm"/>
+          <inkml:channel name="F" type="integer" max="32767" units="dev"/>
+        </inkml:traceFormat>
+        <inkml:channelProperties>
+          <inkml:channelProperty channel="X" name="resolution" value="1000" units="1/cm"/>
+          <inkml:channelProperty channel="Y" name="resolution" value="1000" units="1/cm"/>
+          <inkml:channelProperty channel="F" name="resolution" value="0" units="1/dev"/>
+        </inkml:channelProperties>
+      </inkml:inkSource>
+      <inkml:timestamp xml:id="ts0" timeString="2023-09-08T14:40:20.382"/>
+    </inkml:context>
+    <inkml:brush xml:id="br0">
+      <inkml:brushProperty name="width" value="0.1" units="cm"/>
+      <inkml:brushProperty name="height" value="0.1" units="cm"/>
+      <inkml:brushProperty name="color" value="#008C3A"/>
+    </inkml:brush>
+  </inkml:definitions>
+  <inkml:trace contextRef="#ctx0" brushRef="#br0">7 1 24575,'-3'26'0,"0"10"0,3 13 0,0 3 0,0 5 0,0-1 0,0-1 0,0 0 0,0-12 0,1-11 0,0-12 0,1-11 0,0-4 0,-1-6 0</inkml:trace>
+</inkml:ink>
+</file>
+
+<file path=ppt/ink/ink27.xml><?xml version="1.0" encoding="utf-8"?>
+<inkml:ink xmlns:inkml="http://www.w3.org/2003/InkML">
+  <inkml:definitions>
+    <inkml:context xml:id="ctx0">
+      <inkml:inkSource xml:id="inkSrc0">
+        <inkml:traceFormat>
+          <inkml:channel name="X" type="integer" min="-2.14748E9" max="2.14748E9" units="cm"/>
+          <inkml:channel name="Y" type="integer" min="-2.14748E9" max="2.14748E9" units="cm"/>
+          <inkml:channel name="F" type="integer" max="32767" units="dev"/>
+        </inkml:traceFormat>
+        <inkml:channelProperties>
+          <inkml:channelProperty channel="X" name="resolution" value="1000" units="1/cm"/>
+          <inkml:channelProperty channel="Y" name="resolution" value="1000" units="1/cm"/>
+          <inkml:channelProperty channel="F" name="resolution" value="0" units="1/dev"/>
+        </inkml:channelProperties>
+      </inkml:inkSource>
+      <inkml:timestamp xml:id="ts0" timeString="2023-09-08T14:40:20.383"/>
+    </inkml:context>
+    <inkml:brush xml:id="br0">
+      <inkml:brushProperty name="width" value="0.1" units="cm"/>
+      <inkml:brushProperty name="height" value="0.1" units="cm"/>
+      <inkml:brushProperty name="color" value="#008C3A"/>
+    </inkml:brush>
+  </inkml:definitions>
+  <inkml:trace contextRef="#ctx0" brushRef="#br0">1 0 24575,'0'46'0,"0"2"0,0 3 0,0-10 0,0-11 0,0-8 0,0-8 0,0-5 0,0-4 0</inkml:trace>
+</inkml:ink>
+</file>
+
+<file path=ppt/ink/ink28.xml><?xml version="1.0" encoding="utf-8"?>
+<inkml:ink xmlns:inkml="http://www.w3.org/2003/InkML">
+  <inkml:definitions>
+    <inkml:context xml:id="ctx0">
+      <inkml:inkSource xml:id="inkSrc0">
+        <inkml:traceFormat>
+          <inkml:channel name="X" type="integer" min="-2.14748E9" max="2.14748E9" units="cm"/>
+          <inkml:channel name="Y" type="integer" min="-2.14748E9" max="2.14748E9" units="cm"/>
+          <inkml:channel name="F" type="integer" max="32767" units="dev"/>
+        </inkml:traceFormat>
+        <inkml:channelProperties>
+          <inkml:channelProperty channel="X" name="resolution" value="1000" units="1/cm"/>
+          <inkml:channelProperty channel="Y" name="resolution" value="1000" units="1/cm"/>
+          <inkml:channelProperty channel="F" name="resolution" value="0" units="1/dev"/>
+        </inkml:channelProperties>
+      </inkml:inkSource>
+      <inkml:timestamp xml:id="ts0" timeString="2023-09-08T14:40:20.384"/>
+    </inkml:context>
+    <inkml:brush xml:id="br0">
+      <inkml:brushProperty name="width" value="0.1" units="cm"/>
+      <inkml:brushProperty name="height" value="0.1" units="cm"/>
+      <inkml:brushProperty name="color" value="#008C3A"/>
+    </inkml:brush>
+  </inkml:definitions>
+  <inkml:trace contextRef="#ctx0" brushRef="#br0">1 1 24575,'35'0'0,"30"0"0,30 0 0,-37 0 0,-1 0 0,41 0 0,-24 0 0,-24 0 0,-30 0 0,-7 0 0</inkml:trace>
+</inkml:ink>
+</file>
+
+<file path=ppt/ink/ink29.xml><?xml version="1.0" encoding="utf-8"?>
+<inkml:ink xmlns:inkml="http://www.w3.org/2003/InkML">
+  <inkml:definitions>
+    <inkml:context xml:id="ctx0">
+      <inkml:inkSource xml:id="inkSrc0">
+        <inkml:traceFormat>
+          <inkml:channel name="X" type="integer" min="-2.14748E9" max="2.14748E9" units="cm"/>
+          <inkml:channel name="Y" type="integer" min="-2.14748E9" max="2.14748E9" units="cm"/>
+          <inkml:channel name="F" type="integer" max="32767" units="dev"/>
+        </inkml:traceFormat>
+        <inkml:channelProperties>
+          <inkml:channelProperty channel="X" name="resolution" value="1000" units="1/cm"/>
+          <inkml:channelProperty channel="Y" name="resolution" value="1000" units="1/cm"/>
+          <inkml:channelProperty channel="F" name="resolution" value="0" units="1/dev"/>
+        </inkml:channelProperties>
+      </inkml:inkSource>
+      <inkml:timestamp xml:id="ts0" timeString="2023-09-08T14:40:20.385"/>
+    </inkml:context>
+    <inkml:brush xml:id="br0">
+      <inkml:brushProperty name="width" value="0.1" units="cm"/>
+      <inkml:brushProperty name="height" value="0.1" units="cm"/>
+      <inkml:brushProperty name="color" value="#008C3A"/>
+    </inkml:brush>
+  </inkml:definitions>
+  <inkml:trace contextRef="#ctx0" brushRef="#br0">218 1 24575,'0'35'0,"0"35"0,0-17 0,0 4 0,0 2 0,0 3 0,0 10 0,0 2 0,0 7 0,0 2 0,0 11 0,0 3-354,0-21 1,0 1-1,0 2 354,0 2 0,0 1 0,0 0 0,0 1 0,0 1 0,0 1 0,0 5 0,0 1 0,0-1 0,0-2 0,0 0 0,0-1 0,0-3 0,0 0 0,0-2 0,0-5 0,0-1 0,0-1 0,0-5 0,0-2 0,0 0 2,0 0 0,1 0 0,-2-1-2,0 32 0,-1-1 0,0-2 0,-1-1 0,1-3 0,0-1 0,-1-4 0,2-2 0,0-4 0,2-1 0,-1-3 0,0-1 0,0-4 0,0 0 0,0-4 0,0 0 395,0-2 0,0 0-395,0-1 0,0 1 132,0 3 1,0 0-133,0 3 0,0 0 0,0 0 0,0 0 0,0-4 0,0-1 0,0-4 0,0 0 0,0-2 0,0-1 0,0 0 0,0-1 0,0-2 0,0-2 0,0-2 0,0-2 0,0 42 0,0-5 0,0 3 0,0 6 0,0 1 0,0-2 0,0-16 0,0-20 0,0-19 0,0-17 0,-3-10 0,-4-6 0,-4-6 0,-3-2 0,1 0 0,1 0 0,1 0 0,2 0 0,-2 0 0,0 0 0,-3 0 0,0 0 0,2 0 0,1 0 0,2 0 0,-2 0 0,1 0 0,1-2 0,3-2 0,3-4 0,2-2 0,2 0 0,3 4 0,6 2 0,9 2 0,8-1 0,5-3 0,-1-3 0,-4-3 0,1 0 0,5 3 0,9 4 0,14 4 0,13 1 0,10 0 0,8 0 0,-3 0 0,-10 3 0,-16 4 0,-20 0 0,-19-2 0,-14-2 0,-6-3 0,-1 0 0</inkml:trace>
 </inkml:ink>
 </file>
 
@@ -1019,7 +3554,7 @@
           <inkml:channelProperty channel="F" name="resolution" value="0" units="1/dev"/>
         </inkml:channelProperties>
       </inkml:inkSource>
-      <inkml:timestamp xml:id="ts0" timeString="2023-08-23T14:56:42.397"/>
+      <inkml:timestamp xml:id="ts0" timeString="2023-09-08T14:40:20.359"/>
     </inkml:context>
     <inkml:brush xml:id="br0">
       <inkml:brushProperty name="width" value="0.1" units="cm"/>
@@ -1027,7 +3562,287 @@
       <inkml:brushProperty name="color" value="#008C3A"/>
     </inkml:brush>
   </inkml:definitions>
-  <inkml:trace contextRef="#ctx0" brushRef="#br0">1 80 24575,'19'-20'0,"4"1"0,6 2 0,1 4 0,-3 6 0,-5 3 0,-5 4 0,-1 0 0,0 0 0,1 0 0,2 4 0,4 3 0,3 5 0,2 4 0,-2 1 0,-3-1 0,-9 0 0,-6 0 0,-4-2 0,-4 0 0,0 2 0,0 3 0,-1 6 0,-3 2 0,-3 0 0,-4-3 0,-3-3 0,-4 0 0,-5 1 0,-6 5 0,-2 2 0,2 1 0,5-1 0,5-1 0,1 1 0,3 1 0,0 0 0,3-2 0,3-5 0,3-7 0,6-6 0,4-5 0,5-4 0,9-1 0,11 0 0,9 0 0,7 0 0,4 0 0,-2 0 0,-4 2 0,-7 2 0,-9 0 0,-9 0 0,-8 0 0,-6-4 0,-3 2 0</inkml:trace>
+  <inkml:trace contextRef="#ctx0" brushRef="#br0">699 1 24575,'-42'0'0,"-6"0"0,-8 0 0,8 0 0,9 0 0,10 0 0,7 0 0,1 0 0,6 0 0,-2 0 0,-5 0 0,-14 0 0,-20 0 0,-12 0 0,1 1 0,13 7 0,21 3 0,16 3 0,10-5 0,5-6 0</inkml:trace>
+</inkml:ink>
+</file>
+
+<file path=ppt/ink/ink30.xml><?xml version="1.0" encoding="utf-8"?>
+<inkml:ink xmlns:inkml="http://www.w3.org/2003/InkML">
+  <inkml:definitions>
+    <inkml:context xml:id="ctx0">
+      <inkml:inkSource xml:id="inkSrc0">
+        <inkml:traceFormat>
+          <inkml:channel name="X" type="integer" min="-2.14748E9" max="2.14748E9" units="cm"/>
+          <inkml:channel name="Y" type="integer" min="-2.14748E9" max="2.14748E9" units="cm"/>
+          <inkml:channel name="F" type="integer" max="32767" units="dev"/>
+        </inkml:traceFormat>
+        <inkml:channelProperties>
+          <inkml:channelProperty channel="X" name="resolution" value="1000" units="1/cm"/>
+          <inkml:channelProperty channel="Y" name="resolution" value="1000" units="1/cm"/>
+          <inkml:channelProperty channel="F" name="resolution" value="0" units="1/dev"/>
+        </inkml:channelProperties>
+      </inkml:inkSource>
+      <inkml:timestamp xml:id="ts0" timeString="2023-09-08T14:40:20.386"/>
+    </inkml:context>
+    <inkml:brush xml:id="br0">
+      <inkml:brushProperty name="width" value="0.1" units="cm"/>
+      <inkml:brushProperty name="height" value="0.1" units="cm"/>
+      <inkml:brushProperty name="color" value="#008C3A"/>
+    </inkml:brush>
+  </inkml:definitions>
+  <inkml:trace contextRef="#ctx0" brushRef="#br0">699 1 24575,'-42'0'0,"-6"0"0,-8 0 0,8 0 0,9 0 0,10 0 0,7 0 0,1 0 0,6 0 0,-2 0 0,-5 0 0,-14 0 0,-20 0 0,-12 0 0,1 0 0,13 6 0,21 3 0,16 0 0,10-2 0,5-4 0</inkml:trace>
+</inkml:ink>
+</file>
+
+<file path=ppt/ink/ink31.xml><?xml version="1.0" encoding="utf-8"?>
+<inkml:ink xmlns:inkml="http://www.w3.org/2003/InkML">
+  <inkml:definitions>
+    <inkml:context xml:id="ctx0">
+      <inkml:inkSource xml:id="inkSrc0">
+        <inkml:traceFormat>
+          <inkml:channel name="X" type="integer" min="-2.14748E9" max="2.14748E9" units="cm"/>
+          <inkml:channel name="Y" type="integer" min="-2.14748E9" max="2.14748E9" units="cm"/>
+          <inkml:channel name="F" type="integer" max="32767" units="dev"/>
+        </inkml:traceFormat>
+        <inkml:channelProperties>
+          <inkml:channelProperty channel="X" name="resolution" value="1000" units="1/cm"/>
+          <inkml:channelProperty channel="Y" name="resolution" value="1000" units="1/cm"/>
+          <inkml:channelProperty channel="F" name="resolution" value="0" units="1/dev"/>
+        </inkml:channelProperties>
+      </inkml:inkSource>
+      <inkml:timestamp xml:id="ts0" timeString="2023-09-08T14:40:20.387"/>
+    </inkml:context>
+    <inkml:brush xml:id="br0">
+      <inkml:brushProperty name="width" value="0.1" units="cm"/>
+      <inkml:brushProperty name="height" value="0.1" units="cm"/>
+      <inkml:brushProperty name="color" value="#008C3A"/>
+    </inkml:brush>
+  </inkml:definitions>
+  <inkml:trace contextRef="#ctx0" brushRef="#br0">291 0 24575,'0'73'0,"0"-12"0,0 8 0,0-5 0,0 6 0,0 2-768,0 14 1,0 4-1,0 1 768,0 6 0,0 0 0,0 2 0,0-22 0,0 0 0,0 0 0,0 1 0,0 0 0,0-1 0,0 1 0,0 0 0,0-1 0,0 1 0,0 0 0,0-1 0,0 19 0,0-1 0,0-2 0,0-5 0,0-1 0,0-2 7,0-4 0,0-2 0,0 0-7,0-7 0,0 0 0,0-1 0,0 1 0,0-2 0,0 1 0,0-3 0,0-1 0,0-1 0,0 31 0,0-3 272,-2-8 1,0-4-273,0-8 0,0-4 0,0-13 0,0-3 0,-1 42 1152,-1 0-1152,2-46 0,-1 0 292,-1 6 1,-1 2-293,0 1 0,-1 0 0,2 2 0,0 0 0,0 0 0,0 0 0,0 0 0,0-1 0,2 0 0,0-1 0,0-3 0,0 0 0,1-4 0,1-1 0,0 39 0,0-13 0,0-7 0,0-4 0,0-4 0,0 0 0,0-12 0,0-11 0,0-5 0,0-1 0,0 9 0,0 6 0,0-2 0,0-5 0,0-11 0,0-5 0,0-5 0,0-4 0,-2-6 0,-2-5 0,-7-3 0,-6-2 0,-8 0 0,-3-3 0,0-3 0,2-4 0,8-5 0,4 2 0,4 2 0,3 4 0,0 4 0,1 2 0,-1 1 0,4 0 0,15 0 0,17 3 0,11 3 0,11 1 0,0-1 0,-6-3 0,1-2 0,-8-1 0,-2 0 0,2 0 0,4 0 0,1 0 0,-1 2 0,-4 2 0,-8-1 0,-22-2 0,-42-5 0,15 1 0,-23 0 0</inkml:trace>
+</inkml:ink>
+</file>
+
+<file path=ppt/ink/ink32.xml><?xml version="1.0" encoding="utf-8"?>
+<inkml:ink xmlns:inkml="http://www.w3.org/2003/InkML">
+  <inkml:definitions>
+    <inkml:context xml:id="ctx0">
+      <inkml:inkSource xml:id="inkSrc0">
+        <inkml:traceFormat>
+          <inkml:channel name="X" type="integer" min="-2.14748E9" max="2.14748E9" units="cm"/>
+          <inkml:channel name="Y" type="integer" min="-2.14748E9" max="2.14748E9" units="cm"/>
+          <inkml:channel name="F" type="integer" max="32767" units="dev"/>
+        </inkml:traceFormat>
+        <inkml:channelProperties>
+          <inkml:channelProperty channel="X" name="resolution" value="1000" units="1/cm"/>
+          <inkml:channelProperty channel="Y" name="resolution" value="1000" units="1/cm"/>
+          <inkml:channelProperty channel="F" name="resolution" value="0" units="1/dev"/>
+        </inkml:channelProperties>
+      </inkml:inkSource>
+      <inkml:timestamp xml:id="ts0" timeString="2023-09-08T14:40:20.388"/>
+    </inkml:context>
+    <inkml:brush xml:id="br0">
+      <inkml:brushProperty name="width" value="0.1" units="cm"/>
+      <inkml:brushProperty name="height" value="0.1" units="cm"/>
+      <inkml:brushProperty name="color" value="#008C3A"/>
+    </inkml:brush>
+  </inkml:definitions>
+  <inkml:trace contextRef="#ctx0" brushRef="#br0">1 1 24575,'0'30'0,"0"1"0,0 0 0,0-7 0,0-8 0,0-3 0,0 5 0,0 4 0,0 2 0,0-3 0,0-5 0,0-1 0,0-4 0,0-3 0,0-1 0,0-1 0,0 2 0,0 3 0,0 8 0,0 3 0,0 1 0,0-4 0,0-4 0,0-3 0,0-4 0,0-4 0,0-3 0</inkml:trace>
+</inkml:ink>
+</file>
+
+<file path=ppt/ink/ink33.xml><?xml version="1.0" encoding="utf-8"?>
+<inkml:ink xmlns:inkml="http://www.w3.org/2003/InkML">
+  <inkml:definitions>
+    <inkml:context xml:id="ctx0">
+      <inkml:inkSource xml:id="inkSrc0">
+        <inkml:traceFormat>
+          <inkml:channel name="X" type="integer" min="-2.14748E9" max="2.14748E9" units="cm"/>
+          <inkml:channel name="Y" type="integer" min="-2.14748E9" max="2.14748E9" units="cm"/>
+          <inkml:channel name="F" type="integer" max="32767" units="dev"/>
+        </inkml:traceFormat>
+        <inkml:channelProperties>
+          <inkml:channelProperty channel="X" name="resolution" value="1000" units="1/cm"/>
+          <inkml:channelProperty channel="Y" name="resolution" value="1000" units="1/cm"/>
+          <inkml:channelProperty channel="F" name="resolution" value="0" units="1/dev"/>
+        </inkml:channelProperties>
+      </inkml:inkSource>
+      <inkml:timestamp xml:id="ts0" timeString="2023-09-08T14:40:20.389"/>
+    </inkml:context>
+    <inkml:brush xml:id="br0">
+      <inkml:brushProperty name="width" value="0.1" units="cm"/>
+      <inkml:brushProperty name="height" value="0.1" units="cm"/>
+      <inkml:brushProperty name="color" value="#008C3A"/>
+    </inkml:brush>
+  </inkml:definitions>
+  <inkml:trace contextRef="#ctx0" brushRef="#br0">1 105 24575,'0'16'0,"0"15"0,0 18 0,0 15 0,0 10 0,0-2 0,0-15 0,0-16 0,0-28 0,0-28 0,0-10 0,2-2 0,5 2 0,10 5 0,8-2 0,6 1 0,11 1 0,14-3 0,20 1 0,-26 12 0,4 1 0,17-2 0,6 2 0,10 0 0,4 1 0,-24 3 0,2 0 0,0 1 0,4 1 0,0 0 0,-1 1 0,-3 0 0,-2 0 0,0 2 0,33-1 0,-1 2 0,-8-1 0,-2 0 0,-6 0 0,0 0 0,-2 0 0,1 0 0,-3 0 0,0 0 0,-1 0 0,-1 0 0,-2 0 0,0 0 0,-3 0 0,-1 0 0,-3 0 0,0 0 0,2 0 0,0 0 0,2 0 0,1 0 0,5 0 0,2 0 0,4 0 0,1 0 0,2 0 0,0 0 0,-2 0 0,-1 0 0,-4 0 0,-2 0 0,-2 0 0,-2 0 0,-6 0 0,-2 0 0,-7 0 0,-3 0 0,38 0 0,-28 0 0,-14 0 0,-1 0 0,0 0 0,8 0 0,2 0 0,-4 0 0,-8 0 0,-13 0 0,-11 0 0,-15-3 0,-9-3 0,-8-5 0,-2-1 0,1 1 0,-1 0 0,0-4 0,-1-10 0,2-8 0,-1-2 0,3 6 0,1 9 0,2 12 0,3 10 0,0 15 0,0 15 0,0 11 0,0 4 0,0-3 0,0-1 0,0-4 0,0 0 0,0-1 0,0-3 0,0-4 0,0-3 0,0-4 0,0 0 0,0 1 0,0-2 0,0-5 0,0 0 0,0 0 0,0 0 0,0 3 0,0-6 0,0-8 0,0-38 0,0 19 0,0-24 0</inkml:trace>
+</inkml:ink>
+</file>
+
+<file path=ppt/ink/ink34.xml><?xml version="1.0" encoding="utf-8"?>
+<inkml:ink xmlns:inkml="http://www.w3.org/2003/InkML">
+  <inkml:definitions>
+    <inkml:context xml:id="ctx0">
+      <inkml:inkSource xml:id="inkSrc0">
+        <inkml:traceFormat>
+          <inkml:channel name="X" type="integer" min="-2.14748E9" max="2.14748E9" units="cm"/>
+          <inkml:channel name="Y" type="integer" min="-2.14748E9" max="2.14748E9" units="cm"/>
+          <inkml:channel name="F" type="integer" max="32767" units="dev"/>
+        </inkml:traceFormat>
+        <inkml:channelProperties>
+          <inkml:channelProperty channel="X" name="resolution" value="1000" units="1/cm"/>
+          <inkml:channelProperty channel="Y" name="resolution" value="1000" units="1/cm"/>
+          <inkml:channelProperty channel="F" name="resolution" value="0" units="1/dev"/>
+        </inkml:channelProperties>
+      </inkml:inkSource>
+      <inkml:timestamp xml:id="ts0" timeString="2023-09-08T14:40:20.390"/>
+    </inkml:context>
+    <inkml:brush xml:id="br0">
+      <inkml:brushProperty name="width" value="0.1" units="cm"/>
+      <inkml:brushProperty name="height" value="0.1" units="cm"/>
+      <inkml:brushProperty name="color" value="#008C3A"/>
+    </inkml:brush>
+  </inkml:definitions>
+  <inkml:trace contextRef="#ctx0" brushRef="#br0">1 0 24575,'0'29'0,"0"0"0,0-4 0,0-2 0,0 1 0,0 2 0,0 9 0,1 5 0,2 2 0,4 1 0,3-1 0,0-1 0,-1-2 0,-4-5 0,-2-8 0,-1-6 0,-2-5 0,0-5 0,0 0 0,0-1 0,0 1 0,2-3 0,0-2 0,2-6 0,-2-15 0,-1-11 0,0-5 0,2-3 0,3 2 0,1 0 0,1-5 0,-1 2 0,-4 0 0,0-1 0,-3 1 0,0 4 0,0 8 0,3 10 0,0 7 0,2 5 0,3 2 0,0 0 0,3 0 0,1 0 0,0 0 0,4 0 0,12 0 0,23 0 0,27 2 0,-26 1 0,4 1 0,6 2 0,2 1 0,3 1 0,1 1 0,2 1 0,2 0 0,-2-1 0,0 0 0,0 1 0,0 0 0,-3 0 0,0 0 0,-4-1 0,0 0 0,-1 0 0,-1 0 0,2-3 0,-1 0 0,0 0 0,0-1 0,-2 1 0,-1-1 0,-1 0 0,-1 2 0,-4 0 0,-1 1 0,0-1 0,0 1 0,47 4 0,0-5 0,-48-5 0,1-1 0,0 1 0,0 0 0,0 0 0,-1 0 0,1 0 0,-1 0 0,48 2 0,-9-4 0,-6 3 0,-11 1 0,-7-1 0,-5 0 0,4-3 0,2 0 0,8 0 0,8 0 0,-2 0 0,-12 0 0,-15 0 0,-15 0 0,-6 0 0,7-3 0,9-4 0,12-7 0,15-3 0,10-1 0,-4 5 0,-13 4 0,-22 3 0,-18 1 0,-13-1 0,-9-1 0,-4 1 0,-3 0 0,0-4 0,5-5 0,6-8 0,8-5 0,3-1 0,-6 4 0,-7 5 0,-6 4 0,-3 3 0,0-2 0,0-1 0,0-4 0,0 0 0,0 1 0,0 5 0,0 8 0,0 6 0,0 11 0,0 3 0,-3 7 0,-3 3 0,-4 1 0,-2 3 0,0-4 0,2 1 0,1 0 0,3-1 0,3 1 0,1-1 0,2 0 0,0 1 0,0-1 0,0 0 0,0-3 0,0-4 0,0-3 0,0-3 0,0-1 0,0 1 0,0 2 0,0 1 0,0 2 0,0-1 0,0-2 0,0-2 0,0-1 0,0 0 0,0 0 0,0 0 0,0-1 0,0-8 0,0-24 0,0-16 0,0 6 0,0 5 0</inkml:trace>
+</inkml:ink>
+</file>
+
+<file path=ppt/ink/ink35.xml><?xml version="1.0" encoding="utf-8"?>
+<inkml:ink xmlns:inkml="http://www.w3.org/2003/InkML">
+  <inkml:definitions>
+    <inkml:context xml:id="ctx0">
+      <inkml:inkSource xml:id="inkSrc0">
+        <inkml:traceFormat>
+          <inkml:channel name="X" type="integer" min="-2.14748E9" max="2.14748E9" units="cm"/>
+          <inkml:channel name="Y" type="integer" min="-2.14748E9" max="2.14748E9" units="cm"/>
+          <inkml:channel name="F" type="integer" max="32767" units="dev"/>
+        </inkml:traceFormat>
+        <inkml:channelProperties>
+          <inkml:channelProperty channel="X" name="resolution" value="1000" units="1/cm"/>
+          <inkml:channelProperty channel="Y" name="resolution" value="1000" units="1/cm"/>
+          <inkml:channelProperty channel="F" name="resolution" value="0" units="1/dev"/>
+        </inkml:channelProperties>
+      </inkml:inkSource>
+      <inkml:timestamp xml:id="ts0" timeString="2023-09-08T14:40:20.391"/>
+    </inkml:context>
+    <inkml:brush xml:id="br0">
+      <inkml:brushProperty name="width" value="0.1" units="cm"/>
+      <inkml:brushProperty name="height" value="0.1" units="cm"/>
+      <inkml:brushProperty name="color" value="#008C3A"/>
+    </inkml:brush>
+  </inkml:definitions>
+  <inkml:trace contextRef="#ctx0" brushRef="#br0">1 1 24575,'0'23'0,"0"18"0,0 23 0,0 10 0,0 12 0,0 8 0,0-41 0,0 0 0,0 7 0,0 0 0,0 0 0,0 1 0,0 1 0,0 0 0,0-1 0,0 0 0,0-2 0,0 1 0,0-5 0,0-1 0,0-2 0,0 0 0,0 46 0,0-3 0,0-6 0,0-11 0,0-8 0,0-12 0,0-10 0,0-11 0,0-3 0,0-1 0,0-1 0,0 3 0,0-4 0,2-3 0,1 0 0,0-3 0,0 2 0,-2 2 0,-1-1 0,0 0 0,3-4 0,0-4 0,0-5 0,0-8 0,-3-4 0</inkml:trace>
+</inkml:ink>
+</file>
+
+<file path=ppt/ink/ink36.xml><?xml version="1.0" encoding="utf-8"?>
+<inkml:ink xmlns:inkml="http://www.w3.org/2003/InkML">
+  <inkml:definitions>
+    <inkml:context xml:id="ctx0">
+      <inkml:inkSource xml:id="inkSrc0">
+        <inkml:traceFormat>
+          <inkml:channel name="X" type="integer" min="-2.14748E9" max="2.14748E9" units="cm"/>
+          <inkml:channel name="Y" type="integer" min="-2.14748E9" max="2.14748E9" units="cm"/>
+          <inkml:channel name="F" type="integer" max="32767" units="dev"/>
+        </inkml:traceFormat>
+        <inkml:channelProperties>
+          <inkml:channelProperty channel="X" name="resolution" value="1000" units="1/cm"/>
+          <inkml:channelProperty channel="Y" name="resolution" value="1000" units="1/cm"/>
+          <inkml:channelProperty channel="F" name="resolution" value="0" units="1/dev"/>
+        </inkml:channelProperties>
+      </inkml:inkSource>
+      <inkml:timestamp xml:id="ts0" timeString="2023-09-08T14:40:20.392"/>
+    </inkml:context>
+    <inkml:brush xml:id="br0">
+      <inkml:brushProperty name="width" value="0.1" units="cm"/>
+      <inkml:brushProperty name="height" value="0.1" units="cm"/>
+      <inkml:brushProperty name="color" value="#008C3A"/>
+    </inkml:brush>
+  </inkml:definitions>
+  <inkml:trace contextRef="#ctx0" brushRef="#br0">0 0 24575,'0'34'0,"0"8"0,0 20 0,2-4 0,6-4 0,7-6 0,5-6 0,-1-1 0,-6-9 0,-3-5 0,-1-2 0,-2-2 0,-1-2 0,0-3 0,-2 0 0,2 2 0,0 1 0,-3 0 0,-1-9 0,-2-4 0</inkml:trace>
+</inkml:ink>
+</file>
+
+<file path=ppt/ink/ink37.xml><?xml version="1.0" encoding="utf-8"?>
+<inkml:ink xmlns:inkml="http://www.w3.org/2003/InkML">
+  <inkml:definitions>
+    <inkml:context xml:id="ctx0">
+      <inkml:inkSource xml:id="inkSrc0">
+        <inkml:traceFormat>
+          <inkml:channel name="X" type="integer" min="-2.14748E9" max="2.14748E9" units="cm"/>
+          <inkml:channel name="Y" type="integer" min="-2.14748E9" max="2.14748E9" units="cm"/>
+          <inkml:channel name="F" type="integer" max="32767" units="dev"/>
+        </inkml:traceFormat>
+        <inkml:channelProperties>
+          <inkml:channelProperty channel="X" name="resolution" value="1000" units="1/cm"/>
+          <inkml:channelProperty channel="Y" name="resolution" value="1000" units="1/cm"/>
+          <inkml:channelProperty channel="F" name="resolution" value="0" units="1/dev"/>
+        </inkml:channelProperties>
+      </inkml:inkSource>
+      <inkml:timestamp xml:id="ts0" timeString="2023-09-08T14:40:20.393"/>
+    </inkml:context>
+    <inkml:brush xml:id="br0">
+      <inkml:brushProperty name="width" value="0.1" units="cm"/>
+      <inkml:brushProperty name="height" value="0.1" units="cm"/>
+      <inkml:brushProperty name="color" value="#008C3A"/>
+    </inkml:brush>
+  </inkml:definitions>
+  <inkml:trace contextRef="#ctx0" brushRef="#br0">1 0 24575,'0'0'0</inkml:trace>
+</inkml:ink>
+</file>
+
+<file path=ppt/ink/ink38.xml><?xml version="1.0" encoding="utf-8"?>
+<inkml:ink xmlns:inkml="http://www.w3.org/2003/InkML">
+  <inkml:definitions>
+    <inkml:context xml:id="ctx0">
+      <inkml:inkSource xml:id="inkSrc0">
+        <inkml:traceFormat>
+          <inkml:channel name="X" type="integer" min="-2.14748E9" max="2.14748E9" units="cm"/>
+          <inkml:channel name="Y" type="integer" min="-2.14748E9" max="2.14748E9" units="cm"/>
+          <inkml:channel name="F" type="integer" max="32767" units="dev"/>
+        </inkml:traceFormat>
+        <inkml:channelProperties>
+          <inkml:channelProperty channel="X" name="resolution" value="1000" units="1/cm"/>
+          <inkml:channelProperty channel="Y" name="resolution" value="1000" units="1/cm"/>
+          <inkml:channelProperty channel="F" name="resolution" value="0" units="1/dev"/>
+        </inkml:channelProperties>
+      </inkml:inkSource>
+      <inkml:timestamp xml:id="ts0" timeString="2023-09-08T14:40:20.394"/>
+    </inkml:context>
+    <inkml:brush xml:id="br0">
+      <inkml:brushProperty name="width" value="0.1" units="cm"/>
+      <inkml:brushProperty name="height" value="0.1" units="cm"/>
+      <inkml:brushProperty name="color" value="#008C3A"/>
+    </inkml:brush>
+  </inkml:definitions>
+  <inkml:trace contextRef="#ctx0" brushRef="#br0">1 0 24575,'12'6'0,"15"-1"0,25-5 0,8 0 0,3 0 0,-7 0 0,-17 0 0,-4 0 0,-11 0 0,-10 0 0,-4 0 0,-2 0 0,1 0 0,1 0 0,3 0 0,-3 0 0,-2 2 0,-4 7 0,-2 6 0,-2 4 0,0 2 0,0-1 0,0-1 0,0 2 0,0 0 0,0 0 0,0 4 0,0-1 0,0 2 0,0 4 0,0 5 0,0 7 0,0 5 0,0 0 0,0-1 0,0-6 0,0-8 0,0-3 0,0-7 0,0-4 0,0-6 0,0-5 0,0-1 0,0-1 0,1 2 0,2 0 0,0-2 0,-1-2 0</inkml:trace>
+</inkml:ink>
+</file>
+
+<file path=ppt/ink/ink39.xml><?xml version="1.0" encoding="utf-8"?>
+<inkml:ink xmlns:inkml="http://www.w3.org/2003/InkML">
+  <inkml:definitions>
+    <inkml:context xml:id="ctx0">
+      <inkml:inkSource xml:id="inkSrc0">
+        <inkml:traceFormat>
+          <inkml:channel name="X" type="integer" min="-2.14748E9" max="2.14748E9" units="cm"/>
+          <inkml:channel name="Y" type="integer" min="-2.14748E9" max="2.14748E9" units="cm"/>
+          <inkml:channel name="F" type="integer" max="32767" units="dev"/>
+        </inkml:traceFormat>
+        <inkml:channelProperties>
+          <inkml:channelProperty channel="X" name="resolution" value="1000" units="1/cm"/>
+          <inkml:channelProperty channel="Y" name="resolution" value="1000" units="1/cm"/>
+          <inkml:channelProperty channel="F" name="resolution" value="0" units="1/dev"/>
+        </inkml:channelProperties>
+      </inkml:inkSource>
+      <inkml:timestamp xml:id="ts0" timeString="2023-09-08T14:40:20.395"/>
+    </inkml:context>
+    <inkml:brush xml:id="br0">
+      <inkml:brushProperty name="width" value="0.1" units="cm"/>
+      <inkml:brushProperty name="height" value="0.1" units="cm"/>
+      <inkml:brushProperty name="color" value="#008C3A"/>
+    </inkml:brush>
+  </inkml:definitions>
+  <inkml:trace contextRef="#ctx0" brushRef="#br0">0 0 24575,'18'0'0,"2"0"0,2 0 0,-5 0 0,-3 0 0,0 0 0,4 0 0,4 0 0,6 0 0,5 0 0,9 0 0,10 0 0,3 0 0,-6 0 0,-9 0 0,-13 0 0,-8 0 0,-7 0 0,-5 0 0,-5 0 0</inkml:trace>
 </inkml:ink>
 </file>
 
@@ -1047,7 +3862,7 @@
           <inkml:channelProperty channel="F" name="resolution" value="0" units="1/dev"/>
         </inkml:channelProperties>
       </inkml:inkSource>
-      <inkml:timestamp xml:id="ts0" timeString="2023-08-23T14:56:43.751"/>
+      <inkml:timestamp xml:id="ts0" timeString="2023-09-08T14:40:20.360"/>
     </inkml:context>
     <inkml:brush xml:id="br0">
       <inkml:brushProperty name="width" value="0.1" units="cm"/>
@@ -1055,7 +3870,63 @@
       <inkml:brushProperty name="color" value="#008C3A"/>
     </inkml:brush>
   </inkml:definitions>
-  <inkml:trace contextRef="#ctx0" brushRef="#br0">0 1 24575,'33'0'0,"4"0"0,5 0 0,6 0 0,2 0 0,-3 0 0,-5 2 0,-9 2 0,-9 4 0,-8 4 0,-7 0 0,-6-1 0,-3-2 0,0-2 0,-1 1 0,-5 2 0,-10 5 0,-8 6 0,-6 9 0,-1 9 0,0 7 0,0 7 0,0 4 0,0 4 0,4 2 0,3-5 0,6-8 0,6-13 0,4-14 0,2-13 0,0-18 0,3 5 0,0-8 0</inkml:trace>
+  <inkml:trace contextRef="#ctx0" brushRef="#br0">291 0 24575,'0'100'0,"0"-17"0,0 11 0,0-6 0,0 7 0,0 4-768,0 18 1,0 6-1,0 2 768,0 6 0,0 3 0,0 1 0,0-31 0,0 2 0,0 0 0,0-1 0,0 2 0,0-1 0,0 0 0,0 0 0,0 0 0,0 1 0,0-1 0,0-2 0,0 28 0,0-2 0,0-3 0,0-7 0,0-2 0,0-1 7,0-7 0,0-1 0,0-2-7,0-8 0,0-1 0,0 0 0,0-1 0,0 0 0,0-1 0,0-4 0,0 0 0,0-1 0,0 41 0,0-4 272,-2-11 1,0-4-273,0-12 0,0-6 0,0-17 0,0-4 0,-1 58 1152,-1-1-1152,2-64 0,-1 3 292,-1 6 1,-1 2-293,0 3 0,-1 0 0,2 2 0,0 0 0,0 1 0,0-1 0,0 0 0,0 0 0,2-2 0,0-1 0,0-2 0,0-3 0,1-3 0,1-2 0,0 52 0,0-17 0,0-9 0,0-6 0,0-4 0,0-2 0,0-16 0,0-14 0,0-7 0,0-4 0,0 16 0,0 6 0,0-2 0,0-7 0,0-16 0,0-5 0,0-7 0,0-6 0,-2-9 0,-2-6 0,-7-5 0,-6-2 0,-8 0 0,-3-3 0,0-5 0,2-7 0,8-5 0,4 2 0,4 3 0,3 6 0,0 5 0,1 2 0,-1 2 0,4 0 0,15 0 0,17 4 0,11 4 0,11 1 0,0 0 0,-6-5 0,1-3 0,-8-1 0,-2 0 0,2 0 0,4 0 0,1 0 0,-1 4 0,-4 0 0,-8 1 0,-22-4 0,-42-6 0,15 1 0,-23-1 0</inkml:trace>
+</inkml:ink>
+</file>
+
+<file path=ppt/ink/ink40.xml><?xml version="1.0" encoding="utf-8"?>
+<inkml:ink xmlns:inkml="http://www.w3.org/2003/InkML">
+  <inkml:definitions>
+    <inkml:context xml:id="ctx0">
+      <inkml:inkSource xml:id="inkSrc0">
+        <inkml:traceFormat>
+          <inkml:channel name="X" type="integer" min="-2.14748E9" max="2.14748E9" units="cm"/>
+          <inkml:channel name="Y" type="integer" min="-2.14748E9" max="2.14748E9" units="cm"/>
+          <inkml:channel name="F" type="integer" max="32767" units="dev"/>
+        </inkml:traceFormat>
+        <inkml:channelProperties>
+          <inkml:channelProperty channel="X" name="resolution" value="1000" units="1/cm"/>
+          <inkml:channelProperty channel="Y" name="resolution" value="1000" units="1/cm"/>
+          <inkml:channelProperty channel="F" name="resolution" value="0" units="1/dev"/>
+        </inkml:channelProperties>
+      </inkml:inkSource>
+      <inkml:timestamp xml:id="ts0" timeString="2023-09-08T14:40:20.396"/>
+    </inkml:context>
+    <inkml:brush xml:id="br0">
+      <inkml:brushProperty name="width" value="0.1" units="cm"/>
+      <inkml:brushProperty name="height" value="0.1" units="cm"/>
+      <inkml:brushProperty name="color" value="#008C3A"/>
+    </inkml:brush>
+  </inkml:definitions>
+  <inkml:trace contextRef="#ctx0" brushRef="#br0">1 36 24575,'48'0'0,"26"0"0,25 0 0,0 0 0,-47 0 0,0 0 0,38 0 0,-4 0 0,-6 0 0,-22 0 0,-11 0 0,-6 0 0,-2 0 0,-3 0 0,-6 0 0,-8 0 0,-9-2 0,-12-12 0,-1 8 0,-6-7 0</inkml:trace>
+</inkml:ink>
+</file>
+
+<file path=ppt/ink/ink41.xml><?xml version="1.0" encoding="utf-8"?>
+<inkml:ink xmlns:inkml="http://www.w3.org/2003/InkML">
+  <inkml:definitions>
+    <inkml:context xml:id="ctx0">
+      <inkml:inkSource xml:id="inkSrc0">
+        <inkml:traceFormat>
+          <inkml:channel name="X" type="integer" min="-2.14748E9" max="2.14748E9" units="cm"/>
+          <inkml:channel name="Y" type="integer" min="-2.14748E9" max="2.14748E9" units="cm"/>
+          <inkml:channel name="F" type="integer" max="32767" units="dev"/>
+        </inkml:traceFormat>
+        <inkml:channelProperties>
+          <inkml:channelProperty channel="X" name="resolution" value="1000" units="1/cm"/>
+          <inkml:channelProperty channel="Y" name="resolution" value="1000" units="1/cm"/>
+          <inkml:channelProperty channel="F" name="resolution" value="0" units="1/dev"/>
+        </inkml:channelProperties>
+      </inkml:inkSource>
+      <inkml:timestamp xml:id="ts0" timeString="2023-09-08T14:40:20.397"/>
+    </inkml:context>
+    <inkml:brush xml:id="br0">
+      <inkml:brushProperty name="width" value="0.1" units="cm"/>
+      <inkml:brushProperty name="height" value="0.1" units="cm"/>
+      <inkml:brushProperty name="color" value="#008C3A"/>
+    </inkml:brush>
+  </inkml:definitions>
+  <inkml:trace contextRef="#ctx0" brushRef="#br0">1 0 24575,'11'0'0,"3"0"0,0 0 0,0 0 0,0 0 0,1 0 0,0 0 0,1 0 0,1 0 0,2 0 0,7 0 0,6 0 0,0 0 0,-3 0 0,-3 0 0,-3 0 0,-4 3 0,-6 2 0,-7 4 0,-4 2 0,-2 0 0,0 1 0,0 3 0,-1 1 0,-2 2 0,-6 3 0,-3-2 0,-3 0 0,3-2 0,0-2 0,-1 2 0,-1 2 0,-4-2 0,1 0 0,1-2 0,3-3 0,5-3 0,5-2 0,0-1 0,-1 0 0,1 0 0,3-2 0,6-3 0,6-5 0,1-2 0,3-3 0,2-3 0,-1 1 0,4-1 0,-3 0 0,-1 3 0,0 1 0,0 3 0,0-1 0,1 1 0,-2 2 0,4 0 0,1 3 0,1 0 0,-2 0 0,-6 0 0,-3 0 0,-2 0 0,-1 1 0,0 6 0,0 3 0,0 7 0,-2 1 0,-3-1 0,-2 0 0,-1-2 0,0 1 0,0 1 0,0 0 0,0-2 0,0-1 0,0 0 0,0 0 0,0 1 0,-2-3 0,-3-2 0,-1-2 0,-3-1 0,3 0 0,-3-1 0,0-1 0,-2 3 0,-2-2 0,2 2 0,-1-2 0,2 0 0,2 0 0,1-3 0,3 2 0,1-1 0,2-1 0,1-1 0</inkml:trace>
 </inkml:ink>
 </file>
 
@@ -1075,7 +3946,7 @@
           <inkml:channelProperty channel="F" name="resolution" value="0" units="1/dev"/>
         </inkml:channelProperties>
       </inkml:inkSource>
-      <inkml:timestamp xml:id="ts0" timeString="2023-08-23T14:56:46.164"/>
+      <inkml:timestamp xml:id="ts0" timeString="2023-09-08T14:40:20.361"/>
     </inkml:context>
     <inkml:brush xml:id="br0">
       <inkml:brushProperty name="width" value="0.1" units="cm"/>
@@ -1083,7 +3954,119 @@
       <inkml:brushProperty name="color" value="#008C3A"/>
     </inkml:brush>
   </inkml:definitions>
-  <inkml:trace contextRef="#ctx0" brushRef="#br0">7 231 24575,'-4'-15'0,"1"2"0,3 2 0,0 2 0,0 1 0,0-5 0,2-6 0,4-8 0,3-8 0,2 5 0,0 6 0,-3 9 0,0 8 0,-1 3 0,-1 4 0,1 0 0,1 0 0,3 0 0,3 0 0,6 0 0,6 0 0,5 0 0,1 0 0,-4 0 0,-5 0 0,-4 3 0,-1 4 0,2 6 0,3 3 0,2 0 0,-2 2 0,-3 1 0,-2 2 0,-4 1 0,-4-1 0,-5-2 0,-4-1 0,-1-2 0,0-1 0,-2 2 0,-4 1 0,-3 2 0,-6 4 0,-3 2 0,-7 1 0,-2 0 0,-1-1 0,0-2 0,2-3 0,1 0 0,0-1 0,0 4 0,-3 3 0,0 1 0,0 2 0,4-2 0,6-6 0,6-2 0,7-6 0,4-2 0,1-2 0,0-3 0,1-3 0,4-2 0,5-1 0,7-1 0,5 0 0,5 0 0,1 0 0,2 0 0,2 0 0,3 0 0,4-3 0,4-1 0,1-1 0,-2-1 0,-4 2 0,-6-1 0,-5 2 0,-7 1 0,-6 0 0,-6 2 0,-3 0 0</inkml:trace>
+  <inkml:trace contextRef="#ctx0" brushRef="#br0">699 0 24575,'-42'0'0,"-6"0"0,-8 0 0,8 0 0,9 0 0,10 0 0,7 0 0,1 0 0,6 0 0,-2 0 0,-5 0 0,-14 0 0,-20 0 0,-12 0 0,1 1 0,13 3 0,21 2 0,16 0 0,10-1 0,5-3 0</inkml:trace>
+</inkml:ink>
+</file>
+
+<file path=ppt/ink/ink6.xml><?xml version="1.0" encoding="utf-8"?>
+<inkml:ink xmlns:inkml="http://www.w3.org/2003/InkML">
+  <inkml:definitions>
+    <inkml:context xml:id="ctx0">
+      <inkml:inkSource xml:id="inkSrc0">
+        <inkml:traceFormat>
+          <inkml:channel name="X" type="integer" min="-2.14748E9" max="2.14748E9" units="cm"/>
+          <inkml:channel name="Y" type="integer" min="-2.14748E9" max="2.14748E9" units="cm"/>
+          <inkml:channel name="F" type="integer" max="32767" units="dev"/>
+        </inkml:traceFormat>
+        <inkml:channelProperties>
+          <inkml:channelProperty channel="X" name="resolution" value="1000" units="1/cm"/>
+          <inkml:channelProperty channel="Y" name="resolution" value="1000" units="1/cm"/>
+          <inkml:channelProperty channel="F" name="resolution" value="0" units="1/dev"/>
+        </inkml:channelProperties>
+      </inkml:inkSource>
+      <inkml:timestamp xml:id="ts0" timeString="2023-09-08T14:40:20.362"/>
+    </inkml:context>
+    <inkml:brush xml:id="br0">
+      <inkml:brushProperty name="width" value="0.1" units="cm"/>
+      <inkml:brushProperty name="height" value="0.1" units="cm"/>
+      <inkml:brushProperty name="color" value="#008C3A"/>
+    </inkml:brush>
+  </inkml:definitions>
+  <inkml:trace contextRef="#ctx0" brushRef="#br0">291 0 24575,'0'50'0,"0"-9"0,0 6 0,0-3 0,0 4 0,0 1-768,0 10 1,0 2-1,0 1 768,0 4 0,0 0 0,0 2 0,0-16 0,0 1 0,0 0 0,0-1 0,0 1 0,0 0 0,0 0 0,0 0 0,0 0 0,0 1 0,0-2 0,0 1 0,0 12 0,0 0 0,0-1 0,0-4 0,0-1 0,0-1 7,0-3 0,0-1 0,0-1-7,0-3 0,0-1 0,0 0 0,0-1 0,0 0 0,0 0 0,0-1 0,0-1 0,0-1 0,0 21 0,0-2 272,-2-6 1,0-1-273,0-7 0,0-3 0,0-8 0,0-2 0,-1 29 1152,-1-1-1152,2-31 0,-1 1 292,-1 3 1,-1 1-293,0 1 0,-1 1 0,2 0 0,0 1 0,0-1 0,0 1 0,0-1 0,0 1 0,2-2 0,0 0 0,0-1 0,0-1 0,1-3 0,1 0 0,0 26 0,0-8 0,0-5 0,0-3 0,0-3 0,0 0 0,0-8 0,0-7 0,0-3 0,0-3 0,0 9 0,0 2 0,0 0 0,0-5 0,0-6 0,0-4 0,0-3 0,0-3 0,-2-4 0,-2-4 0,-7-2 0,-6-1 0,-8 0 0,-3-2 0,0-2 0,2-3 0,8-3 0,4 1 0,4 2 0,3 2 0,0 3 0,1 1 0,-1 1 0,4 0 0,15 0 0,17 2 0,11 2 0,11 1 0,0-1 0,-6-2 0,1-1 0,-8-1 0,-2 0 0,2 0 0,4 0 0,1 0 0,-1 2 0,-4 0 0,-8 0 0,-22-1 0,-42-4 0,15 1 0,-23 0 0</inkml:trace>
+</inkml:ink>
+</file>
+
+<file path=ppt/ink/ink7.xml><?xml version="1.0" encoding="utf-8"?>
+<inkml:ink xmlns:inkml="http://www.w3.org/2003/InkML">
+  <inkml:definitions>
+    <inkml:context xml:id="ctx0">
+      <inkml:inkSource xml:id="inkSrc0">
+        <inkml:traceFormat>
+          <inkml:channel name="X" type="integer" min="-2.14748E9" max="2.14748E9" units="cm"/>
+          <inkml:channel name="Y" type="integer" min="-2.14748E9" max="2.14748E9" units="cm"/>
+          <inkml:channel name="F" type="integer" max="32767" units="dev"/>
+        </inkml:traceFormat>
+        <inkml:channelProperties>
+          <inkml:channelProperty channel="X" name="resolution" value="1000" units="1/cm"/>
+          <inkml:channelProperty channel="Y" name="resolution" value="1000" units="1/cm"/>
+          <inkml:channelProperty channel="F" name="resolution" value="0" units="1/dev"/>
+        </inkml:channelProperties>
+      </inkml:inkSource>
+      <inkml:timestamp xml:id="ts0" timeString="2023-09-08T14:40:20.363"/>
+    </inkml:context>
+    <inkml:brush xml:id="br0">
+      <inkml:brushProperty name="width" value="0.1" units="cm"/>
+      <inkml:brushProperty name="height" value="0.1" units="cm"/>
+      <inkml:brushProperty name="color" value="#008C3A"/>
+    </inkml:brush>
+  </inkml:definitions>
+  <inkml:trace contextRef="#ctx0" brushRef="#br0">699 0 24575,'-42'0'0,"-6"0"0,-8 0 0,8 0 0,9 0 0,10 0 0,7 0 0,1 0 0,6 0 0,-2 0 0,-5 0 0,-14 0 0,-20 0 0,-12 0 0,1 1 0,13 3 0,21 2 0,16 0 0,10-1 0,5-3 0</inkml:trace>
+</inkml:ink>
+</file>
+
+<file path=ppt/ink/ink8.xml><?xml version="1.0" encoding="utf-8"?>
+<inkml:ink xmlns:inkml="http://www.w3.org/2003/InkML">
+  <inkml:definitions>
+    <inkml:context xml:id="ctx0">
+      <inkml:inkSource xml:id="inkSrc0">
+        <inkml:traceFormat>
+          <inkml:channel name="X" type="integer" min="-2.14748E9" max="2.14748E9" units="cm"/>
+          <inkml:channel name="Y" type="integer" min="-2.14748E9" max="2.14748E9" units="cm"/>
+          <inkml:channel name="F" type="integer" max="32767" units="dev"/>
+        </inkml:traceFormat>
+        <inkml:channelProperties>
+          <inkml:channelProperty channel="X" name="resolution" value="1000" units="1/cm"/>
+          <inkml:channelProperty channel="Y" name="resolution" value="1000" units="1/cm"/>
+          <inkml:channelProperty channel="F" name="resolution" value="0" units="1/dev"/>
+        </inkml:channelProperties>
+      </inkml:inkSource>
+      <inkml:timestamp xml:id="ts0" timeString="2023-09-08T14:40:20.364"/>
+    </inkml:context>
+    <inkml:brush xml:id="br0">
+      <inkml:brushProperty name="width" value="0.1" units="cm"/>
+      <inkml:brushProperty name="height" value="0.1" units="cm"/>
+      <inkml:brushProperty name="color" value="#008C3A"/>
+    </inkml:brush>
+  </inkml:definitions>
+  <inkml:trace contextRef="#ctx0" brushRef="#br0">291 0 24575,'0'50'0,"0"-9"0,0 6 0,0-3 0,0 4 0,0 1-768,0 10 1,0 2-1,0 1 768,0 4 0,0 0 0,0 2 0,0-16 0,0 1 0,0 0 0,0-1 0,0 1 0,0 0 0,0 0 0,0 0 0,0 0 0,0 1 0,0-2 0,0 1 0,0 12 0,0 0 0,0-1 0,0-4 0,0-1 0,0-1 7,0-3 0,0-1 0,0-1-7,0-3 0,0-1 0,0 0 0,0-1 0,0 0 0,0 0 0,0-1 0,0-1 0,0-1 0,0 21 0,0-2 272,-2-6 1,0-1-273,0-7 0,0-3 0,0-8 0,0-2 0,-1 29 1152,-1-1-1152,2-31 0,-1 1 292,-1 3 1,-1 1-293,0 1 0,-1 1 0,2 0 0,0 1 0,0-1 0,0 1 0,0-1 0,0 1 0,2-2 0,0 0 0,0-1 0,0-1 0,1-3 0,1 0 0,0 26 0,0-8 0,0-5 0,0-3 0,0-3 0,0 0 0,0-8 0,0-7 0,0-3 0,0-3 0,0 9 0,0 2 0,0 0 0,0-5 0,0-6 0,0-4 0,0-3 0,0-3 0,-2-4 0,-2-4 0,-7-2 0,-6-1 0,-8 0 0,-3-2 0,0-2 0,2-3 0,8-3 0,4 1 0,4 2 0,3 2 0,0 3 0,1 1 0,-1 1 0,4 0 0,15 0 0,17 2 0,11 2 0,11 1 0,0-1 0,-6-2 0,1-1 0,-8-1 0,-2 0 0,2 0 0,4 0 0,1 0 0,-1 2 0,-4 0 0,-8 0 0,-22-1 0,-42-4 0,15 1 0,-23 0 0</inkml:trace>
+</inkml:ink>
+</file>
+
+<file path=ppt/ink/ink9.xml><?xml version="1.0" encoding="utf-8"?>
+<inkml:ink xmlns:inkml="http://www.w3.org/2003/InkML">
+  <inkml:definitions>
+    <inkml:context xml:id="ctx0">
+      <inkml:inkSource xml:id="inkSrc0">
+        <inkml:traceFormat>
+          <inkml:channel name="X" type="integer" min="-2.14748E9" max="2.14748E9" units="cm"/>
+          <inkml:channel name="Y" type="integer" min="-2.14748E9" max="2.14748E9" units="cm"/>
+          <inkml:channel name="F" type="integer" max="32767" units="dev"/>
+        </inkml:traceFormat>
+        <inkml:channelProperties>
+          <inkml:channelProperty channel="X" name="resolution" value="1000" units="1/cm"/>
+          <inkml:channelProperty channel="Y" name="resolution" value="1000" units="1/cm"/>
+          <inkml:channelProperty channel="F" name="resolution" value="0" units="1/dev"/>
+        </inkml:channelProperties>
+      </inkml:inkSource>
+      <inkml:timestamp xml:id="ts0" timeString="2023-09-08T14:40:20.365"/>
+    </inkml:context>
+    <inkml:brush xml:id="br0">
+      <inkml:brushProperty name="width" value="0.1" units="cm"/>
+      <inkml:brushProperty name="height" value="0.1" units="cm"/>
+      <inkml:brushProperty name="color" value="#008C3A"/>
+    </inkml:brush>
+  </inkml:definitions>
+  <inkml:trace contextRef="#ctx0" brushRef="#br0">1 1 24575,'35'0'0,"30"0"0,30 0 0,-37 0 0,-1 0 0,41 0 0,-24 0 0,-24 0 0,-30 0 0,-7 0 0</inkml:trace>
 </inkml:ink>
 </file>
 
@@ -1218,7 +4201,7 @@
           <a:p>
             <a:fld id="{54B5EF71-3848-8048-B7D2-636D112955BB}" type="datetimeFigureOut">
               <a:rPr lang="en-AT" smtClean="0"/>
-              <a:t>07.09.23</a:t>
+              <a:t>08.09.23</a:t>
             </a:fld>
             <a:endParaRPr lang="en-AT"/>
           </a:p>
@@ -1388,7 +4371,7 @@
           <a:p>
             <a:fld id="{54B5EF71-3848-8048-B7D2-636D112955BB}" type="datetimeFigureOut">
               <a:rPr lang="en-AT" smtClean="0"/>
-              <a:t>07.09.23</a:t>
+              <a:t>08.09.23</a:t>
             </a:fld>
             <a:endParaRPr lang="en-AT"/>
           </a:p>
@@ -1568,7 +4551,7 @@
           <a:p>
             <a:fld id="{54B5EF71-3848-8048-B7D2-636D112955BB}" type="datetimeFigureOut">
               <a:rPr lang="en-AT" smtClean="0"/>
-              <a:t>07.09.23</a:t>
+              <a:t>08.09.23</a:t>
             </a:fld>
             <a:endParaRPr lang="en-AT"/>
           </a:p>
@@ -1738,7 +4721,7 @@
           <a:p>
             <a:fld id="{54B5EF71-3848-8048-B7D2-636D112955BB}" type="datetimeFigureOut">
               <a:rPr lang="en-AT" smtClean="0"/>
-              <a:t>07.09.23</a:t>
+              <a:t>08.09.23</a:t>
             </a:fld>
             <a:endParaRPr lang="en-AT"/>
           </a:p>
@@ -1982,7 +4965,7 @@
           <a:p>
             <a:fld id="{54B5EF71-3848-8048-B7D2-636D112955BB}" type="datetimeFigureOut">
               <a:rPr lang="en-AT" smtClean="0"/>
-              <a:t>07.09.23</a:t>
+              <a:t>08.09.23</a:t>
             </a:fld>
             <a:endParaRPr lang="en-AT"/>
           </a:p>
@@ -2214,7 +5197,7 @@
           <a:p>
             <a:fld id="{54B5EF71-3848-8048-B7D2-636D112955BB}" type="datetimeFigureOut">
               <a:rPr lang="en-AT" smtClean="0"/>
-              <a:t>07.09.23</a:t>
+              <a:t>08.09.23</a:t>
             </a:fld>
             <a:endParaRPr lang="en-AT"/>
           </a:p>
@@ -2581,7 +5564,7 @@
           <a:p>
             <a:fld id="{54B5EF71-3848-8048-B7D2-636D112955BB}" type="datetimeFigureOut">
               <a:rPr lang="en-AT" smtClean="0"/>
-              <a:t>07.09.23</a:t>
+              <a:t>08.09.23</a:t>
             </a:fld>
             <a:endParaRPr lang="en-AT"/>
           </a:p>
@@ -2699,7 +5682,7 @@
           <a:p>
             <a:fld id="{54B5EF71-3848-8048-B7D2-636D112955BB}" type="datetimeFigureOut">
               <a:rPr lang="en-AT" smtClean="0"/>
-              <a:t>07.09.23</a:t>
+              <a:t>08.09.23</a:t>
             </a:fld>
             <a:endParaRPr lang="en-AT"/>
           </a:p>
@@ -2794,7 +5777,7 @@
           <a:p>
             <a:fld id="{54B5EF71-3848-8048-B7D2-636D112955BB}" type="datetimeFigureOut">
               <a:rPr lang="en-AT" smtClean="0"/>
-              <a:t>07.09.23</a:t>
+              <a:t>08.09.23</a:t>
             </a:fld>
             <a:endParaRPr lang="en-AT"/>
           </a:p>
@@ -3071,7 +6054,7 @@
           <a:p>
             <a:fld id="{54B5EF71-3848-8048-B7D2-636D112955BB}" type="datetimeFigureOut">
               <a:rPr lang="en-AT" smtClean="0"/>
-              <a:t>07.09.23</a:t>
+              <a:t>08.09.23</a:t>
             </a:fld>
             <a:endParaRPr lang="en-AT"/>
           </a:p>
@@ -3328,7 +6311,7 @@
           <a:p>
             <a:fld id="{54B5EF71-3848-8048-B7D2-636D112955BB}" type="datetimeFigureOut">
               <a:rPr lang="en-AT" smtClean="0"/>
-              <a:t>07.09.23</a:t>
+              <a:t>08.09.23</a:t>
             </a:fld>
             <a:endParaRPr lang="en-AT"/>
           </a:p>
@@ -3541,7 +6524,7 @@
           <a:p>
             <a:fld id="{54B5EF71-3848-8048-B7D2-636D112955BB}" type="datetimeFigureOut">
               <a:rPr lang="en-AT" smtClean="0"/>
-              <a:t>07.09.23</a:t>
+              <a:t>08.09.23</a:t>
             </a:fld>
             <a:endParaRPr lang="en-AT"/>
           </a:p>
@@ -3948,10 +6931,10 @@
       </p:grpSpPr>
       <p:pic>
         <p:nvPicPr>
-          <p:cNvPr id="17" name="Picture 16">
+          <p:cNvPr id="1194" name="Picture 1193">
             <a:extLst>
               <a:ext uri="{FF2B5EF4-FFF2-40B4-BE49-F238E27FC236}">
-                <a16:creationId xmlns:a16="http://schemas.microsoft.com/office/drawing/2014/main" id="{703519A5-B8FC-10B6-29ED-A10C2A653AC2}"/>
+                <a16:creationId xmlns:a16="http://schemas.microsoft.com/office/drawing/2014/main" id="{6F692ABD-1334-5D46-DCBC-DFA6307E29F7}"/>
               </a:ext>
             </a:extLst>
           </p:cNvPr>
@@ -3968,207 +6951,74 @@
         </p:blipFill>
         <p:spPr>
           <a:xfrm>
-            <a:off x="6938017" y="3998646"/>
-            <a:ext cx="5931156" cy="2993825"/>
+            <a:off x="7313142" y="7034874"/>
+            <a:ext cx="3200400" cy="2463800"/>
           </a:xfrm>
           <a:prstGeom prst="rect">
             <a:avLst/>
           </a:prstGeom>
         </p:spPr>
       </p:pic>
-      <p:sp>
-        <p:nvSpPr>
-          <p:cNvPr id="60" name="TextBox 59">
+      <p:pic>
+        <p:nvPicPr>
+          <p:cNvPr id="1190" name="Picture 1189">
             <a:extLst>
               <a:ext uri="{FF2B5EF4-FFF2-40B4-BE49-F238E27FC236}">
-                <a16:creationId xmlns:a16="http://schemas.microsoft.com/office/drawing/2014/main" id="{DD6F6AEF-21D4-0F1A-4ADB-63F46D5A8C60}"/>
+                <a16:creationId xmlns:a16="http://schemas.microsoft.com/office/drawing/2014/main" id="{56F3B984-FF4B-64DE-95A6-A651563B72D1}"/>
               </a:ext>
             </a:extLst>
           </p:cNvPr>
-          <p:cNvSpPr txBox="1"/>
+          <p:cNvPicPr>
+            <a:picLocks noChangeAspect="1"/>
+          </p:cNvPicPr>
           <p:nvPr/>
-        </p:nvSpPr>
+        </p:nvPicPr>
+        <p:blipFill>
+          <a:blip r:embed="rId3"/>
+          <a:stretch>
+            <a:fillRect/>
+          </a:stretch>
+        </p:blipFill>
         <p:spPr>
           <a:xfrm>
-            <a:off x="7383194" y="4453594"/>
-            <a:ext cx="497890" cy="312827"/>
+            <a:off x="9137839" y="629282"/>
+            <a:ext cx="4572000" cy="3657600"/>
           </a:xfrm>
           <a:prstGeom prst="rect">
             <a:avLst/>
           </a:prstGeom>
-          <a:noFill/>
         </p:spPr>
-        <p:txBody>
-          <a:bodyPr wrap="none" rtlCol="0">
-            <a:spAutoFit/>
-          </a:bodyPr>
-          <a:lstStyle/>
-          <a:p>
-            <a:r>
-              <a:rPr lang="en-AT" dirty="0"/>
-              <a:t>1-15</a:t>
-            </a:r>
-          </a:p>
-        </p:txBody>
-      </p:sp>
-      <p:grpSp>
-        <p:nvGrpSpPr>
-          <p:cNvPr id="40" name="Group 39">
+      </p:pic>
+      <p:pic>
+        <p:nvPicPr>
+          <p:cNvPr id="1182" name="Picture 1181">
             <a:extLst>
               <a:ext uri="{FF2B5EF4-FFF2-40B4-BE49-F238E27FC236}">
-                <a16:creationId xmlns:a16="http://schemas.microsoft.com/office/drawing/2014/main" id="{21BF0814-F9EF-52EA-9B93-F3D4C78C48E5}"/>
+                <a16:creationId xmlns:a16="http://schemas.microsoft.com/office/drawing/2014/main" id="{3CB93B5B-8969-3036-1445-883F85F66B96}"/>
               </a:ext>
             </a:extLst>
           </p:cNvPr>
-          <p:cNvGrpSpPr/>
+          <p:cNvPicPr>
+            <a:picLocks noChangeAspect="1"/>
+          </p:cNvPicPr>
           <p:nvPr/>
-        </p:nvGrpSpPr>
-        <p:grpSpPr>
+        </p:nvPicPr>
+        <p:blipFill>
+          <a:blip r:embed="rId4"/>
+          <a:stretch>
+            <a:fillRect/>
+          </a:stretch>
+        </p:blipFill>
+        <p:spPr>
           <a:xfrm>
-            <a:off x="10433317" y="4283689"/>
-            <a:ext cx="2252865" cy="1549005"/>
-            <a:chOff x="10433317" y="4283689"/>
-            <a:chExt cx="2252865" cy="1549005"/>
+            <a:off x="7313793" y="4287482"/>
+            <a:ext cx="6400800" cy="2743200"/>
           </a:xfrm>
-        </p:grpSpPr>
-        <p:pic>
-          <p:nvPicPr>
-            <p:cNvPr id="25" name="Picture 24">
-              <a:extLst>
-                <a:ext uri="{FF2B5EF4-FFF2-40B4-BE49-F238E27FC236}">
-                  <a16:creationId xmlns:a16="http://schemas.microsoft.com/office/drawing/2014/main" id="{8F184515-8646-BD34-3030-D75B3BD58DDE}"/>
-                </a:ext>
-              </a:extLst>
-            </p:cNvPr>
-            <p:cNvPicPr>
-              <a:picLocks noChangeAspect="1"/>
-            </p:cNvPicPr>
-            <p:nvPr/>
-          </p:nvPicPr>
-          <p:blipFill>
-            <a:blip r:embed="rId3"/>
-            <a:stretch>
-              <a:fillRect/>
-            </a:stretch>
-          </p:blipFill>
-          <p:spPr>
-            <a:xfrm>
-              <a:off x="10433317" y="4283689"/>
-              <a:ext cx="2252865" cy="1549005"/>
-            </a:xfrm>
-            <a:prstGeom prst="rect">
-              <a:avLst/>
-            </a:prstGeom>
-            <a:ln>
-              <a:solidFill>
-                <a:schemeClr val="tx1"/>
-              </a:solidFill>
-            </a:ln>
-          </p:spPr>
-        </p:pic>
-        <mc:AlternateContent xmlns:mc="http://schemas.openxmlformats.org/markup-compatibility/2006">
-          <mc:Choice xmlns:p14="http://schemas.microsoft.com/office/powerpoint/2010/main" Requires="p14">
-            <p:contentPart p14:bwMode="auto" r:id="rId4">
-              <p14:nvContentPartPr>
-                <p14:cNvPr id="1090" name="Ink 1089">
-                  <a:extLst>
-                    <a:ext uri="{FF2B5EF4-FFF2-40B4-BE49-F238E27FC236}">
-                      <a16:creationId xmlns:a16="http://schemas.microsoft.com/office/drawing/2014/main" id="{21E21638-2C3C-466C-33C3-38BB219B148C}"/>
-                    </a:ext>
-                  </a:extLst>
-                </p14:cNvPr>
-                <p14:cNvContentPartPr/>
-                <p14:nvPr/>
-              </p14:nvContentPartPr>
-              <p14:xfrm>
-                <a:off x="10931045" y="4573429"/>
-                <a:ext cx="201634" cy="710469"/>
-              </p14:xfrm>
-            </p:contentPart>
-          </mc:Choice>
-          <mc:Fallback>
-            <p:pic>
-              <p:nvPicPr>
-                <p:cNvPr id="1090" name="Ink 1089">
-                  <a:extLst>
-                    <a:ext uri="{FF2B5EF4-FFF2-40B4-BE49-F238E27FC236}">
-                      <a16:creationId xmlns:a16="http://schemas.microsoft.com/office/drawing/2014/main" id="{21E21638-2C3C-466C-33C3-38BB219B148C}"/>
-                    </a:ext>
-                  </a:extLst>
-                </p:cNvPr>
-                <p:cNvPicPr/>
-                <p:nvPr/>
-              </p:nvPicPr>
-              <p:blipFill>
-                <a:blip r:embed="rId5"/>
-                <a:stretch>
-                  <a:fillRect/>
-                </a:stretch>
-              </p:blipFill>
-              <p:spPr>
-                <a:xfrm>
-                  <a:off x="10894975" y="4501446"/>
-                  <a:ext cx="273414" cy="854074"/>
-                </a:xfrm>
-                <a:prstGeom prst="rect">
-                  <a:avLst/>
-                </a:prstGeom>
-              </p:spPr>
-            </p:pic>
-          </mc:Fallback>
-        </mc:AlternateContent>
-        <mc:AlternateContent xmlns:mc="http://schemas.openxmlformats.org/markup-compatibility/2006">
-          <mc:Choice xmlns:p14="http://schemas.microsoft.com/office/powerpoint/2010/main" Requires="p14">
-            <p:contentPart p14:bwMode="auto" r:id="rId6">
-              <p14:nvContentPartPr>
-                <p14:cNvPr id="1091" name="Ink 1090">
-                  <a:extLst>
-                    <a:ext uri="{FF2B5EF4-FFF2-40B4-BE49-F238E27FC236}">
-                      <a16:creationId xmlns:a16="http://schemas.microsoft.com/office/drawing/2014/main" id="{3F9E9506-5080-9CD1-06F0-13FAB7E4B270}"/>
-                    </a:ext>
-                  </a:extLst>
-                </p14:cNvPr>
-                <p14:cNvContentPartPr/>
-                <p14:nvPr/>
-              </p14:nvContentPartPr>
-              <p14:xfrm>
-                <a:off x="12424381" y="4453594"/>
-                <a:ext cx="130087" cy="815362"/>
-              </p14:xfrm>
-            </p:contentPart>
-          </mc:Choice>
-          <mc:Fallback>
-            <p:pic>
-              <p:nvPicPr>
-                <p:cNvPr id="1091" name="Ink 1090">
-                  <a:extLst>
-                    <a:ext uri="{FF2B5EF4-FFF2-40B4-BE49-F238E27FC236}">
-                      <a16:creationId xmlns:a16="http://schemas.microsoft.com/office/drawing/2014/main" id="{3F9E9506-5080-9CD1-06F0-13FAB7E4B270}"/>
-                    </a:ext>
-                  </a:extLst>
-                </p:cNvPr>
-                <p:cNvPicPr/>
-                <p:nvPr/>
-              </p:nvPicPr>
-              <p:blipFill>
-                <a:blip r:embed="rId7"/>
-                <a:stretch>
-                  <a:fillRect/>
-                </a:stretch>
-              </p:blipFill>
-              <p:spPr>
-                <a:xfrm>
-                  <a:off x="12388445" y="4381629"/>
-                  <a:ext cx="201599" cy="958932"/>
-                </a:xfrm>
-                <a:prstGeom prst="rect">
-                  <a:avLst/>
-                </a:prstGeom>
-              </p:spPr>
-            </p:pic>
-          </mc:Fallback>
-        </mc:AlternateContent>
-      </p:grpSp>
+          <a:prstGeom prst="rect">
+            <a:avLst/>
+          </a:prstGeom>
+        </p:spPr>
+      </p:pic>
       <p:pic>
         <p:nvPicPr>
           <p:cNvPr id="1148" name="Picture 1147">
@@ -4184,73 +7034,15 @@
           <p:nvPr/>
         </p:nvPicPr>
         <p:blipFill>
-          <a:blip r:embed="rId8"/>
+          <a:blip r:embed="rId5"/>
           <a:stretch>
             <a:fillRect/>
           </a:stretch>
         </p:blipFill>
         <p:spPr>
           <a:xfrm>
-            <a:off x="432064" y="664100"/>
-            <a:ext cx="3902869" cy="3131700"/>
-          </a:xfrm>
-          <a:prstGeom prst="rect">
-            <a:avLst/>
-          </a:prstGeom>
-        </p:spPr>
-      </p:pic>
-      <p:pic>
-        <p:nvPicPr>
-          <p:cNvPr id="13" name="Picture 12">
-            <a:extLst>
-              <a:ext uri="{FF2B5EF4-FFF2-40B4-BE49-F238E27FC236}">
-                <a16:creationId xmlns:a16="http://schemas.microsoft.com/office/drawing/2014/main" id="{206981DF-FF6C-9028-78F8-007D5153767B}"/>
-              </a:ext>
-            </a:extLst>
-          </p:cNvPr>
-          <p:cNvPicPr>
-            <a:picLocks noChangeAspect="1"/>
-          </p:cNvPicPr>
-          <p:nvPr/>
-        </p:nvPicPr>
-        <p:blipFill rotWithShape="1">
-          <a:blip r:embed="rId9"/>
-          <a:srcRect b="25000"/>
-          <a:stretch/>
-        </p:blipFill>
-        <p:spPr>
-          <a:xfrm>
-            <a:off x="8173395" y="278088"/>
-            <a:ext cx="4749800" cy="3720558"/>
-          </a:xfrm>
-          <a:prstGeom prst="rect">
-            <a:avLst/>
-          </a:prstGeom>
-        </p:spPr>
-      </p:pic>
-      <p:pic>
-        <p:nvPicPr>
-          <p:cNvPr id="33" name="Picture 32">
-            <a:extLst>
-              <a:ext uri="{FF2B5EF4-FFF2-40B4-BE49-F238E27FC236}">
-                <a16:creationId xmlns:a16="http://schemas.microsoft.com/office/drawing/2014/main" id="{E20BF04C-F34A-09DF-7B13-D0FD8F05B989}"/>
-              </a:ext>
-            </a:extLst>
-          </p:cNvPr>
-          <p:cNvPicPr>
-            <a:picLocks noChangeAspect="1"/>
-          </p:cNvPicPr>
-          <p:nvPr/>
-        </p:nvPicPr>
-        <p:blipFill rotWithShape="1">
-          <a:blip r:embed="rId10"/>
-          <a:srcRect r="26539"/>
-          <a:stretch/>
-        </p:blipFill>
-        <p:spPr>
-          <a:xfrm>
-            <a:off x="6938017" y="6992471"/>
-            <a:ext cx="3095926" cy="1951566"/>
+            <a:off x="1238283" y="917696"/>
+            <a:ext cx="4121654" cy="3307256"/>
           </a:xfrm>
           <a:prstGeom prst="rect">
             <a:avLst/>
@@ -4271,7 +7063,7 @@
         </p:nvGrpSpPr>
         <p:grpSpPr>
           <a:xfrm>
-            <a:off x="10033943" y="7035937"/>
+            <a:off x="10633519" y="7227788"/>
             <a:ext cx="2965578" cy="1908100"/>
             <a:chOff x="8079380" y="650568"/>
             <a:chExt cx="3830763" cy="3522300"/>
@@ -4292,7 +7084,7 @@
             <p:nvPr/>
           </p:nvPicPr>
           <p:blipFill>
-            <a:blip r:embed="rId11">
+            <a:blip r:embed="rId6">
               <a:extLst>
                 <a:ext uri="{28A0092B-C50C-407E-A947-70E740481C1C}">
                   <a14:useLocalDpi xmlns:a14="http://schemas.microsoft.com/office/drawing/2010/main" val="0"/>
@@ -4370,305 +7162,36 @@
           </p:txBody>
         </p:sp>
       </p:grpSp>
-      <p:sp>
-        <p:nvSpPr>
-          <p:cNvPr id="58" name="TextBox 57">
+      <p:pic>
+        <p:nvPicPr>
+          <p:cNvPr id="35" name="Picture 34">
             <a:extLst>
               <a:ext uri="{FF2B5EF4-FFF2-40B4-BE49-F238E27FC236}">
-                <a16:creationId xmlns:a16="http://schemas.microsoft.com/office/drawing/2014/main" id="{793C26B4-04D3-8A35-DCB2-15C7079EACF3}"/>
+                <a16:creationId xmlns:a16="http://schemas.microsoft.com/office/drawing/2014/main" id="{FC544217-6974-6BE3-4698-E0D6D89ADDC0}"/>
               </a:ext>
             </a:extLst>
           </p:cNvPr>
-          <p:cNvSpPr txBox="1"/>
+          <p:cNvPicPr>
+            <a:picLocks noChangeAspect="1"/>
+          </p:cNvPicPr>
           <p:nvPr/>
-        </p:nvSpPr>
+        </p:nvPicPr>
+        <p:blipFill>
+          <a:blip r:embed="rId7"/>
+          <a:stretch>
+            <a:fillRect/>
+          </a:stretch>
+        </p:blipFill>
         <p:spPr>
           <a:xfrm>
-            <a:off x="12073781" y="1677748"/>
-            <a:ext cx="1216872" cy="369332"/>
+            <a:off x="5127005" y="737597"/>
+            <a:ext cx="4114800" cy="3657600"/>
           </a:xfrm>
           <a:prstGeom prst="rect">
             <a:avLst/>
           </a:prstGeom>
-          <a:noFill/>
         </p:spPr>
-        <p:txBody>
-          <a:bodyPr wrap="none" rtlCol="0">
-            <a:spAutoFit/>
-          </a:bodyPr>
-          <a:lstStyle/>
-          <a:p>
-            <a:r>
-              <a:rPr lang="en-AT" dirty="0">
-                <a:solidFill>
-                  <a:srgbClr val="C00000"/>
-                </a:solidFill>
-              </a:rPr>
-              <a:t>annotation</a:t>
-            </a:r>
-          </a:p>
-        </p:txBody>
-      </p:sp>
-      <p:grpSp>
-        <p:nvGrpSpPr>
-          <p:cNvPr id="18" name="Group 17">
-            <a:extLst>
-              <a:ext uri="{FF2B5EF4-FFF2-40B4-BE49-F238E27FC236}">
-                <a16:creationId xmlns:a16="http://schemas.microsoft.com/office/drawing/2014/main" id="{5475C27D-09E3-E9E0-EE36-38275E56FF6D}"/>
-              </a:ext>
-            </a:extLst>
-          </p:cNvPr>
-          <p:cNvGrpSpPr/>
-          <p:nvPr/>
-        </p:nvGrpSpPr>
-        <p:grpSpPr>
-          <a:xfrm>
-            <a:off x="4058595" y="21085"/>
-            <a:ext cx="4267461" cy="4045277"/>
-            <a:chOff x="3899633" y="127591"/>
-            <a:chExt cx="4267461" cy="4045277"/>
-          </a:xfrm>
-        </p:grpSpPr>
-        <p:pic>
-          <p:nvPicPr>
-            <p:cNvPr id="35" name="Picture 34">
-              <a:extLst>
-                <a:ext uri="{FF2B5EF4-FFF2-40B4-BE49-F238E27FC236}">
-                  <a16:creationId xmlns:a16="http://schemas.microsoft.com/office/drawing/2014/main" id="{FC544217-6974-6BE3-4698-E0D6D89ADDC0}"/>
-                </a:ext>
-              </a:extLst>
-            </p:cNvPr>
-            <p:cNvPicPr>
-              <a:picLocks noChangeAspect="1"/>
-            </p:cNvPicPr>
-            <p:nvPr/>
-          </p:nvPicPr>
-          <p:blipFill>
-            <a:blip r:embed="rId12"/>
-            <a:stretch>
-              <a:fillRect/>
-            </a:stretch>
-          </p:blipFill>
-          <p:spPr>
-            <a:xfrm>
-              <a:off x="3899633" y="515268"/>
-              <a:ext cx="4114800" cy="3657600"/>
-            </a:xfrm>
-            <a:prstGeom prst="rect">
-              <a:avLst/>
-            </a:prstGeom>
-          </p:spPr>
-        </p:pic>
-        <mc:AlternateContent xmlns:mc="http://schemas.openxmlformats.org/markup-compatibility/2006">
-          <mc:Choice xmlns:p14="http://schemas.microsoft.com/office/powerpoint/2010/main" Requires="p14">
-            <p:contentPart p14:bwMode="auto" r:id="rId13">
-              <p14:nvContentPartPr>
-                <p14:cNvPr id="61" name="Ink 60">
-                  <a:extLst>
-                    <a:ext uri="{FF2B5EF4-FFF2-40B4-BE49-F238E27FC236}">
-                      <a16:creationId xmlns:a16="http://schemas.microsoft.com/office/drawing/2014/main" id="{CB41F05A-A7F0-7118-6735-F424A6558072}"/>
-                    </a:ext>
-                  </a:extLst>
-                </p14:cNvPr>
-                <p14:cNvContentPartPr/>
-                <p14:nvPr/>
-              </p14:nvContentPartPr>
-              <p14:xfrm>
-                <a:off x="7651574" y="1211174"/>
-                <a:ext cx="173160" cy="240840"/>
-              </p14:xfrm>
-            </p:contentPart>
-          </mc:Choice>
-          <mc:Fallback>
-            <p:pic>
-              <p:nvPicPr>
-                <p:cNvPr id="61" name="Ink 60">
-                  <a:extLst>
-                    <a:ext uri="{FF2B5EF4-FFF2-40B4-BE49-F238E27FC236}">
-                      <a16:creationId xmlns:a16="http://schemas.microsoft.com/office/drawing/2014/main" id="{CB41F05A-A7F0-7118-6735-F424A6558072}"/>
-                    </a:ext>
-                  </a:extLst>
-                </p:cNvPr>
-                <p:cNvPicPr/>
-                <p:nvPr/>
-              </p:nvPicPr>
-              <p:blipFill>
-                <a:blip r:embed="rId14"/>
-                <a:stretch>
-                  <a:fillRect/>
-                </a:stretch>
-              </p:blipFill>
-              <p:spPr>
-                <a:xfrm>
-                  <a:off x="7633574" y="1193201"/>
-                  <a:ext cx="208800" cy="276427"/>
-                </a:xfrm>
-                <a:prstGeom prst="rect">
-                  <a:avLst/>
-                </a:prstGeom>
-              </p:spPr>
-            </p:pic>
-          </mc:Fallback>
-        </mc:AlternateContent>
-        <p:grpSp>
-          <p:nvGrpSpPr>
-            <p:cNvPr id="1088" name="Group 1087">
-              <a:extLst>
-                <a:ext uri="{FF2B5EF4-FFF2-40B4-BE49-F238E27FC236}">
-                  <a16:creationId xmlns:a16="http://schemas.microsoft.com/office/drawing/2014/main" id="{1E9673F9-69F3-CB1B-E46C-54FB7A9FB24E}"/>
-                </a:ext>
-              </a:extLst>
-            </p:cNvPr>
-            <p:cNvGrpSpPr/>
-            <p:nvPr/>
-          </p:nvGrpSpPr>
-          <p:grpSpPr>
-            <a:xfrm>
-              <a:off x="7682894" y="1623014"/>
-              <a:ext cx="484200" cy="261000"/>
-              <a:chOff x="7682894" y="1623014"/>
-              <a:chExt cx="484200" cy="261000"/>
-            </a:xfrm>
-          </p:grpSpPr>
-          <mc:AlternateContent xmlns:mc="http://schemas.openxmlformats.org/markup-compatibility/2006" xmlns:p14="http://schemas.microsoft.com/office/powerpoint/2010/main">
-            <mc:Choice Requires="p14">
-              <p:contentPart p14:bwMode="auto" r:id="rId15">
-                <p14:nvContentPartPr>
-                  <p14:cNvPr id="62" name="Ink 61">
-                    <a:extLst>
-                      <a:ext uri="{FF2B5EF4-FFF2-40B4-BE49-F238E27FC236}">
-                        <a16:creationId xmlns:a16="http://schemas.microsoft.com/office/drawing/2014/main" id="{D9574DD4-BFAE-7653-0470-A63BFCCDC316}"/>
-                      </a:ext>
-                    </a:extLst>
-                  </p14:cNvPr>
-                  <p14:cNvContentPartPr/>
-                  <p14:nvPr/>
-                </p14:nvContentPartPr>
-                <p14:xfrm>
-                  <a:off x="7682894" y="1629494"/>
-                  <a:ext cx="138600" cy="232920"/>
-                </p14:xfrm>
-              </p:contentPart>
-            </mc:Choice>
-            <mc:Fallback xmlns="">
-              <p:pic>
-                <p:nvPicPr>
-                  <p:cNvPr id="62" name="Ink 61">
-                    <a:extLst>
-                      <a:ext uri="{FF2B5EF4-FFF2-40B4-BE49-F238E27FC236}">
-                        <a16:creationId xmlns:a16="http://schemas.microsoft.com/office/drawing/2014/main" id="{D9574DD4-BFAE-7653-0470-A63BFCCDC316}"/>
-                      </a:ext>
-                    </a:extLst>
-                  </p:cNvPr>
-                  <p:cNvPicPr/>
-                  <p:nvPr/>
-                </p:nvPicPr>
-                <p:blipFill>
-                  <a:blip r:embed="rId19"/>
-                  <a:stretch>
-                    <a:fillRect/>
-                  </a:stretch>
-                </p:blipFill>
-                <p:spPr>
-                  <a:xfrm>
-                    <a:off x="7664894" y="1611854"/>
-                    <a:ext cx="174240" cy="268560"/>
-                  </a:xfrm>
-                  <a:prstGeom prst="rect">
-                    <a:avLst/>
-                  </a:prstGeom>
-                </p:spPr>
-              </p:pic>
-            </mc:Fallback>
-          </mc:AlternateContent>
-          <mc:AlternateContent xmlns:mc="http://schemas.openxmlformats.org/markup-compatibility/2006" xmlns:p14="http://schemas.microsoft.com/office/powerpoint/2010/main">
-            <mc:Choice Requires="p14">
-              <p:contentPart p14:bwMode="auto" r:id="rId20">
-                <p14:nvContentPartPr>
-                  <p14:cNvPr id="63" name="Ink 62">
-                    <a:extLst>
-                      <a:ext uri="{FF2B5EF4-FFF2-40B4-BE49-F238E27FC236}">
-                        <a16:creationId xmlns:a16="http://schemas.microsoft.com/office/drawing/2014/main" id="{4EAC45FE-F604-128B-5312-402B3E64DA0F}"/>
-                      </a:ext>
-                    </a:extLst>
-                  </p14:cNvPr>
-                  <p14:cNvContentPartPr/>
-                  <p14:nvPr/>
-                </p14:nvContentPartPr>
-                <p14:xfrm>
-                  <a:off x="7958294" y="1623014"/>
-                  <a:ext cx="208800" cy="261000"/>
-                </p14:xfrm>
-              </p:contentPart>
-            </mc:Choice>
-            <mc:Fallback xmlns="">
-              <p:pic>
-                <p:nvPicPr>
-                  <p:cNvPr id="63" name="Ink 62">
-                    <a:extLst>
-                      <a:ext uri="{FF2B5EF4-FFF2-40B4-BE49-F238E27FC236}">
-                        <a16:creationId xmlns:a16="http://schemas.microsoft.com/office/drawing/2014/main" id="{4EAC45FE-F604-128B-5312-402B3E64DA0F}"/>
-                      </a:ext>
-                    </a:extLst>
-                  </p:cNvPr>
-                  <p:cNvPicPr/>
-                  <p:nvPr/>
-                </p:nvPicPr>
-                <p:blipFill>
-                  <a:blip r:embed="rId21"/>
-                  <a:stretch>
-                    <a:fillRect/>
-                  </a:stretch>
-                </p:blipFill>
-                <p:spPr>
-                  <a:xfrm>
-                    <a:off x="7940294" y="1605374"/>
-                    <a:ext cx="244440" cy="296640"/>
-                  </a:xfrm>
-                  <a:prstGeom prst="rect">
-                    <a:avLst/>
-                  </a:prstGeom>
-                </p:spPr>
-              </p:pic>
-            </mc:Fallback>
-          </mc:AlternateContent>
-        </p:grpSp>
-        <p:sp>
-          <p:nvSpPr>
-            <p:cNvPr id="1089" name="TextBox 1088">
-              <a:extLst>
-                <a:ext uri="{FF2B5EF4-FFF2-40B4-BE49-F238E27FC236}">
-                  <a16:creationId xmlns:a16="http://schemas.microsoft.com/office/drawing/2014/main" id="{9BE30149-81E6-5396-1A77-BA7BD30AEE78}"/>
-                </a:ext>
-              </a:extLst>
-            </p:cNvPr>
-            <p:cNvSpPr txBox="1"/>
-            <p:nvPr/>
-          </p:nvSpPr>
-          <p:spPr>
-            <a:xfrm>
-              <a:off x="5624623" y="127591"/>
-              <a:ext cx="995978" cy="369332"/>
-            </a:xfrm>
-            <a:prstGeom prst="rect">
-              <a:avLst/>
-            </a:prstGeom>
-            <a:noFill/>
-          </p:spPr>
-          <p:txBody>
-            <a:bodyPr wrap="none" rtlCol="0">
-              <a:spAutoFit/>
-            </a:bodyPr>
-            <a:lstStyle/>
-            <a:p>
-              <a:r>
-                <a:rPr lang="en-AT" dirty="0"/>
-                <a:t>freq plot</a:t>
-              </a:r>
-            </a:p>
-          </p:txBody>
-        </p:sp>
-      </p:grpSp>
+      </p:pic>
       <p:pic>
         <p:nvPicPr>
           <p:cNvPr id="21" name="Picture 20">
@@ -4684,23 +7207,21 @@
           <p:nvPr/>
         </p:nvPicPr>
         <p:blipFill>
-          <a:blip r:embed="rId22"/>
+          <a:blip r:embed="rId8"/>
           <a:stretch>
             <a:fillRect/>
           </a:stretch>
         </p:blipFill>
         <p:spPr>
           <a:xfrm>
-            <a:off x="385420" y="3949113"/>
+            <a:off x="912993" y="4287796"/>
             <a:ext cx="6400800" cy="4114800"/>
           </a:xfrm>
           <a:prstGeom prst="rect">
             <a:avLst/>
           </a:prstGeom>
           <a:ln>
-            <a:solidFill>
-              <a:srgbClr val="F5F1D4"/>
-            </a:solidFill>
+            <a:noFill/>
           </a:ln>
         </p:spPr>
       </p:pic>
@@ -4719,14 +7240,14 @@
           <p:nvPr/>
         </p:nvPicPr>
         <p:blipFill>
-          <a:blip r:embed="rId23"/>
+          <a:blip r:embed="rId9"/>
           <a:stretch>
             <a:fillRect/>
           </a:stretch>
         </p:blipFill>
         <p:spPr>
           <a:xfrm>
-            <a:off x="385420" y="8063913"/>
+            <a:off x="912993" y="8402596"/>
             <a:ext cx="6400800" cy="1092200"/>
           </a:xfrm>
           <a:prstGeom prst="rect">
@@ -4734,6 +7255,144 @@
           </a:prstGeom>
         </p:spPr>
       </p:pic>
+      <p:pic>
+        <p:nvPicPr>
+          <p:cNvPr id="1188" name="Picture 1187">
+            <a:extLst>
+              <a:ext uri="{FF2B5EF4-FFF2-40B4-BE49-F238E27FC236}">
+                <a16:creationId xmlns:a16="http://schemas.microsoft.com/office/drawing/2014/main" id="{A952F842-587F-A503-3640-9D7B90FB0C51}"/>
+              </a:ext>
+            </a:extLst>
+          </p:cNvPr>
+          <p:cNvPicPr>
+            <a:picLocks noChangeAspect="1"/>
+          </p:cNvPicPr>
+          <p:nvPr/>
+        </p:nvPicPr>
+        <p:blipFill>
+          <a:blip r:embed="rId10"/>
+          <a:stretch>
+            <a:fillRect/>
+          </a:stretch>
+        </p:blipFill>
+        <p:spPr>
+          <a:xfrm>
+            <a:off x="11224197" y="4359960"/>
+            <a:ext cx="2374900" cy="1549400"/>
+          </a:xfrm>
+          <a:prstGeom prst="rect">
+            <a:avLst/>
+          </a:prstGeom>
+          <a:ln>
+            <a:solidFill>
+              <a:schemeClr val="bg1">
+                <a:lumMod val="50000"/>
+              </a:schemeClr>
+            </a:solidFill>
+          </a:ln>
+        </p:spPr>
+      </p:pic>
+      <p:pic>
+        <p:nvPicPr>
+          <p:cNvPr id="1028" name="Picture 4" descr="To be continued&quot; Sticker for Sale by afstuff | Redbubble">
+            <a:extLst>
+              <a:ext uri="{FF2B5EF4-FFF2-40B4-BE49-F238E27FC236}">
+                <a16:creationId xmlns:a16="http://schemas.microsoft.com/office/drawing/2014/main" id="{573C9B83-E464-7E62-8D63-C0F6BF774B85}"/>
+              </a:ext>
+            </a:extLst>
+          </p:cNvPr>
+          <p:cNvPicPr>
+            <a:picLocks noChangeAspect="1" noChangeArrowheads="1"/>
+          </p:cNvPicPr>
+          <p:nvPr/>
+        </p:nvPicPr>
+        <p:blipFill>
+          <a:blip r:embed="rId11">
+            <a:clrChange>
+              <a:clrFrom>
+                <a:srgbClr val="F8F8F8"/>
+              </a:clrFrom>
+              <a:clrTo>
+                <a:srgbClr val="F8F8F8">
+                  <a:alpha val="0"/>
+                </a:srgbClr>
+              </a:clrTo>
+            </a:clrChange>
+            <a:extLst>
+              <a:ext uri="{28A0092B-C50C-407E-A947-70E740481C1C}">
+                <a14:useLocalDpi xmlns:a14="http://schemas.microsoft.com/office/drawing/2010/main" val="0"/>
+              </a:ext>
+            </a:extLst>
+          </a:blip>
+          <a:srcRect/>
+          <a:stretch>
+            <a:fillRect/>
+          </a:stretch>
+        </p:blipFill>
+        <p:spPr bwMode="auto">
+          <a:xfrm>
+            <a:off x="10661822" y="7794385"/>
+            <a:ext cx="1749825" cy="1749825"/>
+          </a:xfrm>
+          <a:prstGeom prst="rect">
+            <a:avLst/>
+          </a:prstGeom>
+          <a:noFill/>
+          <a:extLst>
+            <a:ext uri="{909E8E84-426E-40DD-AFC4-6F175D3DCCD1}">
+              <a14:hiddenFill xmlns:a14="http://schemas.microsoft.com/office/drawing/2010/main">
+                <a:solidFill>
+                  <a:srgbClr val="FFFFFF"/>
+                </a:solidFill>
+              </a14:hiddenFill>
+            </a:ext>
+          </a:extLst>
+        </p:spPr>
+      </p:pic>
+      <p:cxnSp>
+        <p:nvCxnSpPr>
+          <p:cNvPr id="1196" name="Straight Arrow Connector 1195">
+            <a:extLst>
+              <a:ext uri="{FF2B5EF4-FFF2-40B4-BE49-F238E27FC236}">
+                <a16:creationId xmlns:a16="http://schemas.microsoft.com/office/drawing/2014/main" id="{CF07D4C4-D49D-9C5C-D351-7BAE910612E6}"/>
+              </a:ext>
+            </a:extLst>
+          </p:cNvPr>
+          <p:cNvCxnSpPr/>
+          <p:nvPr/>
+        </p:nvCxnSpPr>
+        <p:spPr>
+          <a:xfrm>
+            <a:off x="8372475" y="6357938"/>
+            <a:ext cx="328613" cy="0"/>
+          </a:xfrm>
+          <a:prstGeom prst="straightConnector1">
+            <a:avLst/>
+          </a:prstGeom>
+          <a:ln>
+            <a:solidFill>
+              <a:schemeClr val="bg1">
+                <a:lumMod val="50000"/>
+              </a:schemeClr>
+            </a:solidFill>
+            <a:tailEnd type="triangle"/>
+          </a:ln>
+        </p:spPr>
+        <p:style>
+          <a:lnRef idx="1">
+            <a:schemeClr val="accent1"/>
+          </a:lnRef>
+          <a:fillRef idx="0">
+            <a:schemeClr val="accent1"/>
+          </a:fillRef>
+          <a:effectRef idx="0">
+            <a:schemeClr val="accent1"/>
+          </a:effectRef>
+          <a:fontRef idx="minor">
+            <a:schemeClr val="tx1"/>
+          </a:fontRef>
+        </p:style>
+      </p:cxnSp>
     </p:spTree>
     <p:extLst>
       <p:ext uri="{BB962C8B-B14F-4D97-AF65-F5344CB8AC3E}">
@@ -4748,6 +7407,2759 @@
 </file>
 
 <file path=ppt/slides/slide2.xml><?xml version="1.0" encoding="utf-8"?>
+<p:sld xmlns:a="http://schemas.openxmlformats.org/drawingml/2006/main" xmlns:r="http://schemas.openxmlformats.org/officeDocument/2006/relationships" xmlns:p="http://schemas.openxmlformats.org/presentationml/2006/main">
+  <p:cSld>
+    <p:spTree>
+      <p:nvGrpSpPr>
+        <p:cNvPr id="1" name=""/>
+        <p:cNvGrpSpPr/>
+        <p:nvPr/>
+      </p:nvGrpSpPr>
+      <p:grpSpPr>
+        <a:xfrm>
+          <a:off x="0" y="0"/>
+          <a:ext cx="0" cy="0"/>
+          <a:chOff x="0" y="0"/>
+          <a:chExt cx="0" cy="0"/>
+        </a:xfrm>
+      </p:grpSpPr>
+      <p:pic>
+        <p:nvPicPr>
+          <p:cNvPr id="2" name="Picture 1" descr="A collage of graphs and diagrams&#10;&#10;Description automatically generated">
+            <a:extLst>
+              <a:ext uri="{FF2B5EF4-FFF2-40B4-BE49-F238E27FC236}">
+                <a16:creationId xmlns:a16="http://schemas.microsoft.com/office/drawing/2014/main" id="{9E2D9E9E-6C60-220F-1EBB-A75FFEBD2336}"/>
+              </a:ext>
+            </a:extLst>
+          </p:cNvPr>
+          <p:cNvPicPr>
+            <a:picLocks noChangeAspect="1"/>
+          </p:cNvPicPr>
+          <p:nvPr/>
+        </p:nvPicPr>
+        <p:blipFill>
+          <a:blip r:embed="rId2"/>
+          <a:stretch>
+            <a:fillRect/>
+          </a:stretch>
+        </p:blipFill>
+        <p:spPr>
+          <a:xfrm>
+            <a:off x="1280435" y="1685242"/>
+            <a:ext cx="7772400" cy="5386223"/>
+          </a:xfrm>
+          <a:prstGeom prst="rect">
+            <a:avLst/>
+          </a:prstGeom>
+        </p:spPr>
+      </p:pic>
+      <p:sp>
+        <p:nvSpPr>
+          <p:cNvPr id="3" name="TextBox 2">
+            <a:extLst>
+              <a:ext uri="{FF2B5EF4-FFF2-40B4-BE49-F238E27FC236}">
+                <a16:creationId xmlns:a16="http://schemas.microsoft.com/office/drawing/2014/main" id="{B89202F1-9685-F787-11A7-A54BD75DDD3C}"/>
+              </a:ext>
+            </a:extLst>
+          </p:cNvPr>
+          <p:cNvSpPr txBox="1"/>
+          <p:nvPr/>
+        </p:nvSpPr>
+        <p:spPr>
+          <a:xfrm>
+            <a:off x="552298" y="2501056"/>
+            <a:ext cx="301686" cy="369332"/>
+          </a:xfrm>
+          <a:prstGeom prst="rect">
+            <a:avLst/>
+          </a:prstGeom>
+          <a:noFill/>
+        </p:spPr>
+        <p:txBody>
+          <a:bodyPr wrap="none" rtlCol="0">
+            <a:spAutoFit/>
+          </a:bodyPr>
+          <a:lstStyle/>
+          <a:p>
+            <a:r>
+              <a:rPr lang="en-AT" dirty="0"/>
+              <a:t>4</a:t>
+            </a:r>
+          </a:p>
+        </p:txBody>
+      </p:sp>
+      <p:sp>
+        <p:nvSpPr>
+          <p:cNvPr id="4" name="TextBox 3">
+            <a:extLst>
+              <a:ext uri="{FF2B5EF4-FFF2-40B4-BE49-F238E27FC236}">
+                <a16:creationId xmlns:a16="http://schemas.microsoft.com/office/drawing/2014/main" id="{76E8369D-9083-7AF0-334D-ABF88AE2C4C2}"/>
+              </a:ext>
+            </a:extLst>
+          </p:cNvPr>
+          <p:cNvSpPr txBox="1"/>
+          <p:nvPr/>
+        </p:nvSpPr>
+        <p:spPr>
+          <a:xfrm>
+            <a:off x="250612" y="4602850"/>
+            <a:ext cx="476412" cy="369332"/>
+          </a:xfrm>
+          <a:prstGeom prst="rect">
+            <a:avLst/>
+          </a:prstGeom>
+          <a:noFill/>
+        </p:spPr>
+        <p:txBody>
+          <a:bodyPr wrap="none" rtlCol="0">
+            <a:spAutoFit/>
+          </a:bodyPr>
+          <a:lstStyle/>
+          <a:p>
+            <a:r>
+              <a:rPr lang="en-AT" dirty="0"/>
+              <a:t>4.5</a:t>
+            </a:r>
+          </a:p>
+        </p:txBody>
+      </p:sp>
+      <p:sp>
+        <p:nvSpPr>
+          <p:cNvPr id="5" name="TextBox 4">
+            <a:extLst>
+              <a:ext uri="{FF2B5EF4-FFF2-40B4-BE49-F238E27FC236}">
+                <a16:creationId xmlns:a16="http://schemas.microsoft.com/office/drawing/2014/main" id="{511306D2-E204-9A82-DDC8-84AEB527F691}"/>
+              </a:ext>
+            </a:extLst>
+          </p:cNvPr>
+          <p:cNvSpPr txBox="1"/>
+          <p:nvPr/>
+        </p:nvSpPr>
+        <p:spPr>
+          <a:xfrm>
+            <a:off x="314092" y="6519978"/>
+            <a:ext cx="476412" cy="369332"/>
+          </a:xfrm>
+          <a:prstGeom prst="rect">
+            <a:avLst/>
+          </a:prstGeom>
+          <a:noFill/>
+        </p:spPr>
+        <p:txBody>
+          <a:bodyPr wrap="none" rtlCol="0">
+            <a:spAutoFit/>
+          </a:bodyPr>
+          <a:lstStyle/>
+          <a:p>
+            <a:r>
+              <a:rPr lang="en-AT" dirty="0"/>
+              <a:t>1.2</a:t>
+            </a:r>
+          </a:p>
+        </p:txBody>
+      </p:sp>
+      <p:grpSp>
+        <p:nvGrpSpPr>
+          <p:cNvPr id="6" name="Group 5">
+            <a:extLst>
+              <a:ext uri="{FF2B5EF4-FFF2-40B4-BE49-F238E27FC236}">
+                <a16:creationId xmlns:a16="http://schemas.microsoft.com/office/drawing/2014/main" id="{1CB9B63D-D8E1-60A9-3CA6-7A45EAA41D61}"/>
+              </a:ext>
+            </a:extLst>
+          </p:cNvPr>
+          <p:cNvGrpSpPr/>
+          <p:nvPr/>
+        </p:nvGrpSpPr>
+        <p:grpSpPr>
+          <a:xfrm>
+            <a:off x="993616" y="6519978"/>
+            <a:ext cx="271440" cy="415572"/>
+            <a:chOff x="3743537" y="15411034"/>
+            <a:chExt cx="271440" cy="2174760"/>
+          </a:xfrm>
+        </p:grpSpPr>
+        <mc:AlternateContent xmlns:mc="http://schemas.openxmlformats.org/markup-compatibility/2006">
+          <mc:Choice xmlns:p14="http://schemas.microsoft.com/office/powerpoint/2010/main" Requires="p14">
+            <p:contentPart p14:bwMode="auto" r:id="rId3">
+              <p14:nvContentPartPr>
+                <p14:cNvPr id="7" name="Ink 6">
+                  <a:extLst>
+                    <a:ext uri="{FF2B5EF4-FFF2-40B4-BE49-F238E27FC236}">
+                      <a16:creationId xmlns:a16="http://schemas.microsoft.com/office/drawing/2014/main" id="{5EF2BF8E-43D7-77EA-8F6D-19470646BC94}"/>
+                    </a:ext>
+                  </a:extLst>
+                </p14:cNvPr>
+                <p14:cNvContentPartPr/>
+                <p14:nvPr/>
+              </p14:nvContentPartPr>
+              <p14:xfrm>
+                <a:off x="3743537" y="15411034"/>
+                <a:ext cx="252000" cy="12600"/>
+              </p14:xfrm>
+            </p:contentPart>
+          </mc:Choice>
+          <mc:Fallback>
+            <p:pic>
+              <p:nvPicPr>
+                <p:cNvPr id="7" name="Ink 6">
+                  <a:extLst>
+                    <a:ext uri="{FF2B5EF4-FFF2-40B4-BE49-F238E27FC236}">
+                      <a16:creationId xmlns:a16="http://schemas.microsoft.com/office/drawing/2014/main" id="{5EF2BF8E-43D7-77EA-8F6D-19470646BC94}"/>
+                    </a:ext>
+                  </a:extLst>
+                </p:cNvPr>
+                <p:cNvPicPr/>
+                <p:nvPr/>
+              </p:nvPicPr>
+              <p:blipFill>
+                <a:blip r:embed="rId4"/>
+                <a:stretch>
+                  <a:fillRect/>
+                </a:stretch>
+              </p:blipFill>
+              <p:spPr>
+                <a:xfrm>
+                  <a:off x="3725537" y="15332284"/>
+                  <a:ext cx="287640" cy="168525"/>
+                </a:xfrm>
+                <a:prstGeom prst="rect">
+                  <a:avLst/>
+                </a:prstGeom>
+              </p:spPr>
+            </p:pic>
+          </mc:Fallback>
+        </mc:AlternateContent>
+        <mc:AlternateContent xmlns:mc="http://schemas.openxmlformats.org/markup-compatibility/2006">
+          <mc:Choice xmlns:p14="http://schemas.microsoft.com/office/powerpoint/2010/main" Requires="p14">
+            <p:contentPart p14:bwMode="auto" r:id="rId5">
+              <p14:nvContentPartPr>
+                <p14:cNvPr id="8" name="Ink 7">
+                  <a:extLst>
+                    <a:ext uri="{FF2B5EF4-FFF2-40B4-BE49-F238E27FC236}">
+                      <a16:creationId xmlns:a16="http://schemas.microsoft.com/office/drawing/2014/main" id="{97553115-DF0A-BA0B-EB58-CECF1B266E29}"/>
+                    </a:ext>
+                  </a:extLst>
+                </p14:cNvPr>
+                <p14:cNvContentPartPr/>
+                <p14:nvPr/>
+              </p14:nvContentPartPr>
+              <p14:xfrm>
+                <a:off x="3802217" y="15419674"/>
+                <a:ext cx="212760" cy="2166120"/>
+              </p14:xfrm>
+            </p:contentPart>
+          </mc:Choice>
+          <mc:Fallback>
+            <p:pic>
+              <p:nvPicPr>
+                <p:cNvPr id="8" name="Ink 7">
+                  <a:extLst>
+                    <a:ext uri="{FF2B5EF4-FFF2-40B4-BE49-F238E27FC236}">
+                      <a16:creationId xmlns:a16="http://schemas.microsoft.com/office/drawing/2014/main" id="{97553115-DF0A-BA0B-EB58-CECF1B266E29}"/>
+                    </a:ext>
+                  </a:extLst>
+                </p:cNvPr>
+                <p:cNvPicPr/>
+                <p:nvPr/>
+              </p:nvPicPr>
+              <p:blipFill>
+                <a:blip r:embed="rId6"/>
+                <a:stretch>
+                  <a:fillRect/>
+                </a:stretch>
+              </p:blipFill>
+              <p:spPr>
+                <a:xfrm>
+                  <a:off x="3784577" y="15325577"/>
+                  <a:ext cx="248400" cy="2352433"/>
+                </a:xfrm>
+                <a:prstGeom prst="rect">
+                  <a:avLst/>
+                </a:prstGeom>
+              </p:spPr>
+            </p:pic>
+          </mc:Fallback>
+        </mc:AlternateContent>
+      </p:grpSp>
+      <p:grpSp>
+        <p:nvGrpSpPr>
+          <p:cNvPr id="9" name="Group 8">
+            <a:extLst>
+              <a:ext uri="{FF2B5EF4-FFF2-40B4-BE49-F238E27FC236}">
+                <a16:creationId xmlns:a16="http://schemas.microsoft.com/office/drawing/2014/main" id="{5A099CB2-15BC-1E0B-3472-310FB5412E1C}"/>
+              </a:ext>
+            </a:extLst>
+          </p:cNvPr>
+          <p:cNvGrpSpPr/>
+          <p:nvPr/>
+        </p:nvGrpSpPr>
+        <p:grpSpPr>
+          <a:xfrm>
+            <a:off x="9117534" y="4232016"/>
+            <a:ext cx="271440" cy="2970554"/>
+            <a:chOff x="3743537" y="15411034"/>
+            <a:chExt cx="271440" cy="2174760"/>
+          </a:xfrm>
+        </p:grpSpPr>
+        <mc:AlternateContent xmlns:mc="http://schemas.openxmlformats.org/markup-compatibility/2006">
+          <mc:Choice xmlns:p14="http://schemas.microsoft.com/office/powerpoint/2010/main" Requires="p14">
+            <p:contentPart p14:bwMode="auto" r:id="rId7">
+              <p14:nvContentPartPr>
+                <p14:cNvPr id="10" name="Ink 9">
+                  <a:extLst>
+                    <a:ext uri="{FF2B5EF4-FFF2-40B4-BE49-F238E27FC236}">
+                      <a16:creationId xmlns:a16="http://schemas.microsoft.com/office/drawing/2014/main" id="{C4371047-C327-E875-4940-EFD57ED526D7}"/>
+                    </a:ext>
+                  </a:extLst>
+                </p14:cNvPr>
+                <p14:cNvContentPartPr/>
+                <p14:nvPr/>
+              </p14:nvContentPartPr>
+              <p14:xfrm>
+                <a:off x="3743537" y="15411034"/>
+                <a:ext cx="252000" cy="12600"/>
+              </p14:xfrm>
+            </p:contentPart>
+          </mc:Choice>
+          <mc:Fallback>
+            <p:pic>
+              <p:nvPicPr>
+                <p:cNvPr id="10" name="Ink 9">
+                  <a:extLst>
+                    <a:ext uri="{FF2B5EF4-FFF2-40B4-BE49-F238E27FC236}">
+                      <a16:creationId xmlns:a16="http://schemas.microsoft.com/office/drawing/2014/main" id="{C4371047-C327-E875-4940-EFD57ED526D7}"/>
+                    </a:ext>
+                  </a:extLst>
+                </p:cNvPr>
+                <p:cNvPicPr/>
+                <p:nvPr/>
+              </p:nvPicPr>
+              <p:blipFill>
+                <a:blip r:embed="rId8"/>
+                <a:stretch>
+                  <a:fillRect/>
+                </a:stretch>
+              </p:blipFill>
+              <p:spPr>
+                <a:xfrm>
+                  <a:off x="3725537" y="15398171"/>
+                  <a:ext cx="287640" cy="38588"/>
+                </a:xfrm>
+                <a:prstGeom prst="rect">
+                  <a:avLst/>
+                </a:prstGeom>
+              </p:spPr>
+            </p:pic>
+          </mc:Fallback>
+        </mc:AlternateContent>
+        <mc:AlternateContent xmlns:mc="http://schemas.openxmlformats.org/markup-compatibility/2006">
+          <mc:Choice xmlns:p14="http://schemas.microsoft.com/office/powerpoint/2010/main" Requires="p14">
+            <p:contentPart p14:bwMode="auto" r:id="rId9">
+              <p14:nvContentPartPr>
+                <p14:cNvPr id="11" name="Ink 10">
+                  <a:extLst>
+                    <a:ext uri="{FF2B5EF4-FFF2-40B4-BE49-F238E27FC236}">
+                      <a16:creationId xmlns:a16="http://schemas.microsoft.com/office/drawing/2014/main" id="{F39796F4-13C8-022F-8F26-64D482EB1A29}"/>
+                    </a:ext>
+                  </a:extLst>
+                </p14:cNvPr>
+                <p14:cNvContentPartPr/>
+                <p14:nvPr/>
+              </p14:nvContentPartPr>
+              <p14:xfrm>
+                <a:off x="3802217" y="15419674"/>
+                <a:ext cx="212760" cy="2166120"/>
+              </p14:xfrm>
+            </p:contentPart>
+          </mc:Choice>
+          <mc:Fallback>
+            <p:pic>
+              <p:nvPicPr>
+                <p:cNvPr id="11" name="Ink 10">
+                  <a:extLst>
+                    <a:ext uri="{FF2B5EF4-FFF2-40B4-BE49-F238E27FC236}">
+                      <a16:creationId xmlns:a16="http://schemas.microsoft.com/office/drawing/2014/main" id="{F39796F4-13C8-022F-8F26-64D482EB1A29}"/>
+                    </a:ext>
+                  </a:extLst>
+                </p:cNvPr>
+                <p:cNvPicPr/>
+                <p:nvPr/>
+              </p:nvPicPr>
+              <p:blipFill>
+                <a:blip r:embed="rId10"/>
+                <a:stretch>
+                  <a:fillRect/>
+                </a:stretch>
+              </p:blipFill>
+              <p:spPr>
+                <a:xfrm>
+                  <a:off x="3784577" y="15406495"/>
+                  <a:ext cx="248400" cy="2192215"/>
+                </a:xfrm>
+                <a:prstGeom prst="rect">
+                  <a:avLst/>
+                </a:prstGeom>
+              </p:spPr>
+            </p:pic>
+          </mc:Fallback>
+        </mc:AlternateContent>
+      </p:grpSp>
+      <p:sp>
+        <p:nvSpPr>
+          <p:cNvPr id="12" name="TextBox 11">
+            <a:extLst>
+              <a:ext uri="{FF2B5EF4-FFF2-40B4-BE49-F238E27FC236}">
+                <a16:creationId xmlns:a16="http://schemas.microsoft.com/office/drawing/2014/main" id="{EBF8E19D-4B10-D81E-33BA-41262A1DF111}"/>
+              </a:ext>
+            </a:extLst>
+          </p:cNvPr>
+          <p:cNvSpPr txBox="1"/>
+          <p:nvPr/>
+        </p:nvSpPr>
+        <p:spPr>
+          <a:xfrm>
+            <a:off x="9427580" y="4602850"/>
+            <a:ext cx="476412" cy="369332"/>
+          </a:xfrm>
+          <a:prstGeom prst="rect">
+            <a:avLst/>
+          </a:prstGeom>
+          <a:noFill/>
+        </p:spPr>
+        <p:txBody>
+          <a:bodyPr wrap="none" rtlCol="0">
+            <a:spAutoFit/>
+          </a:bodyPr>
+          <a:lstStyle/>
+          <a:p>
+            <a:r>
+              <a:rPr lang="en-AT" dirty="0"/>
+              <a:t>5.7</a:t>
+            </a:r>
+          </a:p>
+        </p:txBody>
+      </p:sp>
+      <p:grpSp>
+        <p:nvGrpSpPr>
+          <p:cNvPr id="13" name="Group 12">
+            <a:extLst>
+              <a:ext uri="{FF2B5EF4-FFF2-40B4-BE49-F238E27FC236}">
+                <a16:creationId xmlns:a16="http://schemas.microsoft.com/office/drawing/2014/main" id="{B59F89A6-721E-60B0-A694-AC5AAB624FC2}"/>
+              </a:ext>
+            </a:extLst>
+          </p:cNvPr>
+          <p:cNvGrpSpPr/>
+          <p:nvPr/>
+        </p:nvGrpSpPr>
+        <p:grpSpPr>
+          <a:xfrm>
+            <a:off x="10564236" y="4041569"/>
+            <a:ext cx="271440" cy="1482910"/>
+            <a:chOff x="3743537" y="15411034"/>
+            <a:chExt cx="271440" cy="2174760"/>
+          </a:xfrm>
+        </p:grpSpPr>
+        <mc:AlternateContent xmlns:mc="http://schemas.openxmlformats.org/markup-compatibility/2006">
+          <mc:Choice xmlns:p14="http://schemas.microsoft.com/office/powerpoint/2010/main" Requires="p14">
+            <p:contentPart p14:bwMode="auto" r:id="rId11">
+              <p14:nvContentPartPr>
+                <p14:cNvPr id="14" name="Ink 13">
+                  <a:extLst>
+                    <a:ext uri="{FF2B5EF4-FFF2-40B4-BE49-F238E27FC236}">
+                      <a16:creationId xmlns:a16="http://schemas.microsoft.com/office/drawing/2014/main" id="{79E0E906-84AF-668A-A162-ADCF86BF1C97}"/>
+                    </a:ext>
+                  </a:extLst>
+                </p14:cNvPr>
+                <p14:cNvContentPartPr/>
+                <p14:nvPr/>
+              </p14:nvContentPartPr>
+              <p14:xfrm>
+                <a:off x="3743537" y="15411034"/>
+                <a:ext cx="252000" cy="12600"/>
+              </p14:xfrm>
+            </p:contentPart>
+          </mc:Choice>
+          <mc:Fallback>
+            <p:pic>
+              <p:nvPicPr>
+                <p:cNvPr id="14" name="Ink 13">
+                  <a:extLst>
+                    <a:ext uri="{FF2B5EF4-FFF2-40B4-BE49-F238E27FC236}">
+                      <a16:creationId xmlns:a16="http://schemas.microsoft.com/office/drawing/2014/main" id="{79E0E906-84AF-668A-A162-ADCF86BF1C97}"/>
+                    </a:ext>
+                  </a:extLst>
+                </p:cNvPr>
+                <p:cNvPicPr/>
+                <p:nvPr/>
+              </p:nvPicPr>
+              <p:blipFill>
+                <a:blip r:embed="rId12"/>
+                <a:stretch>
+                  <a:fillRect/>
+                </a:stretch>
+              </p:blipFill>
+              <p:spPr>
+                <a:xfrm>
+                  <a:off x="3725537" y="15384784"/>
+                  <a:ext cx="287640" cy="64575"/>
+                </a:xfrm>
+                <a:prstGeom prst="rect">
+                  <a:avLst/>
+                </a:prstGeom>
+              </p:spPr>
+            </p:pic>
+          </mc:Fallback>
+        </mc:AlternateContent>
+        <mc:AlternateContent xmlns:mc="http://schemas.openxmlformats.org/markup-compatibility/2006">
+          <mc:Choice xmlns:p14="http://schemas.microsoft.com/office/powerpoint/2010/main" Requires="p14">
+            <p:contentPart p14:bwMode="auto" r:id="rId13">
+              <p14:nvContentPartPr>
+                <p14:cNvPr id="15" name="Ink 14">
+                  <a:extLst>
+                    <a:ext uri="{FF2B5EF4-FFF2-40B4-BE49-F238E27FC236}">
+                      <a16:creationId xmlns:a16="http://schemas.microsoft.com/office/drawing/2014/main" id="{C5CA3031-EA0A-C030-27E2-EC0424C88DFE}"/>
+                    </a:ext>
+                  </a:extLst>
+                </p14:cNvPr>
+                <p14:cNvContentPartPr/>
+                <p14:nvPr/>
+              </p14:nvContentPartPr>
+              <p14:xfrm>
+                <a:off x="3802217" y="15419674"/>
+                <a:ext cx="212760" cy="2166120"/>
+              </p14:xfrm>
+            </p:contentPart>
+          </mc:Choice>
+          <mc:Fallback>
+            <p:pic>
+              <p:nvPicPr>
+                <p:cNvPr id="15" name="Ink 14">
+                  <a:extLst>
+                    <a:ext uri="{FF2B5EF4-FFF2-40B4-BE49-F238E27FC236}">
+                      <a16:creationId xmlns:a16="http://schemas.microsoft.com/office/drawing/2014/main" id="{C5CA3031-EA0A-C030-27E2-EC0424C88DFE}"/>
+                    </a:ext>
+                  </a:extLst>
+                </p:cNvPr>
+                <p:cNvPicPr/>
+                <p:nvPr/>
+              </p:nvPicPr>
+              <p:blipFill>
+                <a:blip r:embed="rId14"/>
+                <a:stretch>
+                  <a:fillRect/>
+                </a:stretch>
+              </p:blipFill>
+              <p:spPr>
+                <a:xfrm>
+                  <a:off x="3784577" y="15393277"/>
+                  <a:ext cx="248400" cy="2218386"/>
+                </a:xfrm>
+                <a:prstGeom prst="rect">
+                  <a:avLst/>
+                </a:prstGeom>
+              </p:spPr>
+            </p:pic>
+          </mc:Fallback>
+        </mc:AlternateContent>
+      </p:grpSp>
+      <p:grpSp>
+        <p:nvGrpSpPr>
+          <p:cNvPr id="16" name="Group 15">
+            <a:extLst>
+              <a:ext uri="{FF2B5EF4-FFF2-40B4-BE49-F238E27FC236}">
+                <a16:creationId xmlns:a16="http://schemas.microsoft.com/office/drawing/2014/main" id="{0CC2BD02-74C9-E27D-8319-C240DA321C05}"/>
+              </a:ext>
+            </a:extLst>
+          </p:cNvPr>
+          <p:cNvGrpSpPr/>
+          <p:nvPr/>
+        </p:nvGrpSpPr>
+        <p:grpSpPr>
+          <a:xfrm>
+            <a:off x="10605048" y="5629822"/>
+            <a:ext cx="271440" cy="1482910"/>
+            <a:chOff x="3743537" y="15411034"/>
+            <a:chExt cx="271440" cy="2174760"/>
+          </a:xfrm>
+        </p:grpSpPr>
+        <mc:AlternateContent xmlns:mc="http://schemas.openxmlformats.org/markup-compatibility/2006">
+          <mc:Choice xmlns:p14="http://schemas.microsoft.com/office/powerpoint/2010/main" Requires="p14">
+            <p:contentPart p14:bwMode="auto" r:id="rId15">
+              <p14:nvContentPartPr>
+                <p14:cNvPr id="17" name="Ink 16">
+                  <a:extLst>
+                    <a:ext uri="{FF2B5EF4-FFF2-40B4-BE49-F238E27FC236}">
+                      <a16:creationId xmlns:a16="http://schemas.microsoft.com/office/drawing/2014/main" id="{969E7B0E-0403-27EB-47E9-44E5D0A6B410}"/>
+                    </a:ext>
+                  </a:extLst>
+                </p14:cNvPr>
+                <p14:cNvContentPartPr/>
+                <p14:nvPr/>
+              </p14:nvContentPartPr>
+              <p14:xfrm>
+                <a:off x="3743537" y="15411034"/>
+                <a:ext cx="252000" cy="12600"/>
+              </p14:xfrm>
+            </p:contentPart>
+          </mc:Choice>
+          <mc:Fallback>
+            <p:pic>
+              <p:nvPicPr>
+                <p:cNvPr id="17" name="Ink 16">
+                  <a:extLst>
+                    <a:ext uri="{FF2B5EF4-FFF2-40B4-BE49-F238E27FC236}">
+                      <a16:creationId xmlns:a16="http://schemas.microsoft.com/office/drawing/2014/main" id="{969E7B0E-0403-27EB-47E9-44E5D0A6B410}"/>
+                    </a:ext>
+                  </a:extLst>
+                </p:cNvPr>
+                <p:cNvPicPr/>
+                <p:nvPr/>
+              </p:nvPicPr>
+              <p:blipFill>
+                <a:blip r:embed="rId12"/>
+                <a:stretch>
+                  <a:fillRect/>
+                </a:stretch>
+              </p:blipFill>
+              <p:spPr>
+                <a:xfrm>
+                  <a:off x="3725537" y="15384784"/>
+                  <a:ext cx="287640" cy="64575"/>
+                </a:xfrm>
+                <a:prstGeom prst="rect">
+                  <a:avLst/>
+                </a:prstGeom>
+              </p:spPr>
+            </p:pic>
+          </mc:Fallback>
+        </mc:AlternateContent>
+        <mc:AlternateContent xmlns:mc="http://schemas.openxmlformats.org/markup-compatibility/2006">
+          <mc:Choice xmlns:p14="http://schemas.microsoft.com/office/powerpoint/2010/main" Requires="p14">
+            <p:contentPart p14:bwMode="auto" r:id="rId16">
+              <p14:nvContentPartPr>
+                <p14:cNvPr id="18" name="Ink 17">
+                  <a:extLst>
+                    <a:ext uri="{FF2B5EF4-FFF2-40B4-BE49-F238E27FC236}">
+                      <a16:creationId xmlns:a16="http://schemas.microsoft.com/office/drawing/2014/main" id="{A592BD51-468D-0D27-2F2A-EBD330C464AD}"/>
+                    </a:ext>
+                  </a:extLst>
+                </p14:cNvPr>
+                <p14:cNvContentPartPr/>
+                <p14:nvPr/>
+              </p14:nvContentPartPr>
+              <p14:xfrm>
+                <a:off x="3802217" y="15419674"/>
+                <a:ext cx="212760" cy="2166120"/>
+              </p14:xfrm>
+            </p:contentPart>
+          </mc:Choice>
+          <mc:Fallback>
+            <p:pic>
+              <p:nvPicPr>
+                <p:cNvPr id="18" name="Ink 17">
+                  <a:extLst>
+                    <a:ext uri="{FF2B5EF4-FFF2-40B4-BE49-F238E27FC236}">
+                      <a16:creationId xmlns:a16="http://schemas.microsoft.com/office/drawing/2014/main" id="{A592BD51-468D-0D27-2F2A-EBD330C464AD}"/>
+                    </a:ext>
+                  </a:extLst>
+                </p:cNvPr>
+                <p:cNvPicPr/>
+                <p:nvPr/>
+              </p:nvPicPr>
+              <p:blipFill>
+                <a:blip r:embed="rId14"/>
+                <a:stretch>
+                  <a:fillRect/>
+                </a:stretch>
+              </p:blipFill>
+              <p:spPr>
+                <a:xfrm>
+                  <a:off x="3784577" y="15393277"/>
+                  <a:ext cx="248400" cy="2218386"/>
+                </a:xfrm>
+                <a:prstGeom prst="rect">
+                  <a:avLst/>
+                </a:prstGeom>
+              </p:spPr>
+            </p:pic>
+          </mc:Fallback>
+        </mc:AlternateContent>
+      </p:grpSp>
+      <p:sp>
+        <p:nvSpPr>
+          <p:cNvPr id="19" name="TextBox 18">
+            <a:extLst>
+              <a:ext uri="{FF2B5EF4-FFF2-40B4-BE49-F238E27FC236}">
+                <a16:creationId xmlns:a16="http://schemas.microsoft.com/office/drawing/2014/main" id="{80B378A3-4D00-62CD-22F8-126D04E70BD5}"/>
+              </a:ext>
+            </a:extLst>
+          </p:cNvPr>
+          <p:cNvSpPr txBox="1"/>
+          <p:nvPr/>
+        </p:nvSpPr>
+        <p:spPr>
+          <a:xfrm>
+            <a:off x="10975255" y="4602850"/>
+            <a:ext cx="301686" cy="369332"/>
+          </a:xfrm>
+          <a:prstGeom prst="rect">
+            <a:avLst/>
+          </a:prstGeom>
+          <a:noFill/>
+        </p:spPr>
+        <p:txBody>
+          <a:bodyPr wrap="none" rtlCol="0">
+            <a:spAutoFit/>
+          </a:bodyPr>
+          <a:lstStyle/>
+          <a:p>
+            <a:r>
+              <a:rPr lang="en-AT" dirty="0"/>
+              <a:t>3</a:t>
+            </a:r>
+          </a:p>
+        </p:txBody>
+      </p:sp>
+      <p:sp>
+        <p:nvSpPr>
+          <p:cNvPr id="20" name="TextBox 19">
+            <a:extLst>
+              <a:ext uri="{FF2B5EF4-FFF2-40B4-BE49-F238E27FC236}">
+                <a16:creationId xmlns:a16="http://schemas.microsoft.com/office/drawing/2014/main" id="{170875D2-9CE2-27F9-19D5-DAAC58AD322F}"/>
+              </a:ext>
+            </a:extLst>
+          </p:cNvPr>
+          <p:cNvSpPr txBox="1"/>
+          <p:nvPr/>
+        </p:nvSpPr>
+        <p:spPr>
+          <a:xfrm>
+            <a:off x="10889369" y="6150646"/>
+            <a:ext cx="476412" cy="369332"/>
+          </a:xfrm>
+          <a:prstGeom prst="rect">
+            <a:avLst/>
+          </a:prstGeom>
+          <a:noFill/>
+        </p:spPr>
+        <p:txBody>
+          <a:bodyPr wrap="none" rtlCol="0">
+            <a:spAutoFit/>
+          </a:bodyPr>
+          <a:lstStyle/>
+          <a:p>
+            <a:r>
+              <a:rPr lang="en-AT" dirty="0"/>
+              <a:t>2.7</a:t>
+            </a:r>
+          </a:p>
+        </p:txBody>
+      </p:sp>
+      <p:grpSp>
+        <p:nvGrpSpPr>
+          <p:cNvPr id="21" name="Group 20">
+            <a:extLst>
+              <a:ext uri="{FF2B5EF4-FFF2-40B4-BE49-F238E27FC236}">
+                <a16:creationId xmlns:a16="http://schemas.microsoft.com/office/drawing/2014/main" id="{72C3AF1B-1D8B-C6C7-DC7C-7FC24DC349F0}"/>
+              </a:ext>
+            </a:extLst>
+          </p:cNvPr>
+          <p:cNvGrpSpPr/>
+          <p:nvPr/>
+        </p:nvGrpSpPr>
+        <p:grpSpPr>
+          <a:xfrm>
+            <a:off x="9100434" y="1815048"/>
+            <a:ext cx="322200" cy="2192099"/>
+            <a:chOff x="3742097" y="12952594"/>
+            <a:chExt cx="322200" cy="2348280"/>
+          </a:xfrm>
+        </p:grpSpPr>
+        <mc:AlternateContent xmlns:mc="http://schemas.openxmlformats.org/markup-compatibility/2006">
+          <mc:Choice xmlns:p14="http://schemas.microsoft.com/office/powerpoint/2010/main" Requires="p14">
+            <p:contentPart p14:bwMode="auto" r:id="rId17">
+              <p14:nvContentPartPr>
+                <p14:cNvPr id="22" name="Ink 21">
+                  <a:extLst>
+                    <a:ext uri="{FF2B5EF4-FFF2-40B4-BE49-F238E27FC236}">
+                      <a16:creationId xmlns:a16="http://schemas.microsoft.com/office/drawing/2014/main" id="{A93287DA-CA1C-45CE-4912-D52639E5B614}"/>
+                    </a:ext>
+                  </a:extLst>
+                </p14:cNvPr>
+                <p14:cNvContentPartPr/>
+                <p14:nvPr/>
+              </p14:nvContentPartPr>
+              <p14:xfrm>
+                <a:off x="3742097" y="12952594"/>
+                <a:ext cx="204120" cy="360"/>
+              </p14:xfrm>
+            </p:contentPart>
+          </mc:Choice>
+          <mc:Fallback>
+            <p:pic>
+              <p:nvPicPr>
+                <p:cNvPr id="22" name="Ink 21">
+                  <a:extLst>
+                    <a:ext uri="{FF2B5EF4-FFF2-40B4-BE49-F238E27FC236}">
+                      <a16:creationId xmlns:a16="http://schemas.microsoft.com/office/drawing/2014/main" id="{A93287DA-CA1C-45CE-4912-D52639E5B614}"/>
+                    </a:ext>
+                  </a:extLst>
+                </p:cNvPr>
+                <p:cNvPicPr/>
+                <p:nvPr/>
+              </p:nvPicPr>
+              <p:blipFill>
+                <a:blip r:embed="rId18"/>
+                <a:stretch>
+                  <a:fillRect/>
+                </a:stretch>
+              </p:blipFill>
+              <p:spPr>
+                <a:xfrm>
+                  <a:off x="3724457" y="12934954"/>
+                  <a:ext cx="239760" cy="36000"/>
+                </a:xfrm>
+                <a:prstGeom prst="rect">
+                  <a:avLst/>
+                </a:prstGeom>
+              </p:spPr>
+            </p:pic>
+          </mc:Fallback>
+        </mc:AlternateContent>
+        <mc:AlternateContent xmlns:mc="http://schemas.openxmlformats.org/markup-compatibility/2006">
+          <mc:Choice xmlns:p14="http://schemas.microsoft.com/office/powerpoint/2010/main" Requires="p14">
+            <p:contentPart p14:bwMode="auto" r:id="rId19">
+              <p14:nvContentPartPr>
+                <p14:cNvPr id="23" name="Ink 22">
+                  <a:extLst>
+                    <a:ext uri="{FF2B5EF4-FFF2-40B4-BE49-F238E27FC236}">
+                      <a16:creationId xmlns:a16="http://schemas.microsoft.com/office/drawing/2014/main" id="{772E7F34-563B-511A-8196-1E7E53907D91}"/>
+                    </a:ext>
+                  </a:extLst>
+                </p14:cNvPr>
+                <p14:cNvContentPartPr/>
+                <p14:nvPr/>
+              </p14:nvContentPartPr>
+              <p14:xfrm>
+                <a:off x="3767657" y="12952594"/>
+                <a:ext cx="296640" cy="2348280"/>
+              </p14:xfrm>
+            </p:contentPart>
+          </mc:Choice>
+          <mc:Fallback>
+            <p:pic>
+              <p:nvPicPr>
+                <p:cNvPr id="23" name="Ink 22">
+                  <a:extLst>
+                    <a:ext uri="{FF2B5EF4-FFF2-40B4-BE49-F238E27FC236}">
+                      <a16:creationId xmlns:a16="http://schemas.microsoft.com/office/drawing/2014/main" id="{772E7F34-563B-511A-8196-1E7E53907D91}"/>
+                    </a:ext>
+                  </a:extLst>
+                </p:cNvPr>
+                <p:cNvPicPr/>
+                <p:nvPr/>
+              </p:nvPicPr>
+              <p:blipFill>
+                <a:blip r:embed="rId20"/>
+                <a:stretch>
+                  <a:fillRect/>
+                </a:stretch>
+              </p:blipFill>
+              <p:spPr>
+                <a:xfrm>
+                  <a:off x="3749657" y="12933697"/>
+                  <a:ext cx="332280" cy="2386460"/>
+                </a:xfrm>
+                <a:prstGeom prst="rect">
+                  <a:avLst/>
+                </a:prstGeom>
+              </p:spPr>
+            </p:pic>
+          </mc:Fallback>
+        </mc:AlternateContent>
+      </p:grpSp>
+      <p:sp>
+        <p:nvSpPr>
+          <p:cNvPr id="24" name="TextBox 23">
+            <a:extLst>
+              <a:ext uri="{FF2B5EF4-FFF2-40B4-BE49-F238E27FC236}">
+                <a16:creationId xmlns:a16="http://schemas.microsoft.com/office/drawing/2014/main" id="{864762A9-47D7-8FEE-2108-3A546C0CF5AD}"/>
+              </a:ext>
+            </a:extLst>
+          </p:cNvPr>
+          <p:cNvSpPr txBox="1"/>
+          <p:nvPr/>
+        </p:nvSpPr>
+        <p:spPr>
+          <a:xfrm>
+            <a:off x="9271791" y="2604227"/>
+            <a:ext cx="301686" cy="369332"/>
+          </a:xfrm>
+          <a:prstGeom prst="rect">
+            <a:avLst/>
+          </a:prstGeom>
+          <a:noFill/>
+        </p:spPr>
+        <p:txBody>
+          <a:bodyPr wrap="none" rtlCol="0">
+            <a:spAutoFit/>
+          </a:bodyPr>
+          <a:lstStyle/>
+          <a:p>
+            <a:r>
+              <a:rPr lang="en-AT" dirty="0"/>
+              <a:t>4</a:t>
+            </a:r>
+          </a:p>
+        </p:txBody>
+      </p:sp>
+      <mc:AlternateContent xmlns:mc="http://schemas.openxmlformats.org/markup-compatibility/2006">
+        <mc:Choice xmlns:p14="http://schemas.microsoft.com/office/powerpoint/2010/main" Requires="p14">
+          <p:contentPart p14:bwMode="auto" r:id="rId21">
+            <p14:nvContentPartPr>
+              <p14:cNvPr id="25" name="Ink 24">
+                <a:extLst>
+                  <a:ext uri="{FF2B5EF4-FFF2-40B4-BE49-F238E27FC236}">
+                    <a16:creationId xmlns:a16="http://schemas.microsoft.com/office/drawing/2014/main" id="{30BCEDBA-294F-B294-E0C8-F89D30BFAF55}"/>
+                  </a:ext>
+                </a:extLst>
+              </p14:cNvPr>
+              <p14:cNvContentPartPr/>
+              <p14:nvPr/>
+            </p14:nvContentPartPr>
+            <p14:xfrm>
+              <a:off x="1315830" y="7215336"/>
+              <a:ext cx="3975840" cy="301320"/>
+            </p14:xfrm>
+          </p:contentPart>
+        </mc:Choice>
+        <mc:Fallback>
+          <p:pic>
+            <p:nvPicPr>
+              <p:cNvPr id="25" name="Ink 24">
+                <a:extLst>
+                  <a:ext uri="{FF2B5EF4-FFF2-40B4-BE49-F238E27FC236}">
+                    <a16:creationId xmlns:a16="http://schemas.microsoft.com/office/drawing/2014/main" id="{30BCEDBA-294F-B294-E0C8-F89D30BFAF55}"/>
+                  </a:ext>
+                </a:extLst>
+              </p:cNvPr>
+              <p:cNvPicPr/>
+              <p:nvPr/>
+            </p:nvPicPr>
+            <p:blipFill>
+              <a:blip r:embed="rId22"/>
+              <a:stretch>
+                <a:fillRect/>
+              </a:stretch>
+            </p:blipFill>
+            <p:spPr>
+              <a:xfrm>
+                <a:off x="1298190" y="7197696"/>
+                <a:ext cx="4011480" cy="336960"/>
+              </a:xfrm>
+              <a:prstGeom prst="rect">
+                <a:avLst/>
+              </a:prstGeom>
+            </p:spPr>
+          </p:pic>
+        </mc:Fallback>
+      </mc:AlternateContent>
+      <p:grpSp>
+        <p:nvGrpSpPr>
+          <p:cNvPr id="26" name="Group 25">
+            <a:extLst>
+              <a:ext uri="{FF2B5EF4-FFF2-40B4-BE49-F238E27FC236}">
+                <a16:creationId xmlns:a16="http://schemas.microsoft.com/office/drawing/2014/main" id="{C383DCCD-695E-DF61-9B04-35D75A90951F}"/>
+              </a:ext>
+            </a:extLst>
+          </p:cNvPr>
+          <p:cNvGrpSpPr/>
+          <p:nvPr/>
+        </p:nvGrpSpPr>
+        <p:grpSpPr>
+          <a:xfrm>
+            <a:off x="2256870" y="7540416"/>
+            <a:ext cx="257760" cy="416160"/>
+            <a:chOff x="4987351" y="18796762"/>
+            <a:chExt cx="257760" cy="416160"/>
+          </a:xfrm>
+        </p:grpSpPr>
+        <mc:AlternateContent xmlns:mc="http://schemas.openxmlformats.org/markup-compatibility/2006">
+          <mc:Choice xmlns:p14="http://schemas.microsoft.com/office/powerpoint/2010/main" Requires="p14">
+            <p:contentPart p14:bwMode="auto" r:id="rId23">
+              <p14:nvContentPartPr>
+                <p14:cNvPr id="27" name="Ink 26">
+                  <a:extLst>
+                    <a:ext uri="{FF2B5EF4-FFF2-40B4-BE49-F238E27FC236}">
+                      <a16:creationId xmlns:a16="http://schemas.microsoft.com/office/drawing/2014/main" id="{26A1A8C5-226C-9D7C-6E0B-1C7260C935C5}"/>
+                    </a:ext>
+                  </a:extLst>
+                </p14:cNvPr>
+                <p14:cNvContentPartPr/>
+                <p14:nvPr/>
+              </p14:nvContentPartPr>
+              <p14:xfrm>
+                <a:off x="4989151" y="18796762"/>
+                <a:ext cx="161640" cy="416160"/>
+              </p14:xfrm>
+            </p:contentPart>
+          </mc:Choice>
+          <mc:Fallback>
+            <p:pic>
+              <p:nvPicPr>
+                <p:cNvPr id="27" name="Ink 26">
+                  <a:extLst>
+                    <a:ext uri="{FF2B5EF4-FFF2-40B4-BE49-F238E27FC236}">
+                      <a16:creationId xmlns:a16="http://schemas.microsoft.com/office/drawing/2014/main" id="{26A1A8C5-226C-9D7C-6E0B-1C7260C935C5}"/>
+                    </a:ext>
+                  </a:extLst>
+                </p:cNvPr>
+                <p:cNvPicPr/>
+                <p:nvPr/>
+              </p:nvPicPr>
+              <p:blipFill>
+                <a:blip r:embed="rId24"/>
+                <a:stretch>
+                  <a:fillRect/>
+                </a:stretch>
+              </p:blipFill>
+              <p:spPr>
+                <a:xfrm>
+                  <a:off x="4971151" y="18778762"/>
+                  <a:ext cx="197280" cy="451800"/>
+                </a:xfrm>
+                <a:prstGeom prst="rect">
+                  <a:avLst/>
+                </a:prstGeom>
+              </p:spPr>
+            </p:pic>
+          </mc:Fallback>
+        </mc:AlternateContent>
+        <mc:AlternateContent xmlns:mc="http://schemas.openxmlformats.org/markup-compatibility/2006">
+          <mc:Choice xmlns:p14="http://schemas.microsoft.com/office/powerpoint/2010/main" Requires="p14">
+            <p:contentPart p14:bwMode="auto" r:id="rId25">
+              <p14:nvContentPartPr>
+                <p14:cNvPr id="28" name="Ink 27">
+                  <a:extLst>
+                    <a:ext uri="{FF2B5EF4-FFF2-40B4-BE49-F238E27FC236}">
+                      <a16:creationId xmlns:a16="http://schemas.microsoft.com/office/drawing/2014/main" id="{1EF21F06-7CD2-03E4-7F94-E0C7ABA1B5E9}"/>
+                    </a:ext>
+                  </a:extLst>
+                </p14:cNvPr>
+                <p14:cNvContentPartPr/>
+                <p14:nvPr/>
+              </p14:nvContentPartPr>
+              <p14:xfrm>
+                <a:off x="4987351" y="19053082"/>
+                <a:ext cx="257760" cy="360"/>
+              </p14:xfrm>
+            </p:contentPart>
+          </mc:Choice>
+          <mc:Fallback>
+            <p:pic>
+              <p:nvPicPr>
+                <p:cNvPr id="28" name="Ink 27">
+                  <a:extLst>
+                    <a:ext uri="{FF2B5EF4-FFF2-40B4-BE49-F238E27FC236}">
+                      <a16:creationId xmlns:a16="http://schemas.microsoft.com/office/drawing/2014/main" id="{1EF21F06-7CD2-03E4-7F94-E0C7ABA1B5E9}"/>
+                    </a:ext>
+                  </a:extLst>
+                </p:cNvPr>
+                <p:cNvPicPr/>
+                <p:nvPr/>
+              </p:nvPicPr>
+              <p:blipFill>
+                <a:blip r:embed="rId26"/>
+                <a:stretch>
+                  <a:fillRect/>
+                </a:stretch>
+              </p:blipFill>
+              <p:spPr>
+                <a:xfrm>
+                  <a:off x="4969351" y="19035082"/>
+                  <a:ext cx="293400" cy="36000"/>
+                </a:xfrm>
+                <a:prstGeom prst="rect">
+                  <a:avLst/>
+                </a:prstGeom>
+              </p:spPr>
+            </p:pic>
+          </mc:Fallback>
+        </mc:AlternateContent>
+      </p:grpSp>
+      <p:grpSp>
+        <p:nvGrpSpPr>
+          <p:cNvPr id="29" name="Group 28">
+            <a:extLst>
+              <a:ext uri="{FF2B5EF4-FFF2-40B4-BE49-F238E27FC236}">
+                <a16:creationId xmlns:a16="http://schemas.microsoft.com/office/drawing/2014/main" id="{89A8B871-D1D9-16C6-3C51-FA3889B8CF49}"/>
+              </a:ext>
+            </a:extLst>
+          </p:cNvPr>
+          <p:cNvGrpSpPr/>
+          <p:nvPr/>
+        </p:nvGrpSpPr>
+        <p:grpSpPr>
+          <a:xfrm>
+            <a:off x="5377651" y="7270776"/>
+            <a:ext cx="3720600" cy="675720"/>
+            <a:chOff x="8108132" y="18527122"/>
+            <a:chExt cx="3720600" cy="675720"/>
+          </a:xfrm>
+        </p:grpSpPr>
+        <mc:AlternateContent xmlns:mc="http://schemas.openxmlformats.org/markup-compatibility/2006">
+          <mc:Choice xmlns:p14="http://schemas.microsoft.com/office/powerpoint/2010/main" Requires="p14">
+            <p:contentPart p14:bwMode="auto" r:id="rId27">
+              <p14:nvContentPartPr>
+                <p14:cNvPr id="30" name="Ink 29">
+                  <a:extLst>
+                    <a:ext uri="{FF2B5EF4-FFF2-40B4-BE49-F238E27FC236}">
+                      <a16:creationId xmlns:a16="http://schemas.microsoft.com/office/drawing/2014/main" id="{AEE0EF8C-8502-34BD-60FD-BB3194C3BF11}"/>
+                    </a:ext>
+                  </a:extLst>
+                </p14:cNvPr>
+                <p14:cNvContentPartPr/>
+                <p14:nvPr/>
+              </p14:nvContentPartPr>
+              <p14:xfrm>
+                <a:off x="8108132" y="18527122"/>
+                <a:ext cx="6480" cy="223560"/>
+              </p14:xfrm>
+            </p:contentPart>
+          </mc:Choice>
+          <mc:Fallback>
+            <p:pic>
+              <p:nvPicPr>
+                <p:cNvPr id="30" name="Ink 29">
+                  <a:extLst>
+                    <a:ext uri="{FF2B5EF4-FFF2-40B4-BE49-F238E27FC236}">
+                      <a16:creationId xmlns:a16="http://schemas.microsoft.com/office/drawing/2014/main" id="{AEE0EF8C-8502-34BD-60FD-BB3194C3BF11}"/>
+                    </a:ext>
+                  </a:extLst>
+                </p:cNvPr>
+                <p:cNvPicPr/>
+                <p:nvPr/>
+              </p:nvPicPr>
+              <p:blipFill>
+                <a:blip r:embed="rId28"/>
+                <a:stretch>
+                  <a:fillRect/>
+                </a:stretch>
+              </p:blipFill>
+              <p:spPr>
+                <a:xfrm>
+                  <a:off x="8090132" y="18509122"/>
+                  <a:ext cx="42120" cy="259200"/>
+                </a:xfrm>
+                <a:prstGeom prst="rect">
+                  <a:avLst/>
+                </a:prstGeom>
+              </p:spPr>
+            </p:pic>
+          </mc:Fallback>
+        </mc:AlternateContent>
+        <mc:AlternateContent xmlns:mc="http://schemas.openxmlformats.org/markup-compatibility/2006">
+          <mc:Choice xmlns:p14="http://schemas.microsoft.com/office/powerpoint/2010/main" Requires="p14">
+            <p:contentPart p14:bwMode="auto" r:id="rId29">
+              <p14:nvContentPartPr>
+                <p14:cNvPr id="31" name="Ink 30">
+                  <a:extLst>
+                    <a:ext uri="{FF2B5EF4-FFF2-40B4-BE49-F238E27FC236}">
+                      <a16:creationId xmlns:a16="http://schemas.microsoft.com/office/drawing/2014/main" id="{8B73EB3A-3FB4-1BCB-D3BF-4819ACBCBCE9}"/>
+                    </a:ext>
+                  </a:extLst>
+                </p14:cNvPr>
+                <p14:cNvContentPartPr/>
+                <p14:nvPr/>
+              </p14:nvContentPartPr>
+              <p14:xfrm>
+                <a:off x="8132252" y="18644482"/>
+                <a:ext cx="3696480" cy="105840"/>
+              </p14:xfrm>
+            </p:contentPart>
+          </mc:Choice>
+          <mc:Fallback>
+            <p:pic>
+              <p:nvPicPr>
+                <p:cNvPr id="31" name="Ink 30">
+                  <a:extLst>
+                    <a:ext uri="{FF2B5EF4-FFF2-40B4-BE49-F238E27FC236}">
+                      <a16:creationId xmlns:a16="http://schemas.microsoft.com/office/drawing/2014/main" id="{8B73EB3A-3FB4-1BCB-D3BF-4819ACBCBCE9}"/>
+                    </a:ext>
+                  </a:extLst>
+                </p:cNvPr>
+                <p:cNvPicPr/>
+                <p:nvPr/>
+              </p:nvPicPr>
+              <p:blipFill>
+                <a:blip r:embed="rId30"/>
+                <a:stretch>
+                  <a:fillRect/>
+                </a:stretch>
+              </p:blipFill>
+              <p:spPr>
+                <a:xfrm>
+                  <a:off x="8114252" y="18626482"/>
+                  <a:ext cx="3732120" cy="141480"/>
+                </a:xfrm>
+                <a:prstGeom prst="rect">
+                  <a:avLst/>
+                </a:prstGeom>
+              </p:spPr>
+            </p:pic>
+          </mc:Fallback>
+        </mc:AlternateContent>
+        <mc:AlternateContent xmlns:mc="http://schemas.openxmlformats.org/markup-compatibility/2006">
+          <mc:Choice xmlns:p14="http://schemas.microsoft.com/office/powerpoint/2010/main" Requires="p14">
+            <p:contentPart p14:bwMode="auto" r:id="rId31">
+              <p14:nvContentPartPr>
+                <p14:cNvPr id="32" name="Ink 31">
+                  <a:extLst>
+                    <a:ext uri="{FF2B5EF4-FFF2-40B4-BE49-F238E27FC236}">
+                      <a16:creationId xmlns:a16="http://schemas.microsoft.com/office/drawing/2014/main" id="{8EB0DA2C-F2F6-B524-14A9-6BB6DE5C6D6E}"/>
+                    </a:ext>
+                  </a:extLst>
+                </p14:cNvPr>
+                <p14:cNvContentPartPr/>
+                <p14:nvPr/>
+              </p14:nvContentPartPr>
+              <p14:xfrm>
+                <a:off x="9833252" y="18859402"/>
+                <a:ext cx="284400" cy="343440"/>
+              </p14:xfrm>
+            </p:contentPart>
+          </mc:Choice>
+          <mc:Fallback>
+            <p:pic>
+              <p:nvPicPr>
+                <p:cNvPr id="32" name="Ink 31">
+                  <a:extLst>
+                    <a:ext uri="{FF2B5EF4-FFF2-40B4-BE49-F238E27FC236}">
+                      <a16:creationId xmlns:a16="http://schemas.microsoft.com/office/drawing/2014/main" id="{8EB0DA2C-F2F6-B524-14A9-6BB6DE5C6D6E}"/>
+                    </a:ext>
+                  </a:extLst>
+                </p:cNvPr>
+                <p:cNvPicPr/>
+                <p:nvPr/>
+              </p:nvPicPr>
+              <p:blipFill>
+                <a:blip r:embed="rId32"/>
+                <a:stretch>
+                  <a:fillRect/>
+                </a:stretch>
+              </p:blipFill>
+              <p:spPr>
+                <a:xfrm>
+                  <a:off x="9815252" y="18841402"/>
+                  <a:ext cx="320040" cy="379080"/>
+                </a:xfrm>
+                <a:prstGeom prst="rect">
+                  <a:avLst/>
+                </a:prstGeom>
+              </p:spPr>
+            </p:pic>
+          </mc:Fallback>
+        </mc:AlternateContent>
+        <mc:AlternateContent xmlns:mc="http://schemas.openxmlformats.org/markup-compatibility/2006">
+          <mc:Choice xmlns:p14="http://schemas.microsoft.com/office/powerpoint/2010/main" Requires="p14">
+            <p:contentPart p14:bwMode="auto" r:id="rId33">
+              <p14:nvContentPartPr>
+                <p14:cNvPr id="33" name="Ink 32">
+                  <a:extLst>
+                    <a:ext uri="{FF2B5EF4-FFF2-40B4-BE49-F238E27FC236}">
+                      <a16:creationId xmlns:a16="http://schemas.microsoft.com/office/drawing/2014/main" id="{57BA4CA9-F952-E1DD-0C8F-85DCC0854817}"/>
+                    </a:ext>
+                  </a:extLst>
+                </p14:cNvPr>
+                <p14:cNvContentPartPr/>
+                <p14:nvPr/>
+              </p14:nvContentPartPr>
+              <p14:xfrm>
+                <a:off x="9989132" y="19106002"/>
+                <a:ext cx="229320" cy="360"/>
+              </p14:xfrm>
+            </p:contentPart>
+          </mc:Choice>
+          <mc:Fallback>
+            <p:pic>
+              <p:nvPicPr>
+                <p:cNvPr id="33" name="Ink 32">
+                  <a:extLst>
+                    <a:ext uri="{FF2B5EF4-FFF2-40B4-BE49-F238E27FC236}">
+                      <a16:creationId xmlns:a16="http://schemas.microsoft.com/office/drawing/2014/main" id="{57BA4CA9-F952-E1DD-0C8F-85DCC0854817}"/>
+                    </a:ext>
+                  </a:extLst>
+                </p:cNvPr>
+                <p:cNvPicPr/>
+                <p:nvPr/>
+              </p:nvPicPr>
+              <p:blipFill>
+                <a:blip r:embed="rId34"/>
+                <a:stretch>
+                  <a:fillRect/>
+                </a:stretch>
+              </p:blipFill>
+              <p:spPr>
+                <a:xfrm>
+                  <a:off x="9971132" y="19088002"/>
+                  <a:ext cx="264960" cy="36000"/>
+                </a:xfrm>
+                <a:prstGeom prst="rect">
+                  <a:avLst/>
+                </a:prstGeom>
+              </p:spPr>
+            </p:pic>
+          </mc:Fallback>
+        </mc:AlternateContent>
+      </p:grpSp>
+      <mc:AlternateContent xmlns:mc="http://schemas.openxmlformats.org/markup-compatibility/2006">
+        <mc:Choice xmlns:p14="http://schemas.microsoft.com/office/powerpoint/2010/main" Requires="p14">
+          <p:contentPart p14:bwMode="auto" r:id="rId35">
+            <p14:nvContentPartPr>
+              <p14:cNvPr id="34" name="Ink 33">
+                <a:extLst>
+                  <a:ext uri="{FF2B5EF4-FFF2-40B4-BE49-F238E27FC236}">
+                    <a16:creationId xmlns:a16="http://schemas.microsoft.com/office/drawing/2014/main" id="{6D9B0D43-4E0B-6E6E-C569-2DE59AEFA94F}"/>
+                  </a:ext>
+                </a:extLst>
+              </p14:cNvPr>
+              <p14:cNvContentPartPr/>
+              <p14:nvPr/>
+            </p14:nvContentPartPr>
+            <p14:xfrm>
+              <a:off x="1408651" y="1408936"/>
+              <a:ext cx="2132640" cy="20160"/>
+            </p14:xfrm>
+          </p:contentPart>
+        </mc:Choice>
+        <mc:Fallback>
+          <p:pic>
+            <p:nvPicPr>
+              <p:cNvPr id="34" name="Ink 33">
+                <a:extLst>
+                  <a:ext uri="{FF2B5EF4-FFF2-40B4-BE49-F238E27FC236}">
+                    <a16:creationId xmlns:a16="http://schemas.microsoft.com/office/drawing/2014/main" id="{6D9B0D43-4E0B-6E6E-C569-2DE59AEFA94F}"/>
+                  </a:ext>
+                </a:extLst>
+              </p:cNvPr>
+              <p:cNvPicPr/>
+              <p:nvPr/>
+            </p:nvPicPr>
+            <p:blipFill>
+              <a:blip r:embed="rId36"/>
+              <a:stretch>
+                <a:fillRect/>
+              </a:stretch>
+            </p:blipFill>
+            <p:spPr>
+              <a:xfrm>
+                <a:off x="1390651" y="1391296"/>
+                <a:ext cx="2168280" cy="55800"/>
+              </a:xfrm>
+              <a:prstGeom prst="rect">
+                <a:avLst/>
+              </a:prstGeom>
+            </p:spPr>
+          </p:pic>
+        </mc:Fallback>
+      </mc:AlternateContent>
+      <mc:AlternateContent xmlns:mc="http://schemas.openxmlformats.org/markup-compatibility/2006">
+        <mc:Choice xmlns:p14="http://schemas.microsoft.com/office/powerpoint/2010/main" Requires="p14">
+          <p:contentPart p14:bwMode="auto" r:id="rId37">
+            <p14:nvContentPartPr>
+              <p14:cNvPr id="35" name="Ink 34">
+                <a:extLst>
+                  <a:ext uri="{FF2B5EF4-FFF2-40B4-BE49-F238E27FC236}">
+                    <a16:creationId xmlns:a16="http://schemas.microsoft.com/office/drawing/2014/main" id="{39B3ACAE-0D45-2BF1-E5D6-9BB3048A7353}"/>
+                  </a:ext>
+                </a:extLst>
+              </p14:cNvPr>
+              <p14:cNvContentPartPr/>
+              <p14:nvPr/>
+            </p14:nvContentPartPr>
+            <p14:xfrm>
+              <a:off x="2147011" y="989536"/>
+              <a:ext cx="135720" cy="286920"/>
+            </p14:xfrm>
+          </p:contentPart>
+        </mc:Choice>
+        <mc:Fallback>
+          <p:pic>
+            <p:nvPicPr>
+              <p:cNvPr id="35" name="Ink 34">
+                <a:extLst>
+                  <a:ext uri="{FF2B5EF4-FFF2-40B4-BE49-F238E27FC236}">
+                    <a16:creationId xmlns:a16="http://schemas.microsoft.com/office/drawing/2014/main" id="{39B3ACAE-0D45-2BF1-E5D6-9BB3048A7353}"/>
+                  </a:ext>
+                </a:extLst>
+              </p:cNvPr>
+              <p:cNvPicPr/>
+              <p:nvPr/>
+            </p:nvPicPr>
+            <p:blipFill>
+              <a:blip r:embed="rId38"/>
+              <a:stretch>
+                <a:fillRect/>
+              </a:stretch>
+            </p:blipFill>
+            <p:spPr>
+              <a:xfrm>
+                <a:off x="2129011" y="971896"/>
+                <a:ext cx="171360" cy="322560"/>
+              </a:xfrm>
+              <a:prstGeom prst="rect">
+                <a:avLst/>
+              </a:prstGeom>
+            </p:spPr>
+          </p:pic>
+        </mc:Fallback>
+      </mc:AlternateContent>
+      <p:grpSp>
+        <p:nvGrpSpPr>
+          <p:cNvPr id="36" name="Group 35">
+            <a:extLst>
+              <a:ext uri="{FF2B5EF4-FFF2-40B4-BE49-F238E27FC236}">
+                <a16:creationId xmlns:a16="http://schemas.microsoft.com/office/drawing/2014/main" id="{0D20AB09-BB12-C4B8-FF39-5A5A1F638E4F}"/>
+              </a:ext>
+            </a:extLst>
+          </p:cNvPr>
+          <p:cNvGrpSpPr/>
+          <p:nvPr/>
+        </p:nvGrpSpPr>
+        <p:grpSpPr>
+          <a:xfrm>
+            <a:off x="3773851" y="1017256"/>
+            <a:ext cx="5226480" cy="518760"/>
+            <a:chOff x="6504332" y="12273602"/>
+            <a:chExt cx="5226480" cy="518760"/>
+          </a:xfrm>
+        </p:grpSpPr>
+        <mc:AlternateContent xmlns:mc="http://schemas.openxmlformats.org/markup-compatibility/2006">
+          <mc:Choice xmlns:p14="http://schemas.microsoft.com/office/powerpoint/2010/main" Requires="p14">
+            <p:contentPart p14:bwMode="auto" r:id="rId39">
+              <p14:nvContentPartPr>
+                <p14:cNvPr id="37" name="Ink 36">
+                  <a:extLst>
+                    <a:ext uri="{FF2B5EF4-FFF2-40B4-BE49-F238E27FC236}">
+                      <a16:creationId xmlns:a16="http://schemas.microsoft.com/office/drawing/2014/main" id="{D62E3FF9-13C1-ADC8-36E5-5043BB1BD4AE}"/>
+                    </a:ext>
+                  </a:extLst>
+                </p14:cNvPr>
+                <p14:cNvContentPartPr/>
+                <p14:nvPr/>
+              </p14:nvContentPartPr>
+              <p14:xfrm>
+                <a:off x="6504332" y="12674642"/>
+                <a:ext cx="2248560" cy="20880"/>
+              </p14:xfrm>
+            </p:contentPart>
+          </mc:Choice>
+          <mc:Fallback>
+            <p:pic>
+              <p:nvPicPr>
+                <p:cNvPr id="37" name="Ink 36">
+                  <a:extLst>
+                    <a:ext uri="{FF2B5EF4-FFF2-40B4-BE49-F238E27FC236}">
+                      <a16:creationId xmlns:a16="http://schemas.microsoft.com/office/drawing/2014/main" id="{D62E3FF9-13C1-ADC8-36E5-5043BB1BD4AE}"/>
+                    </a:ext>
+                  </a:extLst>
+                </p:cNvPr>
+                <p:cNvPicPr/>
+                <p:nvPr/>
+              </p:nvPicPr>
+              <p:blipFill>
+                <a:blip r:embed="rId40"/>
+                <a:stretch>
+                  <a:fillRect/>
+                </a:stretch>
+              </p:blipFill>
+              <p:spPr>
+                <a:xfrm>
+                  <a:off x="6486692" y="12656642"/>
+                  <a:ext cx="2284200" cy="56520"/>
+                </a:xfrm>
+                <a:prstGeom prst="rect">
+                  <a:avLst/>
+                </a:prstGeom>
+              </p:spPr>
+            </p:pic>
+          </mc:Fallback>
+        </mc:AlternateContent>
+        <mc:AlternateContent xmlns:mc="http://schemas.openxmlformats.org/markup-compatibility/2006">
+          <mc:Choice xmlns:p14="http://schemas.microsoft.com/office/powerpoint/2010/main" Requires="p14">
+            <p:contentPart p14:bwMode="auto" r:id="rId41">
+              <p14:nvContentPartPr>
+                <p14:cNvPr id="38" name="Ink 37">
+                  <a:extLst>
+                    <a:ext uri="{FF2B5EF4-FFF2-40B4-BE49-F238E27FC236}">
+                      <a16:creationId xmlns:a16="http://schemas.microsoft.com/office/drawing/2014/main" id="{ECD42684-E233-8024-B055-843482B35147}"/>
+                    </a:ext>
+                  </a:extLst>
+                </p14:cNvPr>
+                <p14:cNvContentPartPr/>
+                <p14:nvPr/>
+              </p14:nvContentPartPr>
+              <p14:xfrm>
+                <a:off x="7534652" y="12273602"/>
+                <a:ext cx="191880" cy="293400"/>
+              </p14:xfrm>
+            </p:contentPart>
+          </mc:Choice>
+          <mc:Fallback>
+            <p:pic>
+              <p:nvPicPr>
+                <p:cNvPr id="38" name="Ink 37">
+                  <a:extLst>
+                    <a:ext uri="{FF2B5EF4-FFF2-40B4-BE49-F238E27FC236}">
+                      <a16:creationId xmlns:a16="http://schemas.microsoft.com/office/drawing/2014/main" id="{ECD42684-E233-8024-B055-843482B35147}"/>
+                    </a:ext>
+                  </a:extLst>
+                </p:cNvPr>
+                <p:cNvPicPr/>
+                <p:nvPr/>
+              </p:nvPicPr>
+              <p:blipFill>
+                <a:blip r:embed="rId42"/>
+                <a:stretch>
+                  <a:fillRect/>
+                </a:stretch>
+              </p:blipFill>
+              <p:spPr>
+                <a:xfrm>
+                  <a:off x="7517012" y="12255962"/>
+                  <a:ext cx="227520" cy="329040"/>
+                </a:xfrm>
+                <a:prstGeom prst="rect">
+                  <a:avLst/>
+                </a:prstGeom>
+              </p:spPr>
+            </p:pic>
+          </mc:Fallback>
+        </mc:AlternateContent>
+        <mc:AlternateContent xmlns:mc="http://schemas.openxmlformats.org/markup-compatibility/2006">
+          <mc:Choice xmlns:p14="http://schemas.microsoft.com/office/powerpoint/2010/main" Requires="p14">
+            <p:contentPart p14:bwMode="auto" r:id="rId43">
+              <p14:nvContentPartPr>
+                <p14:cNvPr id="39" name="Ink 38">
+                  <a:extLst>
+                    <a:ext uri="{FF2B5EF4-FFF2-40B4-BE49-F238E27FC236}">
+                      <a16:creationId xmlns:a16="http://schemas.microsoft.com/office/drawing/2014/main" id="{08C95B23-5627-13DF-A5C0-E187100C1D3C}"/>
+                    </a:ext>
+                  </a:extLst>
+                </p14:cNvPr>
+                <p14:cNvContentPartPr/>
+                <p14:nvPr/>
+              </p14:nvContentPartPr>
+              <p14:xfrm>
+                <a:off x="8911652" y="12554402"/>
+                <a:ext cx="2819160" cy="190080"/>
+              </p14:xfrm>
+            </p:contentPart>
+          </mc:Choice>
+          <mc:Fallback>
+            <p:pic>
+              <p:nvPicPr>
+                <p:cNvPr id="39" name="Ink 38">
+                  <a:extLst>
+                    <a:ext uri="{FF2B5EF4-FFF2-40B4-BE49-F238E27FC236}">
+                      <a16:creationId xmlns:a16="http://schemas.microsoft.com/office/drawing/2014/main" id="{08C95B23-5627-13DF-A5C0-E187100C1D3C}"/>
+                    </a:ext>
+                  </a:extLst>
+                </p:cNvPr>
+                <p:cNvPicPr/>
+                <p:nvPr/>
+              </p:nvPicPr>
+              <p:blipFill>
+                <a:blip r:embed="rId44"/>
+                <a:stretch>
+                  <a:fillRect/>
+                </a:stretch>
+              </p:blipFill>
+              <p:spPr>
+                <a:xfrm>
+                  <a:off x="8893652" y="12536402"/>
+                  <a:ext cx="2854800" cy="225720"/>
+                </a:xfrm>
+                <a:prstGeom prst="rect">
+                  <a:avLst/>
+                </a:prstGeom>
+              </p:spPr>
+            </p:pic>
+          </mc:Fallback>
+        </mc:AlternateContent>
+        <mc:AlternateContent xmlns:mc="http://schemas.openxmlformats.org/markup-compatibility/2006">
+          <mc:Choice xmlns:p14="http://schemas.microsoft.com/office/powerpoint/2010/main" Requires="p14">
+            <p:contentPart p14:bwMode="auto" r:id="rId45">
+              <p14:nvContentPartPr>
+                <p14:cNvPr id="40" name="Ink 39">
+                  <a:extLst>
+                    <a:ext uri="{FF2B5EF4-FFF2-40B4-BE49-F238E27FC236}">
+                      <a16:creationId xmlns:a16="http://schemas.microsoft.com/office/drawing/2014/main" id="{B83DCD36-B5A5-E504-3508-F90C9FBD32D4}"/>
+                    </a:ext>
+                  </a:extLst>
+                </p14:cNvPr>
+                <p14:cNvContentPartPr/>
+                <p14:nvPr/>
+              </p14:nvContentPartPr>
+              <p14:xfrm>
+                <a:off x="8910572" y="12643682"/>
+                <a:ext cx="7200" cy="148680"/>
+              </p14:xfrm>
+            </p:contentPart>
+          </mc:Choice>
+          <mc:Fallback>
+            <p:pic>
+              <p:nvPicPr>
+                <p:cNvPr id="40" name="Ink 39">
+                  <a:extLst>
+                    <a:ext uri="{FF2B5EF4-FFF2-40B4-BE49-F238E27FC236}">
+                      <a16:creationId xmlns:a16="http://schemas.microsoft.com/office/drawing/2014/main" id="{B83DCD36-B5A5-E504-3508-F90C9FBD32D4}"/>
+                    </a:ext>
+                  </a:extLst>
+                </p:cNvPr>
+                <p:cNvPicPr/>
+                <p:nvPr/>
+              </p:nvPicPr>
+              <p:blipFill>
+                <a:blip r:embed="rId46"/>
+                <a:stretch>
+                  <a:fillRect/>
+                </a:stretch>
+              </p:blipFill>
+              <p:spPr>
+                <a:xfrm>
+                  <a:off x="8892572" y="12626042"/>
+                  <a:ext cx="42840" cy="184320"/>
+                </a:xfrm>
+                <a:prstGeom prst="rect">
+                  <a:avLst/>
+                </a:prstGeom>
+              </p:spPr>
+            </p:pic>
+          </mc:Fallback>
+        </mc:AlternateContent>
+      </p:grpSp>
+      <p:grpSp>
+        <p:nvGrpSpPr>
+          <p:cNvPr id="41" name="Group 40">
+            <a:extLst>
+              <a:ext uri="{FF2B5EF4-FFF2-40B4-BE49-F238E27FC236}">
+                <a16:creationId xmlns:a16="http://schemas.microsoft.com/office/drawing/2014/main" id="{F988A52A-6E50-769E-7EFB-38571232B0AD}"/>
+              </a:ext>
+            </a:extLst>
+          </p:cNvPr>
+          <p:cNvGrpSpPr/>
+          <p:nvPr/>
+        </p:nvGrpSpPr>
+        <p:grpSpPr>
+          <a:xfrm>
+            <a:off x="6977131" y="996736"/>
+            <a:ext cx="182160" cy="231840"/>
+            <a:chOff x="9707612" y="12253082"/>
+            <a:chExt cx="182160" cy="231840"/>
+          </a:xfrm>
+        </p:grpSpPr>
+        <mc:AlternateContent xmlns:mc="http://schemas.openxmlformats.org/markup-compatibility/2006">
+          <mc:Choice xmlns:p14="http://schemas.microsoft.com/office/powerpoint/2010/main" Requires="p14">
+            <p:contentPart p14:bwMode="auto" r:id="rId47">
+              <p14:nvContentPartPr>
+                <p14:cNvPr id="42" name="Ink 41">
+                  <a:extLst>
+                    <a:ext uri="{FF2B5EF4-FFF2-40B4-BE49-F238E27FC236}">
+                      <a16:creationId xmlns:a16="http://schemas.microsoft.com/office/drawing/2014/main" id="{5D7F7899-8B48-4E33-B16F-AE714A21C7C3}"/>
+                    </a:ext>
+                  </a:extLst>
+                </p14:cNvPr>
+                <p14:cNvContentPartPr/>
+                <p14:nvPr/>
+              </p14:nvContentPartPr>
+              <p14:xfrm>
+                <a:off x="9707612" y="12298082"/>
+                <a:ext cx="182160" cy="186840"/>
+              </p14:xfrm>
+            </p:contentPart>
+          </mc:Choice>
+          <mc:Fallback>
+            <p:pic>
+              <p:nvPicPr>
+                <p:cNvPr id="42" name="Ink 41">
+                  <a:extLst>
+                    <a:ext uri="{FF2B5EF4-FFF2-40B4-BE49-F238E27FC236}">
+                      <a16:creationId xmlns:a16="http://schemas.microsoft.com/office/drawing/2014/main" id="{5D7F7899-8B48-4E33-B16F-AE714A21C7C3}"/>
+                    </a:ext>
+                  </a:extLst>
+                </p:cNvPr>
+                <p:cNvPicPr/>
+                <p:nvPr/>
+              </p:nvPicPr>
+              <p:blipFill>
+                <a:blip r:embed="rId48"/>
+                <a:stretch>
+                  <a:fillRect/>
+                </a:stretch>
+              </p:blipFill>
+              <p:spPr>
+                <a:xfrm>
+                  <a:off x="9689612" y="12280442"/>
+                  <a:ext cx="217800" cy="222480"/>
+                </a:xfrm>
+                <a:prstGeom prst="rect">
+                  <a:avLst/>
+                </a:prstGeom>
+              </p:spPr>
+            </p:pic>
+          </mc:Fallback>
+        </mc:AlternateContent>
+        <mc:AlternateContent xmlns:mc="http://schemas.openxmlformats.org/markup-compatibility/2006">
+          <mc:Choice xmlns:p14="http://schemas.microsoft.com/office/powerpoint/2010/main" Requires="p14">
+            <p:contentPart p14:bwMode="auto" r:id="rId49">
+              <p14:nvContentPartPr>
+                <p14:cNvPr id="43" name="Ink 42">
+                  <a:extLst>
+                    <a:ext uri="{FF2B5EF4-FFF2-40B4-BE49-F238E27FC236}">
+                      <a16:creationId xmlns:a16="http://schemas.microsoft.com/office/drawing/2014/main" id="{0282DC51-DCC1-F9D8-75B6-1790FB613A8E}"/>
+                    </a:ext>
+                  </a:extLst>
+                </p14:cNvPr>
+                <p14:cNvContentPartPr/>
+                <p14:nvPr/>
+              </p14:nvContentPartPr>
+              <p14:xfrm>
+                <a:off x="9721292" y="12253082"/>
+                <a:ext cx="163440" cy="2520"/>
+              </p14:xfrm>
+            </p:contentPart>
+          </mc:Choice>
+          <mc:Fallback>
+            <p:pic>
+              <p:nvPicPr>
+                <p:cNvPr id="43" name="Ink 42">
+                  <a:extLst>
+                    <a:ext uri="{FF2B5EF4-FFF2-40B4-BE49-F238E27FC236}">
+                      <a16:creationId xmlns:a16="http://schemas.microsoft.com/office/drawing/2014/main" id="{0282DC51-DCC1-F9D8-75B6-1790FB613A8E}"/>
+                    </a:ext>
+                  </a:extLst>
+                </p:cNvPr>
+                <p:cNvPicPr/>
+                <p:nvPr/>
+              </p:nvPicPr>
+              <p:blipFill>
+                <a:blip r:embed="rId50"/>
+                <a:stretch>
+                  <a:fillRect/>
+                </a:stretch>
+              </p:blipFill>
+              <p:spPr>
+                <a:xfrm>
+                  <a:off x="9703292" y="12235442"/>
+                  <a:ext cx="199080" cy="38160"/>
+                </a:xfrm>
+                <a:prstGeom prst="rect">
+                  <a:avLst/>
+                </a:prstGeom>
+              </p:spPr>
+            </p:pic>
+          </mc:Fallback>
+        </mc:AlternateContent>
+      </p:grpSp>
+      <p:grpSp>
+        <p:nvGrpSpPr>
+          <p:cNvPr id="44" name="Group 43">
+            <a:extLst>
+              <a:ext uri="{FF2B5EF4-FFF2-40B4-BE49-F238E27FC236}">
+                <a16:creationId xmlns:a16="http://schemas.microsoft.com/office/drawing/2014/main" id="{5065333A-E77D-A629-D9B5-7FA7C0FF654F}"/>
+              </a:ext>
+            </a:extLst>
+          </p:cNvPr>
+          <p:cNvGrpSpPr/>
+          <p:nvPr/>
+        </p:nvGrpSpPr>
+        <p:grpSpPr>
+          <a:xfrm>
+            <a:off x="3540931" y="1358536"/>
+            <a:ext cx="216360" cy="178560"/>
+            <a:chOff x="6271412" y="12614882"/>
+            <a:chExt cx="216360" cy="178560"/>
+          </a:xfrm>
+        </p:grpSpPr>
+        <mc:AlternateContent xmlns:mc="http://schemas.openxmlformats.org/markup-compatibility/2006">
+          <mc:Choice xmlns:p14="http://schemas.microsoft.com/office/powerpoint/2010/main" Requires="p14">
+            <p:contentPart p14:bwMode="auto" r:id="rId51">
+              <p14:nvContentPartPr>
+                <p14:cNvPr id="45" name="Ink 44">
+                  <a:extLst>
+                    <a:ext uri="{FF2B5EF4-FFF2-40B4-BE49-F238E27FC236}">
+                      <a16:creationId xmlns:a16="http://schemas.microsoft.com/office/drawing/2014/main" id="{0648EE44-BA74-BA5D-15F4-46C67B1C5C9F}"/>
+                    </a:ext>
+                  </a:extLst>
+                </p14:cNvPr>
+                <p14:cNvContentPartPr/>
+                <p14:nvPr/>
+              </p14:nvContentPartPr>
+              <p14:xfrm>
+                <a:off x="6484892" y="12614882"/>
+                <a:ext cx="2880" cy="178560"/>
+              </p14:xfrm>
+            </p:contentPart>
+          </mc:Choice>
+          <mc:Fallback>
+            <p:pic>
+              <p:nvPicPr>
+                <p:cNvPr id="45" name="Ink 44">
+                  <a:extLst>
+                    <a:ext uri="{FF2B5EF4-FFF2-40B4-BE49-F238E27FC236}">
+                      <a16:creationId xmlns:a16="http://schemas.microsoft.com/office/drawing/2014/main" id="{0648EE44-BA74-BA5D-15F4-46C67B1C5C9F}"/>
+                    </a:ext>
+                  </a:extLst>
+                </p:cNvPr>
+                <p:cNvPicPr/>
+                <p:nvPr/>
+              </p:nvPicPr>
+              <p:blipFill>
+                <a:blip r:embed="rId52"/>
+                <a:stretch>
+                  <a:fillRect/>
+                </a:stretch>
+              </p:blipFill>
+              <p:spPr>
+                <a:xfrm>
+                  <a:off x="6467252" y="12597242"/>
+                  <a:ext cx="38520" cy="214200"/>
+                </a:xfrm>
+                <a:prstGeom prst="rect">
+                  <a:avLst/>
+                </a:prstGeom>
+              </p:spPr>
+            </p:pic>
+          </mc:Fallback>
+        </mc:AlternateContent>
+        <mc:AlternateContent xmlns:mc="http://schemas.openxmlformats.org/markup-compatibility/2006">
+          <mc:Choice xmlns:p14="http://schemas.microsoft.com/office/powerpoint/2010/main" Requires="p14">
+            <p:contentPart p14:bwMode="auto" r:id="rId53">
+              <p14:nvContentPartPr>
+                <p14:cNvPr id="46" name="Ink 45">
+                  <a:extLst>
+                    <a:ext uri="{FF2B5EF4-FFF2-40B4-BE49-F238E27FC236}">
+                      <a16:creationId xmlns:a16="http://schemas.microsoft.com/office/drawing/2014/main" id="{FEE62D09-B0D2-5105-97C9-70767F0E5ED4}"/>
+                    </a:ext>
+                  </a:extLst>
+                </p14:cNvPr>
+                <p14:cNvContentPartPr/>
+                <p14:nvPr/>
+              </p14:nvContentPartPr>
+              <p14:xfrm>
+                <a:off x="6271412" y="12616682"/>
+                <a:ext cx="360" cy="95760"/>
+              </p14:xfrm>
+            </p:contentPart>
+          </mc:Choice>
+          <mc:Fallback>
+            <p:pic>
+              <p:nvPicPr>
+                <p:cNvPr id="46" name="Ink 45">
+                  <a:extLst>
+                    <a:ext uri="{FF2B5EF4-FFF2-40B4-BE49-F238E27FC236}">
+                      <a16:creationId xmlns:a16="http://schemas.microsoft.com/office/drawing/2014/main" id="{FEE62D09-B0D2-5105-97C9-70767F0E5ED4}"/>
+                    </a:ext>
+                  </a:extLst>
+                </p:cNvPr>
+                <p:cNvPicPr/>
+                <p:nvPr/>
+              </p:nvPicPr>
+              <p:blipFill>
+                <a:blip r:embed="rId54"/>
+                <a:stretch>
+                  <a:fillRect/>
+                </a:stretch>
+              </p:blipFill>
+              <p:spPr>
+                <a:xfrm>
+                  <a:off x="6253772" y="12598682"/>
+                  <a:ext cx="36000" cy="131400"/>
+                </a:xfrm>
+                <a:prstGeom prst="rect">
+                  <a:avLst/>
+                </a:prstGeom>
+              </p:spPr>
+            </p:pic>
+          </mc:Fallback>
+        </mc:AlternateContent>
+      </p:grpSp>
+      <p:grpSp>
+        <p:nvGrpSpPr>
+          <p:cNvPr id="47" name="Group 46">
+            <a:extLst>
+              <a:ext uri="{FF2B5EF4-FFF2-40B4-BE49-F238E27FC236}">
+                <a16:creationId xmlns:a16="http://schemas.microsoft.com/office/drawing/2014/main" id="{60524480-C33F-CF77-D0E7-B194829C697F}"/>
+              </a:ext>
+            </a:extLst>
+          </p:cNvPr>
+          <p:cNvGrpSpPr/>
+          <p:nvPr/>
+        </p:nvGrpSpPr>
+        <p:grpSpPr>
+          <a:xfrm>
+            <a:off x="1011616" y="1339456"/>
+            <a:ext cx="397035" cy="4989992"/>
+            <a:chOff x="3742097" y="12595802"/>
+            <a:chExt cx="397035" cy="4989992"/>
+          </a:xfrm>
+        </p:grpSpPr>
+        <mc:AlternateContent xmlns:mc="http://schemas.openxmlformats.org/markup-compatibility/2006">
+          <mc:Choice xmlns:p14="http://schemas.microsoft.com/office/powerpoint/2010/main" Requires="p14">
+            <p:contentPart p14:bwMode="auto" r:id="rId55">
+              <p14:nvContentPartPr>
+                <p14:cNvPr id="48" name="Ink 47">
+                  <a:extLst>
+                    <a:ext uri="{FF2B5EF4-FFF2-40B4-BE49-F238E27FC236}">
+                      <a16:creationId xmlns:a16="http://schemas.microsoft.com/office/drawing/2014/main" id="{CE76D521-90BA-0393-F34F-CA193ED76AD8}"/>
+                    </a:ext>
+                  </a:extLst>
+                </p14:cNvPr>
+                <p14:cNvContentPartPr/>
+                <p14:nvPr/>
+              </p14:nvContentPartPr>
+              <p14:xfrm>
+                <a:off x="3742097" y="12952594"/>
+                <a:ext cx="204120" cy="360"/>
+              </p14:xfrm>
+            </p:contentPart>
+          </mc:Choice>
+          <mc:Fallback>
+            <p:pic>
+              <p:nvPicPr>
+                <p:cNvPr id="48" name="Ink 47">
+                  <a:extLst>
+                    <a:ext uri="{FF2B5EF4-FFF2-40B4-BE49-F238E27FC236}">
+                      <a16:creationId xmlns:a16="http://schemas.microsoft.com/office/drawing/2014/main" id="{CE76D521-90BA-0393-F34F-CA193ED76AD8}"/>
+                    </a:ext>
+                  </a:extLst>
+                </p:cNvPr>
+                <p:cNvPicPr/>
+                <p:nvPr/>
+              </p:nvPicPr>
+              <p:blipFill>
+                <a:blip r:embed="rId18"/>
+                <a:stretch>
+                  <a:fillRect/>
+                </a:stretch>
+              </p:blipFill>
+              <p:spPr>
+                <a:xfrm>
+                  <a:off x="3724457" y="12934954"/>
+                  <a:ext cx="239760" cy="36000"/>
+                </a:xfrm>
+                <a:prstGeom prst="rect">
+                  <a:avLst/>
+                </a:prstGeom>
+              </p:spPr>
+            </p:pic>
+          </mc:Fallback>
+        </mc:AlternateContent>
+        <mc:AlternateContent xmlns:mc="http://schemas.openxmlformats.org/markup-compatibility/2006">
+          <mc:Choice xmlns:p14="http://schemas.microsoft.com/office/powerpoint/2010/main" Requires="p14">
+            <p:contentPart p14:bwMode="auto" r:id="rId56">
+              <p14:nvContentPartPr>
+                <p14:cNvPr id="49" name="Ink 48">
+                  <a:extLst>
+                    <a:ext uri="{FF2B5EF4-FFF2-40B4-BE49-F238E27FC236}">
+                      <a16:creationId xmlns:a16="http://schemas.microsoft.com/office/drawing/2014/main" id="{2FE01C77-4444-B977-FD8C-FA75FCF880C1}"/>
+                    </a:ext>
+                  </a:extLst>
+                </p14:cNvPr>
+                <p14:cNvContentPartPr/>
+                <p14:nvPr/>
+              </p14:nvContentPartPr>
+              <p14:xfrm>
+                <a:off x="3767657" y="12952594"/>
+                <a:ext cx="296640" cy="2348280"/>
+              </p14:xfrm>
+            </p:contentPart>
+          </mc:Choice>
+          <mc:Fallback>
+            <p:pic>
+              <p:nvPicPr>
+                <p:cNvPr id="49" name="Ink 48">
+                  <a:extLst>
+                    <a:ext uri="{FF2B5EF4-FFF2-40B4-BE49-F238E27FC236}">
+                      <a16:creationId xmlns:a16="http://schemas.microsoft.com/office/drawing/2014/main" id="{2FE01C77-4444-B977-FD8C-FA75FCF880C1}"/>
+                    </a:ext>
+                  </a:extLst>
+                </p:cNvPr>
+                <p:cNvPicPr/>
+                <p:nvPr/>
+              </p:nvPicPr>
+              <p:blipFill>
+                <a:blip r:embed="rId57"/>
+                <a:stretch>
+                  <a:fillRect/>
+                </a:stretch>
+              </p:blipFill>
+              <p:spPr>
+                <a:xfrm>
+                  <a:off x="3749657" y="12934954"/>
+                  <a:ext cx="332280" cy="2383920"/>
+                </a:xfrm>
+                <a:prstGeom prst="rect">
+                  <a:avLst/>
+                </a:prstGeom>
+              </p:spPr>
+            </p:pic>
+          </mc:Fallback>
+        </mc:AlternateContent>
+        <mc:AlternateContent xmlns:mc="http://schemas.openxmlformats.org/markup-compatibility/2006">
+          <mc:Choice xmlns:p14="http://schemas.microsoft.com/office/powerpoint/2010/main" Requires="p14">
+            <p:contentPart p14:bwMode="auto" r:id="rId58">
+              <p14:nvContentPartPr>
+                <p14:cNvPr id="50" name="Ink 49">
+                  <a:extLst>
+                    <a:ext uri="{FF2B5EF4-FFF2-40B4-BE49-F238E27FC236}">
+                      <a16:creationId xmlns:a16="http://schemas.microsoft.com/office/drawing/2014/main" id="{8873C4E2-C62E-2AA8-758B-D3FD4202EE51}"/>
+                    </a:ext>
+                  </a:extLst>
+                </p14:cNvPr>
+                <p14:cNvContentPartPr/>
+                <p14:nvPr/>
+              </p14:nvContentPartPr>
+              <p14:xfrm>
+                <a:off x="3743537" y="15411034"/>
+                <a:ext cx="252000" cy="12600"/>
+              </p14:xfrm>
+            </p:contentPart>
+          </mc:Choice>
+          <mc:Fallback>
+            <p:pic>
+              <p:nvPicPr>
+                <p:cNvPr id="50" name="Ink 49">
+                  <a:extLst>
+                    <a:ext uri="{FF2B5EF4-FFF2-40B4-BE49-F238E27FC236}">
+                      <a16:creationId xmlns:a16="http://schemas.microsoft.com/office/drawing/2014/main" id="{8873C4E2-C62E-2AA8-758B-D3FD4202EE51}"/>
+                    </a:ext>
+                  </a:extLst>
+                </p:cNvPr>
+                <p:cNvPicPr/>
+                <p:nvPr/>
+              </p:nvPicPr>
+              <p:blipFill>
+                <a:blip r:embed="rId59"/>
+                <a:stretch>
+                  <a:fillRect/>
+                </a:stretch>
+              </p:blipFill>
+              <p:spPr>
+                <a:xfrm>
+                  <a:off x="3725537" y="15393394"/>
+                  <a:ext cx="287640" cy="48240"/>
+                </a:xfrm>
+                <a:prstGeom prst="rect">
+                  <a:avLst/>
+                </a:prstGeom>
+              </p:spPr>
+            </p:pic>
+          </mc:Fallback>
+        </mc:AlternateContent>
+        <mc:AlternateContent xmlns:mc="http://schemas.openxmlformats.org/markup-compatibility/2006">
+          <mc:Choice xmlns:p14="http://schemas.microsoft.com/office/powerpoint/2010/main" Requires="p14">
+            <p:contentPart p14:bwMode="auto" r:id="rId60">
+              <p14:nvContentPartPr>
+                <p14:cNvPr id="51" name="Ink 50">
+                  <a:extLst>
+                    <a:ext uri="{FF2B5EF4-FFF2-40B4-BE49-F238E27FC236}">
+                      <a16:creationId xmlns:a16="http://schemas.microsoft.com/office/drawing/2014/main" id="{C5B547A1-5BF7-FCCA-0AA0-4AFA372BABFE}"/>
+                    </a:ext>
+                  </a:extLst>
+                </p14:cNvPr>
+                <p14:cNvContentPartPr/>
+                <p14:nvPr/>
+              </p14:nvContentPartPr>
+              <p14:xfrm>
+                <a:off x="3802217" y="15419674"/>
+                <a:ext cx="212760" cy="2166120"/>
+              </p14:xfrm>
+            </p:contentPart>
+          </mc:Choice>
+          <mc:Fallback>
+            <p:pic>
+              <p:nvPicPr>
+                <p:cNvPr id="51" name="Ink 50">
+                  <a:extLst>
+                    <a:ext uri="{FF2B5EF4-FFF2-40B4-BE49-F238E27FC236}">
+                      <a16:creationId xmlns:a16="http://schemas.microsoft.com/office/drawing/2014/main" id="{C5B547A1-5BF7-FCCA-0AA0-4AFA372BABFE}"/>
+                    </a:ext>
+                  </a:extLst>
+                </p:cNvPr>
+                <p:cNvPicPr/>
+                <p:nvPr/>
+              </p:nvPicPr>
+              <p:blipFill>
+                <a:blip r:embed="rId61"/>
+                <a:stretch>
+                  <a:fillRect/>
+                </a:stretch>
+              </p:blipFill>
+              <p:spPr>
+                <a:xfrm>
+                  <a:off x="3784577" y="15401674"/>
+                  <a:ext cx="248400" cy="2201760"/>
+                </a:xfrm>
+                <a:prstGeom prst="rect">
+                  <a:avLst/>
+                </a:prstGeom>
+              </p:spPr>
+            </p:pic>
+          </mc:Fallback>
+        </mc:AlternateContent>
+        <mc:AlternateContent xmlns:mc="http://schemas.openxmlformats.org/markup-compatibility/2006">
+          <mc:Choice xmlns:p14="http://schemas.microsoft.com/office/powerpoint/2010/main" Requires="p14">
+            <p:contentPart p14:bwMode="auto" r:id="rId62">
+              <p14:nvContentPartPr>
+                <p14:cNvPr id="52" name="Ink 51">
+                  <a:extLst>
+                    <a:ext uri="{FF2B5EF4-FFF2-40B4-BE49-F238E27FC236}">
+                      <a16:creationId xmlns:a16="http://schemas.microsoft.com/office/drawing/2014/main" id="{401E00D1-7182-BEAC-1E1D-A7E1925AF7DA}"/>
+                    </a:ext>
+                  </a:extLst>
+                </p14:cNvPr>
+                <p14:cNvContentPartPr/>
+                <p14:nvPr/>
+              </p14:nvContentPartPr>
+              <p14:xfrm>
+                <a:off x="4138772" y="12595802"/>
+                <a:ext cx="360" cy="157320"/>
+              </p14:xfrm>
+            </p:contentPart>
+          </mc:Choice>
+          <mc:Fallback>
+            <p:pic>
+              <p:nvPicPr>
+                <p:cNvPr id="52" name="Ink 51">
+                  <a:extLst>
+                    <a:ext uri="{FF2B5EF4-FFF2-40B4-BE49-F238E27FC236}">
+                      <a16:creationId xmlns:a16="http://schemas.microsoft.com/office/drawing/2014/main" id="{401E00D1-7182-BEAC-1E1D-A7E1925AF7DA}"/>
+                    </a:ext>
+                  </a:extLst>
+                </p:cNvPr>
+                <p:cNvPicPr/>
+                <p:nvPr/>
+              </p:nvPicPr>
+              <p:blipFill>
+                <a:blip r:embed="rId63"/>
+                <a:stretch>
+                  <a:fillRect/>
+                </a:stretch>
+              </p:blipFill>
+              <p:spPr>
+                <a:xfrm>
+                  <a:off x="4121132" y="12578162"/>
+                  <a:ext cx="36000" cy="192960"/>
+                </a:xfrm>
+                <a:prstGeom prst="rect">
+                  <a:avLst/>
+                </a:prstGeom>
+              </p:spPr>
+            </p:pic>
+          </mc:Fallback>
+        </mc:AlternateContent>
+      </p:grpSp>
+      <mc:AlternateContent xmlns:mc="http://schemas.openxmlformats.org/markup-compatibility/2006">
+        <mc:Choice xmlns:p14="http://schemas.microsoft.com/office/powerpoint/2010/main" Requires="p14">
+          <p:contentPart p14:bwMode="auto" r:id="rId64">
+            <p14:nvContentPartPr>
+              <p14:cNvPr id="53" name="Ink 52">
+                <a:extLst>
+                  <a:ext uri="{FF2B5EF4-FFF2-40B4-BE49-F238E27FC236}">
+                    <a16:creationId xmlns:a16="http://schemas.microsoft.com/office/drawing/2014/main" id="{03D02C4F-6D2E-F0CF-89C1-D246C9694C4D}"/>
+                  </a:ext>
+                </a:extLst>
+              </p14:cNvPr>
+              <p14:cNvContentPartPr/>
+              <p14:nvPr/>
+            </p14:nvContentPartPr>
+            <p14:xfrm>
+              <a:off x="5479090" y="8368858"/>
+              <a:ext cx="1759320" cy="234000"/>
+            </p14:xfrm>
+          </p:contentPart>
+        </mc:Choice>
+        <mc:Fallback>
+          <p:pic>
+            <p:nvPicPr>
+              <p:cNvPr id="53" name="Ink 52">
+                <a:extLst>
+                  <a:ext uri="{FF2B5EF4-FFF2-40B4-BE49-F238E27FC236}">
+                    <a16:creationId xmlns:a16="http://schemas.microsoft.com/office/drawing/2014/main" id="{03D02C4F-6D2E-F0CF-89C1-D246C9694C4D}"/>
+                  </a:ext>
+                </a:extLst>
+              </p:cNvPr>
+              <p:cNvPicPr/>
+              <p:nvPr/>
+            </p:nvPicPr>
+            <p:blipFill>
+              <a:blip r:embed="rId65"/>
+              <a:stretch>
+                <a:fillRect/>
+              </a:stretch>
+            </p:blipFill>
+            <p:spPr>
+              <a:xfrm>
+                <a:off x="5461450" y="8351218"/>
+                <a:ext cx="1794960" cy="269640"/>
+              </a:xfrm>
+              <a:prstGeom prst="rect">
+                <a:avLst/>
+              </a:prstGeom>
+            </p:spPr>
+          </p:pic>
+        </mc:Fallback>
+      </mc:AlternateContent>
+      <mc:AlternateContent xmlns:mc="http://schemas.openxmlformats.org/markup-compatibility/2006">
+        <mc:Choice xmlns:p14="http://schemas.microsoft.com/office/powerpoint/2010/main" Requires="p14">
+          <p:contentPart p14:bwMode="auto" r:id="rId66">
+            <p14:nvContentPartPr>
+              <p14:cNvPr id="54" name="Ink 53">
+                <a:extLst>
+                  <a:ext uri="{FF2B5EF4-FFF2-40B4-BE49-F238E27FC236}">
+                    <a16:creationId xmlns:a16="http://schemas.microsoft.com/office/drawing/2014/main" id="{00E45CDE-2FC4-8737-D9AD-D41EBDAAF8EA}"/>
+                  </a:ext>
+                </a:extLst>
+              </p14:cNvPr>
+              <p14:cNvContentPartPr/>
+              <p14:nvPr/>
+            </p14:nvContentPartPr>
+            <p14:xfrm>
+              <a:off x="7297090" y="8354818"/>
+              <a:ext cx="1620360" cy="217080"/>
+            </p14:xfrm>
+          </p:contentPart>
+        </mc:Choice>
+        <mc:Fallback>
+          <p:pic>
+            <p:nvPicPr>
+              <p:cNvPr id="54" name="Ink 53">
+                <a:extLst>
+                  <a:ext uri="{FF2B5EF4-FFF2-40B4-BE49-F238E27FC236}">
+                    <a16:creationId xmlns:a16="http://schemas.microsoft.com/office/drawing/2014/main" id="{00E45CDE-2FC4-8737-D9AD-D41EBDAAF8EA}"/>
+                  </a:ext>
+                </a:extLst>
+              </p:cNvPr>
+              <p:cNvPicPr/>
+              <p:nvPr/>
+            </p:nvPicPr>
+            <p:blipFill>
+              <a:blip r:embed="rId67"/>
+              <a:stretch>
+                <a:fillRect/>
+              </a:stretch>
+            </p:blipFill>
+            <p:spPr>
+              <a:xfrm>
+                <a:off x="7279450" y="8336818"/>
+                <a:ext cx="1656000" cy="252720"/>
+              </a:xfrm>
+              <a:prstGeom prst="rect">
+                <a:avLst/>
+              </a:prstGeom>
+            </p:spPr>
+          </p:pic>
+        </mc:Fallback>
+      </mc:AlternateContent>
+      <p:sp>
+        <p:nvSpPr>
+          <p:cNvPr id="55" name="TextBox 54">
+            <a:extLst>
+              <a:ext uri="{FF2B5EF4-FFF2-40B4-BE49-F238E27FC236}">
+                <a16:creationId xmlns:a16="http://schemas.microsoft.com/office/drawing/2014/main" id="{646520EF-B232-60EB-DDE6-E91B066481E7}"/>
+              </a:ext>
+            </a:extLst>
+          </p:cNvPr>
+          <p:cNvSpPr txBox="1"/>
+          <p:nvPr/>
+        </p:nvSpPr>
+        <p:spPr>
+          <a:xfrm>
+            <a:off x="6120544" y="8655888"/>
+            <a:ext cx="476412" cy="369332"/>
+          </a:xfrm>
+          <a:prstGeom prst="rect">
+            <a:avLst/>
+          </a:prstGeom>
+          <a:noFill/>
+        </p:spPr>
+        <p:txBody>
+          <a:bodyPr wrap="none" rtlCol="0">
+            <a:spAutoFit/>
+          </a:bodyPr>
+          <a:lstStyle/>
+          <a:p>
+            <a:r>
+              <a:rPr lang="en-AT" dirty="0"/>
+              <a:t>3.5</a:t>
+            </a:r>
+          </a:p>
+        </p:txBody>
+      </p:sp>
+      <p:sp>
+        <p:nvSpPr>
+          <p:cNvPr id="56" name="TextBox 55">
+            <a:extLst>
+              <a:ext uri="{FF2B5EF4-FFF2-40B4-BE49-F238E27FC236}">
+                <a16:creationId xmlns:a16="http://schemas.microsoft.com/office/drawing/2014/main" id="{9CA2D1FA-1B7B-541B-C03B-C154CC5690C3}"/>
+              </a:ext>
+            </a:extLst>
+          </p:cNvPr>
+          <p:cNvSpPr txBox="1"/>
+          <p:nvPr/>
+        </p:nvSpPr>
+        <p:spPr>
+          <a:xfrm>
+            <a:off x="7809965" y="8655888"/>
+            <a:ext cx="476412" cy="369332"/>
+          </a:xfrm>
+          <a:prstGeom prst="rect">
+            <a:avLst/>
+          </a:prstGeom>
+          <a:noFill/>
+        </p:spPr>
+        <p:txBody>
+          <a:bodyPr wrap="none" rtlCol="0">
+            <a:spAutoFit/>
+          </a:bodyPr>
+          <a:lstStyle/>
+          <a:p>
+            <a:r>
+              <a:rPr lang="en-AT" dirty="0"/>
+              <a:t>3.5</a:t>
+            </a:r>
+          </a:p>
+        </p:txBody>
+      </p:sp>
+      <mc:AlternateContent xmlns:mc="http://schemas.openxmlformats.org/markup-compatibility/2006">
+        <mc:Choice xmlns:p14="http://schemas.microsoft.com/office/powerpoint/2010/main" Requires="p14">
+          <p:contentPart p14:bwMode="auto" r:id="rId68">
+            <p14:nvContentPartPr>
+              <p14:cNvPr id="57" name="Ink 56">
+                <a:extLst>
+                  <a:ext uri="{FF2B5EF4-FFF2-40B4-BE49-F238E27FC236}">
+                    <a16:creationId xmlns:a16="http://schemas.microsoft.com/office/drawing/2014/main" id="{611EAF2D-8BEF-1C76-606C-DE082D61B8EC}"/>
+                  </a:ext>
+                </a:extLst>
+              </p14:cNvPr>
+              <p14:cNvContentPartPr/>
+              <p14:nvPr/>
+            </p14:nvContentPartPr>
+            <p14:xfrm>
+              <a:off x="7264330" y="4265643"/>
+              <a:ext cx="9000" cy="830880"/>
+            </p14:xfrm>
+          </p:contentPart>
+        </mc:Choice>
+        <mc:Fallback>
+          <p:pic>
+            <p:nvPicPr>
+              <p:cNvPr id="57" name="Ink 56">
+                <a:extLst>
+                  <a:ext uri="{FF2B5EF4-FFF2-40B4-BE49-F238E27FC236}">
+                    <a16:creationId xmlns:a16="http://schemas.microsoft.com/office/drawing/2014/main" id="{611EAF2D-8BEF-1C76-606C-DE082D61B8EC}"/>
+                  </a:ext>
+                </a:extLst>
+              </p:cNvPr>
+              <p:cNvPicPr/>
+              <p:nvPr/>
+            </p:nvPicPr>
+            <p:blipFill>
+              <a:blip r:embed="rId69"/>
+              <a:stretch>
+                <a:fillRect/>
+              </a:stretch>
+            </p:blipFill>
+            <p:spPr>
+              <a:xfrm>
+                <a:off x="7246690" y="4248003"/>
+                <a:ext cx="44640" cy="866520"/>
+              </a:xfrm>
+              <a:prstGeom prst="rect">
+                <a:avLst/>
+              </a:prstGeom>
+            </p:spPr>
+          </p:pic>
+        </mc:Fallback>
+      </mc:AlternateContent>
+      <p:grpSp>
+        <p:nvGrpSpPr>
+          <p:cNvPr id="58" name="Group 57">
+            <a:extLst>
+              <a:ext uri="{FF2B5EF4-FFF2-40B4-BE49-F238E27FC236}">
+                <a16:creationId xmlns:a16="http://schemas.microsoft.com/office/drawing/2014/main" id="{90A57061-1296-6527-ED6B-7D937FD99D43}"/>
+              </a:ext>
+            </a:extLst>
+          </p:cNvPr>
+          <p:cNvGrpSpPr/>
+          <p:nvPr/>
+        </p:nvGrpSpPr>
+        <p:grpSpPr>
+          <a:xfrm>
+            <a:off x="6590770" y="4556883"/>
+            <a:ext cx="421560" cy="275040"/>
+            <a:chOff x="9321251" y="15813229"/>
+            <a:chExt cx="421560" cy="275040"/>
+          </a:xfrm>
+        </p:grpSpPr>
+        <mc:AlternateContent xmlns:mc="http://schemas.openxmlformats.org/markup-compatibility/2006">
+          <mc:Choice xmlns:p14="http://schemas.microsoft.com/office/powerpoint/2010/main" Requires="p14">
+            <p:contentPart p14:bwMode="auto" r:id="rId70">
+              <p14:nvContentPartPr>
+                <p14:cNvPr id="59" name="Ink 58">
+                  <a:extLst>
+                    <a:ext uri="{FF2B5EF4-FFF2-40B4-BE49-F238E27FC236}">
+                      <a16:creationId xmlns:a16="http://schemas.microsoft.com/office/drawing/2014/main" id="{7B07595A-5FFE-FBCF-893C-78AFA846D098}"/>
+                    </a:ext>
+                  </a:extLst>
+                </p14:cNvPr>
+                <p14:cNvContentPartPr/>
+                <p14:nvPr/>
+              </p14:nvContentPartPr>
+              <p14:xfrm>
+                <a:off x="9321251" y="15862189"/>
+                <a:ext cx="49320" cy="226080"/>
+              </p14:xfrm>
+            </p:contentPart>
+          </mc:Choice>
+          <mc:Fallback>
+            <p:pic>
+              <p:nvPicPr>
+                <p:cNvPr id="59" name="Ink 58">
+                  <a:extLst>
+                    <a:ext uri="{FF2B5EF4-FFF2-40B4-BE49-F238E27FC236}">
+                      <a16:creationId xmlns:a16="http://schemas.microsoft.com/office/drawing/2014/main" id="{7B07595A-5FFE-FBCF-893C-78AFA846D098}"/>
+                    </a:ext>
+                  </a:extLst>
+                </p:cNvPr>
+                <p:cNvPicPr/>
+                <p:nvPr/>
+              </p:nvPicPr>
+              <p:blipFill>
+                <a:blip r:embed="rId71"/>
+                <a:stretch>
+                  <a:fillRect/>
+                </a:stretch>
+              </p:blipFill>
+              <p:spPr>
+                <a:xfrm>
+                  <a:off x="9303251" y="15844189"/>
+                  <a:ext cx="84960" cy="261720"/>
+                </a:xfrm>
+                <a:prstGeom prst="rect">
+                  <a:avLst/>
+                </a:prstGeom>
+              </p:spPr>
+            </p:pic>
+          </mc:Fallback>
+        </mc:AlternateContent>
+        <mc:AlternateContent xmlns:mc="http://schemas.openxmlformats.org/markup-compatibility/2006">
+          <mc:Choice xmlns:p14="http://schemas.microsoft.com/office/powerpoint/2010/main" Requires="p14">
+            <p:contentPart p14:bwMode="auto" r:id="rId72">
+              <p14:nvContentPartPr>
+                <p14:cNvPr id="60" name="Ink 59">
+                  <a:extLst>
+                    <a:ext uri="{FF2B5EF4-FFF2-40B4-BE49-F238E27FC236}">
+                      <a16:creationId xmlns:a16="http://schemas.microsoft.com/office/drawing/2014/main" id="{9B28836E-9175-8352-41C1-D6A3715741D5}"/>
+                    </a:ext>
+                  </a:extLst>
+                </p14:cNvPr>
+                <p14:cNvContentPartPr/>
+                <p14:nvPr/>
+              </p14:nvContentPartPr>
+              <p14:xfrm>
+                <a:off x="9540131" y="16041469"/>
+                <a:ext cx="360" cy="360"/>
+              </p14:xfrm>
+            </p:contentPart>
+          </mc:Choice>
+          <mc:Fallback>
+            <p:pic>
+              <p:nvPicPr>
+                <p:cNvPr id="60" name="Ink 59">
+                  <a:extLst>
+                    <a:ext uri="{FF2B5EF4-FFF2-40B4-BE49-F238E27FC236}">
+                      <a16:creationId xmlns:a16="http://schemas.microsoft.com/office/drawing/2014/main" id="{9B28836E-9175-8352-41C1-D6A3715741D5}"/>
+                    </a:ext>
+                  </a:extLst>
+                </p:cNvPr>
+                <p:cNvPicPr/>
+                <p:nvPr/>
+              </p:nvPicPr>
+              <p:blipFill>
+                <a:blip r:embed="rId73"/>
+                <a:stretch>
+                  <a:fillRect/>
+                </a:stretch>
+              </p:blipFill>
+              <p:spPr>
+                <a:xfrm>
+                  <a:off x="9522491" y="16023469"/>
+                  <a:ext cx="36000" cy="36000"/>
+                </a:xfrm>
+                <a:prstGeom prst="rect">
+                  <a:avLst/>
+                </a:prstGeom>
+              </p:spPr>
+            </p:pic>
+          </mc:Fallback>
+        </mc:AlternateContent>
+        <mc:AlternateContent xmlns:mc="http://schemas.openxmlformats.org/markup-compatibility/2006">
+          <mc:Choice xmlns:p14="http://schemas.microsoft.com/office/powerpoint/2010/main" Requires="p14">
+            <p:contentPart p14:bwMode="auto" r:id="rId74">
+              <p14:nvContentPartPr>
+                <p14:cNvPr id="61" name="Ink 60">
+                  <a:extLst>
+                    <a:ext uri="{FF2B5EF4-FFF2-40B4-BE49-F238E27FC236}">
+                      <a16:creationId xmlns:a16="http://schemas.microsoft.com/office/drawing/2014/main" id="{F38409B0-63E9-0F7B-F140-AF0D2A35BBDB}"/>
+                    </a:ext>
+                  </a:extLst>
+                </p14:cNvPr>
+                <p14:cNvContentPartPr/>
+                <p14:nvPr/>
+              </p14:nvContentPartPr>
+              <p14:xfrm>
+                <a:off x="9496571" y="15813229"/>
+                <a:ext cx="167760" cy="250200"/>
+              </p14:xfrm>
+            </p:contentPart>
+          </mc:Choice>
+          <mc:Fallback>
+            <p:pic>
+              <p:nvPicPr>
+                <p:cNvPr id="61" name="Ink 60">
+                  <a:extLst>
+                    <a:ext uri="{FF2B5EF4-FFF2-40B4-BE49-F238E27FC236}">
+                      <a16:creationId xmlns:a16="http://schemas.microsoft.com/office/drawing/2014/main" id="{F38409B0-63E9-0F7B-F140-AF0D2A35BBDB}"/>
+                    </a:ext>
+                  </a:extLst>
+                </p:cNvPr>
+                <p:cNvPicPr/>
+                <p:nvPr/>
+              </p:nvPicPr>
+              <p:blipFill>
+                <a:blip r:embed="rId75"/>
+                <a:stretch>
+                  <a:fillRect/>
+                </a:stretch>
+              </p:blipFill>
+              <p:spPr>
+                <a:xfrm>
+                  <a:off x="9478931" y="15795229"/>
+                  <a:ext cx="203400" cy="285840"/>
+                </a:xfrm>
+                <a:prstGeom prst="rect">
+                  <a:avLst/>
+                </a:prstGeom>
+              </p:spPr>
+            </p:pic>
+          </mc:Fallback>
+        </mc:AlternateContent>
+        <mc:AlternateContent xmlns:mc="http://schemas.openxmlformats.org/markup-compatibility/2006">
+          <mc:Choice xmlns:p14="http://schemas.microsoft.com/office/powerpoint/2010/main" Requires="p14">
+            <p:contentPart p14:bwMode="auto" r:id="rId76">
+              <p14:nvContentPartPr>
+                <p14:cNvPr id="62" name="Ink 61">
+                  <a:extLst>
+                    <a:ext uri="{FF2B5EF4-FFF2-40B4-BE49-F238E27FC236}">
+                      <a16:creationId xmlns:a16="http://schemas.microsoft.com/office/drawing/2014/main" id="{2C6AA646-C2EB-921B-F39B-ED491F42FD30}"/>
+                    </a:ext>
+                  </a:extLst>
+                </p14:cNvPr>
+                <p14:cNvContentPartPr/>
+                <p14:nvPr/>
+              </p14:nvContentPartPr>
+              <p14:xfrm>
+                <a:off x="9558491" y="15970189"/>
+                <a:ext cx="184320" cy="360"/>
+              </p14:xfrm>
+            </p:contentPart>
+          </mc:Choice>
+          <mc:Fallback>
+            <p:pic>
+              <p:nvPicPr>
+                <p:cNvPr id="62" name="Ink 61">
+                  <a:extLst>
+                    <a:ext uri="{FF2B5EF4-FFF2-40B4-BE49-F238E27FC236}">
+                      <a16:creationId xmlns:a16="http://schemas.microsoft.com/office/drawing/2014/main" id="{2C6AA646-C2EB-921B-F39B-ED491F42FD30}"/>
+                    </a:ext>
+                  </a:extLst>
+                </p:cNvPr>
+                <p:cNvPicPr/>
+                <p:nvPr/>
+              </p:nvPicPr>
+              <p:blipFill>
+                <a:blip r:embed="rId77"/>
+                <a:stretch>
+                  <a:fillRect/>
+                </a:stretch>
+              </p:blipFill>
+              <p:spPr>
+                <a:xfrm>
+                  <a:off x="9540491" y="15952189"/>
+                  <a:ext cx="219960" cy="36000"/>
+                </a:xfrm>
+                <a:prstGeom prst="rect">
+                  <a:avLst/>
+                </a:prstGeom>
+              </p:spPr>
+            </p:pic>
+          </mc:Fallback>
+        </mc:AlternateContent>
+      </p:grpSp>
+      <mc:AlternateContent xmlns:mc="http://schemas.openxmlformats.org/markup-compatibility/2006">
+        <mc:Choice xmlns:p14="http://schemas.microsoft.com/office/powerpoint/2010/main" Requires="p14">
+          <p:contentPart p14:bwMode="auto" r:id="rId78">
+            <p14:nvContentPartPr>
+              <p14:cNvPr id="63" name="Ink 62">
+                <a:extLst>
+                  <a:ext uri="{FF2B5EF4-FFF2-40B4-BE49-F238E27FC236}">
+                    <a16:creationId xmlns:a16="http://schemas.microsoft.com/office/drawing/2014/main" id="{80CF8D0E-E724-21E7-24BB-2D6EBA0071C3}"/>
+                  </a:ext>
+                </a:extLst>
+              </p14:cNvPr>
+              <p14:cNvContentPartPr/>
+              <p14:nvPr/>
+            </p14:nvContentPartPr>
+            <p14:xfrm>
+              <a:off x="6696610" y="4964763"/>
+              <a:ext cx="348480" cy="12960"/>
+            </p14:xfrm>
+          </p:contentPart>
+        </mc:Choice>
+        <mc:Fallback>
+          <p:pic>
+            <p:nvPicPr>
+              <p:cNvPr id="63" name="Ink 62">
+                <a:extLst>
+                  <a:ext uri="{FF2B5EF4-FFF2-40B4-BE49-F238E27FC236}">
+                    <a16:creationId xmlns:a16="http://schemas.microsoft.com/office/drawing/2014/main" id="{80CF8D0E-E724-21E7-24BB-2D6EBA0071C3}"/>
+                  </a:ext>
+                </a:extLst>
+              </p:cNvPr>
+              <p:cNvPicPr/>
+              <p:nvPr/>
+            </p:nvPicPr>
+            <p:blipFill>
+              <a:blip r:embed="rId79"/>
+              <a:stretch>
+                <a:fillRect/>
+              </a:stretch>
+            </p:blipFill>
+            <p:spPr>
+              <a:xfrm>
+                <a:off x="6678970" y="4947123"/>
+                <a:ext cx="384120" cy="48600"/>
+              </a:xfrm>
+              <a:prstGeom prst="rect">
+                <a:avLst/>
+              </a:prstGeom>
+            </p:spPr>
+          </p:pic>
+        </mc:Fallback>
+      </mc:AlternateContent>
+      <mc:AlternateContent xmlns:mc="http://schemas.openxmlformats.org/markup-compatibility/2006">
+        <mc:Choice xmlns:p14="http://schemas.microsoft.com/office/powerpoint/2010/main" Requires="p14">
+          <p:contentPart p14:bwMode="auto" r:id="rId80">
+            <p14:nvContentPartPr>
+              <p14:cNvPr id="64" name="Ink 63">
+                <a:extLst>
+                  <a:ext uri="{FF2B5EF4-FFF2-40B4-BE49-F238E27FC236}">
+                    <a16:creationId xmlns:a16="http://schemas.microsoft.com/office/drawing/2014/main" id="{83338712-2B2E-8CAB-F276-3460147E28E1}"/>
+                  </a:ext>
+                </a:extLst>
+              </p14:cNvPr>
+              <p14:cNvContentPartPr/>
+              <p14:nvPr/>
+            </p14:nvContentPartPr>
+            <p14:xfrm>
+              <a:off x="6829810" y="5100123"/>
+              <a:ext cx="203400" cy="201240"/>
+            </p14:xfrm>
+          </p:contentPart>
+        </mc:Choice>
+        <mc:Fallback>
+          <p:pic>
+            <p:nvPicPr>
+              <p:cNvPr id="64" name="Ink 63">
+                <a:extLst>
+                  <a:ext uri="{FF2B5EF4-FFF2-40B4-BE49-F238E27FC236}">
+                    <a16:creationId xmlns:a16="http://schemas.microsoft.com/office/drawing/2014/main" id="{83338712-2B2E-8CAB-F276-3460147E28E1}"/>
+                  </a:ext>
+                </a:extLst>
+              </p:cNvPr>
+              <p:cNvPicPr/>
+              <p:nvPr/>
+            </p:nvPicPr>
+            <p:blipFill>
+              <a:blip r:embed="rId81"/>
+              <a:stretch>
+                <a:fillRect/>
+              </a:stretch>
+            </p:blipFill>
+            <p:spPr>
+              <a:xfrm>
+                <a:off x="6812170" y="5082123"/>
+                <a:ext cx="239040" cy="236880"/>
+              </a:xfrm>
+              <a:prstGeom prst="rect">
+                <a:avLst/>
+              </a:prstGeom>
+            </p:spPr>
+          </p:pic>
+        </mc:Fallback>
+      </mc:AlternateContent>
+      <p:sp>
+        <p:nvSpPr>
+          <p:cNvPr id="65" name="TextBox 64">
+            <a:extLst>
+              <a:ext uri="{FF2B5EF4-FFF2-40B4-BE49-F238E27FC236}">
+                <a16:creationId xmlns:a16="http://schemas.microsoft.com/office/drawing/2014/main" id="{2A386DC7-3B78-AC3A-88D5-7E341AAB4770}"/>
+              </a:ext>
+            </a:extLst>
+          </p:cNvPr>
+          <p:cNvSpPr txBox="1"/>
+          <p:nvPr/>
+        </p:nvSpPr>
+        <p:spPr>
+          <a:xfrm>
+            <a:off x="10269040" y="1815048"/>
+            <a:ext cx="1027397" cy="369332"/>
+          </a:xfrm>
+          <a:prstGeom prst="rect">
+            <a:avLst/>
+          </a:prstGeom>
+          <a:noFill/>
+        </p:spPr>
+        <p:txBody>
+          <a:bodyPr wrap="none" rtlCol="0">
+            <a:spAutoFit/>
+          </a:bodyPr>
+          <a:lstStyle/>
+          <a:p>
+            <a:r>
+              <a:rPr lang="en-AT" dirty="0"/>
+              <a:t>ratio: 0.7</a:t>
+            </a:r>
+          </a:p>
+        </p:txBody>
+      </p:sp>
+    </p:spTree>
+    <p:extLst>
+      <p:ext uri="{BB962C8B-B14F-4D97-AF65-F5344CB8AC3E}">
+        <p14:creationId xmlns:p14="http://schemas.microsoft.com/office/powerpoint/2010/main" val="421433875"/>
+      </p:ext>
+    </p:extLst>
+  </p:cSld>
+  <p:clrMapOvr>
+    <a:masterClrMapping/>
+  </p:clrMapOvr>
+</p:sld>
+</file>
+
+<file path=ppt/slides/slide3.xml><?xml version="1.0" encoding="utf-8"?>
 <p:sld xmlns:a="http://schemas.openxmlformats.org/drawingml/2006/main" xmlns:r="http://schemas.openxmlformats.org/officeDocument/2006/relationships" xmlns:p="http://schemas.openxmlformats.org/presentationml/2006/main">
   <p:cSld>
     <p:spTree>
@@ -5315,7 +10727,7 @@
 </p:sld>
 </file>
 
-<file path=ppt/slides/slide3.xml><?xml version="1.0" encoding="utf-8"?>
+<file path=ppt/slides/slide4.xml><?xml version="1.0" encoding="utf-8"?>
 <p:sld xmlns:a="http://schemas.openxmlformats.org/drawingml/2006/main" xmlns:r="http://schemas.openxmlformats.org/officeDocument/2006/relationships" xmlns:p="http://schemas.openxmlformats.org/presentationml/2006/main">
   <p:cSld>
     <p:spTree>

--- a/02_analysis/04_sv/03_figures/ig_2023_08_18_fig_sv.pptx
+++ b/02_analysis/04_sv/03_figures/ig_2023_08_18_fig_sv.pptx
@@ -118,7 +118,7 @@
 <file path=ppt/revisionInfo.xml><?xml version="1.0" encoding="utf-8"?>
 <p1510:revInfo xmlns:a="http://schemas.openxmlformats.org/drawingml/2006/main" xmlns:r="http://schemas.openxmlformats.org/officeDocument/2006/relationships" xmlns:p1510="http://schemas.microsoft.com/office/powerpoint/2015/10/main">
   <p1510:revLst>
-    <p1510:client id="{1720320C-2886-A44F-B1A5-AC29DAC23C38}" v="699" dt="2023-09-08T14:44:59.460"/>
+    <p1510:client id="{1720320C-2886-A44F-B1A5-AC29DAC23C38}" v="708" dt="2023-09-11T10:52:34.345"/>
   </p1510:revLst>
 </p1510:revInfo>
 </file>
@@ -128,12 +128,12 @@
   <pc:docChgLst>
     <pc:chgData name="Ann Igolkina" userId="4d1b5d7ddf2bbc78" providerId="LiveId" clId="{1720320C-2886-A44F-B1A5-AC29DAC23C38}"/>
     <pc:docChg chg="undo redo custSel addSld delSld modSld">
-      <pc:chgData name="Ann Igolkina" userId="4d1b5d7ddf2bbc78" providerId="LiveId" clId="{1720320C-2886-A44F-B1A5-AC29DAC23C38}" dt="2023-09-08T14:44:59.460" v="1076" actId="1076"/>
+      <pc:chgData name="Ann Igolkina" userId="4d1b5d7ddf2bbc78" providerId="LiveId" clId="{1720320C-2886-A44F-B1A5-AC29DAC23C38}" dt="2023-09-11T10:52:34.345" v="1086" actId="1076"/>
       <pc:docMkLst>
         <pc:docMk/>
       </pc:docMkLst>
       <pc:sldChg chg="addSp delSp modSp mod">
-        <pc:chgData name="Ann Igolkina" userId="4d1b5d7ddf2bbc78" providerId="LiveId" clId="{1720320C-2886-A44F-B1A5-AC29DAC23C38}" dt="2023-09-08T14:44:59.460" v="1076" actId="1076"/>
+        <pc:chgData name="Ann Igolkina" userId="4d1b5d7ddf2bbc78" providerId="LiveId" clId="{1720320C-2886-A44F-B1A5-AC29DAC23C38}" dt="2023-09-11T10:52:34.345" v="1086" actId="1076"/>
         <pc:sldMkLst>
           <pc:docMk/>
           <pc:sldMk cId="3114100624" sldId="256"/>
@@ -211,7 +211,7 @@
           </ac:spMkLst>
         </pc:spChg>
         <pc:spChg chg="add mod topLvl">
-          <ac:chgData name="Ann Igolkina" userId="4d1b5d7ddf2bbc78" providerId="LiveId" clId="{1720320C-2886-A44F-B1A5-AC29DAC23C38}" dt="2023-09-08T14:44:59.460" v="1076" actId="1076"/>
+          <ac:chgData name="Ann Igolkina" userId="4d1b5d7ddf2bbc78" providerId="LiveId" clId="{1720320C-2886-A44F-B1A5-AC29DAC23C38}" dt="2023-09-11T10:52:34.345" v="1086" actId="1076"/>
           <ac:spMkLst>
             <pc:docMk/>
             <pc:sldMk cId="3114100624" sldId="256"/>
@@ -275,11 +275,19 @@
           </ac:spMkLst>
         </pc:spChg>
         <pc:grpChg chg="add mod">
-          <ac:chgData name="Ann Igolkina" userId="4d1b5d7ddf2bbc78" providerId="LiveId" clId="{1720320C-2886-A44F-B1A5-AC29DAC23C38}" dt="2023-09-08T14:44:59.460" v="1076" actId="1076"/>
+          <ac:chgData name="Ann Igolkina" userId="4d1b5d7ddf2bbc78" providerId="LiveId" clId="{1720320C-2886-A44F-B1A5-AC29DAC23C38}" dt="2023-09-11T10:52:34.345" v="1086" actId="1076"/>
           <ac:grpSpMkLst>
             <pc:docMk/>
             <pc:sldMk cId="3114100624" sldId="256"/>
             <ac:grpSpMk id="2" creationId="{7B6259F8-C277-854A-5557-03DD35ACA465}"/>
+          </ac:grpSpMkLst>
+        </pc:grpChg>
+        <pc:grpChg chg="add mod">
+          <ac:chgData name="Ann Igolkina" userId="4d1b5d7ddf2bbc78" providerId="LiveId" clId="{1720320C-2886-A44F-B1A5-AC29DAC23C38}" dt="2023-09-11T10:52:34.345" v="1086" actId="1076"/>
+          <ac:grpSpMkLst>
+            <pc:docMk/>
+            <pc:sldMk cId="3114100624" sldId="256"/>
+            <ac:grpSpMk id="3" creationId="{F64C00ED-8451-035B-1C10-61C425E0064D}"/>
           </ac:grpSpMkLst>
         </pc:grpChg>
         <pc:grpChg chg="add del mod">
@@ -859,7 +867,7 @@
           </ac:picMkLst>
         </pc:picChg>
         <pc:picChg chg="add mod">
-          <ac:chgData name="Ann Igolkina" userId="4d1b5d7ddf2bbc78" providerId="LiveId" clId="{1720320C-2886-A44F-B1A5-AC29DAC23C38}" dt="2023-09-08T14:44:59.460" v="1076" actId="1076"/>
+          <ac:chgData name="Ann Igolkina" userId="4d1b5d7ddf2bbc78" providerId="LiveId" clId="{1720320C-2886-A44F-B1A5-AC29DAC23C38}" dt="2023-09-11T10:52:34.345" v="1086" actId="1076"/>
           <ac:picMkLst>
             <pc:docMk/>
             <pc:sldMk cId="3114100624" sldId="256"/>
@@ -915,7 +923,7 @@
           </ac:picMkLst>
         </pc:picChg>
         <pc:picChg chg="mod topLvl">
-          <ac:chgData name="Ann Igolkina" userId="4d1b5d7ddf2bbc78" providerId="LiveId" clId="{1720320C-2886-A44F-B1A5-AC29DAC23C38}" dt="2023-09-08T14:44:59.460" v="1076" actId="1076"/>
+          <ac:chgData name="Ann Igolkina" userId="4d1b5d7ddf2bbc78" providerId="LiveId" clId="{1720320C-2886-A44F-B1A5-AC29DAC23C38}" dt="2023-09-11T10:52:34.345" v="1086" actId="1076"/>
           <ac:picMkLst>
             <pc:docMk/>
             <pc:sldMk cId="3114100624" sldId="256"/>
@@ -4201,7 +4209,7 @@
           <a:p>
             <a:fld id="{54B5EF71-3848-8048-B7D2-636D112955BB}" type="datetimeFigureOut">
               <a:rPr lang="en-AT" smtClean="0"/>
-              <a:t>08.09.23</a:t>
+              <a:t>11.09.23</a:t>
             </a:fld>
             <a:endParaRPr lang="en-AT"/>
           </a:p>
@@ -4371,7 +4379,7 @@
           <a:p>
             <a:fld id="{54B5EF71-3848-8048-B7D2-636D112955BB}" type="datetimeFigureOut">
               <a:rPr lang="en-AT" smtClean="0"/>
-              <a:t>08.09.23</a:t>
+              <a:t>11.09.23</a:t>
             </a:fld>
             <a:endParaRPr lang="en-AT"/>
           </a:p>
@@ -4551,7 +4559,7 @@
           <a:p>
             <a:fld id="{54B5EF71-3848-8048-B7D2-636D112955BB}" type="datetimeFigureOut">
               <a:rPr lang="en-AT" smtClean="0"/>
-              <a:t>08.09.23</a:t>
+              <a:t>11.09.23</a:t>
             </a:fld>
             <a:endParaRPr lang="en-AT"/>
           </a:p>
@@ -4721,7 +4729,7 @@
           <a:p>
             <a:fld id="{54B5EF71-3848-8048-B7D2-636D112955BB}" type="datetimeFigureOut">
               <a:rPr lang="en-AT" smtClean="0"/>
-              <a:t>08.09.23</a:t>
+              <a:t>11.09.23</a:t>
             </a:fld>
             <a:endParaRPr lang="en-AT"/>
           </a:p>
@@ -4965,7 +4973,7 @@
           <a:p>
             <a:fld id="{54B5EF71-3848-8048-B7D2-636D112955BB}" type="datetimeFigureOut">
               <a:rPr lang="en-AT" smtClean="0"/>
-              <a:t>08.09.23</a:t>
+              <a:t>11.09.23</a:t>
             </a:fld>
             <a:endParaRPr lang="en-AT"/>
           </a:p>
@@ -5197,7 +5205,7 @@
           <a:p>
             <a:fld id="{54B5EF71-3848-8048-B7D2-636D112955BB}" type="datetimeFigureOut">
               <a:rPr lang="en-AT" smtClean="0"/>
-              <a:t>08.09.23</a:t>
+              <a:t>11.09.23</a:t>
             </a:fld>
             <a:endParaRPr lang="en-AT"/>
           </a:p>
@@ -5564,7 +5572,7 @@
           <a:p>
             <a:fld id="{54B5EF71-3848-8048-B7D2-636D112955BB}" type="datetimeFigureOut">
               <a:rPr lang="en-AT" smtClean="0"/>
-              <a:t>08.09.23</a:t>
+              <a:t>11.09.23</a:t>
             </a:fld>
             <a:endParaRPr lang="en-AT"/>
           </a:p>
@@ -5682,7 +5690,7 @@
           <a:p>
             <a:fld id="{54B5EF71-3848-8048-B7D2-636D112955BB}" type="datetimeFigureOut">
               <a:rPr lang="en-AT" smtClean="0"/>
-              <a:t>08.09.23</a:t>
+              <a:t>11.09.23</a:t>
             </a:fld>
             <a:endParaRPr lang="en-AT"/>
           </a:p>
@@ -5777,7 +5785,7 @@
           <a:p>
             <a:fld id="{54B5EF71-3848-8048-B7D2-636D112955BB}" type="datetimeFigureOut">
               <a:rPr lang="en-AT" smtClean="0"/>
-              <a:t>08.09.23</a:t>
+              <a:t>11.09.23</a:t>
             </a:fld>
             <a:endParaRPr lang="en-AT"/>
           </a:p>
@@ -6054,7 +6062,7 @@
           <a:p>
             <a:fld id="{54B5EF71-3848-8048-B7D2-636D112955BB}" type="datetimeFigureOut">
               <a:rPr lang="en-AT" smtClean="0"/>
-              <a:t>08.09.23</a:t>
+              <a:t>11.09.23</a:t>
             </a:fld>
             <a:endParaRPr lang="en-AT"/>
           </a:p>
@@ -6311,7 +6319,7 @@
           <a:p>
             <a:fld id="{54B5EF71-3848-8048-B7D2-636D112955BB}" type="datetimeFigureOut">
               <a:rPr lang="en-AT" smtClean="0"/>
-              <a:t>08.09.23</a:t>
+              <a:t>11.09.23</a:t>
             </a:fld>
             <a:endParaRPr lang="en-AT"/>
           </a:p>
@@ -6524,7 +6532,7 @@
           <a:p>
             <a:fld id="{54B5EF71-3848-8048-B7D2-636D112955BB}" type="datetimeFigureOut">
               <a:rPr lang="en-AT" smtClean="0"/>
-              <a:t>08.09.23</a:t>
+              <a:t>11.09.23</a:t>
             </a:fld>
             <a:endParaRPr lang="en-AT"/>
           </a:p>
@@ -7049,119 +7057,6 @@
           </a:prstGeom>
         </p:spPr>
       </p:pic>
-      <p:grpSp>
-        <p:nvGrpSpPr>
-          <p:cNvPr id="2" name="Group 1">
-            <a:extLst>
-              <a:ext uri="{FF2B5EF4-FFF2-40B4-BE49-F238E27FC236}">
-                <a16:creationId xmlns:a16="http://schemas.microsoft.com/office/drawing/2014/main" id="{7B6259F8-C277-854A-5557-03DD35ACA465}"/>
-              </a:ext>
-            </a:extLst>
-          </p:cNvPr>
-          <p:cNvGrpSpPr/>
-          <p:nvPr/>
-        </p:nvGrpSpPr>
-        <p:grpSpPr>
-          <a:xfrm>
-            <a:off x="10633519" y="7227788"/>
-            <a:ext cx="2965578" cy="1908100"/>
-            <a:chOff x="8079380" y="650568"/>
-            <a:chExt cx="3830763" cy="3522300"/>
-          </a:xfrm>
-        </p:grpSpPr>
-        <p:pic>
-          <p:nvPicPr>
-            <p:cNvPr id="1133" name="Picture 23">
-              <a:extLst>
-                <a:ext uri="{FF2B5EF4-FFF2-40B4-BE49-F238E27FC236}">
-                  <a16:creationId xmlns:a16="http://schemas.microsoft.com/office/drawing/2014/main" id="{ECEA2D66-736B-59C5-1BE7-2D637BB51C1D}"/>
-                </a:ext>
-              </a:extLst>
-            </p:cNvPr>
-            <p:cNvPicPr>
-              <a:picLocks noChangeAspect="1" noChangeArrowheads="1"/>
-            </p:cNvPicPr>
-            <p:nvPr/>
-          </p:nvPicPr>
-          <p:blipFill>
-            <a:blip r:embed="rId6">
-              <a:extLst>
-                <a:ext uri="{28A0092B-C50C-407E-A947-70E740481C1C}">
-                  <a14:useLocalDpi xmlns:a14="http://schemas.microsoft.com/office/drawing/2010/main" val="0"/>
-                </a:ext>
-              </a:extLst>
-            </a:blip>
-            <a:srcRect/>
-            <a:stretch>
-              <a:fillRect/>
-            </a:stretch>
-          </p:blipFill>
-          <p:spPr bwMode="auto">
-            <a:xfrm>
-              <a:off x="8079380" y="650568"/>
-              <a:ext cx="3830763" cy="3522300"/>
-            </a:xfrm>
-            <a:prstGeom prst="rect">
-              <a:avLst/>
-            </a:prstGeom>
-            <a:noFill/>
-            <a:ln>
-              <a:solidFill>
-                <a:schemeClr val="accent1"/>
-              </a:solidFill>
-            </a:ln>
-            <a:extLst>
-              <a:ext uri="{909E8E84-426E-40DD-AFC4-6F175D3DCCD1}">
-                <a14:hiddenFill xmlns:a14="http://schemas.microsoft.com/office/drawing/2010/main">
-                  <a:solidFill>
-                    <a:srgbClr val="FFFFFF"/>
-                  </a:solidFill>
-                </a14:hiddenFill>
-              </a:ext>
-            </a:extLst>
-          </p:spPr>
-        </p:pic>
-        <p:sp>
-          <p:nvSpPr>
-            <p:cNvPr id="56" name="TextBox 55">
-              <a:extLst>
-                <a:ext uri="{FF2B5EF4-FFF2-40B4-BE49-F238E27FC236}">
-                  <a16:creationId xmlns:a16="http://schemas.microsoft.com/office/drawing/2014/main" id="{16E15B9E-3CAD-B794-98DC-14748E548D82}"/>
-                </a:ext>
-              </a:extLst>
-            </p:cNvPr>
-            <p:cNvSpPr txBox="1"/>
-            <p:nvPr/>
-          </p:nvSpPr>
-          <p:spPr>
-            <a:xfrm>
-              <a:off x="9772650" y="1343025"/>
-              <a:ext cx="1629420" cy="369332"/>
-            </a:xfrm>
-            <a:prstGeom prst="rect">
-              <a:avLst/>
-            </a:prstGeom>
-            <a:noFill/>
-          </p:spPr>
-          <p:txBody>
-            <a:bodyPr wrap="none" rtlCol="0">
-              <a:spAutoFit/>
-            </a:bodyPr>
-            <a:lstStyle/>
-            <a:p>
-              <a:r>
-                <a:rPr lang="en-US" dirty="0" err="1"/>
-                <a:t>cummulative</a:t>
-              </a:r>
-              <a:r>
-                <a:rPr lang="en-US" dirty="0"/>
-                <a:t>!!!</a:t>
-              </a:r>
-              <a:endParaRPr lang="en-AT" dirty="0"/>
-            </a:p>
-          </p:txBody>
-        </p:sp>
-      </p:grpSp>
       <p:pic>
         <p:nvPicPr>
           <p:cNvPr id="35" name="Picture 34">
@@ -7177,7 +7072,7 @@
           <p:nvPr/>
         </p:nvPicPr>
         <p:blipFill>
-          <a:blip r:embed="rId7"/>
+          <a:blip r:embed="rId6"/>
           <a:stretch>
             <a:fillRect/>
           </a:stretch>
@@ -7207,7 +7102,7 @@
           <p:nvPr/>
         </p:nvPicPr>
         <p:blipFill>
-          <a:blip r:embed="rId8"/>
+          <a:blip r:embed="rId7"/>
           <a:stretch>
             <a:fillRect/>
           </a:stretch>
@@ -7240,7 +7135,7 @@
           <p:nvPr/>
         </p:nvPicPr>
         <p:blipFill>
-          <a:blip r:embed="rId9"/>
+          <a:blip r:embed="rId8"/>
           <a:stretch>
             <a:fillRect/>
           </a:stretch>
@@ -7270,7 +7165,7 @@
           <p:nvPr/>
         </p:nvPicPr>
         <p:blipFill>
-          <a:blip r:embed="rId10"/>
+          <a:blip r:embed="rId9"/>
           <a:stretch>
             <a:fillRect/>
           </a:stretch>
@@ -7292,63 +7187,197 @@
           </a:ln>
         </p:spPr>
       </p:pic>
-      <p:pic>
-        <p:nvPicPr>
-          <p:cNvPr id="1028" name="Picture 4" descr="To be continued&quot; Sticker for Sale by afstuff | Redbubble">
+      <p:grpSp>
+        <p:nvGrpSpPr>
+          <p:cNvPr id="3" name="Group 2">
             <a:extLst>
               <a:ext uri="{FF2B5EF4-FFF2-40B4-BE49-F238E27FC236}">
-                <a16:creationId xmlns:a16="http://schemas.microsoft.com/office/drawing/2014/main" id="{573C9B83-E464-7E62-8D63-C0F6BF774B85}"/>
+                <a16:creationId xmlns:a16="http://schemas.microsoft.com/office/drawing/2014/main" id="{F64C00ED-8451-035B-1C10-61C425E0064D}"/>
               </a:ext>
             </a:extLst>
           </p:cNvPr>
-          <p:cNvPicPr>
-            <a:picLocks noChangeAspect="1" noChangeArrowheads="1"/>
-          </p:cNvPicPr>
+          <p:cNvGrpSpPr/>
           <p:nvPr/>
-        </p:nvPicPr>
-        <p:blipFill>
-          <a:blip r:embed="rId11">
-            <a:clrChange>
-              <a:clrFrom>
-                <a:srgbClr val="F8F8F8"/>
-              </a:clrFrom>
-              <a:clrTo>
-                <a:srgbClr val="F8F8F8">
-                  <a:alpha val="0"/>
-                </a:srgbClr>
-              </a:clrTo>
-            </a:clrChange>
+        </p:nvGrpSpPr>
+        <p:grpSpPr>
+          <a:xfrm>
+            <a:off x="10744261" y="7312724"/>
+            <a:ext cx="2965578" cy="1908100"/>
+            <a:chOff x="14548622" y="7684677"/>
+            <a:chExt cx="2965578" cy="1908100"/>
+          </a:xfrm>
+        </p:grpSpPr>
+        <p:grpSp>
+          <p:nvGrpSpPr>
+            <p:cNvPr id="2" name="Group 1">
+              <a:extLst>
+                <a:ext uri="{FF2B5EF4-FFF2-40B4-BE49-F238E27FC236}">
+                  <a16:creationId xmlns:a16="http://schemas.microsoft.com/office/drawing/2014/main" id="{7B6259F8-C277-854A-5557-03DD35ACA465}"/>
+                </a:ext>
+              </a:extLst>
+            </p:cNvPr>
+            <p:cNvGrpSpPr/>
+            <p:nvPr/>
+          </p:nvGrpSpPr>
+          <p:grpSpPr>
+            <a:xfrm>
+              <a:off x="14548622" y="7684677"/>
+              <a:ext cx="2965578" cy="1908100"/>
+              <a:chOff x="8079380" y="650568"/>
+              <a:chExt cx="3830763" cy="3522300"/>
+            </a:xfrm>
+          </p:grpSpPr>
+          <p:pic>
+            <p:nvPicPr>
+              <p:cNvPr id="1133" name="Picture 23">
+                <a:extLst>
+                  <a:ext uri="{FF2B5EF4-FFF2-40B4-BE49-F238E27FC236}">
+                    <a16:creationId xmlns:a16="http://schemas.microsoft.com/office/drawing/2014/main" id="{ECEA2D66-736B-59C5-1BE7-2D637BB51C1D}"/>
+                  </a:ext>
+                </a:extLst>
+              </p:cNvPr>
+              <p:cNvPicPr>
+                <a:picLocks noChangeAspect="1" noChangeArrowheads="1"/>
+              </p:cNvPicPr>
+              <p:nvPr/>
+            </p:nvPicPr>
+            <p:blipFill>
+              <a:blip r:embed="rId10">
+                <a:extLst>
+                  <a:ext uri="{28A0092B-C50C-407E-A947-70E740481C1C}">
+                    <a14:useLocalDpi xmlns:a14="http://schemas.microsoft.com/office/drawing/2010/main" val="0"/>
+                  </a:ext>
+                </a:extLst>
+              </a:blip>
+              <a:srcRect/>
+              <a:stretch>
+                <a:fillRect/>
+              </a:stretch>
+            </p:blipFill>
+            <p:spPr bwMode="auto">
+              <a:xfrm>
+                <a:off x="8079380" y="650568"/>
+                <a:ext cx="3830763" cy="3522300"/>
+              </a:xfrm>
+              <a:prstGeom prst="rect">
+                <a:avLst/>
+              </a:prstGeom>
+              <a:noFill/>
+              <a:ln>
+                <a:solidFill>
+                  <a:schemeClr val="accent1"/>
+                </a:solidFill>
+              </a:ln>
+              <a:extLst>
+                <a:ext uri="{909E8E84-426E-40DD-AFC4-6F175D3DCCD1}">
+                  <a14:hiddenFill xmlns:a14="http://schemas.microsoft.com/office/drawing/2010/main">
+                    <a:solidFill>
+                      <a:srgbClr val="FFFFFF"/>
+                    </a:solidFill>
+                  </a14:hiddenFill>
+                </a:ext>
+              </a:extLst>
+            </p:spPr>
+          </p:pic>
+          <p:sp>
+            <p:nvSpPr>
+              <p:cNvPr id="56" name="TextBox 55">
+                <a:extLst>
+                  <a:ext uri="{FF2B5EF4-FFF2-40B4-BE49-F238E27FC236}">
+                    <a16:creationId xmlns:a16="http://schemas.microsoft.com/office/drawing/2014/main" id="{16E15B9E-3CAD-B794-98DC-14748E548D82}"/>
+                  </a:ext>
+                </a:extLst>
+              </p:cNvPr>
+              <p:cNvSpPr txBox="1"/>
+              <p:nvPr/>
+            </p:nvSpPr>
+            <p:spPr>
+              <a:xfrm>
+                <a:off x="9772650" y="1343025"/>
+                <a:ext cx="1629420" cy="369332"/>
+              </a:xfrm>
+              <a:prstGeom prst="rect">
+                <a:avLst/>
+              </a:prstGeom>
+              <a:noFill/>
+            </p:spPr>
+            <p:txBody>
+              <a:bodyPr wrap="none" rtlCol="0">
+                <a:spAutoFit/>
+              </a:bodyPr>
+              <a:lstStyle/>
+              <a:p>
+                <a:r>
+                  <a:rPr lang="en-US" dirty="0" err="1"/>
+                  <a:t>cummulative</a:t>
+                </a:r>
+                <a:r>
+                  <a:rPr lang="en-US" dirty="0"/>
+                  <a:t>!!!</a:t>
+                </a:r>
+                <a:endParaRPr lang="en-AT" dirty="0"/>
+              </a:p>
+            </p:txBody>
+          </p:sp>
+        </p:grpSp>
+        <p:pic>
+          <p:nvPicPr>
+            <p:cNvPr id="1028" name="Picture 4" descr="To be continued&quot; Sticker for Sale by afstuff | Redbubble">
+              <a:extLst>
+                <a:ext uri="{FF2B5EF4-FFF2-40B4-BE49-F238E27FC236}">
+                  <a16:creationId xmlns:a16="http://schemas.microsoft.com/office/drawing/2014/main" id="{573C9B83-E464-7E62-8D63-C0F6BF774B85}"/>
+                </a:ext>
+              </a:extLst>
+            </p:cNvPr>
+            <p:cNvPicPr>
+              <a:picLocks noChangeAspect="1" noChangeArrowheads="1"/>
+            </p:cNvPicPr>
+            <p:nvPr/>
+          </p:nvPicPr>
+          <p:blipFill>
+            <a:blip r:embed="rId11">
+              <a:clrChange>
+                <a:clrFrom>
+                  <a:srgbClr val="F8F8F8"/>
+                </a:clrFrom>
+                <a:clrTo>
+                  <a:srgbClr val="F8F8F8">
+                    <a:alpha val="0"/>
+                  </a:srgbClr>
+                </a:clrTo>
+              </a:clrChange>
+              <a:extLst>
+                <a:ext uri="{28A0092B-C50C-407E-A947-70E740481C1C}">
+                  <a14:useLocalDpi xmlns:a14="http://schemas.microsoft.com/office/drawing/2010/main" val="0"/>
+                </a:ext>
+              </a:extLst>
+            </a:blip>
+            <a:srcRect/>
+            <a:stretch>
+              <a:fillRect/>
+            </a:stretch>
+          </p:blipFill>
+          <p:spPr bwMode="auto">
+            <a:xfrm>
+              <a:off x="14701022" y="7842952"/>
+              <a:ext cx="1749825" cy="1749825"/>
+            </a:xfrm>
+            <a:prstGeom prst="rect">
+              <a:avLst/>
+            </a:prstGeom>
+            <a:noFill/>
             <a:extLst>
-              <a:ext uri="{28A0092B-C50C-407E-A947-70E740481C1C}">
-                <a14:useLocalDpi xmlns:a14="http://schemas.microsoft.com/office/drawing/2010/main" val="0"/>
+              <a:ext uri="{909E8E84-426E-40DD-AFC4-6F175D3DCCD1}">
+                <a14:hiddenFill xmlns:a14="http://schemas.microsoft.com/office/drawing/2010/main">
+                  <a:solidFill>
+                    <a:srgbClr val="FFFFFF"/>
+                  </a:solidFill>
+                </a14:hiddenFill>
               </a:ext>
             </a:extLst>
-          </a:blip>
-          <a:srcRect/>
-          <a:stretch>
-            <a:fillRect/>
-          </a:stretch>
-        </p:blipFill>
-        <p:spPr bwMode="auto">
-          <a:xfrm>
-            <a:off x="10661822" y="7794385"/>
-            <a:ext cx="1749825" cy="1749825"/>
-          </a:xfrm>
-          <a:prstGeom prst="rect">
-            <a:avLst/>
-          </a:prstGeom>
-          <a:noFill/>
-          <a:extLst>
-            <a:ext uri="{909E8E84-426E-40DD-AFC4-6F175D3DCCD1}">
-              <a14:hiddenFill xmlns:a14="http://schemas.microsoft.com/office/drawing/2010/main">
-                <a:solidFill>
-                  <a:srgbClr val="FFFFFF"/>
-                </a:solidFill>
-              </a14:hiddenFill>
-            </a:ext>
-          </a:extLst>
-        </p:spPr>
-      </p:pic>
+          </p:spPr>
+        </p:pic>
+      </p:grpSp>
       <p:cxnSp>
         <p:nvCxnSpPr>
           <p:cNvPr id="1196" name="Straight Arrow Connector 1195">
@@ -7578,8 +7607,8 @@
             <a:chExt cx="271440" cy="2174760"/>
           </a:xfrm>
         </p:grpSpPr>
-        <mc:AlternateContent xmlns:mc="http://schemas.openxmlformats.org/markup-compatibility/2006">
-          <mc:Choice xmlns:p14="http://schemas.microsoft.com/office/powerpoint/2010/main" Requires="p14">
+        <mc:AlternateContent xmlns:mc="http://schemas.openxmlformats.org/markup-compatibility/2006" xmlns:p14="http://schemas.microsoft.com/office/powerpoint/2010/main">
+          <mc:Choice Requires="p14">
             <p:contentPart p14:bwMode="auto" r:id="rId3">
               <p14:nvContentPartPr>
                 <p14:cNvPr id="7" name="Ink 6">
@@ -7598,7 +7627,7 @@
               </p14:xfrm>
             </p:contentPart>
           </mc:Choice>
-          <mc:Fallback>
+          <mc:Fallback xmlns="">
             <p:pic>
               <p:nvPicPr>
                 <p:cNvPr id="7" name="Ink 6">
@@ -7629,8 +7658,8 @@
             </p:pic>
           </mc:Fallback>
         </mc:AlternateContent>
-        <mc:AlternateContent xmlns:mc="http://schemas.openxmlformats.org/markup-compatibility/2006">
-          <mc:Choice xmlns:p14="http://schemas.microsoft.com/office/powerpoint/2010/main" Requires="p14">
+        <mc:AlternateContent xmlns:mc="http://schemas.openxmlformats.org/markup-compatibility/2006" xmlns:p14="http://schemas.microsoft.com/office/powerpoint/2010/main">
+          <mc:Choice Requires="p14">
             <p:contentPart p14:bwMode="auto" r:id="rId5">
               <p14:nvContentPartPr>
                 <p14:cNvPr id="8" name="Ink 7">
@@ -7649,7 +7678,7 @@
               </p14:xfrm>
             </p:contentPart>
           </mc:Choice>
-          <mc:Fallback>
+          <mc:Fallback xmlns="">
             <p:pic>
               <p:nvPicPr>
                 <p:cNvPr id="8" name="Ink 7">
@@ -7701,8 +7730,8 @@
             <a:chExt cx="271440" cy="2174760"/>
           </a:xfrm>
         </p:grpSpPr>
-        <mc:AlternateContent xmlns:mc="http://schemas.openxmlformats.org/markup-compatibility/2006">
-          <mc:Choice xmlns:p14="http://schemas.microsoft.com/office/powerpoint/2010/main" Requires="p14">
+        <mc:AlternateContent xmlns:mc="http://schemas.openxmlformats.org/markup-compatibility/2006" xmlns:p14="http://schemas.microsoft.com/office/powerpoint/2010/main">
+          <mc:Choice Requires="p14">
             <p:contentPart p14:bwMode="auto" r:id="rId7">
               <p14:nvContentPartPr>
                 <p14:cNvPr id="10" name="Ink 9">
@@ -7721,7 +7750,7 @@
               </p14:xfrm>
             </p:contentPart>
           </mc:Choice>
-          <mc:Fallback>
+          <mc:Fallback xmlns="">
             <p:pic>
               <p:nvPicPr>
                 <p:cNvPr id="10" name="Ink 9">
@@ -7752,8 +7781,8 @@
             </p:pic>
           </mc:Fallback>
         </mc:AlternateContent>
-        <mc:AlternateContent xmlns:mc="http://schemas.openxmlformats.org/markup-compatibility/2006">
-          <mc:Choice xmlns:p14="http://schemas.microsoft.com/office/powerpoint/2010/main" Requires="p14">
+        <mc:AlternateContent xmlns:mc="http://schemas.openxmlformats.org/markup-compatibility/2006" xmlns:p14="http://schemas.microsoft.com/office/powerpoint/2010/main">
+          <mc:Choice Requires="p14">
             <p:contentPart p14:bwMode="auto" r:id="rId9">
               <p14:nvContentPartPr>
                 <p14:cNvPr id="11" name="Ink 10">
@@ -7772,7 +7801,7 @@
               </p14:xfrm>
             </p:contentPart>
           </mc:Choice>
-          <mc:Fallback>
+          <mc:Fallback xmlns="">
             <p:pic>
               <p:nvPicPr>
                 <p:cNvPr id="11" name="Ink 10">
@@ -7859,8 +7888,8 @@
             <a:chExt cx="271440" cy="2174760"/>
           </a:xfrm>
         </p:grpSpPr>
-        <mc:AlternateContent xmlns:mc="http://schemas.openxmlformats.org/markup-compatibility/2006">
-          <mc:Choice xmlns:p14="http://schemas.microsoft.com/office/powerpoint/2010/main" Requires="p14">
+        <mc:AlternateContent xmlns:mc="http://schemas.openxmlformats.org/markup-compatibility/2006" xmlns:p14="http://schemas.microsoft.com/office/powerpoint/2010/main">
+          <mc:Choice Requires="p14">
             <p:contentPart p14:bwMode="auto" r:id="rId11">
               <p14:nvContentPartPr>
                 <p14:cNvPr id="14" name="Ink 13">
@@ -7879,7 +7908,7 @@
               </p14:xfrm>
             </p:contentPart>
           </mc:Choice>
-          <mc:Fallback>
+          <mc:Fallback xmlns="">
             <p:pic>
               <p:nvPicPr>
                 <p:cNvPr id="14" name="Ink 13">
@@ -7910,8 +7939,8 @@
             </p:pic>
           </mc:Fallback>
         </mc:AlternateContent>
-        <mc:AlternateContent xmlns:mc="http://schemas.openxmlformats.org/markup-compatibility/2006">
-          <mc:Choice xmlns:p14="http://schemas.microsoft.com/office/powerpoint/2010/main" Requires="p14">
+        <mc:AlternateContent xmlns:mc="http://schemas.openxmlformats.org/markup-compatibility/2006" xmlns:p14="http://schemas.microsoft.com/office/powerpoint/2010/main">
+          <mc:Choice Requires="p14">
             <p:contentPart p14:bwMode="auto" r:id="rId13">
               <p14:nvContentPartPr>
                 <p14:cNvPr id="15" name="Ink 14">
@@ -7930,7 +7959,7 @@
               </p14:xfrm>
             </p:contentPart>
           </mc:Choice>
-          <mc:Fallback>
+          <mc:Fallback xmlns="">
             <p:pic>
               <p:nvPicPr>
                 <p:cNvPr id="15" name="Ink 14">
@@ -7982,8 +8011,8 @@
             <a:chExt cx="271440" cy="2174760"/>
           </a:xfrm>
         </p:grpSpPr>
-        <mc:AlternateContent xmlns:mc="http://schemas.openxmlformats.org/markup-compatibility/2006">
-          <mc:Choice xmlns:p14="http://schemas.microsoft.com/office/powerpoint/2010/main" Requires="p14">
+        <mc:AlternateContent xmlns:mc="http://schemas.openxmlformats.org/markup-compatibility/2006" xmlns:p14="http://schemas.microsoft.com/office/powerpoint/2010/main">
+          <mc:Choice Requires="p14">
             <p:contentPart p14:bwMode="auto" r:id="rId15">
               <p14:nvContentPartPr>
                 <p14:cNvPr id="17" name="Ink 16">
@@ -8002,7 +8031,7 @@
               </p14:xfrm>
             </p:contentPart>
           </mc:Choice>
-          <mc:Fallback>
+          <mc:Fallback xmlns="">
             <p:pic>
               <p:nvPicPr>
                 <p:cNvPr id="17" name="Ink 16">
@@ -8033,8 +8062,8 @@
             </p:pic>
           </mc:Fallback>
         </mc:AlternateContent>
-        <mc:AlternateContent xmlns:mc="http://schemas.openxmlformats.org/markup-compatibility/2006">
-          <mc:Choice xmlns:p14="http://schemas.microsoft.com/office/powerpoint/2010/main" Requires="p14">
+        <mc:AlternateContent xmlns:mc="http://schemas.openxmlformats.org/markup-compatibility/2006" xmlns:p14="http://schemas.microsoft.com/office/powerpoint/2010/main">
+          <mc:Choice Requires="p14">
             <p:contentPart p14:bwMode="auto" r:id="rId16">
               <p14:nvContentPartPr>
                 <p14:cNvPr id="18" name="Ink 17">
@@ -8053,7 +8082,7 @@
               </p14:xfrm>
             </p:contentPart>
           </mc:Choice>
-          <mc:Fallback>
+          <mc:Fallback xmlns="">
             <p:pic>
               <p:nvPicPr>
                 <p:cNvPr id="18" name="Ink 17">
@@ -8175,8 +8204,8 @@
             <a:chExt cx="322200" cy="2348280"/>
           </a:xfrm>
         </p:grpSpPr>
-        <mc:AlternateContent xmlns:mc="http://schemas.openxmlformats.org/markup-compatibility/2006">
-          <mc:Choice xmlns:p14="http://schemas.microsoft.com/office/powerpoint/2010/main" Requires="p14">
+        <mc:AlternateContent xmlns:mc="http://schemas.openxmlformats.org/markup-compatibility/2006" xmlns:p14="http://schemas.microsoft.com/office/powerpoint/2010/main">
+          <mc:Choice Requires="p14">
             <p:contentPart p14:bwMode="auto" r:id="rId17">
               <p14:nvContentPartPr>
                 <p14:cNvPr id="22" name="Ink 21">
@@ -8195,7 +8224,7 @@
               </p14:xfrm>
             </p:contentPart>
           </mc:Choice>
-          <mc:Fallback>
+          <mc:Fallback xmlns="">
             <p:pic>
               <p:nvPicPr>
                 <p:cNvPr id="22" name="Ink 21">
@@ -8226,8 +8255,8 @@
             </p:pic>
           </mc:Fallback>
         </mc:AlternateContent>
-        <mc:AlternateContent xmlns:mc="http://schemas.openxmlformats.org/markup-compatibility/2006">
-          <mc:Choice xmlns:p14="http://schemas.microsoft.com/office/powerpoint/2010/main" Requires="p14">
+        <mc:AlternateContent xmlns:mc="http://schemas.openxmlformats.org/markup-compatibility/2006" xmlns:p14="http://schemas.microsoft.com/office/powerpoint/2010/main">
+          <mc:Choice Requires="p14">
             <p:contentPart p14:bwMode="auto" r:id="rId19">
               <p14:nvContentPartPr>
                 <p14:cNvPr id="23" name="Ink 22">
@@ -8246,7 +8275,7 @@
               </p14:xfrm>
             </p:contentPart>
           </mc:Choice>
-          <mc:Fallback>
+          <mc:Fallback xmlns="">
             <p:pic>
               <p:nvPicPr>
                 <p:cNvPr id="23" name="Ink 22">
@@ -8313,8 +8342,8 @@
           </a:p>
         </p:txBody>
       </p:sp>
-      <mc:AlternateContent xmlns:mc="http://schemas.openxmlformats.org/markup-compatibility/2006">
-        <mc:Choice xmlns:p14="http://schemas.microsoft.com/office/powerpoint/2010/main" Requires="p14">
+      <mc:AlternateContent xmlns:mc="http://schemas.openxmlformats.org/markup-compatibility/2006" xmlns:p14="http://schemas.microsoft.com/office/powerpoint/2010/main">
+        <mc:Choice Requires="p14">
           <p:contentPart p14:bwMode="auto" r:id="rId21">
             <p14:nvContentPartPr>
               <p14:cNvPr id="25" name="Ink 24">
@@ -8333,7 +8362,7 @@
             </p14:xfrm>
           </p:contentPart>
         </mc:Choice>
-        <mc:Fallback>
+        <mc:Fallback xmlns="">
           <p:pic>
             <p:nvPicPr>
               <p:cNvPr id="25" name="Ink 24">
@@ -8384,8 +8413,8 @@
             <a:chExt cx="257760" cy="416160"/>
           </a:xfrm>
         </p:grpSpPr>
-        <mc:AlternateContent xmlns:mc="http://schemas.openxmlformats.org/markup-compatibility/2006">
-          <mc:Choice xmlns:p14="http://schemas.microsoft.com/office/powerpoint/2010/main" Requires="p14">
+        <mc:AlternateContent xmlns:mc="http://schemas.openxmlformats.org/markup-compatibility/2006" xmlns:p14="http://schemas.microsoft.com/office/powerpoint/2010/main">
+          <mc:Choice Requires="p14">
             <p:contentPart p14:bwMode="auto" r:id="rId23">
               <p14:nvContentPartPr>
                 <p14:cNvPr id="27" name="Ink 26">
@@ -8404,7 +8433,7 @@
               </p14:xfrm>
             </p:contentPart>
           </mc:Choice>
-          <mc:Fallback>
+          <mc:Fallback xmlns="">
             <p:pic>
               <p:nvPicPr>
                 <p:cNvPr id="27" name="Ink 26">
@@ -8435,8 +8464,8 @@
             </p:pic>
           </mc:Fallback>
         </mc:AlternateContent>
-        <mc:AlternateContent xmlns:mc="http://schemas.openxmlformats.org/markup-compatibility/2006">
-          <mc:Choice xmlns:p14="http://schemas.microsoft.com/office/powerpoint/2010/main" Requires="p14">
+        <mc:AlternateContent xmlns:mc="http://schemas.openxmlformats.org/markup-compatibility/2006" xmlns:p14="http://schemas.microsoft.com/office/powerpoint/2010/main">
+          <mc:Choice Requires="p14">
             <p:contentPart p14:bwMode="auto" r:id="rId25">
               <p14:nvContentPartPr>
                 <p14:cNvPr id="28" name="Ink 27">
@@ -8455,7 +8484,7 @@
               </p14:xfrm>
             </p:contentPart>
           </mc:Choice>
-          <mc:Fallback>
+          <mc:Fallback xmlns="">
             <p:pic>
               <p:nvPicPr>
                 <p:cNvPr id="28" name="Ink 27">
@@ -8507,8 +8536,8 @@
             <a:chExt cx="3720600" cy="675720"/>
           </a:xfrm>
         </p:grpSpPr>
-        <mc:AlternateContent xmlns:mc="http://schemas.openxmlformats.org/markup-compatibility/2006">
-          <mc:Choice xmlns:p14="http://schemas.microsoft.com/office/powerpoint/2010/main" Requires="p14">
+        <mc:AlternateContent xmlns:mc="http://schemas.openxmlformats.org/markup-compatibility/2006" xmlns:p14="http://schemas.microsoft.com/office/powerpoint/2010/main">
+          <mc:Choice Requires="p14">
             <p:contentPart p14:bwMode="auto" r:id="rId27">
               <p14:nvContentPartPr>
                 <p14:cNvPr id="30" name="Ink 29">
@@ -8527,7 +8556,7 @@
               </p14:xfrm>
             </p:contentPart>
           </mc:Choice>
-          <mc:Fallback>
+          <mc:Fallback xmlns="">
             <p:pic>
               <p:nvPicPr>
                 <p:cNvPr id="30" name="Ink 29">
@@ -8558,8 +8587,8 @@
             </p:pic>
           </mc:Fallback>
         </mc:AlternateContent>
-        <mc:AlternateContent xmlns:mc="http://schemas.openxmlformats.org/markup-compatibility/2006">
-          <mc:Choice xmlns:p14="http://schemas.microsoft.com/office/powerpoint/2010/main" Requires="p14">
+        <mc:AlternateContent xmlns:mc="http://schemas.openxmlformats.org/markup-compatibility/2006" xmlns:p14="http://schemas.microsoft.com/office/powerpoint/2010/main">
+          <mc:Choice Requires="p14">
             <p:contentPart p14:bwMode="auto" r:id="rId29">
               <p14:nvContentPartPr>
                 <p14:cNvPr id="31" name="Ink 30">
@@ -8578,7 +8607,7 @@
               </p14:xfrm>
             </p:contentPart>
           </mc:Choice>
-          <mc:Fallback>
+          <mc:Fallback xmlns="">
             <p:pic>
               <p:nvPicPr>
                 <p:cNvPr id="31" name="Ink 30">
@@ -8609,8 +8638,8 @@
             </p:pic>
           </mc:Fallback>
         </mc:AlternateContent>
-        <mc:AlternateContent xmlns:mc="http://schemas.openxmlformats.org/markup-compatibility/2006">
-          <mc:Choice xmlns:p14="http://schemas.microsoft.com/office/powerpoint/2010/main" Requires="p14">
+        <mc:AlternateContent xmlns:mc="http://schemas.openxmlformats.org/markup-compatibility/2006" xmlns:p14="http://schemas.microsoft.com/office/powerpoint/2010/main">
+          <mc:Choice Requires="p14">
             <p:contentPart p14:bwMode="auto" r:id="rId31">
               <p14:nvContentPartPr>
                 <p14:cNvPr id="32" name="Ink 31">
@@ -8629,7 +8658,7 @@
               </p14:xfrm>
             </p:contentPart>
           </mc:Choice>
-          <mc:Fallback>
+          <mc:Fallback xmlns="">
             <p:pic>
               <p:nvPicPr>
                 <p:cNvPr id="32" name="Ink 31">
@@ -8660,8 +8689,8 @@
             </p:pic>
           </mc:Fallback>
         </mc:AlternateContent>
-        <mc:AlternateContent xmlns:mc="http://schemas.openxmlformats.org/markup-compatibility/2006">
-          <mc:Choice xmlns:p14="http://schemas.microsoft.com/office/powerpoint/2010/main" Requires="p14">
+        <mc:AlternateContent xmlns:mc="http://schemas.openxmlformats.org/markup-compatibility/2006" xmlns:p14="http://schemas.microsoft.com/office/powerpoint/2010/main">
+          <mc:Choice Requires="p14">
             <p:contentPart p14:bwMode="auto" r:id="rId33">
               <p14:nvContentPartPr>
                 <p14:cNvPr id="33" name="Ink 32">
@@ -8680,7 +8709,7 @@
               </p14:xfrm>
             </p:contentPart>
           </mc:Choice>
-          <mc:Fallback>
+          <mc:Fallback xmlns="">
             <p:pic>
               <p:nvPicPr>
                 <p:cNvPr id="33" name="Ink 32">
@@ -8712,8 +8741,8 @@
           </mc:Fallback>
         </mc:AlternateContent>
       </p:grpSp>
-      <mc:AlternateContent xmlns:mc="http://schemas.openxmlformats.org/markup-compatibility/2006">
-        <mc:Choice xmlns:p14="http://schemas.microsoft.com/office/powerpoint/2010/main" Requires="p14">
+      <mc:AlternateContent xmlns:mc="http://schemas.openxmlformats.org/markup-compatibility/2006" xmlns:p14="http://schemas.microsoft.com/office/powerpoint/2010/main">
+        <mc:Choice Requires="p14">
           <p:contentPart p14:bwMode="auto" r:id="rId35">
             <p14:nvContentPartPr>
               <p14:cNvPr id="34" name="Ink 33">
@@ -8732,7 +8761,7 @@
             </p14:xfrm>
           </p:contentPart>
         </mc:Choice>
-        <mc:Fallback>
+        <mc:Fallback xmlns="">
           <p:pic>
             <p:nvPicPr>
               <p:cNvPr id="34" name="Ink 33">
@@ -8763,8 +8792,8 @@
           </p:pic>
         </mc:Fallback>
       </mc:AlternateContent>
-      <mc:AlternateContent xmlns:mc="http://schemas.openxmlformats.org/markup-compatibility/2006">
-        <mc:Choice xmlns:p14="http://schemas.microsoft.com/office/powerpoint/2010/main" Requires="p14">
+      <mc:AlternateContent xmlns:mc="http://schemas.openxmlformats.org/markup-compatibility/2006" xmlns:p14="http://schemas.microsoft.com/office/powerpoint/2010/main">
+        <mc:Choice Requires="p14">
           <p:contentPart p14:bwMode="auto" r:id="rId37">
             <p14:nvContentPartPr>
               <p14:cNvPr id="35" name="Ink 34">
@@ -8783,7 +8812,7 @@
             </p14:xfrm>
           </p:contentPart>
         </mc:Choice>
-        <mc:Fallback>
+        <mc:Fallback xmlns="">
           <p:pic>
             <p:nvPicPr>
               <p:cNvPr id="35" name="Ink 34">
@@ -8834,8 +8863,8 @@
             <a:chExt cx="5226480" cy="518760"/>
           </a:xfrm>
         </p:grpSpPr>
-        <mc:AlternateContent xmlns:mc="http://schemas.openxmlformats.org/markup-compatibility/2006">
-          <mc:Choice xmlns:p14="http://schemas.microsoft.com/office/powerpoint/2010/main" Requires="p14">
+        <mc:AlternateContent xmlns:mc="http://schemas.openxmlformats.org/markup-compatibility/2006" xmlns:p14="http://schemas.microsoft.com/office/powerpoint/2010/main">
+          <mc:Choice Requires="p14">
             <p:contentPart p14:bwMode="auto" r:id="rId39">
               <p14:nvContentPartPr>
                 <p14:cNvPr id="37" name="Ink 36">
@@ -8854,7 +8883,7 @@
               </p14:xfrm>
             </p:contentPart>
           </mc:Choice>
-          <mc:Fallback>
+          <mc:Fallback xmlns="">
             <p:pic>
               <p:nvPicPr>
                 <p:cNvPr id="37" name="Ink 36">
@@ -8885,8 +8914,8 @@
             </p:pic>
           </mc:Fallback>
         </mc:AlternateContent>
-        <mc:AlternateContent xmlns:mc="http://schemas.openxmlformats.org/markup-compatibility/2006">
-          <mc:Choice xmlns:p14="http://schemas.microsoft.com/office/powerpoint/2010/main" Requires="p14">
+        <mc:AlternateContent xmlns:mc="http://schemas.openxmlformats.org/markup-compatibility/2006" xmlns:p14="http://schemas.microsoft.com/office/powerpoint/2010/main">
+          <mc:Choice Requires="p14">
             <p:contentPart p14:bwMode="auto" r:id="rId41">
               <p14:nvContentPartPr>
                 <p14:cNvPr id="38" name="Ink 37">
@@ -8905,7 +8934,7 @@
               </p14:xfrm>
             </p:contentPart>
           </mc:Choice>
-          <mc:Fallback>
+          <mc:Fallback xmlns="">
             <p:pic>
               <p:nvPicPr>
                 <p:cNvPr id="38" name="Ink 37">
@@ -8936,8 +8965,8 @@
             </p:pic>
           </mc:Fallback>
         </mc:AlternateContent>
-        <mc:AlternateContent xmlns:mc="http://schemas.openxmlformats.org/markup-compatibility/2006">
-          <mc:Choice xmlns:p14="http://schemas.microsoft.com/office/powerpoint/2010/main" Requires="p14">
+        <mc:AlternateContent xmlns:mc="http://schemas.openxmlformats.org/markup-compatibility/2006" xmlns:p14="http://schemas.microsoft.com/office/powerpoint/2010/main">
+          <mc:Choice Requires="p14">
             <p:contentPart p14:bwMode="auto" r:id="rId43">
               <p14:nvContentPartPr>
                 <p14:cNvPr id="39" name="Ink 38">
@@ -8956,7 +8985,7 @@
               </p14:xfrm>
             </p:contentPart>
           </mc:Choice>
-          <mc:Fallback>
+          <mc:Fallback xmlns="">
             <p:pic>
               <p:nvPicPr>
                 <p:cNvPr id="39" name="Ink 38">
@@ -8987,8 +9016,8 @@
             </p:pic>
           </mc:Fallback>
         </mc:AlternateContent>
-        <mc:AlternateContent xmlns:mc="http://schemas.openxmlformats.org/markup-compatibility/2006">
-          <mc:Choice xmlns:p14="http://schemas.microsoft.com/office/powerpoint/2010/main" Requires="p14">
+        <mc:AlternateContent xmlns:mc="http://schemas.openxmlformats.org/markup-compatibility/2006" xmlns:p14="http://schemas.microsoft.com/office/powerpoint/2010/main">
+          <mc:Choice Requires="p14">
             <p:contentPart p14:bwMode="auto" r:id="rId45">
               <p14:nvContentPartPr>
                 <p14:cNvPr id="40" name="Ink 39">
@@ -9007,7 +9036,7 @@
               </p14:xfrm>
             </p:contentPart>
           </mc:Choice>
-          <mc:Fallback>
+          <mc:Fallback xmlns="">
             <p:pic>
               <p:nvPicPr>
                 <p:cNvPr id="40" name="Ink 39">
@@ -9059,8 +9088,8 @@
             <a:chExt cx="182160" cy="231840"/>
           </a:xfrm>
         </p:grpSpPr>
-        <mc:AlternateContent xmlns:mc="http://schemas.openxmlformats.org/markup-compatibility/2006">
-          <mc:Choice xmlns:p14="http://schemas.microsoft.com/office/powerpoint/2010/main" Requires="p14">
+        <mc:AlternateContent xmlns:mc="http://schemas.openxmlformats.org/markup-compatibility/2006" xmlns:p14="http://schemas.microsoft.com/office/powerpoint/2010/main">
+          <mc:Choice Requires="p14">
             <p:contentPart p14:bwMode="auto" r:id="rId47">
               <p14:nvContentPartPr>
                 <p14:cNvPr id="42" name="Ink 41">
@@ -9079,7 +9108,7 @@
               </p14:xfrm>
             </p:contentPart>
           </mc:Choice>
-          <mc:Fallback>
+          <mc:Fallback xmlns="">
             <p:pic>
               <p:nvPicPr>
                 <p:cNvPr id="42" name="Ink 41">
@@ -9110,8 +9139,8 @@
             </p:pic>
           </mc:Fallback>
         </mc:AlternateContent>
-        <mc:AlternateContent xmlns:mc="http://schemas.openxmlformats.org/markup-compatibility/2006">
-          <mc:Choice xmlns:p14="http://schemas.microsoft.com/office/powerpoint/2010/main" Requires="p14">
+        <mc:AlternateContent xmlns:mc="http://schemas.openxmlformats.org/markup-compatibility/2006" xmlns:p14="http://schemas.microsoft.com/office/powerpoint/2010/main">
+          <mc:Choice Requires="p14">
             <p:contentPart p14:bwMode="auto" r:id="rId49">
               <p14:nvContentPartPr>
                 <p14:cNvPr id="43" name="Ink 42">
@@ -9130,7 +9159,7 @@
               </p14:xfrm>
             </p:contentPart>
           </mc:Choice>
-          <mc:Fallback>
+          <mc:Fallback xmlns="">
             <p:pic>
               <p:nvPicPr>
                 <p:cNvPr id="43" name="Ink 42">
@@ -9182,8 +9211,8 @@
             <a:chExt cx="216360" cy="178560"/>
           </a:xfrm>
         </p:grpSpPr>
-        <mc:AlternateContent xmlns:mc="http://schemas.openxmlformats.org/markup-compatibility/2006">
-          <mc:Choice xmlns:p14="http://schemas.microsoft.com/office/powerpoint/2010/main" Requires="p14">
+        <mc:AlternateContent xmlns:mc="http://schemas.openxmlformats.org/markup-compatibility/2006" xmlns:p14="http://schemas.microsoft.com/office/powerpoint/2010/main">
+          <mc:Choice Requires="p14">
             <p:contentPart p14:bwMode="auto" r:id="rId51">
               <p14:nvContentPartPr>
                 <p14:cNvPr id="45" name="Ink 44">
@@ -9202,7 +9231,7 @@
               </p14:xfrm>
             </p:contentPart>
           </mc:Choice>
-          <mc:Fallback>
+          <mc:Fallback xmlns="">
             <p:pic>
               <p:nvPicPr>
                 <p:cNvPr id="45" name="Ink 44">
@@ -9233,8 +9262,8 @@
             </p:pic>
           </mc:Fallback>
         </mc:AlternateContent>
-        <mc:AlternateContent xmlns:mc="http://schemas.openxmlformats.org/markup-compatibility/2006">
-          <mc:Choice xmlns:p14="http://schemas.microsoft.com/office/powerpoint/2010/main" Requires="p14">
+        <mc:AlternateContent xmlns:mc="http://schemas.openxmlformats.org/markup-compatibility/2006" xmlns:p14="http://schemas.microsoft.com/office/powerpoint/2010/main">
+          <mc:Choice Requires="p14">
             <p:contentPart p14:bwMode="auto" r:id="rId53">
               <p14:nvContentPartPr>
                 <p14:cNvPr id="46" name="Ink 45">
@@ -9253,7 +9282,7 @@
               </p14:xfrm>
             </p:contentPart>
           </mc:Choice>
-          <mc:Fallback>
+          <mc:Fallback xmlns="">
             <p:pic>
               <p:nvPicPr>
                 <p:cNvPr id="46" name="Ink 45">
@@ -9305,8 +9334,8 @@
             <a:chExt cx="397035" cy="4989992"/>
           </a:xfrm>
         </p:grpSpPr>
-        <mc:AlternateContent xmlns:mc="http://schemas.openxmlformats.org/markup-compatibility/2006">
-          <mc:Choice xmlns:p14="http://schemas.microsoft.com/office/powerpoint/2010/main" Requires="p14">
+        <mc:AlternateContent xmlns:mc="http://schemas.openxmlformats.org/markup-compatibility/2006" xmlns:p14="http://schemas.microsoft.com/office/powerpoint/2010/main">
+          <mc:Choice Requires="p14">
             <p:contentPart p14:bwMode="auto" r:id="rId55">
               <p14:nvContentPartPr>
                 <p14:cNvPr id="48" name="Ink 47">
@@ -9325,7 +9354,7 @@
               </p14:xfrm>
             </p:contentPart>
           </mc:Choice>
-          <mc:Fallback>
+          <mc:Fallback xmlns="">
             <p:pic>
               <p:nvPicPr>
                 <p:cNvPr id="48" name="Ink 47">
@@ -9356,8 +9385,8 @@
             </p:pic>
           </mc:Fallback>
         </mc:AlternateContent>
-        <mc:AlternateContent xmlns:mc="http://schemas.openxmlformats.org/markup-compatibility/2006">
-          <mc:Choice xmlns:p14="http://schemas.microsoft.com/office/powerpoint/2010/main" Requires="p14">
+        <mc:AlternateContent xmlns:mc="http://schemas.openxmlformats.org/markup-compatibility/2006" xmlns:p14="http://schemas.microsoft.com/office/powerpoint/2010/main">
+          <mc:Choice Requires="p14">
             <p:contentPart p14:bwMode="auto" r:id="rId56">
               <p14:nvContentPartPr>
                 <p14:cNvPr id="49" name="Ink 48">
@@ -9376,7 +9405,7 @@
               </p14:xfrm>
             </p:contentPart>
           </mc:Choice>
-          <mc:Fallback>
+          <mc:Fallback xmlns="">
             <p:pic>
               <p:nvPicPr>
                 <p:cNvPr id="49" name="Ink 48">
@@ -9407,8 +9436,8 @@
             </p:pic>
           </mc:Fallback>
         </mc:AlternateContent>
-        <mc:AlternateContent xmlns:mc="http://schemas.openxmlformats.org/markup-compatibility/2006">
-          <mc:Choice xmlns:p14="http://schemas.microsoft.com/office/powerpoint/2010/main" Requires="p14">
+        <mc:AlternateContent xmlns:mc="http://schemas.openxmlformats.org/markup-compatibility/2006" xmlns:p14="http://schemas.microsoft.com/office/powerpoint/2010/main">
+          <mc:Choice Requires="p14">
             <p:contentPart p14:bwMode="auto" r:id="rId58">
               <p14:nvContentPartPr>
                 <p14:cNvPr id="50" name="Ink 49">
@@ -9427,7 +9456,7 @@
               </p14:xfrm>
             </p:contentPart>
           </mc:Choice>
-          <mc:Fallback>
+          <mc:Fallback xmlns="">
             <p:pic>
               <p:nvPicPr>
                 <p:cNvPr id="50" name="Ink 49">
@@ -9458,8 +9487,8 @@
             </p:pic>
           </mc:Fallback>
         </mc:AlternateContent>
-        <mc:AlternateContent xmlns:mc="http://schemas.openxmlformats.org/markup-compatibility/2006">
-          <mc:Choice xmlns:p14="http://schemas.microsoft.com/office/powerpoint/2010/main" Requires="p14">
+        <mc:AlternateContent xmlns:mc="http://schemas.openxmlformats.org/markup-compatibility/2006" xmlns:p14="http://schemas.microsoft.com/office/powerpoint/2010/main">
+          <mc:Choice Requires="p14">
             <p:contentPart p14:bwMode="auto" r:id="rId60">
               <p14:nvContentPartPr>
                 <p14:cNvPr id="51" name="Ink 50">
@@ -9478,7 +9507,7 @@
               </p14:xfrm>
             </p:contentPart>
           </mc:Choice>
-          <mc:Fallback>
+          <mc:Fallback xmlns="">
             <p:pic>
               <p:nvPicPr>
                 <p:cNvPr id="51" name="Ink 50">
@@ -9509,8 +9538,8 @@
             </p:pic>
           </mc:Fallback>
         </mc:AlternateContent>
-        <mc:AlternateContent xmlns:mc="http://schemas.openxmlformats.org/markup-compatibility/2006">
-          <mc:Choice xmlns:p14="http://schemas.microsoft.com/office/powerpoint/2010/main" Requires="p14">
+        <mc:AlternateContent xmlns:mc="http://schemas.openxmlformats.org/markup-compatibility/2006" xmlns:p14="http://schemas.microsoft.com/office/powerpoint/2010/main">
+          <mc:Choice Requires="p14">
             <p:contentPart p14:bwMode="auto" r:id="rId62">
               <p14:nvContentPartPr>
                 <p14:cNvPr id="52" name="Ink 51">
@@ -9529,7 +9558,7 @@
               </p14:xfrm>
             </p:contentPart>
           </mc:Choice>
-          <mc:Fallback>
+          <mc:Fallback xmlns="">
             <p:pic>
               <p:nvPicPr>
                 <p:cNvPr id="52" name="Ink 51">
@@ -9561,8 +9590,8 @@
           </mc:Fallback>
         </mc:AlternateContent>
       </p:grpSp>
-      <mc:AlternateContent xmlns:mc="http://schemas.openxmlformats.org/markup-compatibility/2006">
-        <mc:Choice xmlns:p14="http://schemas.microsoft.com/office/powerpoint/2010/main" Requires="p14">
+      <mc:AlternateContent xmlns:mc="http://schemas.openxmlformats.org/markup-compatibility/2006" xmlns:p14="http://schemas.microsoft.com/office/powerpoint/2010/main">
+        <mc:Choice Requires="p14">
           <p:contentPart p14:bwMode="auto" r:id="rId64">
             <p14:nvContentPartPr>
               <p14:cNvPr id="53" name="Ink 52">
@@ -9581,7 +9610,7 @@
             </p14:xfrm>
           </p:contentPart>
         </mc:Choice>
-        <mc:Fallback>
+        <mc:Fallback xmlns="">
           <p:pic>
             <p:nvPicPr>
               <p:cNvPr id="53" name="Ink 52">
@@ -9612,8 +9641,8 @@
           </p:pic>
         </mc:Fallback>
       </mc:AlternateContent>
-      <mc:AlternateContent xmlns:mc="http://schemas.openxmlformats.org/markup-compatibility/2006">
-        <mc:Choice xmlns:p14="http://schemas.microsoft.com/office/powerpoint/2010/main" Requires="p14">
+      <mc:AlternateContent xmlns:mc="http://schemas.openxmlformats.org/markup-compatibility/2006" xmlns:p14="http://schemas.microsoft.com/office/powerpoint/2010/main">
+        <mc:Choice Requires="p14">
           <p:contentPart p14:bwMode="auto" r:id="rId66">
             <p14:nvContentPartPr>
               <p14:cNvPr id="54" name="Ink 53">
@@ -9632,7 +9661,7 @@
             </p14:xfrm>
           </p:contentPart>
         </mc:Choice>
-        <mc:Fallback>
+        <mc:Fallback xmlns="">
           <p:pic>
             <p:nvPicPr>
               <p:cNvPr id="54" name="Ink 53">
@@ -9733,8 +9762,8 @@
           </a:p>
         </p:txBody>
       </p:sp>
-      <mc:AlternateContent xmlns:mc="http://schemas.openxmlformats.org/markup-compatibility/2006">
-        <mc:Choice xmlns:p14="http://schemas.microsoft.com/office/powerpoint/2010/main" Requires="p14">
+      <mc:AlternateContent xmlns:mc="http://schemas.openxmlformats.org/markup-compatibility/2006" xmlns:p14="http://schemas.microsoft.com/office/powerpoint/2010/main">
+        <mc:Choice Requires="p14">
           <p:contentPart p14:bwMode="auto" r:id="rId68">
             <p14:nvContentPartPr>
               <p14:cNvPr id="57" name="Ink 56">
@@ -9753,7 +9782,7 @@
             </p14:xfrm>
           </p:contentPart>
         </mc:Choice>
-        <mc:Fallback>
+        <mc:Fallback xmlns="">
           <p:pic>
             <p:nvPicPr>
               <p:cNvPr id="57" name="Ink 56">
@@ -9804,8 +9833,8 @@
             <a:chExt cx="421560" cy="275040"/>
           </a:xfrm>
         </p:grpSpPr>
-        <mc:AlternateContent xmlns:mc="http://schemas.openxmlformats.org/markup-compatibility/2006">
-          <mc:Choice xmlns:p14="http://schemas.microsoft.com/office/powerpoint/2010/main" Requires="p14">
+        <mc:AlternateContent xmlns:mc="http://schemas.openxmlformats.org/markup-compatibility/2006" xmlns:p14="http://schemas.microsoft.com/office/powerpoint/2010/main">
+          <mc:Choice Requires="p14">
             <p:contentPart p14:bwMode="auto" r:id="rId70">
               <p14:nvContentPartPr>
                 <p14:cNvPr id="59" name="Ink 58">
@@ -9824,7 +9853,7 @@
               </p14:xfrm>
             </p:contentPart>
           </mc:Choice>
-          <mc:Fallback>
+          <mc:Fallback xmlns="">
             <p:pic>
               <p:nvPicPr>
                 <p:cNvPr id="59" name="Ink 58">
@@ -9855,8 +9884,8 @@
             </p:pic>
           </mc:Fallback>
         </mc:AlternateContent>
-        <mc:AlternateContent xmlns:mc="http://schemas.openxmlformats.org/markup-compatibility/2006">
-          <mc:Choice xmlns:p14="http://schemas.microsoft.com/office/powerpoint/2010/main" Requires="p14">
+        <mc:AlternateContent xmlns:mc="http://schemas.openxmlformats.org/markup-compatibility/2006" xmlns:p14="http://schemas.microsoft.com/office/powerpoint/2010/main">
+          <mc:Choice Requires="p14">
             <p:contentPart p14:bwMode="auto" r:id="rId72">
               <p14:nvContentPartPr>
                 <p14:cNvPr id="60" name="Ink 59">
@@ -9875,7 +9904,7 @@
               </p14:xfrm>
             </p:contentPart>
           </mc:Choice>
-          <mc:Fallback>
+          <mc:Fallback xmlns="">
             <p:pic>
               <p:nvPicPr>
                 <p:cNvPr id="60" name="Ink 59">
@@ -9906,8 +9935,8 @@
             </p:pic>
           </mc:Fallback>
         </mc:AlternateContent>
-        <mc:AlternateContent xmlns:mc="http://schemas.openxmlformats.org/markup-compatibility/2006">
-          <mc:Choice xmlns:p14="http://schemas.microsoft.com/office/powerpoint/2010/main" Requires="p14">
+        <mc:AlternateContent xmlns:mc="http://schemas.openxmlformats.org/markup-compatibility/2006" xmlns:p14="http://schemas.microsoft.com/office/powerpoint/2010/main">
+          <mc:Choice Requires="p14">
             <p:contentPart p14:bwMode="auto" r:id="rId74">
               <p14:nvContentPartPr>
                 <p14:cNvPr id="61" name="Ink 60">
@@ -9926,7 +9955,7 @@
               </p14:xfrm>
             </p:contentPart>
           </mc:Choice>
-          <mc:Fallback>
+          <mc:Fallback xmlns="">
             <p:pic>
               <p:nvPicPr>
                 <p:cNvPr id="61" name="Ink 60">
@@ -9957,8 +9986,8 @@
             </p:pic>
           </mc:Fallback>
         </mc:AlternateContent>
-        <mc:AlternateContent xmlns:mc="http://schemas.openxmlformats.org/markup-compatibility/2006">
-          <mc:Choice xmlns:p14="http://schemas.microsoft.com/office/powerpoint/2010/main" Requires="p14">
+        <mc:AlternateContent xmlns:mc="http://schemas.openxmlformats.org/markup-compatibility/2006" xmlns:p14="http://schemas.microsoft.com/office/powerpoint/2010/main">
+          <mc:Choice Requires="p14">
             <p:contentPart p14:bwMode="auto" r:id="rId76">
               <p14:nvContentPartPr>
                 <p14:cNvPr id="62" name="Ink 61">
@@ -9977,7 +10006,7 @@
               </p14:xfrm>
             </p:contentPart>
           </mc:Choice>
-          <mc:Fallback>
+          <mc:Fallback xmlns="">
             <p:pic>
               <p:nvPicPr>
                 <p:cNvPr id="62" name="Ink 61">
@@ -10009,8 +10038,8 @@
           </mc:Fallback>
         </mc:AlternateContent>
       </p:grpSp>
-      <mc:AlternateContent xmlns:mc="http://schemas.openxmlformats.org/markup-compatibility/2006">
-        <mc:Choice xmlns:p14="http://schemas.microsoft.com/office/powerpoint/2010/main" Requires="p14">
+      <mc:AlternateContent xmlns:mc="http://schemas.openxmlformats.org/markup-compatibility/2006" xmlns:p14="http://schemas.microsoft.com/office/powerpoint/2010/main">
+        <mc:Choice Requires="p14">
           <p:contentPart p14:bwMode="auto" r:id="rId78">
             <p14:nvContentPartPr>
               <p14:cNvPr id="63" name="Ink 62">
@@ -10029,7 +10058,7 @@
             </p14:xfrm>
           </p:contentPart>
         </mc:Choice>
-        <mc:Fallback>
+        <mc:Fallback xmlns="">
           <p:pic>
             <p:nvPicPr>
               <p:cNvPr id="63" name="Ink 62">
@@ -10060,8 +10089,8 @@
           </p:pic>
         </mc:Fallback>
       </mc:AlternateContent>
-      <mc:AlternateContent xmlns:mc="http://schemas.openxmlformats.org/markup-compatibility/2006">
-        <mc:Choice xmlns:p14="http://schemas.microsoft.com/office/powerpoint/2010/main" Requires="p14">
+      <mc:AlternateContent xmlns:mc="http://schemas.openxmlformats.org/markup-compatibility/2006" xmlns:p14="http://schemas.microsoft.com/office/powerpoint/2010/main">
+        <mc:Choice Requires="p14">
           <p:contentPart p14:bwMode="auto" r:id="rId80">
             <p14:nvContentPartPr>
               <p14:cNvPr id="64" name="Ink 63">
@@ -10080,7 +10109,7 @@
             </p14:xfrm>
           </p:contentPart>
         </mc:Choice>
-        <mc:Fallback>
+        <mc:Fallback xmlns="">
           <p:pic>
             <p:nvPicPr>
               <p:cNvPr id="64" name="Ink 63">

--- a/02_analysis/04_sv/03_figures/ig_2023_08_18_fig_sv.pptx
+++ b/02_analysis/04_sv/03_figures/ig_2023_08_18_fig_sv.pptx
@@ -118,7 +118,7 @@
 <file path=ppt/revisionInfo.xml><?xml version="1.0" encoding="utf-8"?>
 <p1510:revInfo xmlns:a="http://schemas.openxmlformats.org/drawingml/2006/main" xmlns:r="http://schemas.openxmlformats.org/officeDocument/2006/relationships" xmlns:p1510="http://schemas.microsoft.com/office/powerpoint/2015/10/main">
   <p1510:revLst>
-    <p1510:client id="{1720320C-2886-A44F-B1A5-AC29DAC23C38}" v="708" dt="2023-09-11T10:52:34.345"/>
+    <p1510:client id="{1720320C-2886-A44F-B1A5-AC29DAC23C38}" v="709" dt="2023-09-13T09:19:30.165"/>
   </p1510:revLst>
 </p1510:revInfo>
 </file>
@@ -128,16 +128,24 @@
   <pc:docChgLst>
     <pc:chgData name="Ann Igolkina" userId="4d1b5d7ddf2bbc78" providerId="LiveId" clId="{1720320C-2886-A44F-B1A5-AC29DAC23C38}"/>
     <pc:docChg chg="undo redo custSel addSld delSld modSld">
-      <pc:chgData name="Ann Igolkina" userId="4d1b5d7ddf2bbc78" providerId="LiveId" clId="{1720320C-2886-A44F-B1A5-AC29DAC23C38}" dt="2023-09-11T10:52:34.345" v="1086" actId="1076"/>
+      <pc:chgData name="Ann Igolkina" userId="4d1b5d7ddf2bbc78" providerId="LiveId" clId="{1720320C-2886-A44F-B1A5-AC29DAC23C38}" dt="2023-09-13T09:19:32.244" v="1094" actId="20577"/>
       <pc:docMkLst>
         <pc:docMk/>
       </pc:docMkLst>
       <pc:sldChg chg="addSp delSp modSp mod">
-        <pc:chgData name="Ann Igolkina" userId="4d1b5d7ddf2bbc78" providerId="LiveId" clId="{1720320C-2886-A44F-B1A5-AC29DAC23C38}" dt="2023-09-11T10:52:34.345" v="1086" actId="1076"/>
+        <pc:chgData name="Ann Igolkina" userId="4d1b5d7ddf2bbc78" providerId="LiveId" clId="{1720320C-2886-A44F-B1A5-AC29DAC23C38}" dt="2023-09-13T09:19:32.244" v="1094" actId="20577"/>
         <pc:sldMkLst>
           <pc:docMk/>
           <pc:sldMk cId="3114100624" sldId="256"/>
         </pc:sldMkLst>
+        <pc:spChg chg="add mod">
+          <ac:chgData name="Ann Igolkina" userId="4d1b5d7ddf2bbc78" providerId="LiveId" clId="{1720320C-2886-A44F-B1A5-AC29DAC23C38}" dt="2023-09-13T09:19:32.244" v="1094" actId="20577"/>
+          <ac:spMkLst>
+            <pc:docMk/>
+            <pc:sldMk cId="3114100624" sldId="256"/>
+            <ac:spMk id="4" creationId="{EA61D29A-9C46-B0DC-240B-C9218EAF23FB}"/>
+          </ac:spMkLst>
+        </pc:spChg>
         <pc:spChg chg="add del mod">
           <ac:chgData name="Ann Igolkina" userId="4d1b5d7ddf2bbc78" providerId="LiveId" clId="{1720320C-2886-A44F-B1A5-AC29DAC23C38}" dt="2023-09-08T11:55:54.742" v="638" actId="767"/>
           <ac:spMkLst>
@@ -4209,7 +4217,7 @@
           <a:p>
             <a:fld id="{54B5EF71-3848-8048-B7D2-636D112955BB}" type="datetimeFigureOut">
               <a:rPr lang="en-AT" smtClean="0"/>
-              <a:t>11.09.23</a:t>
+              <a:t>13.09.23</a:t>
             </a:fld>
             <a:endParaRPr lang="en-AT"/>
           </a:p>
@@ -4379,7 +4387,7 @@
           <a:p>
             <a:fld id="{54B5EF71-3848-8048-B7D2-636D112955BB}" type="datetimeFigureOut">
               <a:rPr lang="en-AT" smtClean="0"/>
-              <a:t>11.09.23</a:t>
+              <a:t>13.09.23</a:t>
             </a:fld>
             <a:endParaRPr lang="en-AT"/>
           </a:p>
@@ -4559,7 +4567,7 @@
           <a:p>
             <a:fld id="{54B5EF71-3848-8048-B7D2-636D112955BB}" type="datetimeFigureOut">
               <a:rPr lang="en-AT" smtClean="0"/>
-              <a:t>11.09.23</a:t>
+              <a:t>13.09.23</a:t>
             </a:fld>
             <a:endParaRPr lang="en-AT"/>
           </a:p>
@@ -4729,7 +4737,7 @@
           <a:p>
             <a:fld id="{54B5EF71-3848-8048-B7D2-636D112955BB}" type="datetimeFigureOut">
               <a:rPr lang="en-AT" smtClean="0"/>
-              <a:t>11.09.23</a:t>
+              <a:t>13.09.23</a:t>
             </a:fld>
             <a:endParaRPr lang="en-AT"/>
           </a:p>
@@ -4973,7 +4981,7 @@
           <a:p>
             <a:fld id="{54B5EF71-3848-8048-B7D2-636D112955BB}" type="datetimeFigureOut">
               <a:rPr lang="en-AT" smtClean="0"/>
-              <a:t>11.09.23</a:t>
+              <a:t>13.09.23</a:t>
             </a:fld>
             <a:endParaRPr lang="en-AT"/>
           </a:p>
@@ -5205,7 +5213,7 @@
           <a:p>
             <a:fld id="{54B5EF71-3848-8048-B7D2-636D112955BB}" type="datetimeFigureOut">
               <a:rPr lang="en-AT" smtClean="0"/>
-              <a:t>11.09.23</a:t>
+              <a:t>13.09.23</a:t>
             </a:fld>
             <a:endParaRPr lang="en-AT"/>
           </a:p>
@@ -5572,7 +5580,7 @@
           <a:p>
             <a:fld id="{54B5EF71-3848-8048-B7D2-636D112955BB}" type="datetimeFigureOut">
               <a:rPr lang="en-AT" smtClean="0"/>
-              <a:t>11.09.23</a:t>
+              <a:t>13.09.23</a:t>
             </a:fld>
             <a:endParaRPr lang="en-AT"/>
           </a:p>
@@ -5690,7 +5698,7 @@
           <a:p>
             <a:fld id="{54B5EF71-3848-8048-B7D2-636D112955BB}" type="datetimeFigureOut">
               <a:rPr lang="en-AT" smtClean="0"/>
-              <a:t>11.09.23</a:t>
+              <a:t>13.09.23</a:t>
             </a:fld>
             <a:endParaRPr lang="en-AT"/>
           </a:p>
@@ -5785,7 +5793,7 @@
           <a:p>
             <a:fld id="{54B5EF71-3848-8048-B7D2-636D112955BB}" type="datetimeFigureOut">
               <a:rPr lang="en-AT" smtClean="0"/>
-              <a:t>11.09.23</a:t>
+              <a:t>13.09.23</a:t>
             </a:fld>
             <a:endParaRPr lang="en-AT"/>
           </a:p>
@@ -6062,7 +6070,7 @@
           <a:p>
             <a:fld id="{54B5EF71-3848-8048-B7D2-636D112955BB}" type="datetimeFigureOut">
               <a:rPr lang="en-AT" smtClean="0"/>
-              <a:t>11.09.23</a:t>
+              <a:t>13.09.23</a:t>
             </a:fld>
             <a:endParaRPr lang="en-AT"/>
           </a:p>
@@ -6319,7 +6327,7 @@
           <a:p>
             <a:fld id="{54B5EF71-3848-8048-B7D2-636D112955BB}" type="datetimeFigureOut">
               <a:rPr lang="en-AT" smtClean="0"/>
-              <a:t>11.09.23</a:t>
+              <a:t>13.09.23</a:t>
             </a:fld>
             <a:endParaRPr lang="en-AT"/>
           </a:p>
@@ -6532,7 +6540,7 @@
           <a:p>
             <a:fld id="{54B5EF71-3848-8048-B7D2-636D112955BB}" type="datetimeFigureOut">
               <a:rPr lang="en-AT" smtClean="0"/>
-              <a:t>11.09.23</a:t>
+              <a:t>13.09.23</a:t>
             </a:fld>
             <a:endParaRPr lang="en-AT"/>
           </a:p>
@@ -7422,6 +7430,41 @@
           </a:fontRef>
         </p:style>
       </p:cxnSp>
+      <p:sp>
+        <p:nvSpPr>
+          <p:cNvPr id="4" name="TextBox 3">
+            <a:extLst>
+              <a:ext uri="{FF2B5EF4-FFF2-40B4-BE49-F238E27FC236}">
+                <a16:creationId xmlns:a16="http://schemas.microsoft.com/office/drawing/2014/main" id="{EA61D29A-9C46-B0DC-240B-C9218EAF23FB}"/>
+              </a:ext>
+            </a:extLst>
+          </p:cNvPr>
+          <p:cNvSpPr txBox="1"/>
+          <p:nvPr/>
+        </p:nvSpPr>
+        <p:spPr>
+          <a:xfrm>
+            <a:off x="14565086" y="8245929"/>
+            <a:ext cx="802079" cy="369332"/>
+          </a:xfrm>
+          <a:prstGeom prst="rect">
+            <a:avLst/>
+          </a:prstGeom>
+          <a:noFill/>
+        </p:spPr>
+        <p:txBody>
+          <a:bodyPr wrap="none" rtlCol="0">
+            <a:spAutoFit/>
+          </a:bodyPr>
+          <a:lstStyle/>
+          <a:p>
+            <a:r>
+              <a:rPr lang="en-AT" dirty="0"/>
+              <a:t>not inf</a:t>
+            </a:r>
+          </a:p>
+        </p:txBody>
+      </p:sp>
     </p:spTree>
     <p:extLst>
       <p:ext uri="{BB962C8B-B14F-4D97-AF65-F5344CB8AC3E}">
